--- a/slides/prelim_presentation.pptx
+++ b/slides/prelim_presentation.pptx
@@ -35,6 +35,9 @@
     <p:sldId id="280" r:id="rId32"/>
     <p:sldId id="281" r:id="rId33"/>
     <p:sldId id="282" r:id="rId34"/>
+    <p:sldId id="283" r:id="rId35"/>
+    <p:sldId id="284" r:id="rId36"/>
+    <p:sldId id="285" r:id="rId37"/>
   </p:sldIdLst>
   <p:sldSz cx="13004800" cy="9753600"/>
   <p:notesSz cx="6858000" cy="9144000"/>
@@ -3118,74 +3121,80 @@
           <a:chExt cx="0" cy="0"/>
         </a:xfrm>
       </p:grpSpPr>
-      <p:sp>
-        <p:nvSpPr>
-          <p:cNvPr id="162" name="Shape 162"/>
-          <p:cNvSpPr/>
-          <p:nvPr>
-            <p:ph type="title"/>
-          </p:nvPr>
-        </p:nvSpPr>
-        <p:spPr>
-          <a:prstGeom prst="rect">
-            <a:avLst/>
-          </a:prstGeom>
-        </p:spPr>
-        <p:txBody>
-          <a:bodyPr/>
-          <a:lstStyle/>
-          <a:p>
-            <a:pPr defTabSz="490727">
-              <a:defRPr sz="6719"/>
-            </a:pPr>
-            <a:r>
-              <a:t>Data Collection</a:t>
-            </a:r>
-            <a:br/>
-            <a:r>
-              <a:t>Projects</a:t>
-            </a:r>
-          </a:p>
-        </p:txBody>
-      </p:sp>
       <p:pic>
         <p:nvPicPr>
-          <p:cNvPr id="163" name="Screen Shot 2016-02-09 at 1.03.19 PM.png"/>
+          <p:cNvPr id="173" name="epc-flow-charts.pdf"/>
           <p:cNvPicPr>
             <a:picLocks noChangeAspect="1"/>
           </p:cNvPicPr>
-          <p:nvPr/>
+          <p:nvPr>
+            <p:ph type="pic" idx="13"/>
+          </p:nvPr>
         </p:nvPicPr>
         <p:blipFill>
           <a:blip r:embed="rId2">
             <a:extLst/>
           </a:blip>
+          <a:srcRect l="0" t="0" r="0" b="0"/>
           <a:stretch>
             <a:fillRect/>
           </a:stretch>
         </p:blipFill>
         <p:spPr>
           <a:xfrm>
-            <a:off x="2018429" y="2508391"/>
-            <a:ext cx="8967942" cy="6489418"/>
+            <a:off x="2446932" y="1993106"/>
+            <a:ext cx="8111112" cy="6973951"/>
           </a:xfrm>
           <a:prstGeom prst="rect">
             <a:avLst/>
           </a:prstGeom>
-          <a:ln w="12700">
-            <a:miter lim="400000"/>
-          </a:ln>
         </p:spPr>
       </p:pic>
       <p:sp>
         <p:nvSpPr>
-          <p:cNvPr id="164" name="Shape 164"/>
+          <p:cNvPr id="174" name="Shape 174"/>
+          <p:cNvSpPr/>
+          <p:nvPr>
+            <p:ph type="title"/>
+          </p:nvPr>
+        </p:nvSpPr>
+        <p:spPr>
+          <a:xfrm>
+            <a:off x="1270000" y="292100"/>
+            <a:ext cx="10464800" cy="1422400"/>
+          </a:xfrm>
+          <a:prstGeom prst="rect">
+            <a:avLst/>
+          </a:prstGeom>
+        </p:spPr>
+        <p:txBody>
+          <a:bodyPr/>
+          <a:lstStyle>
+            <a:lvl1pPr defTabSz="449833">
+              <a:defRPr sz="6160"/>
+            </a:lvl1pPr>
+          </a:lstStyle>
+          <a:p>
+            <a:pPr/>
+            <a:r>
+              <a:t>Methodology: Data Collection</a:t>
+            </a:r>
+          </a:p>
+        </p:txBody>
+      </p:sp>
+      <p:sp>
+        <p:nvSpPr>
+          <p:cNvPr id="175" name="Shape 175"/>
           <p:cNvSpPr/>
           <p:nvPr>
             <p:ph type="sldNum" sz="quarter" idx="4294967295"/>
           </p:nvPr>
         </p:nvSpPr>
         <p:spPr>
+          <a:xfrm>
+            <a:off x="6311798" y="9245600"/>
+            <a:ext cx="368504" cy="381000"/>
+          </a:xfrm>
           <a:prstGeom prst="rect">
             <a:avLst/>
           </a:prstGeom>
@@ -3201,6 +3210,91 @@
           <a:p>
             <a:pPr/>
             <a:fld id="{86CB4B4D-7CA3-9044-876B-883B54F8677D}" type="slidenum"/>
+          </a:p>
+        </p:txBody>
+      </p:sp>
+      <p:sp>
+        <p:nvSpPr>
+          <p:cNvPr id="176" name="Shape 176"/>
+          <p:cNvSpPr/>
+          <p:nvPr/>
+        </p:nvSpPr>
+        <p:spPr>
+          <a:xfrm>
+            <a:off x="2425476" y="1895127"/>
+            <a:ext cx="3470921" cy="1748484"/>
+          </a:xfrm>
+          <a:prstGeom prst="roundRect">
+            <a:avLst>
+              <a:gd name="adj" fmla="val 13242"/>
+            </a:avLst>
+          </a:prstGeom>
+          <a:solidFill>
+            <a:schemeClr val="accent3">
+              <a:satOff val="18648"/>
+              <a:lumOff val="5971"/>
+              <a:alpha val="40553"/>
+            </a:schemeClr>
+          </a:solidFill>
+          <a:ln w="63500">
+            <a:solidFill>
+              <a:schemeClr val="accent5">
+                <a:alpha val="40553"/>
+              </a:schemeClr>
+            </a:solidFill>
+            <a:miter lim="400000"/>
+          </a:ln>
+          <a:effectLst>
+            <a:outerShdw sx="100000" sy="100000" kx="0" ky="0" algn="b" rotWithShape="0" blurRad="355600" dist="0" dir="0">
+              <a:srgbClr val="000000">
+                <a:alpha val="75000"/>
+              </a:srgbClr>
+            </a:outerShdw>
+          </a:effectLst>
+        </p:spPr>
+        <p:txBody>
+          <a:bodyPr lIns="50800" tIns="50800" rIns="50800" bIns="50800" anchor="ctr"/>
+          <a:lstStyle/>
+          <a:p>
+            <a:pPr>
+              <a:defRPr sz="2400">
+                <a:solidFill>
+                  <a:srgbClr val="FFFFFF"/>
+                </a:solidFill>
+              </a:defRPr>
+            </a:pPr>
+          </a:p>
+        </p:txBody>
+      </p:sp>
+      <p:sp>
+        <p:nvSpPr>
+          <p:cNvPr id="177" name="Shape 177"/>
+          <p:cNvSpPr/>
+          <p:nvPr/>
+        </p:nvSpPr>
+        <p:spPr>
+          <a:xfrm>
+            <a:off x="585675" y="2769368"/>
+            <a:ext cx="1725725" cy="1"/>
+          </a:xfrm>
+          <a:prstGeom prst="line">
+            <a:avLst/>
+          </a:prstGeom>
+          <a:ln w="114300">
+            <a:solidFill>
+              <a:srgbClr val="000000"/>
+            </a:solidFill>
+            <a:miter lim="400000"/>
+            <a:tailEnd type="triangle"/>
+          </a:ln>
+        </p:spPr>
+        <p:txBody>
+          <a:bodyPr lIns="50800" tIns="50800" rIns="50800" bIns="50800" anchor="ctr"/>
+          <a:lstStyle/>
+          <a:p>
+            <a:pPr>
+              <a:defRPr sz="2400"/>
+            </a:pPr>
           </a:p>
         </p:txBody>
       </p:sp>
@@ -3230,80 +3324,78 @@
           <a:chExt cx="0" cy="0"/>
         </a:xfrm>
       </p:grpSpPr>
+      <p:sp>
+        <p:nvSpPr>
+          <p:cNvPr id="179" name="Shape 179"/>
+          <p:cNvSpPr/>
+          <p:nvPr>
+            <p:ph type="title"/>
+          </p:nvPr>
+        </p:nvSpPr>
+        <p:spPr>
+          <a:prstGeom prst="rect">
+            <a:avLst/>
+          </a:prstGeom>
+        </p:spPr>
+        <p:txBody>
+          <a:bodyPr/>
+          <a:lstStyle/>
+          <a:p>
+            <a:pPr defTabSz="490727">
+              <a:defRPr sz="6719"/>
+            </a:pPr>
+            <a:r>
+              <a:t>Data Collection</a:t>
+            </a:r>
+          </a:p>
+          <a:p>
+            <a:pPr defTabSz="490727">
+              <a:defRPr sz="6719"/>
+            </a:pPr>
+            <a:r>
+              <a:t>Categories</a:t>
+            </a:r>
+          </a:p>
+        </p:txBody>
+      </p:sp>
       <p:pic>
         <p:nvPicPr>
-          <p:cNvPr id="166" name="epc-flow-charts.pdf"/>
+          <p:cNvPr id="180" name="Screen Shot 2016-02-09 at 1.01.59 PM.png"/>
           <p:cNvPicPr>
             <a:picLocks noChangeAspect="1"/>
           </p:cNvPicPr>
-          <p:nvPr>
-            <p:ph type="pic" idx="13"/>
-          </p:nvPr>
+          <p:nvPr/>
         </p:nvPicPr>
         <p:blipFill>
           <a:blip r:embed="rId2">
             <a:extLst/>
           </a:blip>
-          <a:srcRect l="0" t="0" r="0" b="0"/>
           <a:stretch>
             <a:fillRect/>
           </a:stretch>
         </p:blipFill>
         <p:spPr>
           <a:xfrm>
-            <a:off x="2446932" y="1993106"/>
-            <a:ext cx="8111112" cy="6973951"/>
+            <a:off x="1735212" y="3607557"/>
+            <a:ext cx="9534376" cy="2538486"/>
           </a:xfrm>
           <a:prstGeom prst="rect">
             <a:avLst/>
           </a:prstGeom>
+          <a:ln w="12700">
+            <a:miter lim="400000"/>
+          </a:ln>
         </p:spPr>
       </p:pic>
       <p:sp>
         <p:nvSpPr>
-          <p:cNvPr id="167" name="Shape 167"/>
-          <p:cNvSpPr/>
-          <p:nvPr>
-            <p:ph type="title"/>
-          </p:nvPr>
-        </p:nvSpPr>
-        <p:spPr>
-          <a:xfrm>
-            <a:off x="1270000" y="292100"/>
-            <a:ext cx="10464800" cy="1422400"/>
-          </a:xfrm>
-          <a:prstGeom prst="rect">
-            <a:avLst/>
-          </a:prstGeom>
-        </p:spPr>
-        <p:txBody>
-          <a:bodyPr/>
-          <a:lstStyle>
-            <a:lvl1pPr defTabSz="391414">
-              <a:defRPr sz="5360"/>
-            </a:lvl1pPr>
-          </a:lstStyle>
-          <a:p>
-            <a:pPr/>
-            <a:r>
-              <a:t>Methodology: Statistical Modeling</a:t>
-            </a:r>
-          </a:p>
-        </p:txBody>
-      </p:sp>
-      <p:sp>
-        <p:nvSpPr>
-          <p:cNvPr id="168" name="Shape 168"/>
+          <p:cNvPr id="181" name="Shape 181"/>
           <p:cNvSpPr/>
           <p:nvPr>
             <p:ph type="sldNum" sz="quarter" idx="4294967295"/>
           </p:nvPr>
         </p:nvSpPr>
         <p:spPr>
-          <a:xfrm>
-            <a:off x="6311798" y="9245600"/>
-            <a:ext cx="368504" cy="381000"/>
-          </a:xfrm>
           <a:prstGeom prst="rect">
             <a:avLst/>
           </a:prstGeom>
@@ -3319,91 +3411,6 @@
           <a:p>
             <a:pPr/>
             <a:fld id="{86CB4B4D-7CA3-9044-876B-883B54F8677D}" type="slidenum"/>
-          </a:p>
-        </p:txBody>
-      </p:sp>
-      <p:sp>
-        <p:nvSpPr>
-          <p:cNvPr id="169" name="Shape 169"/>
-          <p:cNvSpPr/>
-          <p:nvPr/>
-        </p:nvSpPr>
-        <p:spPr>
-          <a:xfrm>
-            <a:off x="3719735" y="3812827"/>
-            <a:ext cx="4337051" cy="1905398"/>
-          </a:xfrm>
-          <a:prstGeom prst="roundRect">
-            <a:avLst>
-              <a:gd name="adj" fmla="val 22879"/>
-            </a:avLst>
-          </a:prstGeom>
-          <a:solidFill>
-            <a:schemeClr val="accent3">
-              <a:satOff val="18648"/>
-              <a:lumOff val="5971"/>
-              <a:alpha val="40553"/>
-            </a:schemeClr>
-          </a:solidFill>
-          <a:ln w="63500">
-            <a:solidFill>
-              <a:schemeClr val="accent5">
-                <a:alpha val="40553"/>
-              </a:schemeClr>
-            </a:solidFill>
-            <a:miter lim="400000"/>
-          </a:ln>
-          <a:effectLst>
-            <a:outerShdw sx="100000" sy="100000" kx="0" ky="0" algn="b" rotWithShape="0" blurRad="355600" dist="0" dir="0">
-              <a:srgbClr val="000000">
-                <a:alpha val="75000"/>
-              </a:srgbClr>
-            </a:outerShdw>
-          </a:effectLst>
-        </p:spPr>
-        <p:txBody>
-          <a:bodyPr lIns="50800" tIns="50800" rIns="50800" bIns="50800" anchor="ctr"/>
-          <a:lstStyle/>
-          <a:p>
-            <a:pPr>
-              <a:defRPr sz="2400">
-                <a:solidFill>
-                  <a:srgbClr val="FFFFFF"/>
-                </a:solidFill>
-              </a:defRPr>
-            </a:pPr>
-          </a:p>
-        </p:txBody>
-      </p:sp>
-      <p:sp>
-        <p:nvSpPr>
-          <p:cNvPr id="170" name="Shape 170"/>
-          <p:cNvSpPr/>
-          <p:nvPr/>
-        </p:nvSpPr>
-        <p:spPr>
-          <a:xfrm>
-            <a:off x="1187147" y="4765526"/>
-            <a:ext cx="2102153" cy="1"/>
-          </a:xfrm>
-          <a:prstGeom prst="line">
-            <a:avLst/>
-          </a:prstGeom>
-          <a:ln w="139700">
-            <a:solidFill>
-              <a:srgbClr val="000000"/>
-            </a:solidFill>
-            <a:miter lim="400000"/>
-            <a:tailEnd type="triangle"/>
-          </a:ln>
-        </p:spPr>
-        <p:txBody>
-          <a:bodyPr lIns="50800" tIns="50800" rIns="50800" bIns="50800" anchor="ctr"/>
-          <a:lstStyle/>
-          <a:p>
-            <a:pPr>
-              <a:defRPr sz="2400"/>
-            </a:pPr>
           </a:p>
         </p:txBody>
       </p:sp>
@@ -3435,7 +3442,7 @@
       </p:grpSpPr>
       <p:sp>
         <p:nvSpPr>
-          <p:cNvPr id="172" name="Shape 172"/>
+          <p:cNvPr id="183" name="Shape 183"/>
           <p:cNvSpPr/>
           <p:nvPr>
             <p:ph type="title"/>
@@ -3450,112 +3457,51 @@
           <a:bodyPr/>
           <a:lstStyle/>
           <a:p>
-            <a:pPr/>
-            <a:r>
-              <a:t>Statistical Model</a:t>
-            </a:r>
-          </a:p>
-        </p:txBody>
-      </p:sp>
-      <p:sp>
-        <p:nvSpPr>
-          <p:cNvPr id="173" name="Shape 173"/>
-          <p:cNvSpPr/>
-          <p:nvPr>
-            <p:ph type="body" idx="1"/>
-          </p:nvPr>
-        </p:nvSpPr>
-        <p:spPr>
-          <a:prstGeom prst="rect">
-            <a:avLst/>
-          </a:prstGeom>
-        </p:spPr>
-        <p:txBody>
-          <a:bodyPr/>
-          <a:lstStyle/>
-          <a:p>
-            <a:pPr marL="404495" indent="-404495" defTabSz="531622">
-              <a:spcBef>
-                <a:spcPts val="3800"/>
-              </a:spcBef>
-              <a:defRPr sz="3276"/>
+            <a:pPr defTabSz="490727">
+              <a:defRPr sz="6719"/>
             </a:pPr>
             <a:r>
-              <a:t>Longitudinal</a:t>
-            </a:r>
-          </a:p>
-          <a:p>
-            <a:pPr marL="404495" indent="-404495" defTabSz="531622">
-              <a:spcBef>
-                <a:spcPts val="3800"/>
-              </a:spcBef>
-              <a:defRPr sz="3276"/>
-            </a:pPr>
-            <a:r>
-              <a:t>Developer-oriented</a:t>
-            </a:r>
-          </a:p>
-          <a:p>
-            <a:pPr lvl="1" marL="719102" indent="-314607" defTabSz="531622">
-              <a:spcBef>
-                <a:spcPts val="2900"/>
-              </a:spcBef>
-              <a:defRPr sz="2548"/>
-            </a:pPr>
-            <a:r>
-              <a:t>Likelihood of forming ties, maintaining ties, …</a:t>
-            </a:r>
-          </a:p>
-          <a:p>
-            <a:pPr marL="404495" indent="-404495" defTabSz="531622">
-              <a:spcBef>
-                <a:spcPts val="3800"/>
-              </a:spcBef>
-              <a:defRPr sz="3276"/>
-            </a:pPr>
-            <a:r>
-              <a:t>Stochastic</a:t>
-            </a:r>
-          </a:p>
-          <a:p>
-            <a:pPr lvl="1" marL="719102" indent="-314607" defTabSz="531622">
-              <a:spcBef>
-                <a:spcPts val="2900"/>
-              </a:spcBef>
-              <a:defRPr sz="2548"/>
-            </a:pPr>
-            <a:r>
-              <a:t>Optimize an objective function</a:t>
-            </a:r>
-          </a:p>
-          <a:p>
-            <a:pPr lvl="1" marL="719102" indent="-314607" defTabSz="531622">
-              <a:spcBef>
-                <a:spcPts val="2900"/>
-              </a:spcBef>
-              <a:defRPr sz="2548"/>
-            </a:pPr>
-            <a:r>
-              <a:t>Assume observed graphs as outcomes of a continuous-time Markov process </a:t>
-            </a:r>
-            <a:endParaRPr sz="1092"/>
-          </a:p>
-          <a:p>
-            <a:pPr marL="404495" indent="-404495" defTabSz="531622">
-              <a:spcBef>
-                <a:spcPts val="3800"/>
-              </a:spcBef>
-              <a:defRPr sz="3276"/>
-            </a:pPr>
-            <a:r>
-              <a:t>Estimated</a:t>
-            </a:r>
-          </a:p>
-        </p:txBody>
-      </p:sp>
-      <p:sp>
-        <p:nvSpPr>
-          <p:cNvPr id="174" name="Shape 174"/>
+              <a:t>Data Collection</a:t>
+            </a:r>
+            <a:br/>
+            <a:r>
+              <a:t>Projects</a:t>
+            </a:r>
+          </a:p>
+        </p:txBody>
+      </p:sp>
+      <p:pic>
+        <p:nvPicPr>
+          <p:cNvPr id="184" name="Screen Shot 2016-02-09 at 1.03.19 PM.png"/>
+          <p:cNvPicPr>
+            <a:picLocks noChangeAspect="1"/>
+          </p:cNvPicPr>
+          <p:nvPr/>
+        </p:nvPicPr>
+        <p:blipFill>
+          <a:blip r:embed="rId2">
+            <a:extLst/>
+          </a:blip>
+          <a:stretch>
+            <a:fillRect/>
+          </a:stretch>
+        </p:blipFill>
+        <p:spPr>
+          <a:xfrm>
+            <a:off x="2501029" y="2508391"/>
+            <a:ext cx="8967942" cy="6489418"/>
+          </a:xfrm>
+          <a:prstGeom prst="rect">
+            <a:avLst/>
+          </a:prstGeom>
+          <a:ln w="12700">
+            <a:miter lim="400000"/>
+          </a:ln>
+        </p:spPr>
+      </p:pic>
+      <p:sp>
+        <p:nvSpPr>
+          <p:cNvPr id="185" name="Shape 185"/>
           <p:cNvSpPr/>
           <p:nvPr>
             <p:ph type="sldNum" sz="quarter" idx="4294967295"/>
@@ -3577,6 +3523,419 @@
           <a:p>
             <a:pPr/>
             <a:fld id="{86CB4B4D-7CA3-9044-876B-883B54F8677D}" type="slidenum"/>
+          </a:p>
+        </p:txBody>
+      </p:sp>
+      <p:sp>
+        <p:nvSpPr>
+          <p:cNvPr id="186" name="Shape 186"/>
+          <p:cNvSpPr/>
+          <p:nvPr/>
+        </p:nvSpPr>
+        <p:spPr>
+          <a:xfrm>
+            <a:off x="1840378" y="3759200"/>
+            <a:ext cx="1059018" cy="990601"/>
+          </a:xfrm>
+          <a:prstGeom prst="rect">
+            <a:avLst/>
+          </a:prstGeom>
+          <a:ln w="12700">
+            <a:miter lim="400000"/>
+          </a:ln>
+          <a:extLst>
+            <a:ext uri="{C572A759-6A51-4108-AA02-DFA0A04FC94B}">
+              <ma14:wrappingTextBoxFlag xmlns:ma14="http://schemas.microsoft.com/office/mac/drawingml/2011/main" val="1"/>
+            </a:ext>
+          </a:extLst>
+        </p:spPr>
+        <p:txBody>
+          <a:bodyPr lIns="50800" tIns="50800" rIns="50800" bIns="50800" anchor="ctr">
+            <a:spAutoFit/>
+          </a:bodyPr>
+          <a:lstStyle>
+            <a:lvl1pPr>
+              <a:defRPr sz="5800">
+                <a:latin typeface="Helvetica"/>
+                <a:ea typeface="Helvetica"/>
+                <a:cs typeface="Helvetica"/>
+                <a:sym typeface="Helvetica"/>
+              </a:defRPr>
+            </a:lvl1pPr>
+          </a:lstStyle>
+          <a:p>
+            <a:pPr/>
+            <a:r>
+              <a:t>{</a:t>
+            </a:r>
+          </a:p>
+        </p:txBody>
+      </p:sp>
+      <p:sp>
+        <p:nvSpPr>
+          <p:cNvPr id="187" name="Shape 187"/>
+          <p:cNvSpPr/>
+          <p:nvPr/>
+        </p:nvSpPr>
+        <p:spPr>
+          <a:xfrm>
+            <a:off x="2155372" y="7353300"/>
+            <a:ext cx="525717" cy="1600201"/>
+          </a:xfrm>
+          <a:prstGeom prst="rect">
+            <a:avLst/>
+          </a:prstGeom>
+          <a:ln w="12700">
+            <a:miter lim="400000"/>
+          </a:ln>
+          <a:extLst>
+            <a:ext uri="{C572A759-6A51-4108-AA02-DFA0A04FC94B}">
+              <ma14:wrappingTextBoxFlag xmlns:ma14="http://schemas.microsoft.com/office/mac/drawingml/2011/main" val="1"/>
+            </a:ext>
+          </a:extLst>
+        </p:spPr>
+        <p:txBody>
+          <a:bodyPr lIns="50800" tIns="50800" rIns="50800" bIns="50800" anchor="ctr">
+            <a:spAutoFit/>
+          </a:bodyPr>
+          <a:lstStyle>
+            <a:lvl1pPr>
+              <a:defRPr sz="9800"/>
+            </a:lvl1pPr>
+          </a:lstStyle>
+          <a:p>
+            <a:pPr/>
+            <a:r>
+              <a:t>{</a:t>
+            </a:r>
+          </a:p>
+        </p:txBody>
+      </p:sp>
+      <p:sp>
+        <p:nvSpPr>
+          <p:cNvPr id="188" name="Shape 188"/>
+          <p:cNvSpPr/>
+          <p:nvPr/>
+        </p:nvSpPr>
+        <p:spPr>
+          <a:xfrm>
+            <a:off x="1237554" y="8032749"/>
+            <a:ext cx="909843" cy="393701"/>
+          </a:xfrm>
+          <a:prstGeom prst="rect">
+            <a:avLst/>
+          </a:prstGeom>
+          <a:ln w="12700">
+            <a:miter lim="400000"/>
+          </a:ln>
+          <a:extLst>
+            <a:ext uri="{C572A759-6A51-4108-AA02-DFA0A04FC94B}">
+              <ma14:wrappingTextBoxFlag xmlns:ma14="http://schemas.microsoft.com/office/mac/drawingml/2011/main" val="1"/>
+            </a:ext>
+          </a:extLst>
+        </p:spPr>
+        <p:txBody>
+          <a:bodyPr lIns="50800" tIns="50800" rIns="50800" bIns="50800" anchor="ctr">
+            <a:spAutoFit/>
+          </a:bodyPr>
+          <a:lstStyle>
+            <a:lvl1pPr>
+              <a:defRPr sz="1900"/>
+            </a:lvl1pPr>
+          </a:lstStyle>
+          <a:p>
+            <a:pPr/>
+            <a:r>
+              <a:t>No.F.</a:t>
+            </a:r>
+          </a:p>
+        </p:txBody>
+      </p:sp>
+      <p:sp>
+        <p:nvSpPr>
+          <p:cNvPr id="189" name="Shape 189"/>
+          <p:cNvSpPr/>
+          <p:nvPr/>
+        </p:nvSpPr>
+        <p:spPr>
+          <a:xfrm>
+            <a:off x="2104572" y="5981699"/>
+            <a:ext cx="525717" cy="1701801"/>
+          </a:xfrm>
+          <a:prstGeom prst="rect">
+            <a:avLst/>
+          </a:prstGeom>
+          <a:ln w="12700">
+            <a:miter lim="400000"/>
+          </a:ln>
+          <a:extLst>
+            <a:ext uri="{C572A759-6A51-4108-AA02-DFA0A04FC94B}">
+              <ma14:wrappingTextBoxFlag xmlns:ma14="http://schemas.microsoft.com/office/mac/drawingml/2011/main" val="1"/>
+            </a:ext>
+          </a:extLst>
+        </p:spPr>
+        <p:txBody>
+          <a:bodyPr lIns="50800" tIns="50800" rIns="50800" bIns="50800" anchor="ctr">
+            <a:spAutoFit/>
+          </a:bodyPr>
+          <a:lstStyle>
+            <a:lvl1pPr>
+              <a:defRPr sz="10500"/>
+            </a:lvl1pPr>
+          </a:lstStyle>
+          <a:p>
+            <a:pPr/>
+            <a:r>
+              <a:t>{</a:t>
+            </a:r>
+          </a:p>
+        </p:txBody>
+      </p:sp>
+      <p:sp>
+        <p:nvSpPr>
+          <p:cNvPr id="190" name="Shape 190"/>
+          <p:cNvSpPr/>
+          <p:nvPr/>
+        </p:nvSpPr>
+        <p:spPr>
+          <a:xfrm>
+            <a:off x="2079172" y="4359275"/>
+            <a:ext cx="525717" cy="1917701"/>
+          </a:xfrm>
+          <a:prstGeom prst="rect">
+            <a:avLst/>
+          </a:prstGeom>
+          <a:ln w="12700">
+            <a:miter lim="400000"/>
+          </a:ln>
+          <a:extLst>
+            <a:ext uri="{C572A759-6A51-4108-AA02-DFA0A04FC94B}">
+              <ma14:wrappingTextBoxFlag xmlns:ma14="http://schemas.microsoft.com/office/mac/drawingml/2011/main" val="1"/>
+            </a:ext>
+          </a:extLst>
+        </p:spPr>
+        <p:txBody>
+          <a:bodyPr lIns="50800" tIns="50800" rIns="50800" bIns="50800" anchor="ctr">
+            <a:spAutoFit/>
+          </a:bodyPr>
+          <a:lstStyle>
+            <a:lvl1pPr>
+              <a:defRPr sz="11900"/>
+            </a:lvl1pPr>
+          </a:lstStyle>
+          <a:p>
+            <a:pPr/>
+            <a:r>
+              <a:t>{</a:t>
+            </a:r>
+          </a:p>
+        </p:txBody>
+      </p:sp>
+      <p:sp>
+        <p:nvSpPr>
+          <p:cNvPr id="191" name="Shape 191"/>
+          <p:cNvSpPr/>
+          <p:nvPr/>
+        </p:nvSpPr>
+        <p:spPr>
+          <a:xfrm>
+            <a:off x="1237554" y="6635749"/>
+            <a:ext cx="909843" cy="393701"/>
+          </a:xfrm>
+          <a:prstGeom prst="rect">
+            <a:avLst/>
+          </a:prstGeom>
+          <a:ln w="12700">
+            <a:miter lim="400000"/>
+          </a:ln>
+          <a:extLst>
+            <a:ext uri="{C572A759-6A51-4108-AA02-DFA0A04FC94B}">
+              <ma14:wrappingTextBoxFlag xmlns:ma14="http://schemas.microsoft.com/office/mac/drawingml/2011/main" val="1"/>
+            </a:ext>
+          </a:extLst>
+        </p:spPr>
+        <p:txBody>
+          <a:bodyPr lIns="50800" tIns="50800" rIns="50800" bIns="50800" anchor="ctr">
+            <a:spAutoFit/>
+          </a:bodyPr>
+          <a:lstStyle>
+            <a:lvl1pPr>
+              <a:defRPr sz="1900"/>
+            </a:lvl1pPr>
+          </a:lstStyle>
+          <a:p>
+            <a:pPr/>
+            <a:r>
+              <a:t>H.F.</a:t>
+            </a:r>
+          </a:p>
+        </p:txBody>
+      </p:sp>
+      <p:sp>
+        <p:nvSpPr>
+          <p:cNvPr id="192" name="Shape 192"/>
+          <p:cNvSpPr/>
+          <p:nvPr/>
+        </p:nvSpPr>
+        <p:spPr>
+          <a:xfrm>
+            <a:off x="1237554" y="5143499"/>
+            <a:ext cx="909843" cy="698501"/>
+          </a:xfrm>
+          <a:prstGeom prst="rect">
+            <a:avLst/>
+          </a:prstGeom>
+          <a:ln w="12700">
+            <a:miter lim="400000"/>
+          </a:ln>
+          <a:extLst>
+            <a:ext uri="{C572A759-6A51-4108-AA02-DFA0A04FC94B}">
+              <ma14:wrappingTextBoxFlag xmlns:ma14="http://schemas.microsoft.com/office/mac/drawingml/2011/main" val="1"/>
+            </a:ext>
+          </a:extLst>
+        </p:spPr>
+        <p:txBody>
+          <a:bodyPr lIns="50800" tIns="50800" rIns="50800" bIns="50800" anchor="ctr">
+            <a:spAutoFit/>
+          </a:bodyPr>
+          <a:lstStyle/>
+          <a:p>
+            <a:pPr>
+              <a:defRPr sz="1900"/>
+            </a:pPr>
+            <a:r>
+              <a:t>U.F.</a:t>
+            </a:r>
+          </a:p>
+          <a:p>
+            <a:pPr>
+              <a:defRPr sz="1000"/>
+            </a:pPr>
+            <a:r>
+              <a:t>community-driven</a:t>
+            </a:r>
+          </a:p>
+        </p:txBody>
+      </p:sp>
+      <p:sp>
+        <p:nvSpPr>
+          <p:cNvPr id="193" name="Shape 193"/>
+          <p:cNvSpPr/>
+          <p:nvPr/>
+        </p:nvSpPr>
+        <p:spPr>
+          <a:xfrm>
+            <a:off x="1162966" y="4108449"/>
+            <a:ext cx="1059019" cy="546101"/>
+          </a:xfrm>
+          <a:prstGeom prst="rect">
+            <a:avLst/>
+          </a:prstGeom>
+          <a:ln w="12700">
+            <a:miter lim="400000"/>
+          </a:ln>
+          <a:extLst>
+            <a:ext uri="{C572A759-6A51-4108-AA02-DFA0A04FC94B}">
+              <ma14:wrappingTextBoxFlag xmlns:ma14="http://schemas.microsoft.com/office/mac/drawingml/2011/main" val="1"/>
+            </a:ext>
+          </a:extLst>
+        </p:spPr>
+        <p:txBody>
+          <a:bodyPr lIns="50800" tIns="50800" rIns="50800" bIns="50800" anchor="ctr">
+            <a:spAutoFit/>
+          </a:bodyPr>
+          <a:lstStyle/>
+          <a:p>
+            <a:pPr>
+              <a:defRPr sz="1900"/>
+            </a:pPr>
+            <a:r>
+              <a:t>U.F. </a:t>
+            </a:r>
+            <a:r>
+              <a:rPr sz="1000"/>
+              <a:t>personal</a:t>
+            </a:r>
+          </a:p>
+        </p:txBody>
+      </p:sp>
+      <p:sp>
+        <p:nvSpPr>
+          <p:cNvPr id="194" name="Shape 194"/>
+          <p:cNvSpPr/>
+          <p:nvPr/>
+        </p:nvSpPr>
+        <p:spPr>
+          <a:xfrm>
+            <a:off x="618672" y="3384550"/>
+            <a:ext cx="909843" cy="2933701"/>
+          </a:xfrm>
+          <a:prstGeom prst="rect">
+            <a:avLst/>
+          </a:prstGeom>
+          <a:ln w="12700">
+            <a:miter lim="400000"/>
+          </a:ln>
+          <a:extLst>
+            <a:ext uri="{C572A759-6A51-4108-AA02-DFA0A04FC94B}">
+              <ma14:wrappingTextBoxFlag xmlns:ma14="http://schemas.microsoft.com/office/mac/drawingml/2011/main" val="1"/>
+            </a:ext>
+          </a:extLst>
+        </p:spPr>
+        <p:txBody>
+          <a:bodyPr lIns="50800" tIns="50800" rIns="50800" bIns="50800" anchor="ctr">
+            <a:spAutoFit/>
+          </a:bodyPr>
+          <a:lstStyle>
+            <a:lvl1pPr>
+              <a:defRPr sz="18600"/>
+            </a:lvl1pPr>
+          </a:lstStyle>
+          <a:p>
+            <a:pPr/>
+            <a:r>
+              <a:t>{</a:t>
+            </a:r>
+          </a:p>
+        </p:txBody>
+      </p:sp>
+      <p:sp>
+        <p:nvSpPr>
+          <p:cNvPr id="195" name="Shape 195"/>
+          <p:cNvSpPr/>
+          <p:nvPr/>
+        </p:nvSpPr>
+        <p:spPr>
+          <a:xfrm>
+            <a:off x="-22696" y="4806949"/>
+            <a:ext cx="1059018" cy="393701"/>
+          </a:xfrm>
+          <a:prstGeom prst="rect">
+            <a:avLst/>
+          </a:prstGeom>
+          <a:ln w="12700">
+            <a:miter lim="400000"/>
+          </a:ln>
+          <a:extLst>
+            <a:ext uri="{C572A759-6A51-4108-AA02-DFA0A04FC94B}">
+              <ma14:wrappingTextBoxFlag xmlns:ma14="http://schemas.microsoft.com/office/mac/drawingml/2011/main" val="1"/>
+            </a:ext>
+          </a:extLst>
+        </p:spPr>
+        <p:txBody>
+          <a:bodyPr lIns="50800" tIns="50800" rIns="50800" bIns="50800" anchor="ctr">
+            <a:spAutoFit/>
+          </a:bodyPr>
+          <a:lstStyle>
+            <a:lvl1pPr>
+              <a:defRPr sz="1900"/>
+            </a:lvl1pPr>
+          </a:lstStyle>
+          <a:p>
+            <a:pPr/>
+            <a:r>
+              <a:t>U.F.</a:t>
+            </a:r>
           </a:p>
         </p:txBody>
       </p:sp>
@@ -3606,78 +3965,80 @@
           <a:chExt cx="0" cy="0"/>
         </a:xfrm>
       </p:grpSpPr>
-      <p:sp>
-        <p:nvSpPr>
-          <p:cNvPr id="176" name="Shape 176"/>
-          <p:cNvSpPr/>
-          <p:nvPr>
-            <p:ph type="title"/>
-          </p:nvPr>
-        </p:nvSpPr>
-        <p:spPr>
-          <a:prstGeom prst="rect">
-            <a:avLst/>
-          </a:prstGeom>
-        </p:spPr>
-        <p:txBody>
-          <a:bodyPr/>
-          <a:lstStyle/>
-          <a:p>
-            <a:pPr defTabSz="490727">
-              <a:defRPr sz="6719"/>
-            </a:pPr>
-            <a:r>
-              <a:t>Statistical Model</a:t>
-            </a:r>
-          </a:p>
-          <a:p>
-            <a:pPr defTabSz="490727">
-              <a:defRPr sz="6719"/>
-            </a:pPr>
-            <a:r>
-              <a:t>Observed Networks</a:t>
-            </a:r>
-          </a:p>
-        </p:txBody>
-      </p:sp>
       <p:pic>
         <p:nvPicPr>
-          <p:cNvPr id="177" name="Screen Shot 2016-02-09 at 1.26.54 PM.png"/>
+          <p:cNvPr id="197" name="epc-flow-charts.pdf"/>
           <p:cNvPicPr>
             <a:picLocks noChangeAspect="1"/>
           </p:cNvPicPr>
-          <p:nvPr/>
+          <p:nvPr>
+            <p:ph type="pic" idx="13"/>
+          </p:nvPr>
         </p:nvPicPr>
         <p:blipFill>
           <a:blip r:embed="rId2">
             <a:extLst/>
           </a:blip>
+          <a:srcRect l="0" t="0" r="0" b="0"/>
           <a:stretch>
             <a:fillRect/>
           </a:stretch>
         </p:blipFill>
         <p:spPr>
           <a:xfrm>
-            <a:off x="952500" y="4293924"/>
-            <a:ext cx="11099800" cy="2918352"/>
+            <a:off x="2446932" y="1993106"/>
+            <a:ext cx="8111112" cy="6973951"/>
           </a:xfrm>
           <a:prstGeom prst="rect">
             <a:avLst/>
           </a:prstGeom>
-          <a:ln w="12700">
-            <a:miter lim="400000"/>
-          </a:ln>
         </p:spPr>
       </p:pic>
       <p:sp>
         <p:nvSpPr>
-          <p:cNvPr id="178" name="Shape 178"/>
+          <p:cNvPr id="198" name="Shape 198"/>
+          <p:cNvSpPr/>
+          <p:nvPr>
+            <p:ph type="title"/>
+          </p:nvPr>
+        </p:nvSpPr>
+        <p:spPr>
+          <a:xfrm>
+            <a:off x="1270000" y="292100"/>
+            <a:ext cx="10464800" cy="1422400"/>
+          </a:xfrm>
+          <a:prstGeom prst="rect">
+            <a:avLst/>
+          </a:prstGeom>
+        </p:spPr>
+        <p:txBody>
+          <a:bodyPr/>
+          <a:lstStyle>
+            <a:lvl1pPr defTabSz="391414">
+              <a:defRPr sz="5360"/>
+            </a:lvl1pPr>
+          </a:lstStyle>
+          <a:p>
+            <a:pPr/>
+            <a:r>
+              <a:t>Methodology: Statistical Modeling</a:t>
+            </a:r>
+          </a:p>
+        </p:txBody>
+      </p:sp>
+      <p:sp>
+        <p:nvSpPr>
+          <p:cNvPr id="199" name="Shape 199"/>
           <p:cNvSpPr/>
           <p:nvPr>
             <p:ph type="sldNum" sz="quarter" idx="4294967295"/>
           </p:nvPr>
         </p:nvSpPr>
         <p:spPr>
+          <a:xfrm>
+            <a:off x="6311798" y="9245600"/>
+            <a:ext cx="368504" cy="381000"/>
+          </a:xfrm>
           <a:prstGeom prst="rect">
             <a:avLst/>
           </a:prstGeom>
@@ -3693,6 +4054,91 @@
           <a:p>
             <a:pPr/>
             <a:fld id="{86CB4B4D-7CA3-9044-876B-883B54F8677D}" type="slidenum"/>
+          </a:p>
+        </p:txBody>
+      </p:sp>
+      <p:sp>
+        <p:nvSpPr>
+          <p:cNvPr id="200" name="Shape 200"/>
+          <p:cNvSpPr/>
+          <p:nvPr/>
+        </p:nvSpPr>
+        <p:spPr>
+          <a:xfrm>
+            <a:off x="3719735" y="3812827"/>
+            <a:ext cx="4337051" cy="1905398"/>
+          </a:xfrm>
+          <a:prstGeom prst="roundRect">
+            <a:avLst>
+              <a:gd name="adj" fmla="val 22879"/>
+            </a:avLst>
+          </a:prstGeom>
+          <a:solidFill>
+            <a:schemeClr val="accent3">
+              <a:satOff val="18648"/>
+              <a:lumOff val="5971"/>
+              <a:alpha val="40553"/>
+            </a:schemeClr>
+          </a:solidFill>
+          <a:ln w="63500">
+            <a:solidFill>
+              <a:schemeClr val="accent5">
+                <a:alpha val="40553"/>
+              </a:schemeClr>
+            </a:solidFill>
+            <a:miter lim="400000"/>
+          </a:ln>
+          <a:effectLst>
+            <a:outerShdw sx="100000" sy="100000" kx="0" ky="0" algn="b" rotWithShape="0" blurRad="355600" dist="0" dir="0">
+              <a:srgbClr val="000000">
+                <a:alpha val="75000"/>
+              </a:srgbClr>
+            </a:outerShdw>
+          </a:effectLst>
+        </p:spPr>
+        <p:txBody>
+          <a:bodyPr lIns="50800" tIns="50800" rIns="50800" bIns="50800" anchor="ctr"/>
+          <a:lstStyle/>
+          <a:p>
+            <a:pPr>
+              <a:defRPr sz="2400">
+                <a:solidFill>
+                  <a:srgbClr val="FFFFFF"/>
+                </a:solidFill>
+              </a:defRPr>
+            </a:pPr>
+          </a:p>
+        </p:txBody>
+      </p:sp>
+      <p:sp>
+        <p:nvSpPr>
+          <p:cNvPr id="201" name="Shape 201"/>
+          <p:cNvSpPr/>
+          <p:nvPr/>
+        </p:nvSpPr>
+        <p:spPr>
+          <a:xfrm>
+            <a:off x="1187147" y="4765526"/>
+            <a:ext cx="2102154" cy="1"/>
+          </a:xfrm>
+          <a:prstGeom prst="line">
+            <a:avLst/>
+          </a:prstGeom>
+          <a:ln w="139700">
+            <a:solidFill>
+              <a:srgbClr val="000000"/>
+            </a:solidFill>
+            <a:miter lim="400000"/>
+            <a:tailEnd type="triangle"/>
+          </a:ln>
+        </p:spPr>
+        <p:txBody>
+          <a:bodyPr lIns="50800" tIns="50800" rIns="50800" bIns="50800" anchor="ctr"/>
+          <a:lstStyle/>
+          <a:p>
+            <a:pPr>
+              <a:defRPr sz="2400"/>
+            </a:pPr>
           </a:p>
         </p:txBody>
       </p:sp>
@@ -3724,7 +4170,7 @@
       </p:grpSpPr>
       <p:sp>
         <p:nvSpPr>
-          <p:cNvPr id="180" name="Shape 180"/>
+          <p:cNvPr id="203" name="Shape 203"/>
           <p:cNvSpPr/>
           <p:nvPr>
             <p:ph type="title"/>
@@ -3739,52 +4185,297 @@
           <a:bodyPr/>
           <a:lstStyle/>
           <a:p>
-            <a:pPr defTabSz="490727">
-              <a:defRPr sz="6719"/>
+            <a:pPr/>
+            <a:r>
+              <a:t>Statistical Model Effects</a:t>
+            </a:r>
+          </a:p>
+        </p:txBody>
+      </p:sp>
+      <p:sp>
+        <p:nvSpPr>
+          <p:cNvPr id="204" name="Shape 204"/>
+          <p:cNvSpPr/>
+          <p:nvPr>
+            <p:ph type="body" idx="1"/>
+          </p:nvPr>
+        </p:nvSpPr>
+        <p:spPr>
+          <a:xfrm>
+            <a:off x="952500" y="2609850"/>
+            <a:ext cx="11678444" cy="6286500"/>
+          </a:xfrm>
+          <a:prstGeom prst="rect">
+            <a:avLst/>
+          </a:prstGeom>
+        </p:spPr>
+        <p:txBody>
+          <a:bodyPr/>
+          <a:lstStyle/>
+          <a:p>
+            <a:pPr marL="182244" indent="-182244" defTabSz="239522">
+              <a:spcBef>
+                <a:spcPts val="1700"/>
+              </a:spcBef>
+              <a:defRPr b="1" sz="1476">
+                <a:latin typeface="Helvetica"/>
+                <a:ea typeface="Helvetica"/>
+                <a:cs typeface="Helvetica"/>
+                <a:sym typeface="Helvetica"/>
+              </a:defRPr>
             </a:pPr>
             <a:r>
-              <a:t>Statistical Model</a:t>
-            </a:r>
-            <a:br/>
-            <a:r>
-              <a:t>Longitudinal Change</a:t>
-            </a:r>
-          </a:p>
-        </p:txBody>
-      </p:sp>
-      <p:pic>
-        <p:nvPicPr>
-          <p:cNvPr id="181" name="Screen Shot 2016-02-09 at 1.27.47 PM.png"/>
-          <p:cNvPicPr>
-            <a:picLocks noChangeAspect="1"/>
-          </p:cNvPicPr>
-          <p:nvPr/>
-        </p:nvPicPr>
-        <p:blipFill>
-          <a:blip r:embed="rId2">
-            <a:extLst/>
-          </a:blip>
-          <a:srcRect l="0" t="0" r="0" b="65355"/>
-          <a:stretch>
-            <a:fillRect/>
-          </a:stretch>
-        </p:blipFill>
-        <p:spPr>
-          <a:xfrm>
-            <a:off x="1719460" y="3755032"/>
-            <a:ext cx="9565827" cy="2243352"/>
-          </a:xfrm>
-          <a:prstGeom prst="rect">
-            <a:avLst/>
-          </a:prstGeom>
-          <a:ln w="12700">
-            <a:miter lim="400000"/>
-          </a:ln>
-        </p:spPr>
-      </p:pic>
-      <p:sp>
-        <p:nvSpPr>
-          <p:cNvPr id="182" name="Shape 182"/>
+              <a:t>Reciprocity</a:t>
+            </a:r>
+          </a:p>
+          <a:p>
+            <a:pPr marL="182244" indent="-182244" defTabSz="239522">
+              <a:spcBef>
+                <a:spcPts val="1700"/>
+              </a:spcBef>
+              <a:defRPr sz="1476"/>
+            </a:pPr>
+            <a:r>
+              <a:t>Closure (</a:t>
+            </a:r>
+            <a:r>
+              <a:rPr b="1">
+                <a:latin typeface="Helvetica"/>
+                <a:ea typeface="Helvetica"/>
+                <a:cs typeface="Helvetica"/>
+                <a:sym typeface="Helvetica"/>
+              </a:rPr>
+              <a:t>balance</a:t>
+            </a:r>
+            <a:r>
+              <a:t>)</a:t>
+            </a:r>
+          </a:p>
+          <a:p>
+            <a:pPr lvl="1" marL="364489" indent="-182244" defTabSz="239522">
+              <a:spcBef>
+                <a:spcPts val="1700"/>
+              </a:spcBef>
+              <a:defRPr sz="1476"/>
+            </a:pPr>
+            <a:r>
+              <a:t>Transitive triplets</a:t>
+            </a:r>
+          </a:p>
+          <a:p>
+            <a:pPr marL="182244" indent="-182244" defTabSz="239522">
+              <a:spcBef>
+                <a:spcPts val="1700"/>
+              </a:spcBef>
+              <a:defRPr sz="1476"/>
+            </a:pPr>
+            <a:r>
+              <a:t>Three-cycles</a:t>
+            </a:r>
+          </a:p>
+          <a:p>
+            <a:pPr marL="182244" indent="-182244" defTabSz="239522">
+              <a:spcBef>
+                <a:spcPts val="1700"/>
+              </a:spcBef>
+              <a:defRPr sz="1476"/>
+            </a:pPr>
+            <a:r>
+              <a:t>in-in degree </a:t>
+            </a:r>
+            <a:r>
+              <a:rPr b="1">
+                <a:latin typeface="Helvetica"/>
+                <a:ea typeface="Helvetica"/>
+                <a:cs typeface="Helvetica"/>
+                <a:sym typeface="Helvetica"/>
+              </a:rPr>
+              <a:t>assortativity</a:t>
+            </a:r>
+            <a:endParaRPr b="1">
+              <a:latin typeface="Helvetica"/>
+              <a:ea typeface="Helvetica"/>
+              <a:cs typeface="Helvetica"/>
+              <a:sym typeface="Helvetica"/>
+            </a:endParaRPr>
+          </a:p>
+          <a:p>
+            <a:pPr marL="182244" indent="-182244" defTabSz="239522">
+              <a:spcBef>
+                <a:spcPts val="1700"/>
+              </a:spcBef>
+              <a:defRPr sz="1476"/>
+            </a:pPr>
+            <a:r>
+              <a:t>in-out degree assortativity</a:t>
+            </a:r>
+          </a:p>
+          <a:p>
+            <a:pPr marL="182244" indent="-182244" defTabSz="239522">
+              <a:spcBef>
+                <a:spcPts val="1700"/>
+              </a:spcBef>
+              <a:defRPr sz="1476"/>
+            </a:pPr>
+            <a:r>
+              <a:t>Developer’s l</a:t>
+            </a:r>
+            <a:r>
+              <a:rPr b="1">
+                <a:latin typeface="Helvetica"/>
+                <a:ea typeface="Helvetica"/>
+                <a:cs typeface="Helvetica"/>
+                <a:sym typeface="Helvetica"/>
+              </a:rPr>
+              <a:t>evel of contribution</a:t>
+            </a:r>
+            <a:r>
+              <a:t>/activity (e.g. code commits per month, or mailing list posts per month) </a:t>
+            </a:r>
+          </a:p>
+          <a:p>
+            <a:pPr marL="182244" indent="-182244" defTabSz="239522">
+              <a:spcBef>
+                <a:spcPts val="1700"/>
+              </a:spcBef>
+              <a:defRPr sz="1476"/>
+            </a:pPr>
+            <a:r>
+              <a:t>Developer’s </a:t>
+            </a:r>
+            <a:r>
+              <a:rPr b="1">
+                <a:latin typeface="Helvetica"/>
+                <a:ea typeface="Helvetica"/>
+                <a:cs typeface="Helvetica"/>
+                <a:sym typeface="Helvetica"/>
+              </a:rPr>
+              <a:t>level of privilege/prestige</a:t>
+            </a:r>
+            <a:r>
+              <a:t> (e.g. admin privilege-holder vs. core contributor vs. marginal developer/user) </a:t>
+            </a:r>
+          </a:p>
+          <a:p>
+            <a:pPr marL="182244" indent="-182244" defTabSz="239522">
+              <a:spcBef>
+                <a:spcPts val="1700"/>
+              </a:spcBef>
+              <a:defRPr sz="1476"/>
+            </a:pPr>
+            <a:r>
+              <a:t>Developer’s </a:t>
+            </a:r>
+            <a:r>
+              <a:rPr b="1">
+                <a:latin typeface="Helvetica"/>
+                <a:ea typeface="Helvetica"/>
+                <a:cs typeface="Helvetica"/>
+                <a:sym typeface="Helvetica"/>
+              </a:rPr>
+              <a:t>level of negative experience</a:t>
+            </a:r>
+            <a:r>
+              <a:t> (e.g. number of rejected pull requests: especially in forks for more community- driven development)</a:t>
+            </a:r>
+          </a:p>
+          <a:p>
+            <a:pPr marL="182244" indent="-182244" defTabSz="239522">
+              <a:spcBef>
+                <a:spcPts val="1700"/>
+              </a:spcBef>
+              <a:defRPr sz="1476"/>
+            </a:pPr>
+            <a:r>
+              <a:t>Developer’s </a:t>
+            </a:r>
+            <a:r>
+              <a:rPr b="1">
+                <a:latin typeface="Helvetica"/>
+                <a:ea typeface="Helvetica"/>
+                <a:cs typeface="Helvetica"/>
+                <a:sym typeface="Helvetica"/>
+              </a:rPr>
+              <a:t>age/seniority</a:t>
+            </a:r>
+            <a:r>
+              <a:t> (either birth age, (young 20-year-old developer vs. older 50-year-old developer) or their seniority as a development community member (i.e. how long they have been in the community) </a:t>
+            </a:r>
+          </a:p>
+          <a:p>
+            <a:pPr marL="182244" indent="-182244" defTabSz="239522">
+              <a:spcBef>
+                <a:spcPts val="1700"/>
+              </a:spcBef>
+              <a:defRPr sz="1476"/>
+            </a:pPr>
+            <a:r>
+              <a:t>Developer’s </a:t>
+            </a:r>
+            <a:r>
+              <a:rPr b="1">
+                <a:latin typeface="Helvetica"/>
+                <a:ea typeface="Helvetica"/>
+                <a:cs typeface="Helvetica"/>
+                <a:sym typeface="Helvetica"/>
+              </a:rPr>
+              <a:t>propensity for short-responses</a:t>
+            </a:r>
+            <a:r>
+              <a:t> vs. long-responses. (under-communicator vs. over-communicator) </a:t>
+            </a:r>
+          </a:p>
+          <a:p>
+            <a:pPr marL="182244" indent="-182244" defTabSz="239522">
+              <a:spcBef>
+                <a:spcPts val="1700"/>
+              </a:spcBef>
+              <a:defRPr sz="1476"/>
+            </a:pPr>
+            <a:r>
+              <a:t>Developer’s </a:t>
+            </a:r>
+            <a:r>
+              <a:rPr b="1">
+                <a:latin typeface="Helvetica"/>
+                <a:ea typeface="Helvetica"/>
+                <a:cs typeface="Helvetica"/>
+                <a:sym typeface="Helvetica"/>
+              </a:rPr>
+              <a:t>communication sentiment</a:t>
+            </a:r>
+            <a:r>
+              <a:t> (generally bitter in communication known as “a jerk”, or has a positive communication prose) </a:t>
+            </a:r>
+          </a:p>
+          <a:p>
+            <a:pPr marL="182244" indent="-182244" defTabSz="239522">
+              <a:spcBef>
+                <a:spcPts val="1700"/>
+              </a:spcBef>
+              <a:defRPr sz="1476"/>
+            </a:pPr>
+            <a:r>
+              <a:t>Developer’s </a:t>
+            </a:r>
+            <a:r>
+              <a:rPr b="1">
+                <a:latin typeface="Helvetica"/>
+                <a:ea typeface="Helvetica"/>
+                <a:cs typeface="Helvetica"/>
+                <a:sym typeface="Helvetica"/>
+              </a:rPr>
+              <a:t>engagement style</a:t>
+            </a:r>
+            <a:r>
+              <a:t> (i.e. dive-bomber- style contributor who jumps in, overcommits and leave, vs. a steady and increasingly engaged contributor who starts off slow and grows his/her commitment gradually) </a:t>
+            </a:r>
+          </a:p>
+        </p:txBody>
+      </p:sp>
+      <p:sp>
+        <p:nvSpPr>
+          <p:cNvPr id="205" name="Shape 205"/>
           <p:cNvSpPr/>
           <p:nvPr>
             <p:ph type="sldNum" sz="quarter" idx="4294967295"/>
@@ -3806,6 +4497,42 @@
           <a:p>
             <a:pPr/>
             <a:fld id="{86CB4B4D-7CA3-9044-876B-883B54F8677D}" type="slidenum"/>
+          </a:p>
+        </p:txBody>
+      </p:sp>
+      <p:sp>
+        <p:nvSpPr>
+          <p:cNvPr id="206" name="Shape 206"/>
+          <p:cNvSpPr/>
+          <p:nvPr/>
+        </p:nvSpPr>
+        <p:spPr>
+          <a:xfrm>
+            <a:off x="1786610" y="1974850"/>
+            <a:ext cx="9431580" cy="647701"/>
+          </a:xfrm>
+          <a:prstGeom prst="rect">
+            <a:avLst/>
+          </a:prstGeom>
+          <a:ln w="12700">
+            <a:miter lim="400000"/>
+          </a:ln>
+          <a:extLst>
+            <a:ext uri="{C572A759-6A51-4108-AA02-DFA0A04FC94B}">
+              <ma14:wrappingTextBoxFlag xmlns:ma14="http://schemas.microsoft.com/office/mac/drawingml/2011/main" val="1"/>
+            </a:ext>
+          </a:extLst>
+        </p:spPr>
+        <p:txBody>
+          <a:bodyPr wrap="none" lIns="50800" tIns="50800" rIns="50800" bIns="50800" anchor="ctr">
+            <a:spAutoFit/>
+          </a:bodyPr>
+          <a:lstStyle/>
+          <a:p>
+            <a:pPr/>
+            <a:r>
+              <a:t>What can make an impact to result in forking?</a:t>
+            </a:r>
           </a:p>
         </p:txBody>
       </p:sp>
@@ -3835,39 +4562,9 @@
           <a:chExt cx="0" cy="0"/>
         </a:xfrm>
       </p:grpSpPr>
-      <p:sp>
-        <p:nvSpPr>
-          <p:cNvPr id="184" name="Shape 184"/>
-          <p:cNvSpPr/>
-          <p:nvPr>
-            <p:ph type="title"/>
-          </p:nvPr>
-        </p:nvSpPr>
-        <p:spPr>
-          <a:prstGeom prst="rect">
-            <a:avLst/>
-          </a:prstGeom>
-        </p:spPr>
-        <p:txBody>
-          <a:bodyPr/>
-          <a:lstStyle/>
-          <a:p>
-            <a:pPr defTabSz="490727">
-              <a:defRPr sz="6719"/>
-            </a:pPr>
-            <a:r>
-              <a:t>Statistical Model</a:t>
-            </a:r>
-            <a:br/>
-            <a:r>
-              <a:t>Mini-steps</a:t>
-            </a:r>
-          </a:p>
-        </p:txBody>
-      </p:sp>
       <p:pic>
         <p:nvPicPr>
-          <p:cNvPr id="185" name="Screen Shot 2016-02-09 at 1.27.47 PM.png"/>
+          <p:cNvPr id="208" name="Screen Shot 2016-02-09 at 1.52.56 PM.png"/>
           <p:cNvPicPr>
             <a:picLocks noChangeAspect="1"/>
           </p:cNvPicPr>
@@ -3877,15 +4574,15 @@
           <a:blip r:embed="rId2">
             <a:extLst/>
           </a:blip>
-          <a:srcRect l="0" t="34403" r="0" b="541"/>
+          <a:srcRect l="0" t="0" r="0" b="110"/>
           <a:stretch>
             <a:fillRect/>
           </a:stretch>
         </p:blipFill>
         <p:spPr>
           <a:xfrm>
-            <a:off x="1896957" y="3542208"/>
-            <a:ext cx="9210833" cy="4056227"/>
+            <a:off x="3097704" y="2675364"/>
+            <a:ext cx="6327852" cy="6695148"/>
           </a:xfrm>
           <a:prstGeom prst="rect">
             <a:avLst/>
@@ -3897,7 +4594,7 @@
       </p:pic>
       <p:sp>
         <p:nvSpPr>
-          <p:cNvPr id="186" name="Shape 186"/>
+          <p:cNvPr id="209" name="Shape 209"/>
           <p:cNvSpPr/>
           <p:nvPr>
             <p:ph type="sldNum" sz="quarter" idx="4294967295"/>
@@ -3919,6 +4616,46 @@
           <a:p>
             <a:pPr/>
             <a:fld id="{86CB4B4D-7CA3-9044-876B-883B54F8677D}" type="slidenum"/>
+          </a:p>
+        </p:txBody>
+      </p:sp>
+      <p:sp>
+        <p:nvSpPr>
+          <p:cNvPr id="210" name="Shape 210"/>
+          <p:cNvSpPr/>
+          <p:nvPr/>
+        </p:nvSpPr>
+        <p:spPr>
+          <a:xfrm>
+            <a:off x="268859" y="558800"/>
+            <a:ext cx="12467083" cy="1930401"/>
+          </a:xfrm>
+          <a:prstGeom prst="rect">
+            <a:avLst/>
+          </a:prstGeom>
+          <a:ln w="12700">
+            <a:miter lim="400000"/>
+          </a:ln>
+          <a:extLst>
+            <a:ext uri="{C572A759-6A51-4108-AA02-DFA0A04FC94B}">
+              <ma14:wrappingTextBoxFlag xmlns:ma14="http://schemas.microsoft.com/office/mac/drawingml/2011/main" val="1"/>
+            </a:ext>
+          </a:extLst>
+        </p:spPr>
+        <p:txBody>
+          <a:bodyPr wrap="none" lIns="50800" tIns="50800" rIns="50800" bIns="50800" anchor="ctr">
+            <a:spAutoFit/>
+          </a:bodyPr>
+          <a:lstStyle>
+            <a:lvl1pPr>
+              <a:defRPr sz="6000"/>
+            </a:lvl1pPr>
+          </a:lstStyle>
+          <a:p>
+            <a:pPr/>
+            <a:r>
+              <a:t>What do we expect to have pre-fork impact in each category?</a:t>
+            </a:r>
           </a:p>
         </p:txBody>
       </p:sp>
@@ -3950,7 +4687,7 @@
       </p:grpSpPr>
       <p:sp>
         <p:nvSpPr>
-          <p:cNvPr id="188" name="Shape 188"/>
+          <p:cNvPr id="212" name="Shape 212"/>
           <p:cNvSpPr/>
           <p:nvPr>
             <p:ph type="title"/>
@@ -3965,168 +4702,112 @@
           <a:bodyPr/>
           <a:lstStyle/>
           <a:p>
-            <a:pPr defTabSz="490727">
-              <a:defRPr sz="6719"/>
+            <a:pPr/>
+            <a:r>
+              <a:t>Statistical Model</a:t>
+            </a:r>
+          </a:p>
+        </p:txBody>
+      </p:sp>
+      <p:sp>
+        <p:nvSpPr>
+          <p:cNvPr id="213" name="Shape 213"/>
+          <p:cNvSpPr/>
+          <p:nvPr>
+            <p:ph type="body" idx="1"/>
+          </p:nvPr>
+        </p:nvSpPr>
+        <p:spPr>
+          <a:prstGeom prst="rect">
+            <a:avLst/>
+          </a:prstGeom>
+        </p:spPr>
+        <p:txBody>
+          <a:bodyPr/>
+          <a:lstStyle/>
+          <a:p>
+            <a:pPr marL="404495" indent="-404495" defTabSz="531622">
+              <a:spcBef>
+                <a:spcPts val="3800"/>
+              </a:spcBef>
+              <a:defRPr sz="3276"/>
             </a:pPr>
             <a:r>
-              <a:t>Statistical Model</a:t>
-            </a:r>
-            <a:br/>
-            <a:r>
-              <a:t>Rate Function</a:t>
-            </a:r>
-          </a:p>
-        </p:txBody>
-      </p:sp>
-      <p:pic>
-        <p:nvPicPr>
-          <p:cNvPr id="189" name="Screen Shot 2016-02-09 at 1.30.42 PM.png"/>
-          <p:cNvPicPr>
-            <a:picLocks noChangeAspect="1"/>
-          </p:cNvPicPr>
-          <p:nvPr/>
-        </p:nvPicPr>
-        <p:blipFill>
-          <a:blip r:embed="rId2">
-            <a:extLst/>
-          </a:blip>
-          <a:stretch>
-            <a:fillRect/>
-          </a:stretch>
-        </p:blipFill>
-        <p:spPr>
-          <a:xfrm>
-            <a:off x="457114" y="4970629"/>
-            <a:ext cx="12090572" cy="925080"/>
-          </a:xfrm>
-          <a:prstGeom prst="rect">
-            <a:avLst/>
-          </a:prstGeom>
-          <a:ln w="12700">
-            <a:miter lim="400000"/>
-          </a:ln>
-        </p:spPr>
-      </p:pic>
-      <p:sp>
-        <p:nvSpPr>
-          <p:cNvPr id="190" name="Shape 190"/>
-          <p:cNvSpPr/>
-          <p:nvPr/>
-        </p:nvSpPr>
-        <p:spPr>
-          <a:xfrm>
-            <a:off x="360908" y="3304461"/>
-            <a:ext cx="12090572" cy="965207"/>
-          </a:xfrm>
-          <a:prstGeom prst="rect">
-            <a:avLst/>
-          </a:prstGeom>
-          <a:ln w="12700">
-            <a:miter lim="400000"/>
-          </a:ln>
-          <a:extLst>
-            <a:ext uri="{C572A759-6A51-4108-AA02-DFA0A04FC94B}">
-              <ma14:wrappingTextBoxFlag xmlns:ma14="http://schemas.microsoft.com/office/mac/drawingml/2011/main" val="1"/>
-            </a:ext>
-          </a:extLst>
-        </p:spPr>
-        <p:txBody>
-          <a:bodyPr lIns="50800" tIns="50800" rIns="50800" bIns="50800" anchor="ctr">
-            <a:spAutoFit/>
-          </a:bodyPr>
-          <a:lstStyle/>
-          <a:p>
-            <a:pPr algn="l">
+              <a:t>Longitudinal</a:t>
+            </a:r>
+          </a:p>
+          <a:p>
+            <a:pPr marL="404495" indent="-404495" defTabSz="531622">
               <a:spcBef>
-                <a:spcPts val="3200"/>
+                <a:spcPts val="3800"/>
               </a:spcBef>
-              <a:defRPr sz="2800"/>
+              <a:defRPr sz="3276"/>
             </a:pPr>
             <a:r>
-              <a:t>The </a:t>
-            </a:r>
-            <a:r>
-              <a:rPr b="1">
-                <a:latin typeface="Helvetica"/>
-                <a:ea typeface="Helvetica"/>
-                <a:cs typeface="Helvetica"/>
-                <a:sym typeface="Helvetica"/>
-              </a:rPr>
-              <a:t>rate function</a:t>
-            </a:r>
-            <a:r>
-              <a:t> λ</a:t>
-            </a:r>
-            <a:r>
-              <a:rPr baseline="-27272" sz="1100"/>
-              <a:t>i</a:t>
-            </a:r>
-            <a:r>
-              <a:t>(x) for developer </a:t>
-            </a:r>
-            <a:r>
-              <a:rPr i="1"/>
-              <a:t>i</a:t>
-            </a:r>
-            <a:r>
-              <a:t> is the rate at which developer </a:t>
-            </a:r>
-            <a:r>
-              <a:rPr i="1"/>
-              <a:t>i</a:t>
-            </a:r>
-            <a:r>
-              <a:t>’s outgoing connections changes occur.</a:t>
-            </a:r>
-          </a:p>
-        </p:txBody>
-      </p:sp>
-      <p:sp>
-        <p:nvSpPr>
-          <p:cNvPr id="191" name="Shape 191"/>
-          <p:cNvSpPr/>
-          <p:nvPr/>
-        </p:nvSpPr>
-        <p:spPr>
-          <a:xfrm>
-            <a:off x="437184" y="6934200"/>
-            <a:ext cx="9277046" cy="533400"/>
-          </a:xfrm>
-          <a:prstGeom prst="rect">
-            <a:avLst/>
-          </a:prstGeom>
-          <a:ln w="12700">
-            <a:miter lim="400000"/>
-          </a:ln>
-          <a:extLst>
-            <a:ext uri="{C572A759-6A51-4108-AA02-DFA0A04FC94B}">
-              <ma14:wrappingTextBoxFlag xmlns:ma14="http://schemas.microsoft.com/office/mac/drawingml/2011/main" val="1"/>
-            </a:ext>
-          </a:extLst>
-        </p:spPr>
-        <p:txBody>
-          <a:bodyPr wrap="none" lIns="50800" tIns="50800" rIns="50800" bIns="50800" anchor="ctr">
-            <a:spAutoFit/>
-          </a:bodyPr>
-          <a:lstStyle>
-            <a:lvl1pPr algn="l">
+              <a:t>Developer-oriented</a:t>
+            </a:r>
+          </a:p>
+          <a:p>
+            <a:pPr lvl="1" marL="719102" indent="-314607" defTabSz="531622">
               <a:spcBef>
-                <a:spcPts val="3200"/>
+                <a:spcPts val="2900"/>
               </a:spcBef>
-              <a:defRPr sz="2800"/>
-            </a:lvl1pPr>
-          </a:lstStyle>
-          <a:p>
-            <a:pPr/>
-            <a:r>
-              <a:t>It models how frequently the developers make mini-steps.</a:t>
-            </a:r>
-          </a:p>
-        </p:txBody>
-      </p:sp>
-      <p:sp>
-        <p:nvSpPr>
-          <p:cNvPr id="192" name="Shape 192"/>
+              <a:defRPr sz="2548"/>
+            </a:pPr>
+            <a:r>
+              <a:t>Likelihood of forming ties, maintaining ties, …</a:t>
+            </a:r>
+          </a:p>
+          <a:p>
+            <a:pPr marL="404495" indent="-404495" defTabSz="531622">
+              <a:spcBef>
+                <a:spcPts val="3800"/>
+              </a:spcBef>
+              <a:defRPr sz="3276"/>
+            </a:pPr>
+            <a:r>
+              <a:t>Stochastic</a:t>
+            </a:r>
+          </a:p>
+          <a:p>
+            <a:pPr lvl="1" marL="719102" indent="-314607" defTabSz="531622">
+              <a:spcBef>
+                <a:spcPts val="2900"/>
+              </a:spcBef>
+              <a:defRPr sz="2548"/>
+            </a:pPr>
+            <a:r>
+              <a:t>Developers behave to optimize an objective function</a:t>
+            </a:r>
+          </a:p>
+          <a:p>
+            <a:pPr lvl="1" marL="719102" indent="-314607" defTabSz="531622">
+              <a:spcBef>
+                <a:spcPts val="2900"/>
+              </a:spcBef>
+              <a:defRPr sz="2548"/>
+            </a:pPr>
+            <a:r>
+              <a:t>Assume observed graphs as outcomes of a continuous-time Markov process </a:t>
+            </a:r>
+            <a:endParaRPr sz="1092"/>
+          </a:p>
+          <a:p>
+            <a:pPr marL="404495" indent="-404495" defTabSz="531622">
+              <a:spcBef>
+                <a:spcPts val="3800"/>
+              </a:spcBef>
+              <a:defRPr sz="3276"/>
+            </a:pPr>
+            <a:r>
+              <a:t>Estimated</a:t>
+            </a:r>
+          </a:p>
+        </p:txBody>
+      </p:sp>
+      <p:sp>
+        <p:nvSpPr>
+          <p:cNvPr id="214" name="Shape 214"/>
           <p:cNvSpPr/>
           <p:nvPr>
             <p:ph type="sldNum" sz="quarter" idx="4294967295"/>
@@ -4179,7 +4860,7 @@
       </p:grpSpPr>
       <p:sp>
         <p:nvSpPr>
-          <p:cNvPr id="194" name="Shape 194"/>
+          <p:cNvPr id="216" name="Shape 216"/>
           <p:cNvSpPr/>
           <p:nvPr>
             <p:ph type="title"/>
@@ -4200,16 +4881,119 @@
             <a:r>
               <a:t>Statistical Model</a:t>
             </a:r>
-            <a:br/>
-            <a:r>
-              <a:t>Objective function</a:t>
+          </a:p>
+          <a:p>
+            <a:pPr defTabSz="490727">
+              <a:defRPr sz="6719"/>
+            </a:pPr>
+            <a:r>
+              <a:t>Observed Networks</a:t>
+            </a:r>
+          </a:p>
+        </p:txBody>
+      </p:sp>
+      <p:sp>
+        <p:nvSpPr>
+          <p:cNvPr id="217" name="Shape 217"/>
+          <p:cNvSpPr/>
+          <p:nvPr>
+            <p:ph type="sldNum" sz="quarter" idx="4294967295"/>
+          </p:nvPr>
+        </p:nvSpPr>
+        <p:spPr>
+          <a:prstGeom prst="rect">
+            <a:avLst/>
+          </a:prstGeom>
+          <a:extLst>
+            <a:ext uri="{C572A759-6A51-4108-AA02-DFA0A04FC94B}">
+              <ma14:wrappingTextBoxFlag xmlns:ma14="http://schemas.microsoft.com/office/mac/drawingml/2011/main" val="1"/>
+            </a:ext>
+          </a:extLst>
+        </p:spPr>
+        <p:txBody>
+          <a:bodyPr/>
+          <a:lstStyle/>
+          <a:p>
+            <a:pPr/>
+            <a:fld id="{86CB4B4D-7CA3-9044-876B-883B54F8677D}" type="slidenum"/>
+          </a:p>
+        </p:txBody>
+      </p:sp>
+      <p:sp>
+        <p:nvSpPr>
+          <p:cNvPr id="218" name="Shape 218"/>
+          <p:cNvSpPr/>
+          <p:nvPr/>
+        </p:nvSpPr>
+        <p:spPr>
+          <a:xfrm>
+            <a:off x="952500" y="3181349"/>
+            <a:ext cx="11099801" cy="5016501"/>
+          </a:xfrm>
+          <a:prstGeom prst="rect">
+            <a:avLst/>
+          </a:prstGeom>
+          <a:ln w="12700">
+            <a:miter lim="400000"/>
+          </a:ln>
+          <a:extLst>
+            <a:ext uri="{C572A759-6A51-4108-AA02-DFA0A04FC94B}">
+              <ma14:wrappingTextBoxFlag xmlns:ma14="http://schemas.microsoft.com/office/mac/drawingml/2011/main" val="1"/>
+            </a:ext>
+          </a:extLst>
+        </p:spPr>
+        <p:txBody>
+          <a:bodyPr lIns="50800" tIns="50800" rIns="50800" bIns="50800" anchor="ctr">
+            <a:spAutoFit/>
+          </a:bodyPr>
+          <a:lstStyle/>
+          <a:p>
+            <a:pPr marL="444500" indent="-444500" algn="l">
+              <a:buSzPct val="75000"/>
+              <a:buChar char="•"/>
+            </a:pPr>
+            <a:r>
+              <a:t>Data:      repeated observations on a graph with  developers</a:t>
+            </a:r>
+          </a:p>
+          <a:p>
+            <a:pPr algn="l"/>
+          </a:p>
+          <a:p>
+            <a:pPr marL="444500" indent="-444500" algn="l">
+              <a:buSzPct val="75000"/>
+              <a:buChar char="•"/>
+            </a:pPr>
+            <a:r>
+              <a:t>Representation: Directed graphs with adjacency matrices                                for       </a:t>
+            </a:r>
+          </a:p>
+          <a:p>
+            <a:pPr lvl="1" marL="889000" indent="-444500" algn="l">
+              <a:buSzPct val="75000"/>
+              <a:buChar char="•"/>
+            </a:pPr>
+            <a:r>
+              <a:t>where i and j range from </a:t>
+            </a:r>
+          </a:p>
+          <a:p>
+            <a:pPr algn="l"/>
+          </a:p>
+          <a:p>
+            <a:pPr marL="444500" indent="-444500" algn="l">
+              <a:buSzPct val="75000"/>
+              <a:buChar char="•"/>
+            </a:pPr>
+            <a:r>
+              <a:t>        shows whether at time t, there exists a tie from  to   (value 1) or not (value 0).</a:t>
             </a:r>
           </a:p>
         </p:txBody>
       </p:sp>
       <p:pic>
         <p:nvPicPr>
-          <p:cNvPr id="195" name="Screen Shot 2016-02-09 at 1.35.43 PM.png"/>
+          <p:cNvPr id="219" name="pasted-image.pdf"/>
           <p:cNvPicPr>
             <a:picLocks noChangeAspect="1"/>
           </p:cNvPicPr>
@@ -4225,8 +5009,8 @@
         </p:blipFill>
         <p:spPr>
           <a:xfrm>
-            <a:off x="4375150" y="4241800"/>
-            <a:ext cx="4254500" cy="1498600"/>
+            <a:off x="3324621" y="5518443"/>
+            <a:ext cx="3759201" cy="487173"/>
           </a:xfrm>
           <a:prstGeom prst="rect">
             <a:avLst/>
@@ -4236,16 +5020,26 @@
           </a:ln>
         </p:spPr>
       </p:pic>
-      <p:sp>
-        <p:nvSpPr>
-          <p:cNvPr id="196" name="Shape 196"/>
-          <p:cNvSpPr/>
+      <p:pic>
+        <p:nvPicPr>
+          <p:cNvPr id="220" name="pasted-image.pdf"/>
+          <p:cNvPicPr>
+            <a:picLocks noChangeAspect="1"/>
+          </p:cNvPicPr>
           <p:nvPr/>
-        </p:nvSpPr>
+        </p:nvPicPr>
+        <p:blipFill>
+          <a:blip r:embed="rId3">
+            <a:extLst/>
+          </a:blip>
+          <a:stretch>
+            <a:fillRect/>
+          </a:stretch>
+        </p:blipFill>
         <p:spPr>
           <a:xfrm>
-            <a:off x="263106" y="3028947"/>
-            <a:ext cx="12714406" cy="1549406"/>
+            <a:off x="1602233" y="7158281"/>
+            <a:ext cx="647701" cy="461773"/>
           </a:xfrm>
           <a:prstGeom prst="rect">
             <a:avLst/>
@@ -4253,60 +5047,28 @@
           <a:ln w="12700">
             <a:miter lim="400000"/>
           </a:ln>
-          <a:extLst>
-            <a:ext uri="{C572A759-6A51-4108-AA02-DFA0A04FC94B}">
-              <ma14:wrappingTextBoxFlag xmlns:ma14="http://schemas.microsoft.com/office/mac/drawingml/2011/main" val="1"/>
-            </a:ext>
-          </a:extLst>
-        </p:spPr>
-        <p:txBody>
-          <a:bodyPr wrap="none" lIns="50800" tIns="50800" rIns="50800" bIns="50800" anchor="ctr">
-            <a:spAutoFit/>
-          </a:bodyPr>
-          <a:lstStyle/>
-          <a:p>
-            <a:pPr algn="l">
-              <a:spcBef>
-                <a:spcPts val="3200"/>
-              </a:spcBef>
-              <a:defRPr sz="2800"/>
-            </a:pPr>
-            <a:r>
-              <a:t>The </a:t>
-            </a:r>
-            <a:r>
-              <a:rPr b="1">
-                <a:latin typeface="Helvetica"/>
-                <a:ea typeface="Helvetica"/>
-                <a:cs typeface="Helvetica"/>
-                <a:sym typeface="Helvetica"/>
-              </a:rPr>
-              <a:t>objective function</a:t>
-            </a:r>
-            <a:r>
-              <a:t> f</a:t>
-            </a:r>
-            <a:r>
-              <a:rPr baseline="-27272" sz="1100"/>
-              <a:t>i</a:t>
-            </a:r>
-            <a:r>
-              <a:t>(s) for developer i is the value attached to the network configuration x. </a:t>
-            </a:r>
-            <a:endParaRPr sz="1200"/>
-          </a:p>
-        </p:txBody>
-      </p:sp>
-      <p:sp>
-        <p:nvSpPr>
-          <p:cNvPr id="197" name="Shape 197"/>
-          <p:cNvSpPr/>
+        </p:spPr>
+      </p:pic>
+      <p:pic>
+        <p:nvPicPr>
+          <p:cNvPr id="221" name="pasted-image.pdf"/>
+          <p:cNvPicPr>
+            <a:picLocks noChangeAspect="1"/>
+          </p:cNvPicPr>
           <p:nvPr/>
-        </p:nvSpPr>
+        </p:nvPicPr>
+        <p:blipFill>
+          <a:blip r:embed="rId4">
+            <a:extLst/>
+          </a:blip>
+          <a:stretch>
+            <a:fillRect/>
+          </a:stretch>
+        </p:blipFill>
         <p:spPr>
           <a:xfrm>
-            <a:off x="370222" y="6400800"/>
-            <a:ext cx="12500174" cy="2667001"/>
+            <a:off x="2703214" y="3344610"/>
+            <a:ext cx="469901" cy="334773"/>
           </a:xfrm>
           <a:prstGeom prst="rect">
             <a:avLst/>
@@ -4314,107 +5076,153 @@
           <a:ln w="12700">
             <a:miter lim="400000"/>
           </a:ln>
-          <a:extLst>
-            <a:ext uri="{C572A759-6A51-4108-AA02-DFA0A04FC94B}">
-              <ma14:wrappingTextBoxFlag xmlns:ma14="http://schemas.microsoft.com/office/mac/drawingml/2011/main" val="1"/>
-            </a:ext>
-          </a:extLst>
-        </p:spPr>
-        <p:txBody>
-          <a:bodyPr lIns="50800" tIns="50800" rIns="50800" bIns="50800" anchor="ctr">
-            <a:spAutoFit/>
-          </a:bodyPr>
-          <a:lstStyle/>
-          <a:p>
-            <a:pPr marL="345722" indent="-345722" algn="l">
-              <a:spcBef>
-                <a:spcPts val="3200"/>
-              </a:spcBef>
-              <a:buSzPct val="75000"/>
-              <a:buChar char="•"/>
-              <a:defRPr sz="2800"/>
-            </a:pPr>
-            <a:r>
-              <a:t>Functions s</a:t>
-            </a:r>
-            <a:r>
-              <a:rPr baseline="-27272" sz="1100"/>
-              <a:t>ik</a:t>
-            </a:r>
-            <a:r>
-              <a:t>(x) are the effects we define. Parameters β = (β</a:t>
-            </a:r>
-            <a:r>
-              <a:rPr baseline="-27272" sz="1100"/>
-              <a:t>1</a:t>
-            </a:r>
-            <a:r>
-              <a:t>, ..., β</a:t>
-            </a:r>
-            <a:r>
-              <a:rPr baseline="-27272" sz="1100"/>
-              <a:t>L</a:t>
-            </a:r>
-            <a:r>
-              <a:t>) is to be estimated. </a:t>
-            </a:r>
-          </a:p>
-          <a:p>
-            <a:pPr marL="345722" indent="-345722" algn="l">
-              <a:spcBef>
-                <a:spcPts val="3200"/>
-              </a:spcBef>
-              <a:buSzPct val="75000"/>
-              <a:buChar char="•"/>
-              <a:defRPr sz="2800"/>
-            </a:pPr>
-            <a:r>
-              <a:t>Idea: Given the opportunity to make a change in his out-going tie variables (X</a:t>
-            </a:r>
-            <a:r>
-              <a:rPr baseline="-27272" sz="1100"/>
-              <a:t>i1</a:t>
-            </a:r>
-            <a:r>
-              <a:t>,...,X</a:t>
-            </a:r>
-            <a:r>
-              <a:rPr baseline="-27272" sz="1100"/>
-              <a:t>ig</a:t>
-            </a:r>
-            <a:r>
-              <a:t>), developer i selects the change that gives the greatest increase in the objective function.</a:t>
-            </a:r>
-          </a:p>
-        </p:txBody>
-      </p:sp>
-      <p:sp>
-        <p:nvSpPr>
-          <p:cNvPr id="198" name="Shape 198"/>
-          <p:cNvSpPr/>
-          <p:nvPr>
-            <p:ph type="sldNum" sz="quarter" idx="4294967295"/>
-          </p:nvPr>
-        </p:nvSpPr>
-        <p:spPr>
-          <a:prstGeom prst="rect">
-            <a:avLst/>
-          </a:prstGeom>
-          <a:extLst>
-            <a:ext uri="{C572A759-6A51-4108-AA02-DFA0A04FC94B}">
-              <ma14:wrappingTextBoxFlag xmlns:ma14="http://schemas.microsoft.com/office/mac/drawingml/2011/main" val="1"/>
-            </a:ext>
-          </a:extLst>
-        </p:spPr>
-        <p:txBody>
-          <a:bodyPr/>
-          <a:lstStyle/>
-          <a:p>
-            <a:pPr/>
-            <a:fld id="{86CB4B4D-7CA3-9044-876B-883B54F8677D}" type="slidenum"/>
-          </a:p>
-        </p:txBody>
-      </p:sp>
+        </p:spPr>
+      </p:pic>
+      <p:pic>
+        <p:nvPicPr>
+          <p:cNvPr id="222" name="pasted-image.pdf"/>
+          <p:cNvPicPr>
+            <a:picLocks noChangeAspect="1"/>
+          </p:cNvPicPr>
+          <p:nvPr/>
+        </p:nvPicPr>
+        <p:blipFill>
+          <a:blip r:embed="rId5">
+            <a:extLst/>
+          </a:blip>
+          <a:stretch>
+            <a:fillRect/>
+          </a:stretch>
+        </p:blipFill>
+        <p:spPr>
+          <a:xfrm>
+            <a:off x="11352311" y="3411136"/>
+            <a:ext cx="215901" cy="322073"/>
+          </a:xfrm>
+          <a:prstGeom prst="rect">
+            <a:avLst/>
+          </a:prstGeom>
+          <a:ln w="12700">
+            <a:miter lim="400000"/>
+          </a:ln>
+        </p:spPr>
+      </p:pic>
+      <p:pic>
+        <p:nvPicPr>
+          <p:cNvPr id="223" name="pasted-image.pdf"/>
+          <p:cNvPicPr>
+            <a:picLocks noChangeAspect="1"/>
+          </p:cNvPicPr>
+          <p:nvPr/>
+        </p:nvPicPr>
+        <p:blipFill>
+          <a:blip r:embed="rId6">
+            <a:extLst/>
+          </a:blip>
+          <a:stretch>
+            <a:fillRect/>
+          </a:stretch>
+        </p:blipFill>
+        <p:spPr>
+          <a:xfrm>
+            <a:off x="8037016" y="5520825"/>
+            <a:ext cx="2717801" cy="423673"/>
+          </a:xfrm>
+          <a:prstGeom prst="rect">
+            <a:avLst/>
+          </a:prstGeom>
+          <a:ln w="12700">
+            <a:miter lim="400000"/>
+          </a:ln>
+        </p:spPr>
+      </p:pic>
+      <p:pic>
+        <p:nvPicPr>
+          <p:cNvPr id="224" name="pasted-image.pdf"/>
+          <p:cNvPicPr>
+            <a:picLocks noChangeAspect="1"/>
+          </p:cNvPicPr>
+          <p:nvPr/>
+        </p:nvPicPr>
+        <p:blipFill>
+          <a:blip r:embed="rId7">
+            <a:extLst/>
+          </a:blip>
+          <a:stretch>
+            <a:fillRect/>
+          </a:stretch>
+        </p:blipFill>
+        <p:spPr>
+          <a:xfrm>
+            <a:off x="7067301" y="6066726"/>
+            <a:ext cx="1193801" cy="410973"/>
+          </a:xfrm>
+          <a:prstGeom prst="rect">
+            <a:avLst/>
+          </a:prstGeom>
+          <a:ln w="12700">
+            <a:miter lim="400000"/>
+          </a:ln>
+        </p:spPr>
+      </p:pic>
+      <p:pic>
+        <p:nvPicPr>
+          <p:cNvPr id="225" name="pasted-image.pdf"/>
+          <p:cNvPicPr>
+            <a:picLocks noChangeAspect="1"/>
+          </p:cNvPicPr>
+          <p:nvPr/>
+        </p:nvPicPr>
+        <p:blipFill>
+          <a:blip r:embed="rId8">
+            <a:extLst/>
+          </a:blip>
+          <a:stretch>
+            <a:fillRect/>
+          </a:stretch>
+        </p:blipFill>
+        <p:spPr>
+          <a:xfrm>
+            <a:off x="1179066" y="7700909"/>
+            <a:ext cx="139701" cy="334773"/>
+          </a:xfrm>
+          <a:prstGeom prst="rect">
+            <a:avLst/>
+          </a:prstGeom>
+          <a:ln w="12700">
+            <a:miter lim="400000"/>
+          </a:ln>
+        </p:spPr>
+      </p:pic>
+      <p:pic>
+        <p:nvPicPr>
+          <p:cNvPr id="226" name="pasted-image.pdf"/>
+          <p:cNvPicPr>
+            <a:picLocks noChangeAspect="1"/>
+          </p:cNvPicPr>
+          <p:nvPr/>
+        </p:nvPicPr>
+        <p:blipFill>
+          <a:blip r:embed="rId9">
+            <a:extLst/>
+          </a:blip>
+          <a:stretch>
+            <a:fillRect/>
+          </a:stretch>
+        </p:blipFill>
+        <p:spPr>
+          <a:xfrm>
+            <a:off x="1945481" y="7700462"/>
+            <a:ext cx="190501" cy="410973"/>
+          </a:xfrm>
+          <a:prstGeom prst="rect">
+            <a:avLst/>
+          </a:prstGeom>
+          <a:ln w="12700">
+            <a:miter lim="400000"/>
+          </a:ln>
+        </p:spPr>
+      </p:pic>
     </p:spTree>
   </p:cSld>
   <p:clrMapOvr>
@@ -4443,7 +5251,7 @@
       </p:grpSpPr>
       <p:sp>
         <p:nvSpPr>
-          <p:cNvPr id="200" name="Shape 200"/>
+          <p:cNvPr id="228" name="Shape 228"/>
           <p:cNvSpPr/>
           <p:nvPr>
             <p:ph type="title"/>
@@ -4456,185 +5264,22 @@
         </p:spPr>
         <p:txBody>
           <a:bodyPr/>
-          <a:lstStyle/>
-          <a:p>
-            <a:pPr defTabSz="490727">
+          <a:lstStyle>
+            <a:lvl1pPr defTabSz="490727">
               <a:defRPr sz="6719"/>
-            </a:pPr>
+            </a:lvl1pPr>
+          </a:lstStyle>
+          <a:p>
+            <a:pPr/>
             <a:r>
               <a:t>Statistical Model</a:t>
             </a:r>
-            <a:br/>
-            <a:r>
-              <a:t>Effects</a:t>
-            </a:r>
-          </a:p>
-        </p:txBody>
-      </p:sp>
-      <p:sp>
-        <p:nvSpPr>
-          <p:cNvPr id="201" name="Shape 201"/>
-          <p:cNvSpPr/>
-          <p:nvPr>
-            <p:ph type="body" idx="1"/>
-          </p:nvPr>
-        </p:nvSpPr>
-        <p:spPr>
-          <a:prstGeom prst="rect">
-            <a:avLst/>
-          </a:prstGeom>
-        </p:spPr>
-        <p:txBody>
-          <a:bodyPr/>
-          <a:lstStyle/>
-          <a:p>
-            <a:pPr marL="177800" indent="-177800" defTabSz="233679">
-              <a:spcBef>
-                <a:spcPts val="1600"/>
-              </a:spcBef>
-              <a:defRPr sz="1440"/>
-            </a:pPr>
-            <a:r>
-              <a:t>Reciprocity</a:t>
-            </a:r>
-          </a:p>
-          <a:p>
-            <a:pPr marL="177800" indent="-177800" defTabSz="233679">
-              <a:spcBef>
-                <a:spcPts val="1600"/>
-              </a:spcBef>
-              <a:defRPr sz="1440"/>
-            </a:pPr>
-            <a:r>
-              <a:t>Closure</a:t>
-            </a:r>
-          </a:p>
-          <a:p>
-            <a:pPr lvl="1" marL="355600" indent="-177800" defTabSz="233679">
-              <a:spcBef>
-                <a:spcPts val="1600"/>
-              </a:spcBef>
-              <a:defRPr sz="1440"/>
-            </a:pPr>
-            <a:r>
-              <a:t>Transitive triplets</a:t>
-            </a:r>
-          </a:p>
-          <a:p>
-            <a:pPr marL="177800" indent="-177800" defTabSz="233679">
-              <a:spcBef>
-                <a:spcPts val="1600"/>
-              </a:spcBef>
-              <a:defRPr sz="1440"/>
-            </a:pPr>
-            <a:r>
-              <a:t>Three-cycles</a:t>
-            </a:r>
-          </a:p>
-          <a:p>
-            <a:pPr marL="177800" indent="-177800" defTabSz="233679">
-              <a:spcBef>
-                <a:spcPts val="1600"/>
-              </a:spcBef>
-              <a:defRPr sz="1440"/>
-            </a:pPr>
-            <a:r>
-              <a:t>in-in degree assortativity</a:t>
-            </a:r>
-          </a:p>
-          <a:p>
-            <a:pPr marL="177800" indent="-177800" defTabSz="233679">
-              <a:spcBef>
-                <a:spcPts val="1600"/>
-              </a:spcBef>
-              <a:defRPr sz="1440"/>
-            </a:pPr>
-            <a:r>
-              <a:t>in-out degree assortativity</a:t>
-            </a:r>
-          </a:p>
-          <a:p>
-            <a:pPr marL="177800" indent="-177800" defTabSz="233679">
-              <a:spcBef>
-                <a:spcPts val="1600"/>
-              </a:spcBef>
-              <a:defRPr sz="1440"/>
-            </a:pPr>
-            <a:r>
-              <a:t>Developer’s level of contribution/activity (e.g. code commits per month, or mailing list posts per month) </a:t>
-            </a:r>
-          </a:p>
-          <a:p>
-            <a:pPr marL="177800" indent="-177800" defTabSz="233679">
-              <a:spcBef>
-                <a:spcPts val="1600"/>
-              </a:spcBef>
-              <a:defRPr sz="1440"/>
-            </a:pPr>
-            <a:r>
-              <a:t>Developer’s level of privilege/prestige (e.g. ad- min privilege-holder vs. core contributor vs. marginal devel- oper/user) </a:t>
-            </a:r>
-          </a:p>
-          <a:p>
-            <a:pPr marL="177800" indent="-177800" defTabSz="233679">
-              <a:spcBef>
-                <a:spcPts val="1600"/>
-              </a:spcBef>
-              <a:defRPr sz="1440"/>
-            </a:pPr>
-            <a:r>
-              <a:t>Developer’s level of negative experience (e.g. num- ber of rejected pull requests: especially in forks for more community- driven development)</a:t>
-            </a:r>
-          </a:p>
-          <a:p>
-            <a:pPr marL="177800" indent="-177800" defTabSz="233679">
-              <a:spcBef>
-                <a:spcPts val="1600"/>
-              </a:spcBef>
-              <a:defRPr sz="1440"/>
-            </a:pPr>
-            <a:r>
-              <a:t>Developer’s age (either birth age, (young 20-year- old developer vs. older 50-year-old developer) or their seniority as a development community member (i.e. how long they have been in the community) </a:t>
-            </a:r>
-          </a:p>
-          <a:p>
-            <a:pPr marL="177800" indent="-177800" defTabSz="233679">
-              <a:spcBef>
-                <a:spcPts val="1600"/>
-              </a:spcBef>
-              <a:defRPr sz="1440"/>
-            </a:pPr>
-            <a:r>
-              <a:t>Developer’s propensity for short-responses vs. long- responses. (under-communicator vs. over-communicator) </a:t>
-            </a:r>
-          </a:p>
-          <a:p>
-            <a:pPr marL="177800" indent="-177800" defTabSz="233679">
-              <a:spcBef>
-                <a:spcPts val="1600"/>
-              </a:spcBef>
-              <a:defRPr sz="1440"/>
-            </a:pPr>
-            <a:r>
-              <a:t>Developer’s communication sentiment (generally bitter in communication known as “a jerk”, or has a positive communication prose) </a:t>
-            </a:r>
-          </a:p>
-          <a:p>
-            <a:pPr marL="177800" indent="-177800" defTabSz="233679">
-              <a:spcBef>
-                <a:spcPts val="1600"/>
-              </a:spcBef>
-              <a:defRPr sz="1440"/>
-            </a:pPr>
-            <a:r>
-              <a:t>Developer’s engagement style (i.e. dive-bomber- style contributor who jumps in, overcommits and leave, vs. a steady and increasingly engaged contributor who starts off slow and grows his/her commitment gradually) </a:t>
-            </a:r>
-          </a:p>
-        </p:txBody>
-      </p:sp>
-      <p:sp>
-        <p:nvSpPr>
-          <p:cNvPr id="202" name="Shape 202"/>
+          </a:p>
+        </p:txBody>
+      </p:sp>
+      <p:sp>
+        <p:nvSpPr>
+          <p:cNvPr id="229" name="Shape 229"/>
           <p:cNvSpPr/>
           <p:nvPr>
             <p:ph type="sldNum" sz="quarter" idx="4294967295"/>
@@ -4656,6 +5301,189 @@
           <a:p>
             <a:pPr/>
             <a:fld id="{86CB4B4D-7CA3-9044-876B-883B54F8677D}" type="slidenum"/>
+          </a:p>
+        </p:txBody>
+      </p:sp>
+      <p:sp>
+        <p:nvSpPr>
+          <p:cNvPr id="230" name="Shape 230"/>
+          <p:cNvSpPr/>
+          <p:nvPr/>
+        </p:nvSpPr>
+        <p:spPr>
+          <a:xfrm>
+            <a:off x="952500" y="4291012"/>
+            <a:ext cx="11099801" cy="647701"/>
+          </a:xfrm>
+          <a:prstGeom prst="rect">
+            <a:avLst/>
+          </a:prstGeom>
+          <a:ln w="12700">
+            <a:miter lim="400000"/>
+          </a:ln>
+          <a:extLst>
+            <a:ext uri="{C572A759-6A51-4108-AA02-DFA0A04FC94B}">
+              <ma14:wrappingTextBoxFlag xmlns:ma14="http://schemas.microsoft.com/office/mac/drawingml/2011/main" val="1"/>
+            </a:ext>
+          </a:extLst>
+        </p:spPr>
+        <p:txBody>
+          <a:bodyPr lIns="50800" tIns="50800" rIns="50800" bIns="50800" anchor="ctr">
+            <a:spAutoFit/>
+          </a:bodyPr>
+          <a:lstStyle>
+            <a:lvl1pPr algn="l"/>
+          </a:lstStyle>
+          <a:p>
+            <a:pPr/>
+            <a:r>
+              <a:t>To model graph evolution from           to          , </a:t>
+            </a:r>
+          </a:p>
+        </p:txBody>
+      </p:sp>
+      <p:pic>
+        <p:nvPicPr>
+          <p:cNvPr id="231" name="pasted-image.pdf"/>
+          <p:cNvPicPr>
+            <a:picLocks noChangeAspect="1"/>
+          </p:cNvPicPr>
+          <p:nvPr/>
+        </p:nvPicPr>
+        <p:blipFill>
+          <a:blip r:embed="rId2">
+            <a:extLst/>
+          </a:blip>
+          <a:stretch>
+            <a:fillRect/>
+          </a:stretch>
+        </p:blipFill>
+        <p:spPr>
+          <a:xfrm>
+            <a:off x="7322124" y="4441126"/>
+            <a:ext cx="1092201" cy="474473"/>
+          </a:xfrm>
+          <a:prstGeom prst="rect">
+            <a:avLst/>
+          </a:prstGeom>
+          <a:ln w="12700">
+            <a:miter lim="400000"/>
+          </a:ln>
+        </p:spPr>
+      </p:pic>
+      <p:pic>
+        <p:nvPicPr>
+          <p:cNvPr id="232" name="pasted-image.pdf"/>
+          <p:cNvPicPr>
+            <a:picLocks noChangeAspect="1"/>
+          </p:cNvPicPr>
+          <p:nvPr/>
+        </p:nvPicPr>
+        <p:blipFill>
+          <a:blip r:embed="rId3">
+            <a:extLst/>
+          </a:blip>
+          <a:srcRect l="0" t="0" r="0" b="0"/>
+          <a:stretch>
+            <a:fillRect/>
+          </a:stretch>
+        </p:blipFill>
+        <p:spPr>
+          <a:xfrm>
+            <a:off x="9085688" y="4441126"/>
+            <a:ext cx="1092201" cy="474473"/>
+          </a:xfrm>
+          <a:prstGeom prst="rect">
+            <a:avLst/>
+          </a:prstGeom>
+          <a:ln w="12700">
+            <a:miter lim="400000"/>
+          </a:ln>
+        </p:spPr>
+      </p:pic>
+      <p:sp>
+        <p:nvSpPr>
+          <p:cNvPr id="233" name="Shape 233"/>
+          <p:cNvSpPr/>
+          <p:nvPr/>
+        </p:nvSpPr>
+        <p:spPr>
+          <a:xfrm>
+            <a:off x="1005636" y="5030787"/>
+            <a:ext cx="10350797" cy="1193801"/>
+          </a:xfrm>
+          <a:prstGeom prst="rect">
+            <a:avLst/>
+          </a:prstGeom>
+          <a:ln w="12700">
+            <a:miter lim="400000"/>
+          </a:ln>
+          <a:extLst>
+            <a:ext uri="{C572A759-6A51-4108-AA02-DFA0A04FC94B}">
+              <ma14:wrappingTextBoxFlag xmlns:ma14="http://schemas.microsoft.com/office/mac/drawingml/2011/main" val="1"/>
+            </a:ext>
+          </a:extLst>
+        </p:spPr>
+        <p:txBody>
+          <a:bodyPr lIns="50800" tIns="50800" rIns="50800" bIns="50800" anchor="ctr">
+            <a:spAutoFit/>
+          </a:bodyPr>
+          <a:lstStyle>
+            <a:lvl1pPr algn="l"/>
+          </a:lstStyle>
+          <a:p>
+            <a:pPr/>
+            <a:r>
+              <a:t>and so on, we treat the dynamics as the results of a series of small atomic changes</a:t>
+            </a:r>
+          </a:p>
+        </p:txBody>
+      </p:sp>
+      <p:sp>
+        <p:nvSpPr>
+          <p:cNvPr id="234" name="Shape 234"/>
+          <p:cNvSpPr/>
+          <p:nvPr/>
+        </p:nvSpPr>
+        <p:spPr>
+          <a:xfrm>
+            <a:off x="537877" y="2603499"/>
+            <a:ext cx="11929046" cy="774701"/>
+          </a:xfrm>
+          <a:prstGeom prst="rect">
+            <a:avLst/>
+          </a:prstGeom>
+          <a:ln w="12700">
+            <a:miter lim="400000"/>
+          </a:ln>
+          <a:extLst>
+            <a:ext uri="{C572A759-6A51-4108-AA02-DFA0A04FC94B}">
+              <ma14:wrappingTextBoxFlag xmlns:ma14="http://schemas.microsoft.com/office/mac/drawingml/2011/main" val="1"/>
+            </a:ext>
+          </a:extLst>
+        </p:spPr>
+        <p:txBody>
+          <a:bodyPr wrap="none" lIns="50800" tIns="50800" rIns="50800" bIns="50800" anchor="ctr">
+            <a:spAutoFit/>
+          </a:bodyPr>
+          <a:lstStyle>
+            <a:lvl1pPr>
+              <a:defRPr b="1" sz="4400">
+                <a:solidFill>
+                  <a:schemeClr val="accent5"/>
+                </a:solidFill>
+                <a:latin typeface="Helvetica"/>
+                <a:ea typeface="Helvetica"/>
+                <a:cs typeface="Helvetica"/>
+                <a:sym typeface="Helvetica"/>
+              </a:defRPr>
+            </a:lvl1pPr>
+          </a:lstStyle>
+          <a:p>
+            <a:pPr/>
+            <a:r>
+              <a:t>Longitudinal change = a series of mini-steps</a:t>
+            </a:r>
           </a:p>
         </p:txBody>
       </p:sp>
@@ -4687,7 +5515,7 @@
       </p:grpSpPr>
       <p:sp>
         <p:nvSpPr>
-          <p:cNvPr id="204" name="Shape 204"/>
+          <p:cNvPr id="236" name="Shape 236"/>
           <p:cNvSpPr/>
           <p:nvPr>
             <p:ph type="title"/>
@@ -4708,30 +5536,22 @@
             <a:r>
               <a:t>Statistical Model</a:t>
             </a:r>
-          </a:p>
-          <a:p>
-            <a:pPr defTabSz="490727">
-              <a:defRPr sz="6719"/>
-            </a:pPr>
-            <a:r>
-              <a:t>Simulation and Estimation</a:t>
-            </a:r>
-          </a:p>
-        </p:txBody>
-      </p:sp>
-      <p:sp>
-        <p:nvSpPr>
-          <p:cNvPr id="205" name="Shape 205"/>
+            <a:br/>
+            <a:r>
+              <a:t>Mini-steps</a:t>
+            </a:r>
+          </a:p>
+        </p:txBody>
+      </p:sp>
+      <p:sp>
+        <p:nvSpPr>
+          <p:cNvPr id="237" name="Shape 237"/>
           <p:cNvSpPr/>
           <p:nvPr>
-            <p:ph type="body" sz="quarter" idx="1"/>
+            <p:ph type="body" idx="1"/>
           </p:nvPr>
         </p:nvSpPr>
         <p:spPr>
-          <a:xfrm>
-            <a:off x="952499" y="2603500"/>
-            <a:ext cx="5993459" cy="3734644"/>
-          </a:xfrm>
           <a:prstGeom prst="rect">
             <a:avLst/>
           </a:prstGeom>
@@ -4740,72 +5560,121 @@
           <a:bodyPr/>
           <a:lstStyle/>
           <a:p>
-            <a:pPr/>
-            <a:r>
-              <a:t>Using Method of Moments</a:t>
-            </a:r>
-          </a:p>
-          <a:p>
-            <a:pPr/>
-            <a:r>
-              <a:t>Markov Chain Monte Carlo (MCMC) </a:t>
-            </a:r>
-          </a:p>
-        </p:txBody>
-      </p:sp>
-      <p:pic>
-        <p:nvPicPr>
-          <p:cNvPr id="206" name="Screen Shot 2016-02-09 at 1.55.55 PM.png"/>
-          <p:cNvPicPr>
-            <a:picLocks noChangeAspect="1"/>
-          </p:cNvPicPr>
-          <p:nvPr/>
-        </p:nvPicPr>
-        <p:blipFill>
-          <a:blip r:embed="rId2">
-            <a:extLst/>
-          </a:blip>
-          <a:stretch>
-            <a:fillRect/>
-          </a:stretch>
-        </p:blipFill>
-        <p:spPr>
-          <a:xfrm>
-            <a:off x="6927141" y="2684712"/>
-            <a:ext cx="6091238" cy="6904250"/>
-          </a:xfrm>
-          <a:prstGeom prst="rect">
-            <a:avLst/>
-          </a:prstGeom>
-          <a:ln w="12700">
-            <a:miter lim="400000"/>
-          </a:ln>
-        </p:spPr>
-      </p:pic>
-      <p:sp>
-        <p:nvSpPr>
-          <p:cNvPr id="207" name="Shape 207"/>
-          <p:cNvSpPr/>
-          <p:nvPr>
-            <p:ph type="sldNum" sz="quarter" idx="4294967295"/>
-          </p:nvPr>
-        </p:nvSpPr>
-        <p:spPr>
-          <a:prstGeom prst="rect">
-            <a:avLst/>
-          </a:prstGeom>
-          <a:extLst>
-            <a:ext uri="{C572A759-6A51-4108-AA02-DFA0A04FC94B}">
-              <ma14:wrappingTextBoxFlag xmlns:ma14="http://schemas.microsoft.com/office/mac/drawingml/2011/main" val="1"/>
-            </a:ext>
-          </a:extLst>
-        </p:spPr>
-        <p:txBody>
-          <a:bodyPr/>
-          <a:lstStyle/>
-          <a:p>
-            <a:pPr/>
-            <a:fld id="{86CB4B4D-7CA3-9044-876B-883B54F8677D}" type="slidenum"/>
+            <a:pPr marL="391159" indent="-391159" defTabSz="514095">
+              <a:spcBef>
+                <a:spcPts val="3600"/>
+              </a:spcBef>
+              <a:defRPr sz="3168"/>
+            </a:pPr>
+            <a:r>
+              <a:t>Developer whose tie is changing, has control over the change</a:t>
+            </a:r>
+          </a:p>
+          <a:p>
+            <a:pPr marL="391159" indent="-391159" defTabSz="514095">
+              <a:spcBef>
+                <a:spcPts val="3600"/>
+              </a:spcBef>
+              <a:defRPr sz="3168"/>
+            </a:pPr>
+            <a:r>
+              <a:t>The graph changes one tie at a time (</a:t>
+            </a:r>
+            <a:r>
+              <a:rPr b="1">
+                <a:latin typeface="Helvetica"/>
+                <a:ea typeface="Helvetica"/>
+                <a:cs typeface="Helvetica"/>
+                <a:sym typeface="Helvetica"/>
+              </a:rPr>
+              <a:t>1 mini-step</a:t>
+            </a:r>
+            <a:r>
+              <a:t>)</a:t>
+            </a:r>
+          </a:p>
+          <a:p>
+            <a:pPr marL="391159" indent="-391159" defTabSz="514095">
+              <a:spcBef>
+                <a:spcPts val="3600"/>
+              </a:spcBef>
+              <a:defRPr sz="3168"/>
+            </a:pPr>
+            <a:r>
+              <a:t>The moment of change &amp; the kind of change </a:t>
+            </a:r>
+            <a:r>
+              <a:rPr b="1">
+                <a:latin typeface="Helvetica"/>
+                <a:ea typeface="Helvetica"/>
+                <a:cs typeface="Helvetica"/>
+                <a:sym typeface="Helvetica"/>
+              </a:rPr>
+              <a:t>depends on observed covariates</a:t>
+            </a:r>
+            <a:r>
+              <a:t> and the </a:t>
+            </a:r>
+            <a:r>
+              <a:rPr b="1">
+                <a:latin typeface="Helvetica"/>
+                <a:ea typeface="Helvetica"/>
+                <a:cs typeface="Helvetica"/>
+                <a:sym typeface="Helvetica"/>
+              </a:rPr>
+              <a:t>graph structure</a:t>
+            </a:r>
+          </a:p>
+          <a:p>
+            <a:pPr marL="391159" indent="-391159" defTabSz="514095">
+              <a:spcBef>
+                <a:spcPts val="3600"/>
+              </a:spcBef>
+              <a:defRPr sz="3168"/>
+            </a:pPr>
+            <a:r>
+              <a:t>The </a:t>
+            </a:r>
+            <a:r>
+              <a:rPr b="1">
+                <a:latin typeface="Helvetica"/>
+                <a:ea typeface="Helvetica"/>
+                <a:cs typeface="Helvetica"/>
+                <a:sym typeface="Helvetica"/>
+              </a:rPr>
+              <a:t>moment of change</a:t>
+            </a:r>
+            <a:r>
+              <a:t> is stochastically determined by the </a:t>
+            </a:r>
+            <a:r>
+              <a:rPr i="1"/>
+              <a:t>rate function</a:t>
+            </a:r>
+            <a:endParaRPr i="1"/>
+          </a:p>
+          <a:p>
+            <a:pPr marL="391159" indent="-391159" defTabSz="514095">
+              <a:spcBef>
+                <a:spcPts val="3600"/>
+              </a:spcBef>
+              <a:defRPr sz="3168"/>
+            </a:pPr>
+            <a:r>
+              <a:t>The particular </a:t>
+            </a:r>
+            <a:r>
+              <a:rPr b="1">
+                <a:latin typeface="Helvetica"/>
+                <a:ea typeface="Helvetica"/>
+                <a:cs typeface="Helvetica"/>
+                <a:sym typeface="Helvetica"/>
+              </a:rPr>
+              <a:t>kind of change</a:t>
+            </a:r>
+            <a:r>
+              <a:t> is determined by the objective function</a:t>
+            </a:r>
           </a:p>
         </p:txBody>
       </p:sp>
@@ -4894,19 +5763,19 @@
           <a:p>
             <a:pPr/>
             <a:r>
-              <a:t>Developers’ interactions can be modeled as graphs</a:t>
-            </a:r>
-          </a:p>
-          <a:p>
-            <a:pPr/>
-            <a:r>
-              <a:t>Graphs change through time</a:t>
-            </a:r>
-          </a:p>
-          <a:p>
-            <a:pPr/>
-            <a:r>
-              <a:t>Can these changes reflect the climate happening during run-up to fork</a:t>
+              <a:t>Interactions can be healthy or troubled</a:t>
+            </a:r>
+          </a:p>
+          <a:p>
+            <a:pPr/>
+            <a:r>
+              <a:t>Troubled interactions cause troubled communities -&gt; failure</a:t>
+            </a:r>
+          </a:p>
+          <a:p>
+            <a:pPr/>
+            <a:r>
+              <a:t>Failure affects many people; developers and users</a:t>
             </a:r>
           </a:p>
         </p:txBody>
@@ -4939,6 +5808,115 @@
           <a:p>
             <a:pPr/>
             <a:fld id="{86CB4B4D-7CA3-9044-876B-883B54F8677D}" type="slidenum"/>
+          </a:p>
+        </p:txBody>
+      </p:sp>
+      <p:sp>
+        <p:nvSpPr>
+          <p:cNvPr id="126" name="Shape 126"/>
+          <p:cNvSpPr/>
+          <p:nvPr/>
+        </p:nvSpPr>
+        <p:spPr>
+          <a:xfrm>
+            <a:off x="5331510" y="2089150"/>
+            <a:ext cx="2341780" cy="647701"/>
+          </a:xfrm>
+          <a:prstGeom prst="rect">
+            <a:avLst/>
+          </a:prstGeom>
+          <a:ln w="12700">
+            <a:miter lim="400000"/>
+          </a:ln>
+          <a:extLst>
+            <a:ext uri="{C572A759-6A51-4108-AA02-DFA0A04FC94B}">
+              <ma14:wrappingTextBoxFlag xmlns:ma14="http://schemas.microsoft.com/office/mac/drawingml/2011/main" val="1"/>
+            </a:ext>
+          </a:extLst>
+        </p:spPr>
+        <p:txBody>
+          <a:bodyPr wrap="none" lIns="50800" tIns="50800" rIns="50800" bIns="50800" anchor="ctr">
+            <a:spAutoFit/>
+          </a:bodyPr>
+          <a:lstStyle/>
+          <a:p>
+            <a:pPr/>
+            <a:r>
+              <a:t>Big Picture</a:t>
+            </a:r>
+          </a:p>
+        </p:txBody>
+      </p:sp>
+      <p:sp>
+        <p:nvSpPr>
+          <p:cNvPr id="127" name="Shape 127"/>
+          <p:cNvSpPr/>
+          <p:nvPr/>
+        </p:nvSpPr>
+        <p:spPr>
+          <a:xfrm>
+            <a:off x="3002632" y="7969250"/>
+            <a:ext cx="6999536" cy="647701"/>
+          </a:xfrm>
+          <a:prstGeom prst="rect">
+            <a:avLst/>
+          </a:prstGeom>
+          <a:ln w="12700">
+            <a:miter lim="400000"/>
+          </a:ln>
+          <a:extLst>
+            <a:ext uri="{C572A759-6A51-4108-AA02-DFA0A04FC94B}">
+              <ma14:wrappingTextBoxFlag xmlns:ma14="http://schemas.microsoft.com/office/mac/drawingml/2011/main" val="1"/>
+            </a:ext>
+          </a:extLst>
+        </p:spPr>
+        <p:txBody>
+          <a:bodyPr wrap="none" lIns="50800" tIns="50800" rIns="50800" bIns="50800" anchor="ctr">
+            <a:spAutoFit/>
+          </a:bodyPr>
+          <a:lstStyle/>
+          <a:p>
+            <a:pPr>
+              <a:defRPr b="1">
+                <a:solidFill>
+                  <a:schemeClr val="accent2"/>
+                </a:solidFill>
+                <a:latin typeface="Helvetica"/>
+                <a:ea typeface="Helvetica"/>
+                <a:cs typeface="Helvetica"/>
+                <a:sym typeface="Helvetica"/>
+              </a:defRPr>
+            </a:pPr>
+            <a:r>
+              <a:rPr>
+                <a:solidFill>
+                  <a:srgbClr val="000000"/>
+                </a:solidFill>
+              </a:rPr>
+              <a:t>Can we </a:t>
+            </a:r>
+            <a:r>
+              <a:t>save </a:t>
+            </a:r>
+            <a:r>
+              <a:rPr>
+                <a:solidFill>
+                  <a:schemeClr val="accent4">
+                    <a:satOff val="1488"/>
+                    <a:lumOff val="-7242"/>
+                  </a:schemeClr>
+                </a:solidFill>
+              </a:rPr>
+              <a:t>troubled projects</a:t>
+            </a:r>
+            <a:r>
+              <a:rPr>
+                <a:solidFill>
+                  <a:srgbClr val="000000"/>
+                </a:solidFill>
+              </a:rPr>
+              <a:t>?</a:t>
+            </a:r>
           </a:p>
         </p:txBody>
       </p:sp>
@@ -4970,7 +5948,7 @@
       </p:grpSpPr>
       <p:sp>
         <p:nvSpPr>
-          <p:cNvPr id="209" name="Shape 209"/>
+          <p:cNvPr id="239" name="Shape 239"/>
           <p:cNvSpPr/>
           <p:nvPr>
             <p:ph type="title"/>
@@ -4983,22 +5961,24 @@
         </p:spPr>
         <p:txBody>
           <a:bodyPr/>
-          <a:lstStyle>
-            <a:lvl1pPr defTabSz="490727">
+          <a:lstStyle/>
+          <a:p>
+            <a:pPr defTabSz="490727">
               <a:defRPr sz="6719"/>
-            </a:lvl1pPr>
-          </a:lstStyle>
-          <a:p>
-            <a:pPr/>
+            </a:pPr>
             <a:r>
               <a:t>Statistical Model</a:t>
+            </a:r>
+            <a:br/>
+            <a:r>
+              <a:t>Rate Function</a:t>
             </a:r>
           </a:p>
         </p:txBody>
       </p:sp>
       <p:pic>
         <p:nvPicPr>
-          <p:cNvPr id="210" name="Screen Shot 2016-02-09 at 1.52.56 PM.png"/>
+          <p:cNvPr id="240" name="Screen Shot 2016-02-09 at 1.30.42 PM.png"/>
           <p:cNvPicPr>
             <a:picLocks noChangeAspect="1"/>
           </p:cNvPicPr>
@@ -5014,8 +5994,8 @@
         </p:blipFill>
         <p:spPr>
           <a:xfrm>
-            <a:off x="2793959" y="1825080"/>
-            <a:ext cx="7416882" cy="7856040"/>
+            <a:off x="457114" y="4970629"/>
+            <a:ext cx="12090572" cy="925080"/>
           </a:xfrm>
           <a:prstGeom prst="rect">
             <a:avLst/>
@@ -5027,7 +6007,124 @@
       </p:pic>
       <p:sp>
         <p:nvSpPr>
-          <p:cNvPr id="211" name="Shape 211"/>
+          <p:cNvPr id="241" name="Shape 241"/>
+          <p:cNvSpPr/>
+          <p:nvPr/>
+        </p:nvSpPr>
+        <p:spPr>
+          <a:xfrm>
+            <a:off x="360908" y="3304461"/>
+            <a:ext cx="12090572" cy="965207"/>
+          </a:xfrm>
+          <a:prstGeom prst="rect">
+            <a:avLst/>
+          </a:prstGeom>
+          <a:ln w="12700">
+            <a:miter lim="400000"/>
+          </a:ln>
+          <a:extLst>
+            <a:ext uri="{C572A759-6A51-4108-AA02-DFA0A04FC94B}">
+              <ma14:wrappingTextBoxFlag xmlns:ma14="http://schemas.microsoft.com/office/mac/drawingml/2011/main" val="1"/>
+            </a:ext>
+          </a:extLst>
+        </p:spPr>
+        <p:txBody>
+          <a:bodyPr lIns="50800" tIns="50800" rIns="50800" bIns="50800" anchor="ctr">
+            <a:spAutoFit/>
+          </a:bodyPr>
+          <a:lstStyle/>
+          <a:p>
+            <a:pPr algn="l">
+              <a:spcBef>
+                <a:spcPts val="3200"/>
+              </a:spcBef>
+              <a:defRPr sz="2800"/>
+            </a:pPr>
+            <a:r>
+              <a:t>The </a:t>
+            </a:r>
+            <a:r>
+              <a:rPr b="1">
+                <a:latin typeface="Helvetica"/>
+                <a:ea typeface="Helvetica"/>
+                <a:cs typeface="Helvetica"/>
+                <a:sym typeface="Helvetica"/>
+              </a:rPr>
+              <a:t>rate function</a:t>
+            </a:r>
+            <a:r>
+              <a:t> λ</a:t>
+            </a:r>
+            <a:r>
+              <a:rPr baseline="-27272" sz="1100"/>
+              <a:t>i</a:t>
+            </a:r>
+            <a:r>
+              <a:t>(x) for developer </a:t>
+            </a:r>
+            <a:r>
+              <a:rPr i="1"/>
+              <a:t>i</a:t>
+            </a:r>
+            <a:r>
+              <a:t> is the rate at which developer </a:t>
+            </a:r>
+            <a:r>
+              <a:rPr i="1"/>
+              <a:t>i</a:t>
+            </a:r>
+            <a:r>
+              <a:t>’s outgoing connections changes occur.</a:t>
+            </a:r>
+          </a:p>
+        </p:txBody>
+      </p:sp>
+      <p:sp>
+        <p:nvSpPr>
+          <p:cNvPr id="242" name="Shape 242"/>
+          <p:cNvSpPr/>
+          <p:nvPr/>
+        </p:nvSpPr>
+        <p:spPr>
+          <a:xfrm>
+            <a:off x="437184" y="6934200"/>
+            <a:ext cx="9277046" cy="533401"/>
+          </a:xfrm>
+          <a:prstGeom prst="rect">
+            <a:avLst/>
+          </a:prstGeom>
+          <a:ln w="12700">
+            <a:miter lim="400000"/>
+          </a:ln>
+          <a:extLst>
+            <a:ext uri="{C572A759-6A51-4108-AA02-DFA0A04FC94B}">
+              <ma14:wrappingTextBoxFlag xmlns:ma14="http://schemas.microsoft.com/office/mac/drawingml/2011/main" val="1"/>
+            </a:ext>
+          </a:extLst>
+        </p:spPr>
+        <p:txBody>
+          <a:bodyPr wrap="none" lIns="50800" tIns="50800" rIns="50800" bIns="50800" anchor="ctr">
+            <a:spAutoFit/>
+          </a:bodyPr>
+          <a:lstStyle>
+            <a:lvl1pPr algn="l">
+              <a:spcBef>
+                <a:spcPts val="3200"/>
+              </a:spcBef>
+              <a:defRPr sz="2800"/>
+            </a:lvl1pPr>
+          </a:lstStyle>
+          <a:p>
+            <a:pPr/>
+            <a:r>
+              <a:t>It models how frequently the developers make mini-steps.</a:t>
+            </a:r>
+          </a:p>
+        </p:txBody>
+      </p:sp>
+      <p:sp>
+        <p:nvSpPr>
+          <p:cNvPr id="243" name="Shape 243"/>
           <p:cNvSpPr/>
           <p:nvPr>
             <p:ph type="sldNum" sz="quarter" idx="4294967295"/>
@@ -5078,165 +6175,226 @@
           <a:chExt cx="0" cy="0"/>
         </a:xfrm>
       </p:grpSpPr>
+      <p:sp>
+        <p:nvSpPr>
+          <p:cNvPr id="245" name="Shape 245"/>
+          <p:cNvSpPr/>
+          <p:nvPr>
+            <p:ph type="title"/>
+          </p:nvPr>
+        </p:nvSpPr>
+        <p:spPr>
+          <a:prstGeom prst="rect">
+            <a:avLst/>
+          </a:prstGeom>
+        </p:spPr>
+        <p:txBody>
+          <a:bodyPr/>
+          <a:lstStyle/>
+          <a:p>
+            <a:pPr defTabSz="490727">
+              <a:defRPr sz="6719"/>
+            </a:pPr>
+            <a:r>
+              <a:t>Statistical Model</a:t>
+            </a:r>
+            <a:br/>
+            <a:r>
+              <a:t>Objective function</a:t>
+            </a:r>
+          </a:p>
+        </p:txBody>
+      </p:sp>
       <p:pic>
         <p:nvPicPr>
-          <p:cNvPr id="213" name="epc-flow-charts.pdf"/>
+          <p:cNvPr id="246" name="Screen Shot 2016-02-09 at 1.35.43 PM.png"/>
           <p:cNvPicPr>
             <a:picLocks noChangeAspect="1"/>
           </p:cNvPicPr>
-          <p:nvPr>
-            <p:ph type="pic" idx="13"/>
-          </p:nvPr>
+          <p:nvPr/>
         </p:nvPicPr>
         <p:blipFill>
           <a:blip r:embed="rId2">
             <a:extLst/>
           </a:blip>
-          <a:srcRect l="0" t="0" r="0" b="0"/>
           <a:stretch>
             <a:fillRect/>
           </a:stretch>
         </p:blipFill>
         <p:spPr>
           <a:xfrm>
-            <a:off x="2446932" y="1993106"/>
-            <a:ext cx="8111112" cy="6973951"/>
+            <a:off x="4375150" y="4241800"/>
+            <a:ext cx="4254500" cy="1498600"/>
           </a:xfrm>
           <a:prstGeom prst="rect">
             <a:avLst/>
           </a:prstGeom>
-        </p:spPr>
-      </p:pic>
-      <p:sp>
-        <p:nvSpPr>
-          <p:cNvPr id="214" name="Shape 214"/>
-          <p:cNvSpPr/>
-          <p:nvPr>
-            <p:ph type="title"/>
-          </p:nvPr>
-        </p:nvSpPr>
-        <p:spPr>
-          <a:xfrm>
-            <a:off x="1270000" y="292100"/>
-            <a:ext cx="10464800" cy="1422400"/>
-          </a:xfrm>
-          <a:prstGeom prst="rect">
-            <a:avLst/>
-          </a:prstGeom>
-        </p:spPr>
-        <p:txBody>
-          <a:bodyPr/>
-          <a:lstStyle>
-            <a:lvl1pPr defTabSz="397256">
-              <a:defRPr sz="5440"/>
-            </a:lvl1pPr>
-          </a:lstStyle>
-          <a:p>
-            <a:pPr/>
-            <a:r>
-              <a:t>Methodology: Hypothesis Testing</a:t>
-            </a:r>
-          </a:p>
-        </p:txBody>
-      </p:sp>
-      <p:sp>
-        <p:nvSpPr>
-          <p:cNvPr id="215" name="Shape 215"/>
-          <p:cNvSpPr/>
-          <p:nvPr/>
-        </p:nvSpPr>
-        <p:spPr>
-          <a:xfrm>
-            <a:off x="5015135" y="5983585"/>
-            <a:ext cx="4337051" cy="916732"/>
-          </a:xfrm>
-          <a:prstGeom prst="roundRect">
-            <a:avLst>
-              <a:gd name="adj" fmla="val 47552"/>
-            </a:avLst>
-          </a:prstGeom>
-          <a:solidFill>
-            <a:schemeClr val="accent3">
-              <a:satOff val="18648"/>
-              <a:lumOff val="5971"/>
-              <a:alpha val="40553"/>
-            </a:schemeClr>
-          </a:solidFill>
-          <a:ln w="63500">
-            <a:solidFill>
-              <a:schemeClr val="accent5">
-                <a:alpha val="40553"/>
-              </a:schemeClr>
-            </a:solidFill>
+          <a:ln w="12700">
             <a:miter lim="400000"/>
           </a:ln>
-          <a:effectLst>
-            <a:outerShdw sx="100000" sy="100000" kx="0" ky="0" algn="b" rotWithShape="0" blurRad="355600" dist="0" dir="0">
-              <a:srgbClr val="000000">
-                <a:alpha val="75000"/>
-              </a:srgbClr>
-            </a:outerShdw>
-          </a:effectLst>
-        </p:spPr>
-        <p:txBody>
-          <a:bodyPr lIns="50800" tIns="50800" rIns="50800" bIns="50800" anchor="ctr"/>
+        </p:spPr>
+      </p:pic>
+      <p:sp>
+        <p:nvSpPr>
+          <p:cNvPr id="247" name="Shape 247"/>
+          <p:cNvSpPr/>
+          <p:nvPr/>
+        </p:nvSpPr>
+        <p:spPr>
+          <a:xfrm>
+            <a:off x="263106" y="3028947"/>
+            <a:ext cx="12714406" cy="1549406"/>
+          </a:xfrm>
+          <a:prstGeom prst="rect">
+            <a:avLst/>
+          </a:prstGeom>
+          <a:ln w="12700">
+            <a:miter lim="400000"/>
+          </a:ln>
+          <a:extLst>
+            <a:ext uri="{C572A759-6A51-4108-AA02-DFA0A04FC94B}">
+              <ma14:wrappingTextBoxFlag xmlns:ma14="http://schemas.microsoft.com/office/mac/drawingml/2011/main" val="1"/>
+            </a:ext>
+          </a:extLst>
+        </p:spPr>
+        <p:txBody>
+          <a:bodyPr wrap="none" lIns="50800" tIns="50800" rIns="50800" bIns="50800" anchor="ctr">
+            <a:spAutoFit/>
+          </a:bodyPr>
           <a:lstStyle/>
           <a:p>
-            <a:pPr>
-              <a:defRPr sz="2400">
-                <a:solidFill>
-                  <a:srgbClr val="FFFFFF"/>
-                </a:solidFill>
-              </a:defRPr>
+            <a:pPr algn="l">
+              <a:spcBef>
+                <a:spcPts val="3200"/>
+              </a:spcBef>
+              <a:defRPr sz="2800"/>
             </a:pPr>
-          </a:p>
-        </p:txBody>
-      </p:sp>
-      <p:sp>
-        <p:nvSpPr>
-          <p:cNvPr id="216" name="Shape 216"/>
+            <a:r>
+              <a:t>The </a:t>
+            </a:r>
+            <a:r>
+              <a:rPr b="1">
+                <a:latin typeface="Helvetica"/>
+                <a:ea typeface="Helvetica"/>
+                <a:cs typeface="Helvetica"/>
+                <a:sym typeface="Helvetica"/>
+              </a:rPr>
+              <a:t>objective function</a:t>
+            </a:r>
+            <a:r>
+              <a:t> f</a:t>
+            </a:r>
+            <a:r>
+              <a:rPr baseline="-27272" sz="1100"/>
+              <a:t>i</a:t>
+            </a:r>
+            <a:r>
+              <a:t>(s) for developer i is the value attached to the network configuration x. </a:t>
+            </a:r>
+            <a:endParaRPr sz="1200"/>
+          </a:p>
+        </p:txBody>
+      </p:sp>
+      <p:sp>
+        <p:nvSpPr>
+          <p:cNvPr id="248" name="Shape 248"/>
           <p:cNvSpPr/>
           <p:nvPr/>
         </p:nvSpPr>
         <p:spPr>
           <a:xfrm>
-            <a:off x="1832061" y="6441950"/>
-            <a:ext cx="2765339" cy="1"/>
+            <a:off x="370222" y="6400800"/>
+            <a:ext cx="12500174" cy="2667001"/>
           </a:xfrm>
-          <a:prstGeom prst="line">
-            <a:avLst/>
-          </a:prstGeom>
-          <a:ln w="152400">
-            <a:solidFill>
-              <a:srgbClr val="000000"/>
-            </a:solidFill>
+          <a:prstGeom prst="rect">
+            <a:avLst/>
+          </a:prstGeom>
+          <a:ln w="12700">
             <a:miter lim="400000"/>
-            <a:tailEnd type="triangle"/>
           </a:ln>
-        </p:spPr>
-        <p:txBody>
-          <a:bodyPr lIns="50800" tIns="50800" rIns="50800" bIns="50800" anchor="ctr"/>
+          <a:extLst>
+            <a:ext uri="{C572A759-6A51-4108-AA02-DFA0A04FC94B}">
+              <ma14:wrappingTextBoxFlag xmlns:ma14="http://schemas.microsoft.com/office/mac/drawingml/2011/main" val="1"/>
+            </a:ext>
+          </a:extLst>
+        </p:spPr>
+        <p:txBody>
+          <a:bodyPr lIns="50800" tIns="50800" rIns="50800" bIns="50800" anchor="ctr">
+            <a:spAutoFit/>
+          </a:bodyPr>
           <a:lstStyle/>
           <a:p>
-            <a:pPr>
-              <a:defRPr sz="2400"/>
+            <a:pPr marL="345722" indent="-345722" algn="l">
+              <a:spcBef>
+                <a:spcPts val="3200"/>
+              </a:spcBef>
+              <a:buSzPct val="75000"/>
+              <a:buChar char="•"/>
+              <a:defRPr sz="2800"/>
             </a:pPr>
-          </a:p>
-        </p:txBody>
-      </p:sp>
-      <p:sp>
-        <p:nvSpPr>
-          <p:cNvPr id="217" name="Shape 217"/>
+            <a:r>
+              <a:t>Functions s</a:t>
+            </a:r>
+            <a:r>
+              <a:rPr baseline="-27272" sz="1100"/>
+              <a:t>ik</a:t>
+            </a:r>
+            <a:r>
+              <a:t>(x) are the effects we define. Parameters β = (β</a:t>
+            </a:r>
+            <a:r>
+              <a:rPr baseline="-27272" sz="1100"/>
+              <a:t>1</a:t>
+            </a:r>
+            <a:r>
+              <a:t>, ..., β</a:t>
+            </a:r>
+            <a:r>
+              <a:rPr baseline="-27272" sz="1100"/>
+              <a:t>L</a:t>
+            </a:r>
+            <a:r>
+              <a:t>) is to be estimated. </a:t>
+            </a:r>
+          </a:p>
+          <a:p>
+            <a:pPr marL="345722" indent="-345722" algn="l">
+              <a:spcBef>
+                <a:spcPts val="3200"/>
+              </a:spcBef>
+              <a:buSzPct val="75000"/>
+              <a:buChar char="•"/>
+              <a:defRPr sz="2800"/>
+            </a:pPr>
+            <a:r>
+              <a:t>Idea: Given the opportunity to make a change in his out-going tie variables (X</a:t>
+            </a:r>
+            <a:r>
+              <a:rPr baseline="-27272" sz="1100"/>
+              <a:t>i1</a:t>
+            </a:r>
+            <a:r>
+              <a:t>,...,X</a:t>
+            </a:r>
+            <a:r>
+              <a:rPr baseline="-27272" sz="1100"/>
+              <a:t>ig</a:t>
+            </a:r>
+            <a:r>
+              <a:t>), developer i selects the change that gives the greatest increase in the objective function.</a:t>
+            </a:r>
+          </a:p>
+        </p:txBody>
+      </p:sp>
+      <p:sp>
+        <p:nvSpPr>
+          <p:cNvPr id="249" name="Shape 249"/>
           <p:cNvSpPr/>
           <p:nvPr>
             <p:ph type="sldNum" sz="quarter" idx="4294967295"/>
           </p:nvPr>
         </p:nvSpPr>
         <p:spPr>
-          <a:xfrm>
-            <a:off x="6311798" y="9245600"/>
-            <a:ext cx="368504" cy="381000"/>
-          </a:xfrm>
           <a:prstGeom prst="rect">
             <a:avLst/>
           </a:prstGeom>
@@ -5283,7 +6441,7 @@
       </p:grpSpPr>
       <p:sp>
         <p:nvSpPr>
-          <p:cNvPr id="219" name="Shape 219"/>
+          <p:cNvPr id="251" name="Shape 251"/>
           <p:cNvSpPr/>
           <p:nvPr>
             <p:ph type="title"/>
@@ -5298,22 +6456,36 @@
           <a:bodyPr/>
           <a:lstStyle/>
           <a:p>
-            <a:pPr/>
-            <a:r>
-              <a:t>Hypothesis Testing</a:t>
-            </a:r>
-          </a:p>
-        </p:txBody>
-      </p:sp>
-      <p:sp>
-        <p:nvSpPr>
-          <p:cNvPr id="220" name="Shape 220"/>
+            <a:pPr defTabSz="490727">
+              <a:defRPr sz="6719"/>
+            </a:pPr>
+            <a:r>
+              <a:t>Statistical Model</a:t>
+            </a:r>
+          </a:p>
+          <a:p>
+            <a:pPr defTabSz="490727">
+              <a:defRPr sz="6719"/>
+            </a:pPr>
+            <a:r>
+              <a:t>Simulation and Estimation</a:t>
+            </a:r>
+          </a:p>
+        </p:txBody>
+      </p:sp>
+      <p:sp>
+        <p:nvSpPr>
+          <p:cNvPr id="252" name="Shape 252"/>
           <p:cNvSpPr/>
           <p:nvPr>
             <p:ph type="body" idx="1"/>
           </p:nvPr>
         </p:nvSpPr>
         <p:spPr>
+          <a:xfrm>
+            <a:off x="952500" y="2603500"/>
+            <a:ext cx="10853292" cy="6299200"/>
+          </a:xfrm>
           <a:prstGeom prst="rect">
             <a:avLst/>
           </a:prstGeom>
@@ -5324,26 +6496,36 @@
           <a:p>
             <a:pPr/>
             <a:r>
-              <a:t>Single parameter tests</a:t>
-            </a:r>
-          </a:p>
-          <a:p>
-            <a:pPr/>
-            <a:r>
-              <a:t>Multi-parameter differences between groups</a:t>
-            </a:r>
-          </a:p>
-          <a:p>
-            <a:pPr/>
-            <a:r>
-              <a:t>Multivariate ANOVA</a:t>
-            </a:r>
-          </a:p>
-        </p:txBody>
-      </p:sp>
-      <p:sp>
-        <p:nvSpPr>
-          <p:cNvPr id="221" name="Shape 221"/>
+              <a:t>Using Method of Moments (MoM)</a:t>
+            </a:r>
+          </a:p>
+          <a:p>
+            <a:pPr lvl="1">
+              <a:defRPr sz="2900"/>
+            </a:pPr>
+            <a:r>
+              <a:t>Equate the observed sample statistics to the theoretical population statistics and solve the equation to find the coefficients</a:t>
+            </a:r>
+          </a:p>
+          <a:p>
+            <a:pPr/>
+            <a:r>
+              <a:t>Markov Chain Monte Carlo (MCMC) estimation</a:t>
+            </a:r>
+          </a:p>
+          <a:p>
+            <a:pPr lvl="1">
+              <a:defRPr sz="2900"/>
+            </a:pPr>
+            <a:r>
+              <a:t>Simulate the network evolution, and estimate the model based on the simulations</a:t>
+            </a:r>
+          </a:p>
+        </p:txBody>
+      </p:sp>
+      <p:sp>
+        <p:nvSpPr>
+          <p:cNvPr id="253" name="Shape 253"/>
           <p:cNvSpPr/>
           <p:nvPr>
             <p:ph type="sldNum" sz="quarter" idx="4294967295"/>
@@ -5396,7 +6578,7 @@
       </p:grpSpPr>
       <p:pic>
         <p:nvPicPr>
-          <p:cNvPr id="223" name="epc-flow-charts.pdf"/>
+          <p:cNvPr id="255" name="epc-flow-charts.pdf"/>
           <p:cNvPicPr>
             <a:picLocks noChangeAspect="1"/>
           </p:cNvPicPr>
@@ -5425,7 +6607,7 @@
       </p:pic>
       <p:sp>
         <p:nvSpPr>
-          <p:cNvPr id="224" name="Shape 224"/>
+          <p:cNvPr id="256" name="Shape 256"/>
           <p:cNvSpPr/>
           <p:nvPr>
             <p:ph type="title"/>
@@ -5442,29 +6624,33 @@
         </p:spPr>
         <p:txBody>
           <a:bodyPr/>
-          <a:lstStyle/>
-          <a:p>
-            <a:pPr/>
-            <a:r>
-              <a:t>Methodology: Results</a:t>
-            </a:r>
-          </a:p>
-        </p:txBody>
-      </p:sp>
-      <p:sp>
-        <p:nvSpPr>
-          <p:cNvPr id="225" name="Shape 225"/>
+          <a:lstStyle>
+            <a:lvl1pPr defTabSz="397256">
+              <a:defRPr sz="5440"/>
+            </a:lvl1pPr>
+          </a:lstStyle>
+          <a:p>
+            <a:pPr/>
+            <a:r>
+              <a:t>Methodology: Hypothesis Testing</a:t>
+            </a:r>
+          </a:p>
+        </p:txBody>
+      </p:sp>
+      <p:sp>
+        <p:nvSpPr>
+          <p:cNvPr id="257" name="Shape 257"/>
           <p:cNvSpPr/>
           <p:nvPr/>
         </p:nvSpPr>
         <p:spPr>
           <a:xfrm>
-            <a:off x="5332635" y="7181229"/>
-            <a:ext cx="4337051" cy="1813671"/>
+            <a:off x="5015135" y="5983585"/>
+            <a:ext cx="4337051" cy="916732"/>
           </a:xfrm>
           <a:prstGeom prst="roundRect">
             <a:avLst>
-              <a:gd name="adj" fmla="val 24036"/>
+              <a:gd name="adj" fmla="val 47552"/>
             </a:avLst>
           </a:prstGeom>
           <a:solidFill>
@@ -5506,14 +6692,14 @@
       </p:sp>
       <p:sp>
         <p:nvSpPr>
-          <p:cNvPr id="226" name="Shape 226"/>
+          <p:cNvPr id="258" name="Shape 258"/>
           <p:cNvSpPr/>
           <p:nvPr/>
         </p:nvSpPr>
         <p:spPr>
           <a:xfrm>
-            <a:off x="1904888" y="8088064"/>
-            <a:ext cx="2870312" cy="1"/>
+            <a:off x="1832061" y="6441950"/>
+            <a:ext cx="2765339" cy="1"/>
           </a:xfrm>
           <a:prstGeom prst="line">
             <a:avLst/>
@@ -5538,7 +6724,7 @@
       </p:sp>
       <p:sp>
         <p:nvSpPr>
-          <p:cNvPr id="227" name="Shape 227"/>
+          <p:cNvPr id="259" name="Shape 259"/>
           <p:cNvSpPr/>
           <p:nvPr>
             <p:ph type="sldNum" sz="quarter" idx="4294967295"/>
@@ -5595,7 +6781,7 @@
       </p:grpSpPr>
       <p:sp>
         <p:nvSpPr>
-          <p:cNvPr id="229" name="Shape 229"/>
+          <p:cNvPr id="261" name="Shape 261"/>
           <p:cNvSpPr/>
           <p:nvPr>
             <p:ph type="title"/>
@@ -5612,14 +6798,14 @@
           <a:p>
             <a:pPr/>
             <a:r>
-              <a:t>Methodology: Validation</a:t>
-            </a:r>
-          </a:p>
-        </p:txBody>
-      </p:sp>
-      <p:sp>
-        <p:nvSpPr>
-          <p:cNvPr id="230" name="Shape 230"/>
+              <a:t>Hypothesis Testing</a:t>
+            </a:r>
+          </a:p>
+        </p:txBody>
+      </p:sp>
+      <p:sp>
+        <p:nvSpPr>
+          <p:cNvPr id="262" name="Shape 262"/>
           <p:cNvSpPr/>
           <p:nvPr>
             <p:ph type="body" idx="1"/>
@@ -5636,44 +6822,50 @@
           <a:p>
             <a:pPr/>
             <a:r>
-              <a:t>Qualitative</a:t>
-            </a:r>
-          </a:p>
-          <a:p>
-            <a:pPr/>
-            <a:r>
-              <a:t>Interviews/surveys</a:t>
-            </a:r>
-          </a:p>
-          <a:p>
-            <a:pPr lvl="1" marL="790222" indent="-345722">
-              <a:spcBef>
-                <a:spcPts val="3200"/>
-              </a:spcBef>
-              <a:defRPr sz="2800"/>
+              <a:t>Single parameter test</a:t>
+            </a:r>
+          </a:p>
+          <a:p>
+            <a:pPr lvl="1">
+              <a:defRPr sz="3000"/>
             </a:pPr>
             <a:r>
-              <a:t>Semi-structured interviews with contributors</a:t>
-            </a:r>
-          </a:p>
-          <a:p>
-            <a:pPr/>
-            <a:r>
-              <a:t>Sentiment analysis</a:t>
-            </a:r>
-          </a:p>
-          <a:p>
-            <a:pPr lvl="1" marL="802569" indent="-358069"/>
-            <a:r>
-              <a:rPr sz="2900"/>
-              <a:t>Contents of messages sent/received by top contributors </a:t>
-            </a:r>
-          </a:p>
-        </p:txBody>
-      </p:sp>
-      <p:sp>
-        <p:nvSpPr>
-          <p:cNvPr id="231" name="Shape 231"/>
+              <a:t>To determine the significance of covariates in the model</a:t>
+            </a:r>
+          </a:p>
+          <a:p>
+            <a:pPr/>
+            <a:r>
+              <a:t>Multi-parameter differences between groups</a:t>
+            </a:r>
+          </a:p>
+          <a:p>
+            <a:pPr lvl="1">
+              <a:defRPr sz="3000"/>
+            </a:pPr>
+            <a:r>
+              <a:t>To compare two project models</a:t>
+            </a:r>
+          </a:p>
+          <a:p>
+            <a:pPr/>
+            <a:r>
+              <a:t>Multivariate ANOVA</a:t>
+            </a:r>
+          </a:p>
+          <a:p>
+            <a:pPr lvl="1">
+              <a:defRPr sz="3000"/>
+            </a:pPr>
+            <a:r>
+              <a:t>To compare a group of projects and a project</a:t>
+            </a:r>
+          </a:p>
+        </p:txBody>
+      </p:sp>
+      <p:sp>
+        <p:nvSpPr>
+          <p:cNvPr id="263" name="Shape 263"/>
           <p:cNvSpPr/>
           <p:nvPr>
             <p:ph type="sldNum" sz="quarter" idx="4294967295"/>
@@ -5724,15 +6916,48 @@
           <a:chExt cx="0" cy="0"/>
         </a:xfrm>
       </p:grpSpPr>
-      <p:sp>
-        <p:nvSpPr>
-          <p:cNvPr id="233" name="Shape 233"/>
+      <p:pic>
+        <p:nvPicPr>
+          <p:cNvPr id="265" name="epc-flow-charts.pdf"/>
+          <p:cNvPicPr>
+            <a:picLocks noChangeAspect="1"/>
+          </p:cNvPicPr>
+          <p:nvPr>
+            <p:ph type="pic" idx="13"/>
+          </p:nvPr>
+        </p:nvPicPr>
+        <p:blipFill>
+          <a:blip r:embed="rId2">
+            <a:extLst/>
+          </a:blip>
+          <a:srcRect l="0" t="0" r="0" b="0"/>
+          <a:stretch>
+            <a:fillRect/>
+          </a:stretch>
+        </p:blipFill>
+        <p:spPr>
+          <a:xfrm>
+            <a:off x="2446932" y="1993106"/>
+            <a:ext cx="8111112" cy="6973951"/>
+          </a:xfrm>
+          <a:prstGeom prst="rect">
+            <a:avLst/>
+          </a:prstGeom>
+        </p:spPr>
+      </p:pic>
+      <p:sp>
+        <p:nvSpPr>
+          <p:cNvPr id="266" name="Shape 266"/>
           <p:cNvSpPr/>
           <p:nvPr>
             <p:ph type="title"/>
           </p:nvPr>
         </p:nvSpPr>
         <p:spPr>
+          <a:xfrm>
+            <a:off x="1270000" y="292100"/>
+            <a:ext cx="10464800" cy="1422400"/>
+          </a:xfrm>
           <a:prstGeom prst="rect">
             <a:avLst/>
           </a:prstGeom>
@@ -5743,95 +6968,109 @@
           <a:p>
             <a:pPr/>
             <a:r>
-              <a:t>Conclusions</a:t>
-            </a:r>
-          </a:p>
-        </p:txBody>
-      </p:sp>
-      <p:sp>
-        <p:nvSpPr>
-          <p:cNvPr id="234" name="Shape 234"/>
-          <p:cNvSpPr/>
-          <p:nvPr>
-            <p:ph type="body" idx="1"/>
-          </p:nvPr>
-        </p:nvSpPr>
-        <p:spPr>
-          <a:prstGeom prst="rect">
-            <a:avLst/>
-          </a:prstGeom>
-        </p:spPr>
-        <p:txBody>
-          <a:bodyPr/>
+              <a:t>Methodology: Results</a:t>
+            </a:r>
+          </a:p>
+        </p:txBody>
+      </p:sp>
+      <p:sp>
+        <p:nvSpPr>
+          <p:cNvPr id="267" name="Shape 267"/>
+          <p:cNvSpPr/>
+          <p:nvPr/>
+        </p:nvSpPr>
+        <p:spPr>
+          <a:xfrm>
+            <a:off x="5332635" y="7181229"/>
+            <a:ext cx="4337051" cy="1813671"/>
+          </a:xfrm>
+          <a:prstGeom prst="roundRect">
+            <a:avLst>
+              <a:gd name="adj" fmla="val 24036"/>
+            </a:avLst>
+          </a:prstGeom>
+          <a:solidFill>
+            <a:schemeClr val="accent3">
+              <a:satOff val="18648"/>
+              <a:lumOff val="5971"/>
+              <a:alpha val="40553"/>
+            </a:schemeClr>
+          </a:solidFill>
+          <a:ln w="63500">
+            <a:solidFill>
+              <a:schemeClr val="accent5">
+                <a:alpha val="40553"/>
+              </a:schemeClr>
+            </a:solidFill>
+            <a:miter lim="400000"/>
+          </a:ln>
+          <a:effectLst>
+            <a:outerShdw sx="100000" sy="100000" kx="0" ky="0" algn="b" rotWithShape="0" blurRad="355600" dist="0" dir="0">
+              <a:srgbClr val="000000">
+                <a:alpha val="75000"/>
+              </a:srgbClr>
+            </a:outerShdw>
+          </a:effectLst>
+        </p:spPr>
+        <p:txBody>
+          <a:bodyPr lIns="50800" tIns="50800" rIns="50800" bIns="50800" anchor="ctr"/>
           <a:lstStyle/>
           <a:p>
-            <a:pPr marL="364489" indent="-364489" defTabSz="479044">
-              <a:spcBef>
-                <a:spcPts val="3400"/>
-              </a:spcBef>
-              <a:defRPr sz="2952"/>
+            <a:pPr>
+              <a:defRPr sz="2400">
+                <a:solidFill>
+                  <a:srgbClr val="FFFFFF"/>
+                </a:solidFill>
+              </a:defRPr>
             </a:pPr>
-            <a:r>
-              <a:t>Represented Collaboration with Longitudinal Change </a:t>
-            </a:r>
-          </a:p>
-          <a:p>
-            <a:pPr marL="364489" indent="-364489" defTabSz="479044">
-              <a:spcBef>
-                <a:spcPts val="3400"/>
-              </a:spcBef>
-              <a:defRPr sz="2952"/>
+          </a:p>
+        </p:txBody>
+      </p:sp>
+      <p:sp>
+        <p:nvSpPr>
+          <p:cNvPr id="268" name="Shape 268"/>
+          <p:cNvSpPr/>
+          <p:nvPr/>
+        </p:nvSpPr>
+        <p:spPr>
+          <a:xfrm>
+            <a:off x="1904888" y="8088064"/>
+            <a:ext cx="2870312" cy="1"/>
+          </a:xfrm>
+          <a:prstGeom prst="line">
+            <a:avLst/>
+          </a:prstGeom>
+          <a:ln w="152400">
+            <a:solidFill>
+              <a:srgbClr val="000000"/>
+            </a:solidFill>
+            <a:miter lim="400000"/>
+            <a:tailEnd type="triangle"/>
+          </a:ln>
+        </p:spPr>
+        <p:txBody>
+          <a:bodyPr lIns="50800" tIns="50800" rIns="50800" bIns="50800" anchor="ctr"/>
+          <a:lstStyle/>
+          <a:p>
+            <a:pPr>
+              <a:defRPr sz="2400"/>
             </a:pPr>
-            <a:r>
-              <a:t>Modeled change and Rate of change statistically</a:t>
-            </a:r>
-          </a:p>
-          <a:p>
-            <a:pPr marL="364489" indent="-364489" defTabSz="479044">
-              <a:spcBef>
-                <a:spcPts val="3400"/>
-              </a:spcBef>
-              <a:defRPr sz="2952"/>
-            </a:pPr>
-            <a:r>
-              <a:t>Expressed underlying properties/values of community behavior as model effects and their significance and relative importance</a:t>
-            </a:r>
-          </a:p>
-          <a:p>
-            <a:pPr marL="364489" indent="-364489" defTabSz="479044">
-              <a:spcBef>
-                <a:spcPts val="3400"/>
-              </a:spcBef>
-              <a:defRPr sz="2952"/>
-            </a:pPr>
-            <a:r>
-              <a:t>Validated using qualitative methods</a:t>
-            </a:r>
-            <a:endParaRPr sz="984"/>
-          </a:p>
-          <a:p>
-            <a:pPr marL="364489" indent="-364489" defTabSz="479044">
-              <a:spcBef>
-                <a:spcPts val="3400"/>
-              </a:spcBef>
-              <a:defRPr sz="2952"/>
-            </a:pPr>
-            <a:r>
-              <a:t>Good starting point for gaining an understanding of longitudinal change of underlying properties of an open source project community</a:t>
-            </a:r>
-            <a:endParaRPr sz="984"/>
-          </a:p>
-        </p:txBody>
-      </p:sp>
-      <p:sp>
-        <p:nvSpPr>
-          <p:cNvPr id="235" name="Shape 235"/>
+          </a:p>
+        </p:txBody>
+      </p:sp>
+      <p:sp>
+        <p:nvSpPr>
+          <p:cNvPr id="269" name="Shape 269"/>
           <p:cNvSpPr/>
           <p:nvPr>
             <p:ph type="sldNum" sz="quarter" idx="4294967295"/>
           </p:nvPr>
         </p:nvSpPr>
         <p:spPr>
+          <a:xfrm>
+            <a:off x="6311798" y="9245600"/>
+            <a:ext cx="368504" cy="381000"/>
+          </a:xfrm>
           <a:prstGeom prst="rect">
             <a:avLst/>
           </a:prstGeom>
@@ -5878,7 +7117,7 @@
       </p:grpSpPr>
       <p:sp>
         <p:nvSpPr>
-          <p:cNvPr id="237" name="Shape 237"/>
+          <p:cNvPr id="271" name="Shape 271"/>
           <p:cNvSpPr/>
           <p:nvPr>
             <p:ph type="title"/>
@@ -5895,40 +7134,143 @@
           <a:p>
             <a:pPr/>
             <a:r>
-              <a:t>Timeline</a:t>
-            </a:r>
-          </a:p>
-        </p:txBody>
-      </p:sp>
-      <p:pic>
-        <p:nvPicPr>
-          <p:cNvPr id="238" name="Screen Shot 2016-02-09 at 4.18.30 PM.png"/>
-          <p:cNvPicPr>
-            <a:picLocks noChangeAspect="1"/>
-          </p:cNvPicPr>
-          <p:nvPr/>
-        </p:nvPicPr>
-        <p:blipFill>
-          <a:blip r:embed="rId2">
-            <a:extLst/>
-          </a:blip>
-          <a:stretch>
-            <a:fillRect/>
-          </a:stretch>
-        </p:blipFill>
-        <p:spPr>
-          <a:xfrm>
-            <a:off x="2781300" y="2711450"/>
-            <a:ext cx="7442200" cy="6083300"/>
-          </a:xfrm>
-          <a:prstGeom prst="rect">
-            <a:avLst/>
-          </a:prstGeom>
-          <a:ln w="12700">
-            <a:miter lim="400000"/>
-          </a:ln>
-        </p:spPr>
-      </p:pic>
+              <a:t>Qualitative Validation</a:t>
+            </a:r>
+          </a:p>
+        </p:txBody>
+      </p:sp>
+      <p:sp>
+        <p:nvSpPr>
+          <p:cNvPr id="272" name="Shape 272"/>
+          <p:cNvSpPr/>
+          <p:nvPr>
+            <p:ph type="body" idx="1"/>
+          </p:nvPr>
+        </p:nvSpPr>
+        <p:spPr>
+          <a:prstGeom prst="rect">
+            <a:avLst/>
+          </a:prstGeom>
+        </p:spPr>
+        <p:txBody>
+          <a:bodyPr/>
+          <a:lstStyle/>
+          <a:p>
+            <a:pPr marL="422275" indent="-422275" defTabSz="554990">
+              <a:spcBef>
+                <a:spcPts val="3900"/>
+              </a:spcBef>
+              <a:defRPr sz="3420"/>
+            </a:pPr>
+            <a:r>
+              <a:t>Interviews/surveys</a:t>
+            </a:r>
+          </a:p>
+          <a:p>
+            <a:pPr lvl="1" marL="750711" indent="-328436" defTabSz="554990">
+              <a:spcBef>
+                <a:spcPts val="3000"/>
+              </a:spcBef>
+              <a:defRPr sz="2660"/>
+            </a:pPr>
+            <a:r>
+              <a:t>Semi-structured interviews with contributors</a:t>
+            </a:r>
+          </a:p>
+          <a:p>
+            <a:pPr lvl="1" marL="750711" indent="-328436" defTabSz="554990">
+              <a:spcBef>
+                <a:spcPts val="3000"/>
+              </a:spcBef>
+              <a:defRPr sz="2660"/>
+            </a:pPr>
+            <a:r>
+              <a:t>Not </a:t>
+            </a:r>
+            <a:r>
+              <a:rPr strike="sngStrike"/>
+              <a:t>open-coding</a:t>
+            </a:r>
+            <a:r>
+              <a:t>. Using pre-existing categories in coding that maps to the covariates in the model</a:t>
+            </a:r>
+          </a:p>
+          <a:p>
+            <a:pPr lvl="1" marL="750711" indent="-328436" defTabSz="554990">
+              <a:spcBef>
+                <a:spcPts val="3000"/>
+              </a:spcBef>
+              <a:defRPr sz="2660"/>
+            </a:pPr>
+            <a:r>
+              <a:t>Multiple coders</a:t>
+            </a:r>
+          </a:p>
+          <a:p>
+            <a:pPr marL="422275" indent="-422275" defTabSz="554990">
+              <a:spcBef>
+                <a:spcPts val="3900"/>
+              </a:spcBef>
+              <a:defRPr sz="3420"/>
+            </a:pPr>
+            <a:r>
+              <a:t>Sentiment analysis</a:t>
+            </a:r>
+          </a:p>
+          <a:p>
+            <a:pPr lvl="1" marL="762440" indent="-340165" defTabSz="554990">
+              <a:spcBef>
+                <a:spcPts val="3900"/>
+              </a:spcBef>
+              <a:defRPr sz="3420"/>
+            </a:pPr>
+            <a:r>
+              <a:rPr sz="2755"/>
+              <a:t>Contents of messages sent/received by top contributors</a:t>
+            </a:r>
+            <a:endParaRPr sz="2755"/>
+          </a:p>
+          <a:p>
+            <a:pPr lvl="1" marL="762440" indent="-340165" defTabSz="554990">
+              <a:spcBef>
+                <a:spcPts val="3900"/>
+              </a:spcBef>
+              <a:defRPr sz="3420"/>
+            </a:pPr>
+            <a:r>
+              <a:rPr sz="2755"/>
+              <a:t>A time series of sentiments, to analyze</a:t>
+            </a:r>
+          </a:p>
+        </p:txBody>
+      </p:sp>
+      <p:sp>
+        <p:nvSpPr>
+          <p:cNvPr id="273" name="Shape 273"/>
+          <p:cNvSpPr/>
+          <p:nvPr>
+            <p:ph type="sldNum" sz="quarter" idx="4294967295"/>
+          </p:nvPr>
+        </p:nvSpPr>
+        <p:spPr>
+          <a:prstGeom prst="rect">
+            <a:avLst/>
+          </a:prstGeom>
+          <a:extLst>
+            <a:ext uri="{C572A759-6A51-4108-AA02-DFA0A04FC94B}">
+              <ma14:wrappingTextBoxFlag xmlns:ma14="http://schemas.microsoft.com/office/mac/drawingml/2011/main" val="1"/>
+            </a:ext>
+          </a:extLst>
+        </p:spPr>
+        <p:txBody>
+          <a:bodyPr/>
+          <a:lstStyle/>
+          <a:p>
+            <a:pPr/>
+            <a:fld id="{86CB4B4D-7CA3-9044-876B-883B54F8677D}" type="slidenum"/>
+          </a:p>
+        </p:txBody>
+      </p:sp>
     </p:spTree>
   </p:cSld>
   <p:clrMapOvr>
@@ -5957,10 +7299,10 @@
       </p:grpSpPr>
       <p:sp>
         <p:nvSpPr>
-          <p:cNvPr id="240" name="Shape 240"/>
+          <p:cNvPr id="275" name="Shape 275"/>
           <p:cNvSpPr/>
           <p:nvPr>
-            <p:ph type="ctrTitle"/>
+            <p:ph type="title"/>
           </p:nvPr>
         </p:nvSpPr>
         <p:spPr>
@@ -5974,17 +7316,17 @@
           <a:p>
             <a:pPr/>
             <a:r>
-              <a:t>Thank you!</a:t>
-            </a:r>
-          </a:p>
-        </p:txBody>
-      </p:sp>
-      <p:sp>
-        <p:nvSpPr>
-          <p:cNvPr id="241" name="Shape 241"/>
+              <a:t>Conclusions</a:t>
+            </a:r>
+          </a:p>
+        </p:txBody>
+      </p:sp>
+      <p:sp>
+        <p:nvSpPr>
+          <p:cNvPr id="276" name="Shape 276"/>
           <p:cNvSpPr/>
           <p:nvPr>
-            <p:ph type="subTitle" sz="quarter" idx="1"/>
+            <p:ph type="body" idx="1"/>
           </p:nvPr>
         </p:nvSpPr>
         <p:spPr>
@@ -5996,13 +7338,272 @@
           <a:bodyPr/>
           <a:lstStyle/>
           <a:p>
-            <a:pPr/>
-            <a:r>
-              <a:t>Questions? Suggestions? Help?</a:t>
-            </a:r>
-          </a:p>
-        </p:txBody>
-      </p:sp>
+            <a:pPr marL="364489" indent="-364489" defTabSz="479044">
+              <a:spcBef>
+                <a:spcPts val="3400"/>
+              </a:spcBef>
+              <a:defRPr sz="2952"/>
+            </a:pPr>
+            <a:r>
+              <a:t>Represented Collaboration with Longitudinal Change </a:t>
+            </a:r>
+          </a:p>
+          <a:p>
+            <a:pPr marL="364489" indent="-364489" defTabSz="479044">
+              <a:spcBef>
+                <a:spcPts val="3400"/>
+              </a:spcBef>
+              <a:defRPr sz="2952"/>
+            </a:pPr>
+            <a:r>
+              <a:t>Modeled change and Rate of change statistically</a:t>
+            </a:r>
+          </a:p>
+          <a:p>
+            <a:pPr marL="364489" indent="-364489" defTabSz="479044">
+              <a:spcBef>
+                <a:spcPts val="3400"/>
+              </a:spcBef>
+              <a:defRPr sz="2952"/>
+            </a:pPr>
+            <a:r>
+              <a:t>Expressed underlying properties/values of community behavior as model effects and their significance and relative importance</a:t>
+            </a:r>
+          </a:p>
+          <a:p>
+            <a:pPr marL="364489" indent="-364489" defTabSz="479044">
+              <a:spcBef>
+                <a:spcPts val="3400"/>
+              </a:spcBef>
+              <a:defRPr sz="2952"/>
+            </a:pPr>
+            <a:r>
+              <a:t>Validated using qualitative methods</a:t>
+            </a:r>
+            <a:endParaRPr sz="984"/>
+          </a:p>
+          <a:p>
+            <a:pPr marL="364489" indent="-364489" defTabSz="479044">
+              <a:spcBef>
+                <a:spcPts val="3400"/>
+              </a:spcBef>
+              <a:defRPr sz="2952"/>
+            </a:pPr>
+            <a:r>
+              <a:t>Good starting point for gaining an understanding of longitudinal change of underlying properties of an open source project community</a:t>
+            </a:r>
+            <a:endParaRPr sz="984"/>
+          </a:p>
+        </p:txBody>
+      </p:sp>
+      <p:sp>
+        <p:nvSpPr>
+          <p:cNvPr id="277" name="Shape 277"/>
+          <p:cNvSpPr/>
+          <p:nvPr>
+            <p:ph type="sldNum" sz="quarter" idx="4294967295"/>
+          </p:nvPr>
+        </p:nvSpPr>
+        <p:spPr>
+          <a:prstGeom prst="rect">
+            <a:avLst/>
+          </a:prstGeom>
+          <a:extLst>
+            <a:ext uri="{C572A759-6A51-4108-AA02-DFA0A04FC94B}">
+              <ma14:wrappingTextBoxFlag xmlns:ma14="http://schemas.microsoft.com/office/mac/drawingml/2011/main" val="1"/>
+            </a:ext>
+          </a:extLst>
+        </p:spPr>
+        <p:txBody>
+          <a:bodyPr/>
+          <a:lstStyle/>
+          <a:p>
+            <a:pPr/>
+            <a:fld id="{86CB4B4D-7CA3-9044-876B-883B54F8677D}" type="slidenum"/>
+          </a:p>
+        </p:txBody>
+      </p:sp>
+    </p:spTree>
+  </p:cSld>
+  <p:clrMapOvr>
+    <a:masterClrMapping/>
+  </p:clrMapOvr>
+  <p:transition xmlns:p14="http://schemas.microsoft.com/office/powerpoint/2010/main" spd="med" advClick="1" p14:dur="1000"/>
+</p:sld>
+</file>
+
+<file path=ppt/slides/slide28.xml><?xml version="1.0" encoding="utf-8"?>
+<p:sld xmlns:a="http://schemas.openxmlformats.org/drawingml/2006/main" xmlns:r="http://schemas.openxmlformats.org/officeDocument/2006/relationships" xmlns:p="http://schemas.openxmlformats.org/presentationml/2006/main" showMasterSp="1" showMasterPhAnim="1">
+  <p:cSld>
+    <p:spTree>
+      <p:nvGrpSpPr>
+        <p:cNvPr id="1" name=""/>
+        <p:cNvGrpSpPr/>
+        <p:nvPr/>
+      </p:nvGrpSpPr>
+      <p:grpSpPr>
+        <a:xfrm>
+          <a:off x="0" y="0"/>
+          <a:ext cx="0" cy="0"/>
+          <a:chOff x="0" y="0"/>
+          <a:chExt cx="0" cy="0"/>
+        </a:xfrm>
+      </p:grpSpPr>
+      <p:sp>
+        <p:nvSpPr>
+          <p:cNvPr id="279" name="Shape 279"/>
+          <p:cNvSpPr/>
+          <p:nvPr>
+            <p:ph type="title"/>
+          </p:nvPr>
+        </p:nvSpPr>
+        <p:spPr>
+          <a:prstGeom prst="rect">
+            <a:avLst/>
+          </a:prstGeom>
+        </p:spPr>
+        <p:txBody>
+          <a:bodyPr/>
+          <a:lstStyle/>
+          <a:p>
+            <a:pPr defTabSz="490727">
+              <a:defRPr sz="6719"/>
+            </a:pPr>
+            <a:r>
+              <a:t>What has been done</a:t>
+            </a:r>
+          </a:p>
+          <a:p>
+            <a:pPr defTabSz="490727">
+              <a:defRPr sz="6719"/>
+            </a:pPr>
+            <a:r>
+              <a:t>What remains to be done</a:t>
+            </a:r>
+          </a:p>
+        </p:txBody>
+      </p:sp>
+      <p:sp>
+        <p:nvSpPr>
+          <p:cNvPr id="280" name="Shape 280"/>
+          <p:cNvSpPr/>
+          <p:nvPr>
+            <p:ph type="body" idx="1"/>
+          </p:nvPr>
+        </p:nvSpPr>
+        <p:spPr>
+          <a:prstGeom prst="rect">
+            <a:avLst/>
+          </a:prstGeom>
+        </p:spPr>
+        <p:txBody>
+          <a:bodyPr/>
+          <a:lstStyle/>
+          <a:p>
+            <a:pPr/>
+            <a:r>
+              <a:t>Data collection for mailing list archives is completed. </a:t>
+            </a:r>
+          </a:p>
+          <a:p>
+            <a:pPr/>
+            <a:r>
+              <a:t>Issue tracking system &amp; source code interactions data is in the progress. </a:t>
+            </a:r>
+          </a:p>
+          <a:p>
+            <a:pPr/>
+            <a:r>
+              <a:t>Once all data is collected an cleaned, will do the statistical modeling. </a:t>
+            </a:r>
+          </a:p>
+          <a:p>
+            <a:pPr/>
+            <a:r>
+              <a:t>Next, we will do the qualitative validation.</a:t>
+            </a:r>
+          </a:p>
+        </p:txBody>
+      </p:sp>
+    </p:spTree>
+  </p:cSld>
+  <p:clrMapOvr>
+    <a:masterClrMapping/>
+  </p:clrMapOvr>
+  <p:transition xmlns:p14="http://schemas.microsoft.com/office/powerpoint/2010/main" spd="med" advClick="1" p14:dur="1000"/>
+</p:sld>
+</file>
+
+<file path=ppt/slides/slide29.xml><?xml version="1.0" encoding="utf-8"?>
+<p:sld xmlns:a="http://schemas.openxmlformats.org/drawingml/2006/main" xmlns:r="http://schemas.openxmlformats.org/officeDocument/2006/relationships" xmlns:p="http://schemas.openxmlformats.org/presentationml/2006/main" show="0" showMasterSp="1" showMasterPhAnim="1">
+  <p:cSld>
+    <p:spTree>
+      <p:nvGrpSpPr>
+        <p:cNvPr id="1" name=""/>
+        <p:cNvGrpSpPr/>
+        <p:nvPr/>
+      </p:nvGrpSpPr>
+      <p:grpSpPr>
+        <a:xfrm>
+          <a:off x="0" y="0"/>
+          <a:ext cx="0" cy="0"/>
+          <a:chOff x="0" y="0"/>
+          <a:chExt cx="0" cy="0"/>
+        </a:xfrm>
+      </p:grpSpPr>
+      <p:sp>
+        <p:nvSpPr>
+          <p:cNvPr id="282" name="Shape 282"/>
+          <p:cNvSpPr/>
+          <p:nvPr>
+            <p:ph type="title"/>
+          </p:nvPr>
+        </p:nvSpPr>
+        <p:spPr>
+          <a:prstGeom prst="rect">
+            <a:avLst/>
+          </a:prstGeom>
+        </p:spPr>
+        <p:txBody>
+          <a:bodyPr/>
+          <a:lstStyle/>
+          <a:p>
+            <a:pPr/>
+            <a:r>
+              <a:t>Timeline</a:t>
+            </a:r>
+          </a:p>
+        </p:txBody>
+      </p:sp>
+      <p:pic>
+        <p:nvPicPr>
+          <p:cNvPr id="283" name="Screen Shot 2016-02-09 at 4.18.30 PM.png"/>
+          <p:cNvPicPr>
+            <a:picLocks noChangeAspect="1"/>
+          </p:cNvPicPr>
+          <p:nvPr/>
+        </p:nvPicPr>
+        <p:blipFill>
+          <a:blip r:embed="rId2">
+            <a:extLst/>
+          </a:blip>
+          <a:stretch>
+            <a:fillRect/>
+          </a:stretch>
+        </p:blipFill>
+        <p:spPr>
+          <a:xfrm>
+            <a:off x="2781300" y="2711450"/>
+            <a:ext cx="7442200" cy="6083300"/>
+          </a:xfrm>
+          <a:prstGeom prst="rect">
+            <a:avLst/>
+          </a:prstGeom>
+          <a:ln w="12700">
+            <a:miter lim="400000"/>
+          </a:ln>
+        </p:spPr>
+      </p:pic>
     </p:spTree>
   </p:cSld>
   <p:clrMapOvr>
@@ -6031,7 +7632,7 @@
       </p:grpSpPr>
       <p:sp>
         <p:nvSpPr>
-          <p:cNvPr id="127" name="Shape 127"/>
+          <p:cNvPr id="129" name="Shape 129"/>
           <p:cNvSpPr/>
           <p:nvPr>
             <p:ph type="title"/>
@@ -6048,14 +7649,14 @@
           <a:p>
             <a:pPr/>
             <a:r>
-              <a:t>What is forking?</a:t>
-            </a:r>
-          </a:p>
-        </p:txBody>
-      </p:sp>
-      <p:sp>
-        <p:nvSpPr>
-          <p:cNvPr id="128" name="Shape 128"/>
+              <a:t>What is this about?</a:t>
+            </a:r>
+          </a:p>
+        </p:txBody>
+      </p:sp>
+      <p:sp>
+        <p:nvSpPr>
+          <p:cNvPr id="130" name="Shape 130"/>
           <p:cNvSpPr/>
           <p:nvPr>
             <p:ph type="body" idx="1"/>
@@ -6064,7 +7665,7 @@
         <p:spPr>
           <a:xfrm>
             <a:off x="952500" y="2603500"/>
-            <a:ext cx="11395472" cy="6286500"/>
+            <a:ext cx="10094417" cy="6286500"/>
           </a:xfrm>
           <a:prstGeom prst="rect">
             <a:avLst/>
@@ -6074,44 +7675,34 @@
           <a:bodyPr/>
           <a:lstStyle/>
           <a:p>
-            <a:pPr lvl="1"/>
-            <a:r>
-              <a:t>Forking: </a:t>
-            </a:r>
-            <a:br/>
-            <a:r>
-              <a:t>“when a part of a development community (or a third party not related to the project) starts a completely independent line of development based on the source code basis of the project.”</a:t>
-            </a:r>
-          </a:p>
-          <a:p>
-            <a:pPr lvl="2"/>
-            <a:r>
-              <a:t>Sometimes Undesirable: </a:t>
-            </a:r>
-          </a:p>
-          <a:p>
-            <a:pPr lvl="3"/>
-            <a:r>
-              <a:t>Dilution of workforce</a:t>
-            </a:r>
-          </a:p>
-          <a:p>
-            <a:pPr lvl="3"/>
-            <a:r>
-              <a:t>Flaming</a:t>
-            </a:r>
-          </a:p>
-          <a:p>
-            <a:pPr lvl="3"/>
-            <a:r>
-              <a:t>Redundant work</a:t>
-            </a:r>
-          </a:p>
-        </p:txBody>
-      </p:sp>
-      <p:sp>
-        <p:nvSpPr>
-          <p:cNvPr id="129" name="Shape 129"/>
+            <a:pPr/>
+            <a:r>
+              <a:t>Software Developers (SD) interact</a:t>
+            </a:r>
+          </a:p>
+          <a:p>
+            <a:pPr/>
+            <a:r>
+              <a:t>Interactions can be modeled as graphs</a:t>
+            </a:r>
+          </a:p>
+          <a:p>
+            <a:pPr/>
+            <a:r>
+              <a:t>Graphs change through time</a:t>
+            </a:r>
+          </a:p>
+          <a:p>
+            <a:pPr/>
+            <a:r>
+              <a:t>Can these changes reflect the climate happening during run-up to fork</a:t>
+            </a:r>
+          </a:p>
+        </p:txBody>
+      </p:sp>
+      <p:sp>
+        <p:nvSpPr>
+          <p:cNvPr id="131" name="Shape 131"/>
           <p:cNvSpPr/>
           <p:nvPr>
             <p:ph type="sldNum" sz="quarter" idx="4294967295"/>
@@ -6137,6 +7728,116 @@
           <a:p>
             <a:pPr/>
             <a:fld id="{86CB4B4D-7CA3-9044-876B-883B54F8677D}" type="slidenum"/>
+          </a:p>
+        </p:txBody>
+      </p:sp>
+      <p:sp>
+        <p:nvSpPr>
+          <p:cNvPr id="132" name="Shape 132"/>
+          <p:cNvSpPr/>
+          <p:nvPr/>
+        </p:nvSpPr>
+        <p:spPr>
+          <a:xfrm>
+            <a:off x="2574137" y="2127250"/>
+            <a:ext cx="7856526" cy="647701"/>
+          </a:xfrm>
+          <a:prstGeom prst="rect">
+            <a:avLst/>
+          </a:prstGeom>
+          <a:ln w="12700">
+            <a:miter lim="400000"/>
+          </a:ln>
+          <a:extLst>
+            <a:ext uri="{C572A759-6A51-4108-AA02-DFA0A04FC94B}">
+              <ma14:wrappingTextBoxFlag xmlns:ma14="http://schemas.microsoft.com/office/mac/drawingml/2011/main" val="1"/>
+            </a:ext>
+          </a:extLst>
+        </p:spPr>
+        <p:txBody>
+          <a:bodyPr wrap="none" lIns="50800" tIns="50800" rIns="50800" bIns="50800" anchor="ctr">
+            <a:spAutoFit/>
+          </a:bodyPr>
+          <a:lstStyle/>
+          <a:p>
+            <a:pPr/>
+            <a:r>
+              <a:t>First attempt: Let’s put it in the context</a:t>
+            </a:r>
+          </a:p>
+        </p:txBody>
+      </p:sp>
+    </p:spTree>
+  </p:cSld>
+  <p:clrMapOvr>
+    <a:masterClrMapping/>
+  </p:clrMapOvr>
+  <p:transition xmlns:p14="http://schemas.microsoft.com/office/powerpoint/2010/main" spd="med" advClick="1" p14:dur="1000"/>
+</p:sld>
+</file>
+
+<file path=ppt/slides/slide30.xml><?xml version="1.0" encoding="utf-8"?>
+<p:sld xmlns:a="http://schemas.openxmlformats.org/drawingml/2006/main" xmlns:r="http://schemas.openxmlformats.org/officeDocument/2006/relationships" xmlns:p="http://schemas.openxmlformats.org/presentationml/2006/main" showMasterSp="1" showMasterPhAnim="1">
+  <p:cSld>
+    <p:spTree>
+      <p:nvGrpSpPr>
+        <p:cNvPr id="1" name=""/>
+        <p:cNvGrpSpPr/>
+        <p:nvPr/>
+      </p:nvGrpSpPr>
+      <p:grpSpPr>
+        <a:xfrm>
+          <a:off x="0" y="0"/>
+          <a:ext cx="0" cy="0"/>
+          <a:chOff x="0" y="0"/>
+          <a:chExt cx="0" cy="0"/>
+        </a:xfrm>
+      </p:grpSpPr>
+      <p:sp>
+        <p:nvSpPr>
+          <p:cNvPr id="285" name="Shape 285"/>
+          <p:cNvSpPr/>
+          <p:nvPr>
+            <p:ph type="ctrTitle"/>
+          </p:nvPr>
+        </p:nvSpPr>
+        <p:spPr>
+          <a:prstGeom prst="rect">
+            <a:avLst/>
+          </a:prstGeom>
+        </p:spPr>
+        <p:txBody>
+          <a:bodyPr/>
+          <a:lstStyle/>
+          <a:p>
+            <a:pPr/>
+            <a:r>
+              <a:t>Thank you!</a:t>
+            </a:r>
+          </a:p>
+        </p:txBody>
+      </p:sp>
+      <p:sp>
+        <p:nvSpPr>
+          <p:cNvPr id="286" name="Shape 286"/>
+          <p:cNvSpPr/>
+          <p:nvPr>
+            <p:ph type="subTitle" sz="quarter" idx="1"/>
+          </p:nvPr>
+        </p:nvSpPr>
+        <p:spPr>
+          <a:prstGeom prst="rect">
+            <a:avLst/>
+          </a:prstGeom>
+        </p:spPr>
+        <p:txBody>
+          <a:bodyPr/>
+          <a:lstStyle/>
+          <a:p>
+            <a:pPr/>
+            <a:r>
+              <a:t>Questions? Suggestions? Help?</a:t>
+            </a:r>
           </a:p>
         </p:txBody>
       </p:sp>
@@ -6168,7 +7869,7 @@
       </p:grpSpPr>
       <p:sp>
         <p:nvSpPr>
-          <p:cNvPr id="131" name="Shape 131"/>
+          <p:cNvPr id="134" name="Shape 134"/>
           <p:cNvSpPr/>
           <p:nvPr>
             <p:ph type="title"/>
@@ -6185,43 +7886,84 @@
           <a:p>
             <a:pPr/>
             <a:r>
-              <a:t>Why Projects Fork?</a:t>
-            </a:r>
-          </a:p>
-        </p:txBody>
-      </p:sp>
-      <p:pic>
-        <p:nvPicPr>
-          <p:cNvPr id="132" name="Screen Shot 2016-02-05 at 12.36.58 PM.png"/>
-          <p:cNvPicPr>
-            <a:picLocks noChangeAspect="1"/>
-          </p:cNvPicPr>
-          <p:nvPr/>
-        </p:nvPicPr>
-        <p:blipFill>
-          <a:blip r:embed="rId2">
-            <a:extLst/>
-          </a:blip>
-          <a:stretch>
-            <a:fillRect/>
-          </a:stretch>
-        </p:blipFill>
+              <a:t>What is forking?</a:t>
+            </a:r>
+          </a:p>
+        </p:txBody>
+      </p:sp>
+      <p:sp>
+        <p:nvSpPr>
+          <p:cNvPr id="135" name="Shape 135"/>
+          <p:cNvSpPr/>
+          <p:nvPr>
+            <p:ph type="body" idx="1"/>
+          </p:nvPr>
+        </p:nvSpPr>
         <p:spPr>
           <a:xfrm>
-            <a:off x="1195419" y="3522470"/>
-            <a:ext cx="10613962" cy="3953260"/>
+            <a:off x="952500" y="2603500"/>
+            <a:ext cx="11395472" cy="6286500"/>
           </a:xfrm>
           <a:prstGeom prst="rect">
             <a:avLst/>
           </a:prstGeom>
-          <a:ln w="12700">
-            <a:miter lim="400000"/>
-          </a:ln>
-        </p:spPr>
-      </p:pic>
-      <p:sp>
-        <p:nvSpPr>
-          <p:cNvPr id="133" name="Shape 133"/>
+        </p:spPr>
+        <p:txBody>
+          <a:bodyPr/>
+          <a:lstStyle/>
+          <a:p>
+            <a:pPr lvl="1"/>
+            <a:r>
+              <a:t>Forking: </a:t>
+            </a:r>
+            <a:br/>
+            <a:r>
+              <a:t>“when a part of a development community (or a third party not related to the project) starts a completely independent line of development based on the source code basis of the project.”</a:t>
+            </a:r>
+          </a:p>
+          <a:p>
+            <a:pPr lvl="2"/>
+            <a:r>
+              <a:t>Sometimes </a:t>
+            </a:r>
+            <a:r>
+              <a:rPr>
+                <a:solidFill>
+                  <a:schemeClr val="accent4">
+                    <a:satOff val="1488"/>
+                    <a:lumOff val="-7242"/>
+                  </a:schemeClr>
+                </a:solidFill>
+              </a:rPr>
+              <a:t>Undesirable</a:t>
+            </a:r>
+            <a:r>
+              <a:t>: </a:t>
+            </a:r>
+          </a:p>
+          <a:p>
+            <a:pPr lvl="3"/>
+            <a:r>
+              <a:t>Dilution of workforce</a:t>
+            </a:r>
+          </a:p>
+          <a:p>
+            <a:pPr lvl="3"/>
+            <a:r>
+              <a:t>Flaming &amp; unhealthy dynamics</a:t>
+            </a:r>
+          </a:p>
+          <a:p>
+            <a:pPr lvl="3"/>
+            <a:r>
+              <a:t>Redundant work</a:t>
+            </a:r>
+          </a:p>
+        </p:txBody>
+      </p:sp>
+      <p:sp>
+        <p:nvSpPr>
+          <p:cNvPr id="136" name="Shape 136"/>
           <p:cNvSpPr/>
           <p:nvPr>
             <p:ph type="sldNum" sz="quarter" idx="4294967295"/>
@@ -6278,7 +8020,7 @@
       </p:grpSpPr>
       <p:sp>
         <p:nvSpPr>
-          <p:cNvPr id="135" name="Shape 135"/>
+          <p:cNvPr id="138" name="Shape 138"/>
           <p:cNvSpPr/>
           <p:nvPr>
             <p:ph type="title"/>
@@ -6295,135 +8037,43 @@
           <a:p>
             <a:pPr/>
             <a:r>
-              <a:t>Related Work</a:t>
-            </a:r>
-          </a:p>
-        </p:txBody>
-      </p:sp>
-      <p:sp>
-        <p:nvSpPr>
-          <p:cNvPr id="136" name="Shape 136"/>
-          <p:cNvSpPr/>
-          <p:nvPr>
-            <p:ph type="body" idx="1"/>
-          </p:nvPr>
-        </p:nvSpPr>
+              <a:t>Why Projects Fork?</a:t>
+            </a:r>
+          </a:p>
+        </p:txBody>
+      </p:sp>
+      <p:pic>
+        <p:nvPicPr>
+          <p:cNvPr id="139" name="Screen Shot 2016-02-05 at 12.36.58 PM.png"/>
+          <p:cNvPicPr>
+            <a:picLocks noChangeAspect="1"/>
+          </p:cNvPicPr>
+          <p:nvPr/>
+        </p:nvPicPr>
+        <p:blipFill>
+          <a:blip r:embed="rId2">
+            <a:extLst/>
+          </a:blip>
+          <a:stretch>
+            <a:fillRect/>
+          </a:stretch>
+        </p:blipFill>
         <p:spPr>
           <a:xfrm>
-            <a:off x="952500" y="2603500"/>
-            <a:ext cx="11099800" cy="5222578"/>
+            <a:off x="3176619" y="3231951"/>
+            <a:ext cx="8831892" cy="3289513"/>
           </a:xfrm>
           <a:prstGeom prst="rect">
             <a:avLst/>
           </a:prstGeom>
-        </p:spPr>
-        <p:txBody>
-          <a:bodyPr/>
-          <a:lstStyle/>
-          <a:p>
-            <a:pPr marL="244475" indent="-244475" defTabSz="321310">
-              <a:spcBef>
-                <a:spcPts val="2300"/>
-              </a:spcBef>
-              <a:defRPr sz="1980"/>
-            </a:pPr>
-            <a:r>
-              <a:t>Identifying knowledge brokers</a:t>
-            </a:r>
-          </a:p>
-          <a:p>
-            <a:pPr marL="244475" indent="-244475" defTabSz="321310">
-              <a:spcBef>
-                <a:spcPts val="2300"/>
-              </a:spcBef>
-              <a:defRPr sz="1980"/>
-            </a:pPr>
-            <a:r>
-              <a:t>Sustainability</a:t>
-            </a:r>
-          </a:p>
-          <a:p>
-            <a:pPr marL="244475" indent="-244475" defTabSz="321310">
-              <a:spcBef>
-                <a:spcPts val="2300"/>
-              </a:spcBef>
-              <a:defRPr sz="1980"/>
-            </a:pPr>
-            <a:r>
-              <a:t>Post-forking porting of new features or bug fixes</a:t>
-            </a:r>
-          </a:p>
-          <a:p>
-            <a:pPr marL="244475" indent="-244475" defTabSz="321310">
-              <a:spcBef>
-                <a:spcPts val="2300"/>
-              </a:spcBef>
-              <a:defRPr sz="1980"/>
-            </a:pPr>
-            <a:r>
-              <a:t>Visual exploration of collaboration networks</a:t>
-            </a:r>
-          </a:p>
-          <a:p>
-            <a:pPr marL="244475" indent="-244475" defTabSz="321310">
-              <a:spcBef>
-                <a:spcPts val="2300"/>
-              </a:spcBef>
-              <a:defRPr sz="1980"/>
-            </a:pPr>
-            <a:r>
-              <a:t>Social structures and dynamics</a:t>
-            </a:r>
-          </a:p>
-          <a:p>
-            <a:pPr marL="244475" indent="-244475" defTabSz="321310">
-              <a:spcBef>
-                <a:spcPts val="2300"/>
-              </a:spcBef>
-              <a:defRPr sz="1980"/>
-            </a:pPr>
-            <a:r>
-              <a:t>Communication patterns</a:t>
-            </a:r>
-          </a:p>
-          <a:p>
-            <a:pPr marL="244475" indent="-244475" defTabSz="321310">
-              <a:spcBef>
-                <a:spcPts val="2300"/>
-              </a:spcBef>
-              <a:defRPr sz="1980"/>
-            </a:pPr>
-            <a:r>
-              <a:t>Identifying “key” events</a:t>
-            </a:r>
-          </a:p>
-          <a:p>
-            <a:pPr marL="244475" indent="-244475" defTabSz="321310">
-              <a:spcBef>
-                <a:spcPts val="2300"/>
-              </a:spcBef>
-              <a:defRPr sz="1980"/>
-            </a:pPr>
-            <a:r>
-              <a:t>Tension between diversity and homogeneity</a:t>
-            </a:r>
-          </a:p>
-          <a:p>
-            <a:pPr marL="244475" indent="-244475" defTabSz="321310">
-              <a:spcBef>
-                <a:spcPts val="2300"/>
-              </a:spcBef>
-              <a:defRPr sz="1980"/>
-            </a:pPr>
-            <a:r>
-              <a:t>Age of users and survival rate patterns</a:t>
-            </a:r>
-          </a:p>
-        </p:txBody>
-      </p:sp>
-      <p:sp>
-        <p:nvSpPr>
-          <p:cNvPr id="137" name="Shape 137"/>
+          <a:ln w="12700">
+            <a:miter lim="400000"/>
+          </a:ln>
+        </p:spPr>
+      </p:pic>
+      <p:sp>
+        <p:nvSpPr>
+          <p:cNvPr id="140" name="Shape 140"/>
           <p:cNvSpPr/>
           <p:nvPr>
             <p:ph type="sldNum" sz="quarter" idx="4294967295"/>
@@ -6454,14 +8104,14 @@
       </p:sp>
       <p:sp>
         <p:nvSpPr>
-          <p:cNvPr id="138" name="Shape 138"/>
+          <p:cNvPr id="141" name="Shape 141"/>
           <p:cNvSpPr/>
           <p:nvPr/>
         </p:nvSpPr>
         <p:spPr>
           <a:xfrm>
-            <a:off x="2520035" y="8126260"/>
-            <a:ext cx="8827072" cy="647708"/>
+            <a:off x="2119678" y="3536949"/>
+            <a:ext cx="634700" cy="1536701"/>
           </a:xfrm>
           <a:prstGeom prst="rect">
             <a:avLst/>
@@ -6476,32 +8126,178 @@
           </a:extLst>
         </p:spPr>
         <p:txBody>
+          <a:bodyPr lIns="50800" tIns="50800" rIns="50800" bIns="50800" anchor="ctr">
+            <a:spAutoFit/>
+          </a:bodyPr>
+          <a:lstStyle>
+            <a:lvl1pPr>
+              <a:defRPr sz="9400"/>
+            </a:lvl1pPr>
+          </a:lstStyle>
+          <a:p>
+            <a:pPr/>
+            <a:r>
+              <a:t>{</a:t>
+            </a:r>
+          </a:p>
+        </p:txBody>
+      </p:sp>
+      <p:sp>
+        <p:nvSpPr>
+          <p:cNvPr id="142" name="Shape 142"/>
+          <p:cNvSpPr/>
+          <p:nvPr/>
+        </p:nvSpPr>
+        <p:spPr>
+          <a:xfrm>
+            <a:off x="523443" y="4197349"/>
+            <a:ext cx="1772514" cy="393701"/>
+          </a:xfrm>
+          <a:prstGeom prst="rect">
+            <a:avLst/>
+          </a:prstGeom>
+          <a:ln w="12700">
+            <a:miter lim="400000"/>
+          </a:ln>
+          <a:extLst>
+            <a:ext uri="{C572A759-6A51-4108-AA02-DFA0A04FC94B}">
+              <ma14:wrappingTextBoxFlag xmlns:ma14="http://schemas.microsoft.com/office/mac/drawingml/2011/main" val="1"/>
+            </a:ext>
+          </a:extLst>
+        </p:spPr>
+        <p:txBody>
           <a:bodyPr wrap="none" lIns="50800" tIns="50800" rIns="50800" bIns="50800" anchor="ctr">
             <a:spAutoFit/>
           </a:bodyPr>
-          <a:lstStyle/>
-          <a:p>
-            <a:pPr lvl="1" marL="889000" indent="-444500" algn="l">
-              <a:spcBef>
-                <a:spcPts val="4200"/>
-              </a:spcBef>
-              <a:buSzPct val="75000"/>
-              <a:buChar char="•"/>
-            </a:pPr>
-            <a:r>
-              <a:t>Gap: </a:t>
-            </a:r>
-            <a:r>
-              <a:rPr b="1">
-                <a:latin typeface="Helvetica"/>
-                <a:ea typeface="Helvetica"/>
-                <a:cs typeface="Helvetica"/>
-                <a:sym typeface="Helvetica"/>
-              </a:rPr>
-              <a:t>Run-up to forks</a:t>
-            </a:r>
-            <a:r>
-              <a:t> seldom studied</a:t>
+          <a:lstStyle>
+            <a:lvl1pPr>
+              <a:defRPr sz="1900"/>
+            </a:lvl1pPr>
+          </a:lstStyle>
+          <a:p>
+            <a:pPr/>
+            <a:r>
+              <a:t>Socially-related</a:t>
+            </a:r>
+          </a:p>
+        </p:txBody>
+      </p:sp>
+      <p:sp>
+        <p:nvSpPr>
+          <p:cNvPr id="143" name="Shape 143"/>
+          <p:cNvSpPr/>
+          <p:nvPr/>
+        </p:nvSpPr>
+        <p:spPr>
+          <a:xfrm>
+            <a:off x="2718198" y="3937000"/>
+            <a:ext cx="395797" cy="304801"/>
+          </a:xfrm>
+          <a:prstGeom prst="rect">
+            <a:avLst/>
+          </a:prstGeom>
+          <a:ln w="12700">
+            <a:miter lim="400000"/>
+          </a:ln>
+          <a:extLst>
+            <a:ext uri="{C572A759-6A51-4108-AA02-DFA0A04FC94B}">
+              <ma14:wrappingTextBoxFlag xmlns:ma14="http://schemas.microsoft.com/office/mac/drawingml/2011/main" val="1"/>
+            </a:ext>
+          </a:extLst>
+        </p:spPr>
+        <p:txBody>
+          <a:bodyPr wrap="none" lIns="50800" tIns="50800" rIns="50800" bIns="50800" anchor="ctr">
+            <a:spAutoFit/>
+          </a:bodyPr>
+          <a:lstStyle>
+            <a:lvl1pPr>
+              <a:defRPr sz="1300"/>
+            </a:lvl1pPr>
+          </a:lstStyle>
+          <a:p>
+            <a:pPr/>
+            <a:r>
+              <a:t>H.F.</a:t>
+            </a:r>
+          </a:p>
+        </p:txBody>
+      </p:sp>
+      <p:sp>
+        <p:nvSpPr>
+          <p:cNvPr id="144" name="Shape 144"/>
+          <p:cNvSpPr/>
+          <p:nvPr/>
+        </p:nvSpPr>
+        <p:spPr>
+          <a:xfrm>
+            <a:off x="2716801" y="4432300"/>
+            <a:ext cx="395796" cy="304801"/>
+          </a:xfrm>
+          <a:prstGeom prst="rect">
+            <a:avLst/>
+          </a:prstGeom>
+          <a:ln w="12700">
+            <a:miter lim="400000"/>
+          </a:ln>
+          <a:extLst>
+            <a:ext uri="{C572A759-6A51-4108-AA02-DFA0A04FC94B}">
+              <ma14:wrappingTextBoxFlag xmlns:ma14="http://schemas.microsoft.com/office/mac/drawingml/2011/main" val="1"/>
+            </a:ext>
+          </a:extLst>
+        </p:spPr>
+        <p:txBody>
+          <a:bodyPr wrap="none" lIns="50800" tIns="50800" rIns="50800" bIns="50800" anchor="ctr">
+            <a:spAutoFit/>
+          </a:bodyPr>
+          <a:lstStyle>
+            <a:lvl1pPr>
+              <a:defRPr sz="1300"/>
+            </a:lvl1pPr>
+          </a:lstStyle>
+          <a:p>
+            <a:pPr/>
+            <a:r>
+              <a:t>U.F.</a:t>
+            </a:r>
+          </a:p>
+        </p:txBody>
+      </p:sp>
+      <p:sp>
+        <p:nvSpPr>
+          <p:cNvPr id="145" name="Shape 145"/>
+          <p:cNvSpPr/>
+          <p:nvPr/>
+        </p:nvSpPr>
+        <p:spPr>
+          <a:xfrm>
+            <a:off x="2983278" y="4083049"/>
+            <a:ext cx="395797" cy="927101"/>
+          </a:xfrm>
+          <a:prstGeom prst="rect">
+            <a:avLst/>
+          </a:prstGeom>
+          <a:ln w="12700">
+            <a:miter lim="400000"/>
+          </a:ln>
+          <a:extLst>
+            <a:ext uri="{C572A759-6A51-4108-AA02-DFA0A04FC94B}">
+              <ma14:wrappingTextBoxFlag xmlns:ma14="http://schemas.microsoft.com/office/mac/drawingml/2011/main" val="1"/>
+            </a:ext>
+          </a:extLst>
+        </p:spPr>
+        <p:txBody>
+          <a:bodyPr lIns="50800" tIns="50800" rIns="50800" bIns="50800" anchor="ctr">
+            <a:spAutoFit/>
+          </a:bodyPr>
+          <a:lstStyle>
+            <a:lvl1pPr>
+              <a:defRPr sz="5400"/>
+            </a:lvl1pPr>
+          </a:lstStyle>
+          <a:p>
+            <a:pPr/>
+            <a:r>
+              <a:t>{</a:t>
             </a:r>
           </a:p>
         </p:txBody>
@@ -6534,7 +8330,7 @@
       </p:grpSpPr>
       <p:sp>
         <p:nvSpPr>
-          <p:cNvPr id="140" name="Shape 140"/>
+          <p:cNvPr id="147" name="Shape 147"/>
           <p:cNvSpPr/>
           <p:nvPr>
             <p:ph type="title"/>
@@ -6551,14 +8347,14 @@
           <a:p>
             <a:pPr/>
             <a:r>
-              <a:t>Research Goals</a:t>
-            </a:r>
-          </a:p>
-        </p:txBody>
-      </p:sp>
-      <p:sp>
-        <p:nvSpPr>
-          <p:cNvPr id="141" name="Shape 141"/>
+              <a:t>Undesirable forks = ?</a:t>
+            </a:r>
+          </a:p>
+        </p:txBody>
+      </p:sp>
+      <p:sp>
+        <p:nvSpPr>
+          <p:cNvPr id="148" name="Shape 148"/>
           <p:cNvSpPr/>
           <p:nvPr>
             <p:ph type="body" idx="1"/>
@@ -6575,57 +8371,39 @@
           <a:p>
             <a:pPr/>
             <a:r>
-              <a:t>Do forks leave traces?</a:t>
-            </a:r>
-          </a:p>
-          <a:p>
-            <a:pPr/>
-            <a:r>
-              <a:t>Do different forks leave different traces?</a:t>
-            </a:r>
-          </a:p>
-          <a:p>
-            <a:pPr/>
-            <a:r>
-              <a:t>Key indicators?</a:t>
-            </a:r>
-          </a:p>
-          <a:p>
-            <a:pPr lvl="2"/>
-            <a:r>
-              <a:t>Validate</a:t>
-            </a:r>
-          </a:p>
-        </p:txBody>
-      </p:sp>
-      <p:sp>
-        <p:nvSpPr>
-          <p:cNvPr id="142" name="Shape 142"/>
-          <p:cNvSpPr/>
-          <p:nvPr>
-            <p:ph type="sldNum" sz="quarter" idx="4294967295"/>
-          </p:nvPr>
-        </p:nvSpPr>
-        <p:spPr>
-          <a:xfrm>
-            <a:off x="6375349" y="9251950"/>
-            <a:ext cx="241402" cy="381000"/>
-          </a:xfrm>
-          <a:prstGeom prst="rect">
-            <a:avLst/>
-          </a:prstGeom>
-          <a:extLst>
-            <a:ext uri="{C572A759-6A51-4108-AA02-DFA0A04FC94B}">
-              <ma14:wrappingTextBoxFlag xmlns:ma14="http://schemas.microsoft.com/office/mac/drawingml/2011/main" val="1"/>
-            </a:ext>
-          </a:extLst>
-        </p:spPr>
-        <p:txBody>
-          <a:bodyPr/>
-          <a:lstStyle/>
-          <a:p>
-            <a:pPr/>
-            <a:fld id="{86CB4B4D-7CA3-9044-876B-883B54F8677D}" type="slidenum"/>
+              <a:rPr b="1">
+                <a:latin typeface="Helvetica"/>
+                <a:ea typeface="Helvetica"/>
+                <a:cs typeface="Helvetica"/>
+                <a:sym typeface="Helvetica"/>
+              </a:rPr>
+              <a:t>Socially-related forks</a:t>
+            </a:r>
+            <a:r>
+              <a:t>: Could have left traces in the developers’ interactions data. Such traces may be identified using longitudinal modeling of the interactions, without digging into the contents of the communications. </a:t>
+            </a:r>
+          </a:p>
+          <a:p>
+            <a:pPr>
+              <a:defRPr b="1">
+                <a:latin typeface="Helvetica"/>
+                <a:ea typeface="Helvetica"/>
+                <a:cs typeface="Helvetica"/>
+                <a:sym typeface="Helvetica"/>
+              </a:defRPr>
+            </a:pPr>
+            <a:r>
+              <a:t>Undesirable forks: </a:t>
+            </a:r>
+            <a:r>
+              <a:rPr b="0">
+                <a:latin typeface="+mn-lt"/>
+                <a:ea typeface="+mn-ea"/>
+                <a:cs typeface="+mn-cs"/>
+                <a:sym typeface="Helvetica Light"/>
+              </a:rPr>
+              <a:t>Perceived as bad forks, that affects the developer community and users negatively, and would’ve been avoided if possible.</a:t>
+            </a:r>
           </a:p>
         </p:txBody>
       </p:sp>
@@ -6655,48 +8433,15 @@
           <a:chExt cx="0" cy="0"/>
         </a:xfrm>
       </p:grpSpPr>
-      <p:pic>
-        <p:nvPicPr>
-          <p:cNvPr id="144" name="epc-flow-charts.pdf"/>
-          <p:cNvPicPr>
-            <a:picLocks noChangeAspect="1"/>
-          </p:cNvPicPr>
-          <p:nvPr>
-            <p:ph type="pic" idx="13"/>
-          </p:nvPr>
-        </p:nvPicPr>
-        <p:blipFill>
-          <a:blip r:embed="rId2">
-            <a:extLst/>
-          </a:blip>
-          <a:srcRect l="0" t="0" r="0" b="0"/>
-          <a:stretch>
-            <a:fillRect/>
-          </a:stretch>
-        </p:blipFill>
-        <p:spPr>
-          <a:xfrm>
-            <a:off x="2997200" y="1859756"/>
-            <a:ext cx="8111112" cy="6973951"/>
-          </a:xfrm>
-          <a:prstGeom prst="rect">
-            <a:avLst/>
-          </a:prstGeom>
-        </p:spPr>
-      </p:pic>
-      <p:sp>
-        <p:nvSpPr>
-          <p:cNvPr id="145" name="Shape 145"/>
+      <p:sp>
+        <p:nvSpPr>
+          <p:cNvPr id="150" name="Shape 150"/>
           <p:cNvSpPr/>
           <p:nvPr>
             <p:ph type="title"/>
           </p:nvPr>
         </p:nvSpPr>
         <p:spPr>
-          <a:xfrm>
-            <a:off x="1270000" y="292100"/>
-            <a:ext cx="10464800" cy="1422400"/>
-          </a:xfrm>
           <a:prstGeom prst="rect">
             <a:avLst/>
           </a:prstGeom>
@@ -6707,14 +8452,14 @@
           <a:p>
             <a:pPr/>
             <a:r>
-              <a:t>Methodology</a:t>
-            </a:r>
-          </a:p>
-        </p:txBody>
-      </p:sp>
-      <p:sp>
-        <p:nvSpPr>
-          <p:cNvPr id="146" name="Shape 146"/>
+              <a:t>Related Work</a:t>
+            </a:r>
+          </a:p>
+        </p:txBody>
+      </p:sp>
+      <p:sp>
+        <p:nvSpPr>
+          <p:cNvPr id="151" name="Shape 151"/>
           <p:cNvSpPr/>
           <p:nvPr>
             <p:ph type="sldNum" sz="quarter" idx="4294967295"/>
@@ -6722,7 +8467,7 @@
         </p:nvSpPr>
         <p:spPr>
           <a:xfrm>
-            <a:off x="6375349" y="9245600"/>
+            <a:off x="6375349" y="9251950"/>
             <a:ext cx="241402" cy="381000"/>
           </a:xfrm>
           <a:prstGeom prst="rect">
@@ -6745,14 +8490,14 @@
       </p:sp>
       <p:sp>
         <p:nvSpPr>
-          <p:cNvPr id="147" name="Shape 147"/>
+          <p:cNvPr id="152" name="Shape 152"/>
           <p:cNvSpPr/>
           <p:nvPr/>
         </p:nvSpPr>
         <p:spPr>
           <a:xfrm>
-            <a:off x="2246678" y="1473199"/>
-            <a:ext cx="634700" cy="2159001"/>
+            <a:off x="2088864" y="8316760"/>
+            <a:ext cx="8166672" cy="647708"/>
           </a:xfrm>
           <a:prstGeom prst="rect">
             <a:avLst/>
@@ -6767,142 +8512,540 @@
           </a:extLst>
         </p:spPr>
         <p:txBody>
-          <a:bodyPr lIns="50800" tIns="50800" rIns="50800" bIns="50800" anchor="ctr">
-            <a:spAutoFit/>
-          </a:bodyPr>
-          <a:lstStyle>
-            <a:lvl1pPr>
-              <a:defRPr sz="13500"/>
-            </a:lvl1pPr>
-          </a:lstStyle>
-          <a:p>
-            <a:pPr/>
-            <a:r>
-              <a:t>{</a:t>
-            </a:r>
-          </a:p>
-        </p:txBody>
-      </p:sp>
-      <p:sp>
-        <p:nvSpPr>
-          <p:cNvPr id="148" name="Shape 148"/>
-          <p:cNvSpPr/>
-          <p:nvPr/>
-        </p:nvSpPr>
-        <p:spPr>
-          <a:xfrm>
-            <a:off x="2914726" y="3130549"/>
-            <a:ext cx="974028" cy="3695701"/>
-          </a:xfrm>
-          <a:prstGeom prst="rect">
-            <a:avLst/>
-          </a:prstGeom>
-          <a:ln w="12700">
-            <a:miter lim="400000"/>
-          </a:ln>
-          <a:extLst>
-            <a:ext uri="{C572A759-6A51-4108-AA02-DFA0A04FC94B}">
-              <ma14:wrappingTextBoxFlag xmlns:ma14="http://schemas.microsoft.com/office/mac/drawingml/2011/main" val="1"/>
-            </a:ext>
-          </a:extLst>
-        </p:spPr>
-        <p:txBody>
-          <a:bodyPr lIns="50800" tIns="50800" rIns="50800" bIns="50800" anchor="ctr">
-            <a:spAutoFit/>
-          </a:bodyPr>
-          <a:lstStyle>
-            <a:lvl1pPr>
-              <a:defRPr sz="23600"/>
-            </a:lvl1pPr>
-          </a:lstStyle>
-          <a:p>
-            <a:pPr/>
-            <a:r>
-              <a:t>{</a:t>
-            </a:r>
-          </a:p>
-        </p:txBody>
-      </p:sp>
-      <p:sp>
-        <p:nvSpPr>
-          <p:cNvPr id="149" name="Shape 149"/>
-          <p:cNvSpPr/>
-          <p:nvPr/>
-        </p:nvSpPr>
-        <p:spPr>
-          <a:xfrm>
-            <a:off x="158343" y="2317749"/>
-            <a:ext cx="2197914" cy="469901"/>
-          </a:xfrm>
-          <a:prstGeom prst="rect">
-            <a:avLst/>
-          </a:prstGeom>
-          <a:ln w="12700">
-            <a:miter lim="400000"/>
-          </a:ln>
-          <a:extLst>
-            <a:ext uri="{C572A759-6A51-4108-AA02-DFA0A04FC94B}">
-              <ma14:wrappingTextBoxFlag xmlns:ma14="http://schemas.microsoft.com/office/mac/drawingml/2011/main" val="1"/>
-            </a:ext>
-          </a:extLst>
-        </p:spPr>
-        <p:txBody>
           <a:bodyPr wrap="none" lIns="50800" tIns="50800" rIns="50800" bIns="50800" anchor="ctr">
             <a:spAutoFit/>
           </a:bodyPr>
-          <a:lstStyle>
-            <a:lvl1pPr>
-              <a:defRPr sz="2400"/>
-            </a:lvl1pPr>
-          </a:lstStyle>
-          <a:p>
-            <a:pPr/>
-            <a:r>
-              <a:t>Data Collection</a:t>
-            </a:r>
-          </a:p>
-        </p:txBody>
-      </p:sp>
-      <p:sp>
-        <p:nvSpPr>
-          <p:cNvPr id="150" name="Shape 150"/>
-          <p:cNvSpPr/>
+          <a:lstStyle/>
+          <a:p>
+            <a:pPr lvl="1" algn="l">
+              <a:spcBef>
+                <a:spcPts val="4200"/>
+              </a:spcBef>
+            </a:pPr>
+            <a:r>
+              <a:t>Gap: </a:t>
+            </a:r>
+            <a:r>
+              <a:rPr b="1">
+                <a:latin typeface="Helvetica"/>
+                <a:ea typeface="Helvetica"/>
+                <a:cs typeface="Helvetica"/>
+                <a:sym typeface="Helvetica"/>
+              </a:rPr>
+              <a:t>Run-up to forks</a:t>
+            </a:r>
+            <a:r>
+              <a:t> seldom studied</a:t>
+            </a:r>
+          </a:p>
+        </p:txBody>
+      </p:sp>
+      <p:graphicFrame>
+        <p:nvGraphicFramePr>
+          <p:cNvPr id="153" name="Table 153"/>
+          <p:cNvGraphicFramePr/>
           <p:nvPr/>
-        </p:nvSpPr>
-        <p:spPr>
-          <a:xfrm>
-            <a:off x="264312" y="4908549"/>
-            <a:ext cx="2773376" cy="469901"/>
-          </a:xfrm>
-          <a:prstGeom prst="rect">
-            <a:avLst/>
-          </a:prstGeom>
-          <a:ln w="12700">
-            <a:miter lim="400000"/>
-          </a:ln>
-          <a:extLst>
-            <a:ext uri="{C572A759-6A51-4108-AA02-DFA0A04FC94B}">
-              <ma14:wrappingTextBoxFlag xmlns:ma14="http://schemas.microsoft.com/office/mac/drawingml/2011/main" val="1"/>
-            </a:ext>
-          </a:extLst>
-        </p:spPr>
-        <p:txBody>
-          <a:bodyPr wrap="none" lIns="50800" tIns="50800" rIns="50800" bIns="50800" anchor="ctr">
-            <a:spAutoFit/>
-          </a:bodyPr>
-          <a:lstStyle>
-            <a:lvl1pPr>
-              <a:defRPr sz="2400"/>
-            </a:lvl1pPr>
-          </a:lstStyle>
-          <a:p>
-            <a:pPr/>
-            <a:r>
-              <a:t>Statistical Modeling</a:t>
-            </a:r>
-          </a:p>
-        </p:txBody>
-      </p:sp>
+        </p:nvGraphicFramePr>
+        <p:xfrm>
+          <a:off x="1060450" y="2527300"/>
+          <a:ext cx="5334000" cy="5715000"/>
+        </p:xfrm>
+        <a:graphic xmlns:a="http://schemas.openxmlformats.org/drawingml/2006/main">
+          <a:graphicData uri="http://schemas.openxmlformats.org/drawingml/2006/table">
+            <a:tbl>
+              <a:tblPr firstCol="0" firstRow="1" lastCol="0" lastRow="0" bandCol="0" bandRow="0" rtl="0">
+                <a:tableStyleId>{2708684C-4D16-4618-839F-0558EEFCDFE6}</a:tableStyleId>
+              </a:tblPr>
+              <a:tblGrid>
+                <a:gridCol w="6171158"/>
+                <a:gridCol w="4052341"/>
+              </a:tblGrid>
+              <a:tr h="582930">
+                <a:tc>
+                  <a:txBody>
+                    <a:bodyPr/>
+                    <a:lstStyle/>
+                    <a:p>
+                      <a:pPr>
+                        <a:spcBef>
+                          <a:spcPts val="3200"/>
+                        </a:spcBef>
+                        <a:defRPr b="0"/>
+                      </a:pPr>
+                      <a:r>
+                        <a:rPr b="1" sz="2800">
+                          <a:sym typeface="Helvetica"/>
+                        </a:rPr>
+                        <a:t>What we know</a:t>
+                      </a:r>
+                    </a:p>
+                  </a:txBody>
+                  <a:tcPr marL="50800" marR="50800" marT="50800" marB="50800" anchor="ctr" anchorCtr="0" horzOverflow="overflow">
+                    <a:lnL w="12700">
+                      <a:miter lim="400000"/>
+                    </a:lnL>
+                  </a:tcPr>
+                </a:tc>
+                <a:tc>
+                  <a:txBody>
+                    <a:bodyPr/>
+                    <a:lstStyle/>
+                    <a:p>
+                      <a:pPr>
+                        <a:spcBef>
+                          <a:spcPts val="3200"/>
+                        </a:spcBef>
+                        <a:defRPr sz="2800">
+                          <a:sym typeface="Helvetica"/>
+                        </a:defRPr>
+                      </a:pPr>
+                      <a:r>
+                        <a:t>What we do </a:t>
+                      </a:r>
+                      <a:r>
+                        <a:rPr i="1"/>
+                        <a:t>not know</a:t>
+                      </a:r>
+                    </a:p>
+                  </a:txBody>
+                  <a:tcPr marL="50800" marR="50800" marT="50800" marB="50800" anchor="ctr" anchorCtr="0" horzOverflow="overflow">
+                    <a:lnR w="12700">
+                      <a:miter lim="400000"/>
+                    </a:lnR>
+                  </a:tcPr>
+                </a:tc>
+              </a:tr>
+              <a:tr h="582930">
+                <a:tc>
+                  <a:txBody>
+                    <a:bodyPr/>
+                    <a:lstStyle/>
+                    <a:p>
+                      <a:pPr algn="l">
+                        <a:spcBef>
+                          <a:spcPts val="3200"/>
+                        </a:spcBef>
+                        <a:defRPr sz="2800"/>
+                      </a:pPr>
+                      <a:r>
+                        <a:t>Identifying knowledge brokers</a:t>
+                      </a:r>
+                    </a:p>
+                  </a:txBody>
+                  <a:tcPr marL="50800" marR="50800" marT="50800" marB="50800" anchor="ctr" anchorCtr="0" horzOverflow="overflow">
+                    <a:lnL w="12700">
+                      <a:miter lim="400000"/>
+                    </a:lnL>
+                  </a:tcPr>
+                </a:tc>
+                <a:tc>
+                  <a:txBody>
+                    <a:bodyPr/>
+                    <a:lstStyle/>
+                    <a:p>
+                      <a:pPr algn="l">
+                        <a:spcBef>
+                          <a:spcPts val="3200"/>
+                        </a:spcBef>
+                      </a:pPr>
+                      <a:r>
+                        <a:rPr sz="1400"/>
+                        <a:t>Static point of view; People are important, but how do these roles change, how they move in and out</a:t>
+                      </a:r>
+                    </a:p>
+                  </a:txBody>
+                  <a:tcPr marL="50800" marR="50800" marT="50800" marB="50800" anchor="ctr" anchorCtr="0" horzOverflow="overflow">
+                    <a:lnR w="12700">
+                      <a:miter lim="400000"/>
+                    </a:lnR>
+                  </a:tcPr>
+                </a:tc>
+              </a:tr>
+              <a:tr h="582930">
+                <a:tc>
+                  <a:txBody>
+                    <a:bodyPr/>
+                    <a:lstStyle/>
+                    <a:p>
+                      <a:pPr algn="l">
+                        <a:spcBef>
+                          <a:spcPts val="3200"/>
+                        </a:spcBef>
+                      </a:pPr>
+                      <a:r>
+                        <a:rPr sz="2800"/>
+                        <a:t>Visual exploration of collaboration networks
+</a:t>
+                      </a:r>
+                    </a:p>
+                  </a:txBody>
+                  <a:tcPr marL="50800" marR="50800" marT="50800" marB="50800" anchor="ctr" anchorCtr="0" horzOverflow="overflow">
+                    <a:lnL w="12700">
+                      <a:miter lim="400000"/>
+                    </a:lnL>
+                  </a:tcPr>
+                </a:tc>
+                <a:tc>
+                  <a:txBody>
+                    <a:bodyPr/>
+                    <a:lstStyle/>
+                    <a:p>
+                      <a:pPr algn="l">
+                        <a:spcBef>
+                          <a:spcPts val="3200"/>
+                        </a:spcBef>
+                      </a:pPr>
+                      <a:r>
+                        <a:rPr sz="1400"/>
+                        <a:t>Interesting, but not quantitatively conclusive. Many hidden processes that remain unexplored</a:t>
+                      </a:r>
+                    </a:p>
+                  </a:txBody>
+                  <a:tcPr marL="50800" marR="50800" marT="50800" marB="50800" anchor="ctr" anchorCtr="0" horzOverflow="overflow">
+                    <a:lnR w="12700">
+                      <a:miter lim="400000"/>
+                    </a:lnR>
+                  </a:tcPr>
+                </a:tc>
+              </a:tr>
+              <a:tr h="582930">
+                <a:tc>
+                  <a:txBody>
+                    <a:bodyPr/>
+                    <a:lstStyle/>
+                    <a:p>
+                      <a:pPr algn="l">
+                        <a:spcBef>
+                          <a:spcPts val="3200"/>
+                        </a:spcBef>
+                      </a:pPr>
+                      <a:r>
+                        <a:rPr sz="2800"/>
+                        <a:t>Post-forking porting of new features or bug fixes
+</a:t>
+                      </a:r>
+                    </a:p>
+                  </a:txBody>
+                  <a:tcPr marL="50800" marR="50800" marT="50800" marB="50800" anchor="ctr" anchorCtr="0" horzOverflow="overflow">
+                    <a:lnL w="12700">
+                      <a:miter lim="400000"/>
+                    </a:lnL>
+                  </a:tcPr>
+                </a:tc>
+                <a:tc>
+                  <a:txBody>
+                    <a:bodyPr/>
+                    <a:lstStyle/>
+                    <a:p>
+                      <a:pPr algn="l">
+                        <a:spcBef>
+                          <a:spcPts val="3200"/>
+                        </a:spcBef>
+                        <a:defRPr sz="1400"/>
+                      </a:pPr>
+                    </a:p>
+                  </a:txBody>
+                  <a:tcPr marL="50800" marR="50800" marT="50800" marB="50800" anchor="ctr" anchorCtr="0" horzOverflow="overflow">
+                    <a:lnR w="12700">
+                      <a:miter lim="400000"/>
+                    </a:lnR>
+                  </a:tcPr>
+                </a:tc>
+              </a:tr>
+              <a:tr h="582930">
+                <a:tc>
+                  <a:txBody>
+                    <a:bodyPr/>
+                    <a:lstStyle/>
+                    <a:p>
+                      <a:pPr algn="l">
+                        <a:spcBef>
+                          <a:spcPts val="3200"/>
+                        </a:spcBef>
+                      </a:pPr>
+                      <a:r>
+                        <a:rPr sz="2800"/>
+                        <a:t>Social structures and dynamics
+</a:t>
+                      </a:r>
+                    </a:p>
+                  </a:txBody>
+                  <a:tcPr marL="50800" marR="50800" marT="50800" marB="50800" anchor="ctr" anchorCtr="0" horzOverflow="overflow">
+                    <a:lnL w="12700">
+                      <a:miter lim="400000"/>
+                    </a:lnL>
+                  </a:tcPr>
+                </a:tc>
+                <a:tc>
+                  <a:txBody>
+                    <a:bodyPr/>
+                    <a:lstStyle/>
+                    <a:p>
+                      <a:pPr algn="l">
+                        <a:spcBef>
+                          <a:spcPts val="3200"/>
+                        </a:spcBef>
+                      </a:pPr>
+                      <a:r>
+                        <a:rPr sz="1400"/>
+                        <a:t>How these structures change through time</a:t>
+                      </a:r>
+                    </a:p>
+                  </a:txBody>
+                  <a:tcPr marL="50800" marR="50800" marT="50800" marB="50800" anchor="ctr" anchorCtr="0" horzOverflow="overflow">
+                    <a:lnR w="12700">
+                      <a:miter lim="400000"/>
+                    </a:lnR>
+                  </a:tcPr>
+                </a:tc>
+              </a:tr>
+              <a:tr h="582930">
+                <a:tc>
+                  <a:txBody>
+                    <a:bodyPr/>
+                    <a:lstStyle/>
+                    <a:p>
+                      <a:pPr algn="l">
+                        <a:spcBef>
+                          <a:spcPts val="3200"/>
+                        </a:spcBef>
+                      </a:pPr>
+                      <a:r>
+                        <a:rPr sz="2800"/>
+                        <a:t>Identifying “key” events
+</a:t>
+                      </a:r>
+                    </a:p>
+                  </a:txBody>
+                  <a:tcPr marL="50800" marR="50800" marT="50800" marB="50800" anchor="ctr" anchorCtr="0" horzOverflow="overflow">
+                    <a:lnL w="12700">
+                      <a:miter lim="400000"/>
+                    </a:lnL>
+                  </a:tcPr>
+                </a:tc>
+                <a:tc>
+                  <a:txBody>
+                    <a:bodyPr/>
+                    <a:lstStyle/>
+                    <a:p>
+                      <a:pPr algn="l">
+                        <a:spcBef>
+                          <a:spcPts val="3200"/>
+                        </a:spcBef>
+                      </a:pPr>
+                      <a:r>
+                        <a:rPr sz="1400"/>
+                        <a:t>Compared only two snapshots; not longitudinal</a:t>
+                      </a:r>
+                    </a:p>
+                  </a:txBody>
+                  <a:tcPr marL="50800" marR="50800" marT="50800" marB="50800" anchor="ctr" anchorCtr="0" horzOverflow="overflow">
+                    <a:lnR w="12700">
+                      <a:miter lim="400000"/>
+                    </a:lnR>
+                  </a:tcPr>
+                </a:tc>
+              </a:tr>
+              <a:tr h="582930">
+                <a:tc>
+                  <a:txBody>
+                    <a:bodyPr/>
+                    <a:lstStyle/>
+                    <a:p>
+                      <a:pPr algn="l">
+                        <a:spcBef>
+                          <a:spcPts val="3200"/>
+                        </a:spcBef>
+                        <a:defRPr sz="2500"/>
+                      </a:pPr>
+                      <a:r>
+                        <a:t>Tension between diversity &amp; homogeneity</a:t>
+                      </a:r>
+                    </a:p>
+                    <a:p>
+                      <a:pPr algn="l">
+                        <a:spcBef>
+                          <a:spcPts val="3200"/>
+                        </a:spcBef>
+                        <a:defRPr sz="2800"/>
+                      </a:pPr>
+                    </a:p>
+                  </a:txBody>
+                  <a:tcPr marL="50800" marR="50800" marT="50800" marB="50800" anchor="ctr" anchorCtr="0" horzOverflow="overflow">
+                    <a:lnL w="12700">
+                      <a:miter lim="400000"/>
+                    </a:lnL>
+                  </a:tcPr>
+                </a:tc>
+                <a:tc>
+                  <a:txBody>
+                    <a:bodyPr/>
+                    <a:lstStyle/>
+                    <a:p>
+                      <a:pPr algn="l">
+                        <a:spcBef>
+                          <a:spcPts val="3200"/>
+                        </a:spcBef>
+                        <a:defRPr sz="1400"/>
+                      </a:pPr>
+                    </a:p>
+                  </a:txBody>
+                  <a:tcPr marL="50800" marR="50800" marT="50800" marB="50800" anchor="ctr" anchorCtr="0" horzOverflow="overflow">
+                    <a:lnR w="12700">
+                      <a:miter lim="400000"/>
+                    </a:lnR>
+                  </a:tcPr>
+                </a:tc>
+              </a:tr>
+              <a:tr h="582930">
+                <a:tc>
+                  <a:txBody>
+                    <a:bodyPr/>
+                    <a:lstStyle/>
+                    <a:p>
+                      <a:pPr algn="l">
+                        <a:spcBef>
+                          <a:spcPts val="3200"/>
+                        </a:spcBef>
+                      </a:pPr>
+                      <a:r>
+                        <a:rPr sz="2800"/>
+                        <a:t>Age of users and survival rate patterns</a:t>
+                      </a:r>
+                    </a:p>
+                  </a:txBody>
+                  <a:tcPr marL="50800" marR="50800" marT="50800" marB="50800" anchor="ctr" anchorCtr="0" horzOverflow="overflow">
+                    <a:lnL w="12700">
+                      <a:miter lim="400000"/>
+                    </a:lnL>
+                  </a:tcPr>
+                </a:tc>
+                <a:tc>
+                  <a:txBody>
+                    <a:bodyPr/>
+                    <a:lstStyle/>
+                    <a:p>
+                      <a:pPr algn="l">
+                        <a:spcBef>
+                          <a:spcPts val="3200"/>
+                        </a:spcBef>
+                      </a:pPr>
+                      <a:r>
+                        <a:rPr sz="1400"/>
+                        <a:t>How can this be used to understand forking</a:t>
+                      </a:r>
+                    </a:p>
+                  </a:txBody>
+                  <a:tcPr marL="50800" marR="50800" marT="50800" marB="50800" anchor="ctr" anchorCtr="0" horzOverflow="overflow">
+                    <a:lnR w="12700">
+                      <a:miter lim="400000"/>
+                    </a:lnR>
+                  </a:tcPr>
+                </a:tc>
+              </a:tr>
+              <a:tr h="582930">
+                <a:tc>
+                  <a:txBody>
+                    <a:bodyPr/>
+                    <a:lstStyle/>
+                    <a:p>
+                      <a:pPr algn="l">
+                        <a:spcBef>
+                          <a:spcPts val="3200"/>
+                        </a:spcBef>
+                      </a:pPr>
+                      <a:r>
+                        <a:rPr sz="2800"/>
+                        <a:t>Communication patterns</a:t>
+                      </a:r>
+                    </a:p>
+                  </a:txBody>
+                  <a:tcPr marL="50800" marR="50800" marT="50800" marB="50800" anchor="ctr" anchorCtr="0" horzOverflow="overflow">
+                    <a:lnL w="12700">
+                      <a:miter lim="400000"/>
+                    </a:lnL>
+                  </a:tcPr>
+                </a:tc>
+                <a:tc>
+                  <a:txBody>
+                    <a:bodyPr/>
+                    <a:lstStyle/>
+                    <a:p>
+                      <a:pPr algn="l">
+                        <a:spcBef>
+                          <a:spcPts val="3200"/>
+                        </a:spcBef>
+                      </a:pPr>
+                      <a:r>
+                        <a:rPr sz="1400"/>
+                        <a:t>Change through time?</a:t>
+                      </a:r>
+                    </a:p>
+                  </a:txBody>
+                  <a:tcPr marL="50800" marR="50800" marT="50800" marB="50800" anchor="ctr" anchorCtr="0" horzOverflow="overflow">
+                    <a:lnR w="12700">
+                      <a:miter lim="400000"/>
+                    </a:lnR>
+                  </a:tcPr>
+                </a:tc>
+              </a:tr>
+              <a:tr h="582930">
+                <a:tc>
+                  <a:txBody>
+                    <a:bodyPr/>
+                    <a:lstStyle/>
+                    <a:p>
+                      <a:pPr algn="l">
+                        <a:spcBef>
+                          <a:spcPts val="3200"/>
+                        </a:spcBef>
+                      </a:pPr>
+                      <a:r>
+                        <a:rPr sz="2800"/>
+                        <a:t>Sustainability
+</a:t>
+                      </a:r>
+                    </a:p>
+                  </a:txBody>
+                  <a:tcPr marL="50800" marR="50800" marT="50800" marB="50800" anchor="ctr" anchorCtr="0" horzOverflow="overflow">
+                    <a:lnL w="12700">
+                      <a:miter lim="400000"/>
+                    </a:lnL>
+                    <a:lnB w="12700">
+                      <a:miter lim="400000"/>
+                    </a:lnB>
+                  </a:tcPr>
+                </a:tc>
+                <a:tc>
+                  <a:txBody>
+                    <a:bodyPr/>
+                    <a:lstStyle/>
+                    <a:p>
+                      <a:pPr algn="l">
+                        <a:spcBef>
+                          <a:spcPts val="3200"/>
+                        </a:spcBef>
+                      </a:pPr>
+                      <a:r>
+                        <a:rPr sz="1400"/>
+                        <a:t>How to maintain a sustainable project without forking</a:t>
+                      </a:r>
+                    </a:p>
+                  </a:txBody>
+                  <a:tcPr marL="50800" marR="50800" marT="50800" marB="50800" anchor="ctr" anchorCtr="0" horzOverflow="overflow">
+                    <a:lnR w="12700">
+                      <a:miter lim="400000"/>
+                    </a:lnR>
+                    <a:lnB w="12700">
+                      <a:miter lim="400000"/>
+                    </a:lnB>
+                  </a:tcPr>
+                </a:tc>
+              </a:tr>
+            </a:tbl>
+          </a:graphicData>
+        </a:graphic>
+      </p:graphicFrame>
     </p:spTree>
   </p:cSld>
   <p:clrMapOvr>
@@ -6929,47 +9072,42 @@
           <a:chExt cx="0" cy="0"/>
         </a:xfrm>
       </p:grpSpPr>
-      <p:pic>
-        <p:nvPicPr>
-          <p:cNvPr id="152" name="epc-flow-charts.pdf"/>
-          <p:cNvPicPr>
-            <a:picLocks noChangeAspect="1"/>
-          </p:cNvPicPr>
-          <p:nvPr>
-            <p:ph type="pic" idx="13"/>
-          </p:nvPr>
-        </p:nvPicPr>
-        <p:blipFill>
-          <a:blip r:embed="rId2">
-            <a:extLst/>
-          </a:blip>
-          <a:srcRect l="0" t="0" r="0" b="0"/>
-          <a:stretch>
-            <a:fillRect/>
-          </a:stretch>
-        </p:blipFill>
-        <p:spPr>
-          <a:xfrm>
-            <a:off x="2446932" y="1993106"/>
-            <a:ext cx="8111112" cy="6973951"/>
-          </a:xfrm>
-          <a:prstGeom prst="rect">
-            <a:avLst/>
-          </a:prstGeom>
-        </p:spPr>
-      </p:pic>
-      <p:sp>
-        <p:nvSpPr>
-          <p:cNvPr id="153" name="Shape 153"/>
+      <p:sp>
+        <p:nvSpPr>
+          <p:cNvPr id="155" name="Shape 155"/>
           <p:cNvSpPr/>
           <p:nvPr>
             <p:ph type="title"/>
           </p:nvPr>
         </p:nvSpPr>
         <p:spPr>
+          <a:prstGeom prst="rect">
+            <a:avLst/>
+          </a:prstGeom>
+        </p:spPr>
+        <p:txBody>
+          <a:bodyPr/>
+          <a:lstStyle/>
+          <a:p>
+            <a:pPr/>
+            <a:r>
+              <a:t>Research Goals</a:t>
+            </a:r>
+          </a:p>
+        </p:txBody>
+      </p:sp>
+      <p:sp>
+        <p:nvSpPr>
+          <p:cNvPr id="156" name="Shape 156"/>
+          <p:cNvSpPr/>
+          <p:nvPr>
+            <p:ph type="body" idx="1"/>
+          </p:nvPr>
+        </p:nvSpPr>
+        <p:spPr>
           <a:xfrm>
-            <a:off x="1270000" y="292100"/>
-            <a:ext cx="10464800" cy="1422400"/>
+            <a:off x="2984500" y="2609850"/>
+            <a:ext cx="11099800" cy="4754464"/>
           </a:xfrm>
           <a:prstGeom prst="rect">
             <a:avLst/>
@@ -6977,22 +9115,37 @@
         </p:spPr>
         <p:txBody>
           <a:bodyPr/>
-          <a:lstStyle>
-            <a:lvl1pPr defTabSz="449833">
-              <a:defRPr sz="6160"/>
-            </a:lvl1pPr>
-          </a:lstStyle>
-          <a:p>
-            <a:pPr/>
-            <a:r>
-              <a:t>Methodology: Data Collection</a:t>
-            </a:r>
-          </a:p>
-        </p:txBody>
-      </p:sp>
-      <p:sp>
-        <p:nvSpPr>
-          <p:cNvPr id="154" name="Shape 154"/>
+          <a:lstStyle/>
+          <a:p>
+            <a:pPr/>
+            <a:r>
+              <a:t>Do forks leave traces?</a:t>
+            </a:r>
+          </a:p>
+          <a:p>
+            <a:pPr/>
+            <a:r>
+              <a:t>Do different forks leave different traces?</a:t>
+            </a:r>
+          </a:p>
+          <a:p>
+            <a:pPr/>
+            <a:r>
+              <a:t>Key indicators?</a:t>
+            </a:r>
+          </a:p>
+          <a:p>
+            <a:pPr lvl="2"/>
+            <a:r>
+              <a:t>Validate</a:t>
+            </a:r>
+            <a:br/>
+          </a:p>
+        </p:txBody>
+      </p:sp>
+      <p:sp>
+        <p:nvSpPr>
+          <p:cNvPr id="157" name="Shape 157"/>
           <p:cNvSpPr/>
           <p:nvPr>
             <p:ph type="sldNum" sz="quarter" idx="4294967295"/>
@@ -7000,7 +9153,7 @@
         </p:nvSpPr>
         <p:spPr>
           <a:xfrm>
-            <a:off x="6375349" y="9245600"/>
+            <a:off x="6375349" y="9251950"/>
             <a:ext cx="241402" cy="381000"/>
           </a:xfrm>
           <a:prstGeom prst="rect">
@@ -7023,86 +9176,258 @@
       </p:sp>
       <p:sp>
         <p:nvSpPr>
-          <p:cNvPr id="155" name="Shape 155"/>
+          <p:cNvPr id="158" name="Shape 158"/>
           <p:cNvSpPr/>
           <p:nvPr/>
         </p:nvSpPr>
         <p:spPr>
           <a:xfrm>
-            <a:off x="2425476" y="1895127"/>
-            <a:ext cx="3470921" cy="1748484"/>
+            <a:off x="1076736" y="7800131"/>
+            <a:ext cx="10851328" cy="1397001"/>
           </a:xfrm>
-          <a:prstGeom prst="roundRect">
-            <a:avLst>
-              <a:gd name="adj" fmla="val 13242"/>
-            </a:avLst>
-          </a:prstGeom>
-          <a:solidFill>
-            <a:schemeClr val="accent3">
-              <a:satOff val="18648"/>
-              <a:lumOff val="5971"/>
-              <a:alpha val="40553"/>
-            </a:schemeClr>
-          </a:solidFill>
-          <a:ln w="63500">
-            <a:solidFill>
-              <a:schemeClr val="accent5">
-                <a:alpha val="40553"/>
-              </a:schemeClr>
-            </a:solidFill>
+          <a:prstGeom prst="rect">
+            <a:avLst/>
+          </a:prstGeom>
+          <a:ln w="12700">
             <a:miter lim="400000"/>
           </a:ln>
-          <a:effectLst>
-            <a:outerShdw sx="100000" sy="100000" kx="0" ky="0" algn="b" rotWithShape="0" blurRad="355600" dist="0" dir="0">
-              <a:srgbClr val="000000">
-                <a:alpha val="75000"/>
-              </a:srgbClr>
-            </a:outerShdw>
-          </a:effectLst>
-        </p:spPr>
-        <p:txBody>
-          <a:bodyPr lIns="50800" tIns="50800" rIns="50800" bIns="50800" anchor="ctr"/>
+          <a:extLst>
+            <a:ext uri="{C572A759-6A51-4108-AA02-DFA0A04FC94B}">
+              <ma14:wrappingTextBoxFlag xmlns:ma14="http://schemas.microsoft.com/office/mac/drawingml/2011/main" val="1"/>
+            </a:ext>
+          </a:extLst>
+        </p:spPr>
+        <p:txBody>
+          <a:bodyPr lIns="50800" tIns="50800" rIns="50800" bIns="50800" anchor="ctr">
+            <a:spAutoFit/>
+          </a:bodyPr>
           <a:lstStyle/>
           <a:p>
-            <a:pPr>
-              <a:defRPr sz="2400">
-                <a:solidFill>
-                  <a:srgbClr val="FFFFFF"/>
-                </a:solidFill>
-              </a:defRPr>
+            <a:pPr marL="345722" indent="-345722" algn="l">
+              <a:spcBef>
+                <a:spcPts val="3200"/>
+              </a:spcBef>
+              <a:buSzPct val="75000"/>
+              <a:buChar char="•"/>
+              <a:defRPr sz="2800"/>
             </a:pPr>
-          </a:p>
-        </p:txBody>
-      </p:sp>
-      <p:sp>
-        <p:nvSpPr>
-          <p:cNvPr id="156" name="Shape 156"/>
+            <a:r>
+              <a:t>Why these are important? </a:t>
+            </a:r>
+            <a:br/>
+            <a:r>
+              <a:t>Because if we know these, we could identify unhealthy dynamics and fix them before it’s irreversible.</a:t>
+            </a:r>
+          </a:p>
+        </p:txBody>
+      </p:sp>
+      <p:sp>
+        <p:nvSpPr>
+          <p:cNvPr id="159" name="Shape 159"/>
           <p:cNvSpPr/>
           <p:nvPr/>
         </p:nvSpPr>
         <p:spPr>
           <a:xfrm>
-            <a:off x="585675" y="2769368"/>
-            <a:ext cx="1725725" cy="1"/>
+            <a:off x="2119678" y="2283668"/>
+            <a:ext cx="937069" cy="3302001"/>
           </a:xfrm>
-          <a:prstGeom prst="line">
-            <a:avLst/>
-          </a:prstGeom>
-          <a:ln w="114300">
-            <a:solidFill>
-              <a:srgbClr val="000000"/>
-            </a:solidFill>
+          <a:prstGeom prst="rect">
+            <a:avLst/>
+          </a:prstGeom>
+          <a:ln w="12700">
             <a:miter lim="400000"/>
-            <a:tailEnd type="triangle"/>
           </a:ln>
-        </p:spPr>
-        <p:txBody>
-          <a:bodyPr lIns="50800" tIns="50800" rIns="50800" bIns="50800" anchor="ctr"/>
+          <a:extLst>
+            <a:ext uri="{C572A759-6A51-4108-AA02-DFA0A04FC94B}">
+              <ma14:wrappingTextBoxFlag xmlns:ma14="http://schemas.microsoft.com/office/mac/drawingml/2011/main" val="1"/>
+            </a:ext>
+          </a:extLst>
+        </p:spPr>
+        <p:txBody>
+          <a:bodyPr lIns="50800" tIns="50800" rIns="50800" bIns="50800" anchor="ctr">
+            <a:spAutoFit/>
+          </a:bodyPr>
+          <a:lstStyle>
+            <a:lvl1pPr>
+              <a:defRPr sz="21000"/>
+            </a:lvl1pPr>
+          </a:lstStyle>
+          <a:p>
+            <a:pPr/>
+            <a:r>
+              <a:t>{</a:t>
+            </a:r>
+          </a:p>
+        </p:txBody>
+      </p:sp>
+      <p:sp>
+        <p:nvSpPr>
+          <p:cNvPr id="160" name="Shape 160"/>
+          <p:cNvSpPr/>
+          <p:nvPr/>
+        </p:nvSpPr>
+        <p:spPr>
+          <a:xfrm>
+            <a:off x="526643" y="3930649"/>
+            <a:ext cx="1740714" cy="469901"/>
+          </a:xfrm>
+          <a:prstGeom prst="rect">
+            <a:avLst/>
+          </a:prstGeom>
+          <a:ln w="12700">
+            <a:miter lim="400000"/>
+          </a:ln>
+          <a:extLst>
+            <a:ext uri="{C572A759-6A51-4108-AA02-DFA0A04FC94B}">
+              <ma14:wrappingTextBoxFlag xmlns:ma14="http://schemas.microsoft.com/office/mac/drawingml/2011/main" val="1"/>
+            </a:ext>
+          </a:extLst>
+        </p:spPr>
+        <p:txBody>
+          <a:bodyPr wrap="none" lIns="50800" tIns="50800" rIns="50800" bIns="50800" anchor="ctr">
+            <a:spAutoFit/>
+          </a:bodyPr>
+          <a:lstStyle>
+            <a:lvl1pPr>
+              <a:defRPr sz="2400"/>
+            </a:lvl1pPr>
+          </a:lstStyle>
+          <a:p>
+            <a:pPr/>
+            <a:r>
+              <a:t>Quantitative</a:t>
+            </a:r>
+          </a:p>
+        </p:txBody>
+      </p:sp>
+      <p:sp>
+        <p:nvSpPr>
+          <p:cNvPr id="161" name="Shape 161"/>
+          <p:cNvSpPr/>
+          <p:nvPr/>
+        </p:nvSpPr>
+        <p:spPr>
+          <a:xfrm>
+            <a:off x="3135678" y="5480050"/>
+            <a:ext cx="937069" cy="1930401"/>
+          </a:xfrm>
+          <a:prstGeom prst="rect">
+            <a:avLst/>
+          </a:prstGeom>
+          <a:ln w="12700">
+            <a:miter lim="400000"/>
+          </a:ln>
+          <a:extLst>
+            <a:ext uri="{C572A759-6A51-4108-AA02-DFA0A04FC94B}">
+              <ma14:wrappingTextBoxFlag xmlns:ma14="http://schemas.microsoft.com/office/mac/drawingml/2011/main" val="1"/>
+            </a:ext>
+          </a:extLst>
+        </p:spPr>
+        <p:txBody>
+          <a:bodyPr lIns="50800" tIns="50800" rIns="50800" bIns="50800" anchor="ctr">
+            <a:spAutoFit/>
+          </a:bodyPr>
+          <a:lstStyle>
+            <a:lvl1pPr>
+              <a:defRPr sz="12000"/>
+            </a:lvl1pPr>
+          </a:lstStyle>
+          <a:p>
+            <a:pPr/>
+            <a:r>
+              <a:t>{</a:t>
+            </a:r>
+          </a:p>
+        </p:txBody>
+      </p:sp>
+      <p:sp>
+        <p:nvSpPr>
+          <p:cNvPr id="162" name="Shape 162"/>
+          <p:cNvSpPr/>
+          <p:nvPr/>
+        </p:nvSpPr>
+        <p:spPr>
+          <a:xfrm>
+            <a:off x="1849225" y="6311899"/>
+            <a:ext cx="1554176" cy="469901"/>
+          </a:xfrm>
+          <a:prstGeom prst="rect">
+            <a:avLst/>
+          </a:prstGeom>
+          <a:ln w="12700">
+            <a:miter lim="400000"/>
+          </a:ln>
+          <a:extLst>
+            <a:ext uri="{C572A759-6A51-4108-AA02-DFA0A04FC94B}">
+              <ma14:wrappingTextBoxFlag xmlns:ma14="http://schemas.microsoft.com/office/mac/drawingml/2011/main" val="1"/>
+            </a:ext>
+          </a:extLst>
+        </p:spPr>
+        <p:txBody>
+          <a:bodyPr wrap="none" lIns="50800" tIns="50800" rIns="50800" bIns="50800" anchor="ctr">
+            <a:spAutoFit/>
+          </a:bodyPr>
+          <a:lstStyle>
+            <a:lvl1pPr>
+              <a:defRPr sz="2400"/>
+            </a:lvl1pPr>
+          </a:lstStyle>
+          <a:p>
+            <a:pPr/>
+            <a:r>
+              <a:t>Qualitative</a:t>
+            </a:r>
+          </a:p>
+        </p:txBody>
+      </p:sp>
+      <p:sp>
+        <p:nvSpPr>
+          <p:cNvPr id="163" name="Shape 163"/>
+          <p:cNvSpPr/>
+          <p:nvPr/>
+        </p:nvSpPr>
+        <p:spPr>
+          <a:xfrm>
+            <a:off x="4841212" y="6627713"/>
+            <a:ext cx="1796319" cy="736601"/>
+          </a:xfrm>
+          <a:prstGeom prst="rect">
+            <a:avLst/>
+          </a:prstGeom>
+          <a:ln w="12700">
+            <a:miter lim="400000"/>
+          </a:ln>
+          <a:extLst>
+            <a:ext uri="{C572A759-6A51-4108-AA02-DFA0A04FC94B}">
+              <ma14:wrappingTextBoxFlag xmlns:ma14="http://schemas.microsoft.com/office/mac/drawingml/2011/main" val="1"/>
+            </a:ext>
+          </a:extLst>
+        </p:spPr>
+        <p:txBody>
+          <a:bodyPr wrap="none" lIns="50800" tIns="50800" rIns="50800" bIns="50800" anchor="ctr">
+            <a:spAutoFit/>
+          </a:bodyPr>
           <a:lstStyle/>
           <a:p>
-            <a:pPr>
-              <a:defRPr sz="2400"/>
+            <a:pPr marL="407458" indent="-407458" algn="l">
+              <a:buSzPct val="75000"/>
+              <a:buChar char="•"/>
+              <a:defRPr sz="2100"/>
             </a:pPr>
+            <a:r>
+              <a:t>Interviews</a:t>
+            </a:r>
+          </a:p>
+          <a:p>
+            <a:pPr marL="407458" indent="-407458" algn="l">
+              <a:buSzPct val="75000"/>
+              <a:buChar char="•"/>
+              <a:defRPr sz="2100"/>
+            </a:pPr>
+            <a:r>
+              <a:t>Surveys</a:t>
+            </a:r>
           </a:p>
         </p:txBody>
       </p:sp>
@@ -7132,72 +9457,66 @@
           <a:chExt cx="0" cy="0"/>
         </a:xfrm>
       </p:grpSpPr>
-      <p:sp>
-        <p:nvSpPr>
-          <p:cNvPr id="158" name="Shape 158"/>
-          <p:cNvSpPr/>
-          <p:nvPr>
-            <p:ph type="title"/>
-          </p:nvPr>
-        </p:nvSpPr>
-        <p:spPr>
-          <a:prstGeom prst="rect">
-            <a:avLst/>
-          </a:prstGeom>
-        </p:spPr>
-        <p:txBody>
-          <a:bodyPr/>
-          <a:lstStyle/>
-          <a:p>
-            <a:pPr defTabSz="490727">
-              <a:defRPr sz="6719"/>
-            </a:pPr>
-            <a:r>
-              <a:t>Data Collection</a:t>
-            </a:r>
-          </a:p>
-          <a:p>
-            <a:pPr defTabSz="490727">
-              <a:defRPr sz="6719"/>
-            </a:pPr>
-            <a:r>
-              <a:t>Categories</a:t>
-            </a:r>
-          </a:p>
-        </p:txBody>
-      </p:sp>
       <p:pic>
         <p:nvPicPr>
-          <p:cNvPr id="159" name="Screen Shot 2016-02-09 at 1.01.59 PM.png"/>
+          <p:cNvPr id="165" name="epc-flow-charts.pdf"/>
           <p:cNvPicPr>
             <a:picLocks noChangeAspect="1"/>
           </p:cNvPicPr>
-          <p:nvPr/>
+          <p:nvPr>
+            <p:ph type="pic" idx="13"/>
+          </p:nvPr>
         </p:nvPicPr>
         <p:blipFill>
           <a:blip r:embed="rId2">
             <a:extLst/>
           </a:blip>
+          <a:srcRect l="0" t="0" r="0" b="0"/>
           <a:stretch>
             <a:fillRect/>
           </a:stretch>
         </p:blipFill>
         <p:spPr>
           <a:xfrm>
-            <a:off x="1735212" y="3607557"/>
-            <a:ext cx="9534376" cy="2538486"/>
+            <a:off x="2997200" y="1859756"/>
+            <a:ext cx="8111112" cy="6973951"/>
           </a:xfrm>
           <a:prstGeom prst="rect">
             <a:avLst/>
           </a:prstGeom>
-          <a:ln w="12700">
-            <a:miter lim="400000"/>
-          </a:ln>
         </p:spPr>
       </p:pic>
       <p:sp>
         <p:nvSpPr>
-          <p:cNvPr id="160" name="Shape 160"/>
+          <p:cNvPr id="166" name="Shape 166"/>
+          <p:cNvSpPr/>
+          <p:nvPr>
+            <p:ph type="title"/>
+          </p:nvPr>
+        </p:nvSpPr>
+        <p:spPr>
+          <a:xfrm>
+            <a:off x="1270000" y="292100"/>
+            <a:ext cx="10464800" cy="1422400"/>
+          </a:xfrm>
+          <a:prstGeom prst="rect">
+            <a:avLst/>
+          </a:prstGeom>
+        </p:spPr>
+        <p:txBody>
+          <a:bodyPr/>
+          <a:lstStyle/>
+          <a:p>
+            <a:pPr/>
+            <a:r>
+              <a:t>Methodology</a:t>
+            </a:r>
+          </a:p>
+        </p:txBody>
+      </p:sp>
+      <p:sp>
+        <p:nvSpPr>
+          <p:cNvPr id="167" name="Shape 167"/>
           <p:cNvSpPr/>
           <p:nvPr>
             <p:ph type="sldNum" sz="quarter" idx="4294967295"/>
@@ -7205,7 +9524,7 @@
         </p:nvSpPr>
         <p:spPr>
           <a:xfrm>
-            <a:off x="6375349" y="9251950"/>
+            <a:off x="6375349" y="9245600"/>
             <a:ext cx="241402" cy="381000"/>
           </a:xfrm>
           <a:prstGeom prst="rect">
@@ -7223,6 +9542,166 @@
           <a:p>
             <a:pPr/>
             <a:fld id="{86CB4B4D-7CA3-9044-876B-883B54F8677D}" type="slidenum"/>
+          </a:p>
+        </p:txBody>
+      </p:sp>
+      <p:sp>
+        <p:nvSpPr>
+          <p:cNvPr id="168" name="Shape 168"/>
+          <p:cNvSpPr/>
+          <p:nvPr/>
+        </p:nvSpPr>
+        <p:spPr>
+          <a:xfrm>
+            <a:off x="2246678" y="1473199"/>
+            <a:ext cx="634700" cy="2159001"/>
+          </a:xfrm>
+          <a:prstGeom prst="rect">
+            <a:avLst/>
+          </a:prstGeom>
+          <a:ln w="12700">
+            <a:miter lim="400000"/>
+          </a:ln>
+          <a:extLst>
+            <a:ext uri="{C572A759-6A51-4108-AA02-DFA0A04FC94B}">
+              <ma14:wrappingTextBoxFlag xmlns:ma14="http://schemas.microsoft.com/office/mac/drawingml/2011/main" val="1"/>
+            </a:ext>
+          </a:extLst>
+        </p:spPr>
+        <p:txBody>
+          <a:bodyPr lIns="50800" tIns="50800" rIns="50800" bIns="50800" anchor="ctr">
+            <a:spAutoFit/>
+          </a:bodyPr>
+          <a:lstStyle>
+            <a:lvl1pPr>
+              <a:defRPr sz="13500"/>
+            </a:lvl1pPr>
+          </a:lstStyle>
+          <a:p>
+            <a:pPr/>
+            <a:r>
+              <a:t>{</a:t>
+            </a:r>
+          </a:p>
+        </p:txBody>
+      </p:sp>
+      <p:sp>
+        <p:nvSpPr>
+          <p:cNvPr id="169" name="Shape 169"/>
+          <p:cNvSpPr/>
+          <p:nvPr/>
+        </p:nvSpPr>
+        <p:spPr>
+          <a:xfrm>
+            <a:off x="2914726" y="3130549"/>
+            <a:ext cx="974028" cy="3695701"/>
+          </a:xfrm>
+          <a:prstGeom prst="rect">
+            <a:avLst/>
+          </a:prstGeom>
+          <a:ln w="12700">
+            <a:miter lim="400000"/>
+          </a:ln>
+          <a:extLst>
+            <a:ext uri="{C572A759-6A51-4108-AA02-DFA0A04FC94B}">
+              <ma14:wrappingTextBoxFlag xmlns:ma14="http://schemas.microsoft.com/office/mac/drawingml/2011/main" val="1"/>
+            </a:ext>
+          </a:extLst>
+        </p:spPr>
+        <p:txBody>
+          <a:bodyPr lIns="50800" tIns="50800" rIns="50800" bIns="50800" anchor="ctr">
+            <a:spAutoFit/>
+          </a:bodyPr>
+          <a:lstStyle>
+            <a:lvl1pPr>
+              <a:defRPr sz="23600"/>
+            </a:lvl1pPr>
+          </a:lstStyle>
+          <a:p>
+            <a:pPr/>
+            <a:r>
+              <a:t>{</a:t>
+            </a:r>
+          </a:p>
+        </p:txBody>
+      </p:sp>
+      <p:sp>
+        <p:nvSpPr>
+          <p:cNvPr id="170" name="Shape 170"/>
+          <p:cNvSpPr/>
+          <p:nvPr/>
+        </p:nvSpPr>
+        <p:spPr>
+          <a:xfrm>
+            <a:off x="158343" y="2317749"/>
+            <a:ext cx="2197914" cy="469901"/>
+          </a:xfrm>
+          <a:prstGeom prst="rect">
+            <a:avLst/>
+          </a:prstGeom>
+          <a:ln w="12700">
+            <a:miter lim="400000"/>
+          </a:ln>
+          <a:extLst>
+            <a:ext uri="{C572A759-6A51-4108-AA02-DFA0A04FC94B}">
+              <ma14:wrappingTextBoxFlag xmlns:ma14="http://schemas.microsoft.com/office/mac/drawingml/2011/main" val="1"/>
+            </a:ext>
+          </a:extLst>
+        </p:spPr>
+        <p:txBody>
+          <a:bodyPr wrap="none" lIns="50800" tIns="50800" rIns="50800" bIns="50800" anchor="ctr">
+            <a:spAutoFit/>
+          </a:bodyPr>
+          <a:lstStyle>
+            <a:lvl1pPr>
+              <a:defRPr sz="2400"/>
+            </a:lvl1pPr>
+          </a:lstStyle>
+          <a:p>
+            <a:pPr/>
+            <a:r>
+              <a:t>Data Collection</a:t>
+            </a:r>
+          </a:p>
+        </p:txBody>
+      </p:sp>
+      <p:sp>
+        <p:nvSpPr>
+          <p:cNvPr id="171" name="Shape 171"/>
+          <p:cNvSpPr/>
+          <p:nvPr/>
+        </p:nvSpPr>
+        <p:spPr>
+          <a:xfrm>
+            <a:off x="264312" y="4908549"/>
+            <a:ext cx="2773376" cy="469901"/>
+          </a:xfrm>
+          <a:prstGeom prst="rect">
+            <a:avLst/>
+          </a:prstGeom>
+          <a:ln w="12700">
+            <a:miter lim="400000"/>
+          </a:ln>
+          <a:extLst>
+            <a:ext uri="{C572A759-6A51-4108-AA02-DFA0A04FC94B}">
+              <ma14:wrappingTextBoxFlag xmlns:ma14="http://schemas.microsoft.com/office/mac/drawingml/2011/main" val="1"/>
+            </a:ext>
+          </a:extLst>
+        </p:spPr>
+        <p:txBody>
+          <a:bodyPr wrap="none" lIns="50800" tIns="50800" rIns="50800" bIns="50800" anchor="ctr">
+            <a:spAutoFit/>
+          </a:bodyPr>
+          <a:lstStyle>
+            <a:lvl1pPr>
+              <a:defRPr sz="2400"/>
+            </a:lvl1pPr>
+          </a:lstStyle>
+          <a:p>
+            <a:pPr/>
+            <a:r>
+              <a:t>Statistical Modeling</a:t>
+            </a:r>
           </a:p>
         </p:txBody>
       </p:sp>

--- a/slides/prelim_presentation.pptx
+++ b/slides/prelim_presentation.pptx
@@ -3123,7 +3123,7 @@
       </p:grpSpPr>
       <p:pic>
         <p:nvPicPr>
-          <p:cNvPr id="173" name="epc-flow-charts.pdf"/>
+          <p:cNvPr id="175" name="epc-flow-charts.pdf"/>
           <p:cNvPicPr>
             <a:picLocks noChangeAspect="1"/>
           </p:cNvPicPr>
@@ -3152,7 +3152,7 @@
       </p:pic>
       <p:sp>
         <p:nvSpPr>
-          <p:cNvPr id="174" name="Shape 174"/>
+          <p:cNvPr id="176" name="Shape 176"/>
           <p:cNvSpPr/>
           <p:nvPr>
             <p:ph type="title"/>
@@ -3184,7 +3184,7 @@
       </p:sp>
       <p:sp>
         <p:nvSpPr>
-          <p:cNvPr id="175" name="Shape 175"/>
+          <p:cNvPr id="177" name="Shape 177"/>
           <p:cNvSpPr/>
           <p:nvPr>
             <p:ph type="sldNum" sz="quarter" idx="4294967295"/>
@@ -3215,7 +3215,7 @@
       </p:sp>
       <p:sp>
         <p:nvSpPr>
-          <p:cNvPr id="176" name="Shape 176"/>
+          <p:cNvPr id="178" name="Shape 178"/>
           <p:cNvSpPr/>
           <p:nvPr/>
         </p:nvSpPr>
@@ -3268,7 +3268,7 @@
       </p:sp>
       <p:sp>
         <p:nvSpPr>
-          <p:cNvPr id="177" name="Shape 177"/>
+          <p:cNvPr id="179" name="Shape 179"/>
           <p:cNvSpPr/>
           <p:nvPr/>
         </p:nvSpPr>
@@ -3326,7 +3326,7 @@
       </p:grpSpPr>
       <p:sp>
         <p:nvSpPr>
-          <p:cNvPr id="179" name="Shape 179"/>
+          <p:cNvPr id="181" name="Shape 181"/>
           <p:cNvSpPr/>
           <p:nvPr>
             <p:ph type="title"/>
@@ -3360,7 +3360,7 @@
       </p:sp>
       <p:pic>
         <p:nvPicPr>
-          <p:cNvPr id="180" name="Screen Shot 2016-02-09 at 1.01.59 PM.png"/>
+          <p:cNvPr id="182" name="Screen Shot 2016-02-09 at 1.01.59 PM.png"/>
           <p:cNvPicPr>
             <a:picLocks noChangeAspect="1"/>
           </p:cNvPicPr>
@@ -3389,7 +3389,7 @@
       </p:pic>
       <p:sp>
         <p:nvSpPr>
-          <p:cNvPr id="181" name="Shape 181"/>
+          <p:cNvPr id="183" name="Shape 183"/>
           <p:cNvSpPr/>
           <p:nvPr>
             <p:ph type="sldNum" sz="quarter" idx="4294967295"/>
@@ -3442,7 +3442,7 @@
       </p:grpSpPr>
       <p:sp>
         <p:nvSpPr>
-          <p:cNvPr id="183" name="Shape 183"/>
+          <p:cNvPr id="185" name="Shape 185"/>
           <p:cNvSpPr/>
           <p:nvPr>
             <p:ph type="title"/>
@@ -3472,7 +3472,7 @@
       </p:sp>
       <p:pic>
         <p:nvPicPr>
-          <p:cNvPr id="184" name="Screen Shot 2016-02-09 at 1.03.19 PM.png"/>
+          <p:cNvPr id="186" name="Screen Shot 2016-02-09 at 1.03.19 PM.png"/>
           <p:cNvPicPr>
             <a:picLocks noChangeAspect="1"/>
           </p:cNvPicPr>
@@ -3501,7 +3501,7 @@
       </p:pic>
       <p:sp>
         <p:nvSpPr>
-          <p:cNvPr id="185" name="Shape 185"/>
+          <p:cNvPr id="187" name="Shape 187"/>
           <p:cNvSpPr/>
           <p:nvPr>
             <p:ph type="sldNum" sz="quarter" idx="4294967295"/>
@@ -3528,7 +3528,7 @@
       </p:sp>
       <p:sp>
         <p:nvSpPr>
-          <p:cNvPr id="186" name="Shape 186"/>
+          <p:cNvPr id="188" name="Shape 188"/>
           <p:cNvSpPr/>
           <p:nvPr/>
         </p:nvSpPr>
@@ -3573,7 +3573,7 @@
       </p:sp>
       <p:sp>
         <p:nvSpPr>
-          <p:cNvPr id="187" name="Shape 187"/>
+          <p:cNvPr id="189" name="Shape 189"/>
           <p:cNvSpPr/>
           <p:nvPr/>
         </p:nvSpPr>
@@ -3613,7 +3613,7 @@
       </p:sp>
       <p:sp>
         <p:nvSpPr>
-          <p:cNvPr id="188" name="Shape 188"/>
+          <p:cNvPr id="190" name="Shape 190"/>
           <p:cNvSpPr/>
           <p:nvPr/>
         </p:nvSpPr>
@@ -3653,7 +3653,7 @@
       </p:sp>
       <p:sp>
         <p:nvSpPr>
-          <p:cNvPr id="189" name="Shape 189"/>
+          <p:cNvPr id="191" name="Shape 191"/>
           <p:cNvSpPr/>
           <p:nvPr/>
         </p:nvSpPr>
@@ -3693,7 +3693,7 @@
       </p:sp>
       <p:sp>
         <p:nvSpPr>
-          <p:cNvPr id="190" name="Shape 190"/>
+          <p:cNvPr id="192" name="Shape 192"/>
           <p:cNvSpPr/>
           <p:nvPr/>
         </p:nvSpPr>
@@ -3733,7 +3733,7 @@
       </p:sp>
       <p:sp>
         <p:nvSpPr>
-          <p:cNvPr id="191" name="Shape 191"/>
+          <p:cNvPr id="193" name="Shape 193"/>
           <p:cNvSpPr/>
           <p:nvPr/>
         </p:nvSpPr>
@@ -3773,7 +3773,7 @@
       </p:sp>
       <p:sp>
         <p:nvSpPr>
-          <p:cNvPr id="192" name="Shape 192"/>
+          <p:cNvPr id="194" name="Shape 194"/>
           <p:cNvSpPr/>
           <p:nvPr/>
         </p:nvSpPr>
@@ -3819,7 +3819,7 @@
       </p:sp>
       <p:sp>
         <p:nvSpPr>
-          <p:cNvPr id="193" name="Shape 193"/>
+          <p:cNvPr id="195" name="Shape 195"/>
           <p:cNvSpPr/>
           <p:nvPr/>
         </p:nvSpPr>
@@ -3861,7 +3861,7 @@
       </p:sp>
       <p:sp>
         <p:nvSpPr>
-          <p:cNvPr id="194" name="Shape 194"/>
+          <p:cNvPr id="196" name="Shape 196"/>
           <p:cNvSpPr/>
           <p:nvPr/>
         </p:nvSpPr>
@@ -3901,7 +3901,7 @@
       </p:sp>
       <p:sp>
         <p:nvSpPr>
-          <p:cNvPr id="195" name="Shape 195"/>
+          <p:cNvPr id="197" name="Shape 197"/>
           <p:cNvSpPr/>
           <p:nvPr/>
         </p:nvSpPr>
@@ -3967,7 +3967,7 @@
       </p:grpSpPr>
       <p:pic>
         <p:nvPicPr>
-          <p:cNvPr id="197" name="epc-flow-charts.pdf"/>
+          <p:cNvPr id="199" name="epc-flow-charts.pdf"/>
           <p:cNvPicPr>
             <a:picLocks noChangeAspect="1"/>
           </p:cNvPicPr>
@@ -3996,7 +3996,7 @@
       </p:pic>
       <p:sp>
         <p:nvSpPr>
-          <p:cNvPr id="198" name="Shape 198"/>
+          <p:cNvPr id="200" name="Shape 200"/>
           <p:cNvSpPr/>
           <p:nvPr>
             <p:ph type="title"/>
@@ -4028,7 +4028,7 @@
       </p:sp>
       <p:sp>
         <p:nvSpPr>
-          <p:cNvPr id="199" name="Shape 199"/>
+          <p:cNvPr id="201" name="Shape 201"/>
           <p:cNvSpPr/>
           <p:nvPr>
             <p:ph type="sldNum" sz="quarter" idx="4294967295"/>
@@ -4059,7 +4059,7 @@
       </p:sp>
       <p:sp>
         <p:nvSpPr>
-          <p:cNvPr id="200" name="Shape 200"/>
+          <p:cNvPr id="202" name="Shape 202"/>
           <p:cNvSpPr/>
           <p:nvPr/>
         </p:nvSpPr>
@@ -4112,7 +4112,7 @@
       </p:sp>
       <p:sp>
         <p:nvSpPr>
-          <p:cNvPr id="201" name="Shape 201"/>
+          <p:cNvPr id="203" name="Shape 203"/>
           <p:cNvSpPr/>
           <p:nvPr/>
         </p:nvSpPr>
@@ -4170,7 +4170,7 @@
       </p:grpSpPr>
       <p:sp>
         <p:nvSpPr>
-          <p:cNvPr id="203" name="Shape 203"/>
+          <p:cNvPr id="205" name="Shape 205"/>
           <p:cNvSpPr/>
           <p:nvPr>
             <p:ph type="title"/>
@@ -4185,16 +4185,27 @@
           <a:bodyPr/>
           <a:lstStyle/>
           <a:p>
-            <a:pPr/>
-            <a:r>
-              <a:t>Statistical Model Effects</a:t>
-            </a:r>
-          </a:p>
-        </p:txBody>
-      </p:sp>
-      <p:sp>
-        <p:nvSpPr>
-          <p:cNvPr id="204" name="Shape 204"/>
+            <a:pPr defTabSz="496570">
+              <a:defRPr sz="6800"/>
+            </a:pPr>
+            <a:r>
+              <a:t>Statistical Model </a:t>
+            </a:r>
+            <a:r>
+              <a:rPr b="1">
+                <a:latin typeface="Helvetica"/>
+                <a:ea typeface="Helvetica"/>
+                <a:cs typeface="Helvetica"/>
+                <a:sym typeface="Helvetica"/>
+              </a:rPr>
+              <a:t>Covariates</a:t>
+            </a:r>
+          </a:p>
+        </p:txBody>
+      </p:sp>
+      <p:sp>
+        <p:nvSpPr>
+          <p:cNvPr id="206" name="Shape 206"/>
           <p:cNvSpPr/>
           <p:nvPr>
             <p:ph type="body" idx="1"/>
@@ -4202,7 +4213,7 @@
         </p:nvSpPr>
         <p:spPr>
           <a:xfrm>
-            <a:off x="952500" y="2609850"/>
+            <a:off x="1257300" y="2609850"/>
             <a:ext cx="11678444" cy="6286500"/>
           </a:xfrm>
           <a:prstGeom prst="rect">
@@ -4475,7 +4486,7 @@
       </p:sp>
       <p:sp>
         <p:nvSpPr>
-          <p:cNvPr id="205" name="Shape 205"/>
+          <p:cNvPr id="207" name="Shape 207"/>
           <p:cNvSpPr/>
           <p:nvPr>
             <p:ph type="sldNum" sz="quarter" idx="4294967295"/>
@@ -4502,7 +4513,7 @@
       </p:sp>
       <p:sp>
         <p:nvSpPr>
-          <p:cNvPr id="206" name="Shape 206"/>
+          <p:cNvPr id="208" name="Shape 208"/>
           <p:cNvSpPr/>
           <p:nvPr/>
         </p:nvSpPr>
@@ -4564,7 +4575,7 @@
       </p:grpSpPr>
       <p:pic>
         <p:nvPicPr>
-          <p:cNvPr id="208" name="Screen Shot 2016-02-09 at 1.52.56 PM.png"/>
+          <p:cNvPr id="210" name="Screen Shot 2016-02-09 at 1.52.56 PM.png"/>
           <p:cNvPicPr>
             <a:picLocks noChangeAspect="1"/>
           </p:cNvPicPr>
@@ -4594,7 +4605,7 @@
       </p:pic>
       <p:sp>
         <p:nvSpPr>
-          <p:cNvPr id="209" name="Shape 209"/>
+          <p:cNvPr id="211" name="Shape 211"/>
           <p:cNvSpPr/>
           <p:nvPr>
             <p:ph type="sldNum" sz="quarter" idx="4294967295"/>
@@ -4621,7 +4632,7 @@
       </p:sp>
       <p:sp>
         <p:nvSpPr>
-          <p:cNvPr id="210" name="Shape 210"/>
+          <p:cNvPr id="212" name="Shape 212"/>
           <p:cNvSpPr/>
           <p:nvPr/>
         </p:nvSpPr>
@@ -4687,7 +4698,7 @@
       </p:grpSpPr>
       <p:sp>
         <p:nvSpPr>
-          <p:cNvPr id="212" name="Shape 212"/>
+          <p:cNvPr id="214" name="Shape 214"/>
           <p:cNvSpPr/>
           <p:nvPr>
             <p:ph type="title"/>
@@ -4711,7 +4722,7 @@
       </p:sp>
       <p:sp>
         <p:nvSpPr>
-          <p:cNvPr id="213" name="Shape 213"/>
+          <p:cNvPr id="215" name="Shape 215"/>
           <p:cNvSpPr/>
           <p:nvPr>
             <p:ph type="body" idx="1"/>
@@ -4726,78 +4737,89 @@
           <a:bodyPr/>
           <a:lstStyle/>
           <a:p>
-            <a:pPr marL="404495" indent="-404495" defTabSz="531622">
+            <a:pPr marL="368934" indent="-368934" defTabSz="484886">
               <a:spcBef>
-                <a:spcPts val="3800"/>
+                <a:spcPts val="3400"/>
               </a:spcBef>
-              <a:defRPr sz="3276"/>
+              <a:defRPr sz="2988"/>
             </a:pPr>
             <a:r>
               <a:t>Longitudinal</a:t>
             </a:r>
           </a:p>
           <a:p>
-            <a:pPr marL="404495" indent="-404495" defTabSz="531622">
+            <a:pPr marL="368934" indent="-368934" defTabSz="484886">
               <a:spcBef>
-                <a:spcPts val="3800"/>
+                <a:spcPts val="3400"/>
               </a:spcBef>
-              <a:defRPr sz="3276"/>
+              <a:defRPr sz="2988"/>
             </a:pPr>
             <a:r>
-              <a:t>Developer-oriented</a:t>
-            </a:r>
-          </a:p>
-          <a:p>
-            <a:pPr lvl="1" marL="719102" indent="-314607" defTabSz="531622">
+              <a:t>Developer-oriented: </a:t>
+            </a:r>
+          </a:p>
+          <a:p>
+            <a:pPr lvl="1" marL="655884" indent="-286949" defTabSz="484886">
               <a:spcBef>
-                <a:spcPts val="2900"/>
+                <a:spcPts val="2600"/>
               </a:spcBef>
-              <a:defRPr sz="2548"/>
+              <a:defRPr sz="2324"/>
             </a:pPr>
             <a:r>
+              <a:t>Developers choose whom to talk to</a:t>
+            </a:r>
+          </a:p>
+          <a:p>
+            <a:pPr lvl="1" marL="655884" indent="-286949" defTabSz="484886">
+              <a:spcBef>
+                <a:spcPts val="2600"/>
+              </a:spcBef>
+              <a:defRPr sz="2324"/>
+            </a:pPr>
+            <a:r>
               <a:t>Likelihood of forming ties, maintaining ties, …</a:t>
             </a:r>
           </a:p>
           <a:p>
-            <a:pPr marL="404495" indent="-404495" defTabSz="531622">
+            <a:pPr marL="368934" indent="-368934" defTabSz="484886">
               <a:spcBef>
-                <a:spcPts val="3800"/>
+                <a:spcPts val="3400"/>
               </a:spcBef>
-              <a:defRPr sz="3276"/>
+              <a:defRPr sz="2988"/>
             </a:pPr>
             <a:r>
               <a:t>Stochastic</a:t>
             </a:r>
           </a:p>
           <a:p>
-            <a:pPr lvl="1" marL="719102" indent="-314607" defTabSz="531622">
+            <a:pPr lvl="1" marL="655884" indent="-286949" defTabSz="484886">
               <a:spcBef>
-                <a:spcPts val="2900"/>
+                <a:spcPts val="2600"/>
               </a:spcBef>
-              <a:defRPr sz="2548"/>
+              <a:defRPr sz="2324"/>
             </a:pPr>
             <a:r>
-              <a:t>Developers behave to optimize an objective function</a:t>
-            </a:r>
-          </a:p>
-          <a:p>
-            <a:pPr lvl="1" marL="719102" indent="-314607" defTabSz="531622">
+              <a:t>Developers behave to optimize an objective function; included our covariates</a:t>
+            </a:r>
+          </a:p>
+          <a:p>
+            <a:pPr lvl="1" marL="655884" indent="-286949" defTabSz="484886">
               <a:spcBef>
-                <a:spcPts val="2900"/>
+                <a:spcPts val="2600"/>
               </a:spcBef>
-              <a:defRPr sz="2548"/>
+              <a:defRPr sz="2324"/>
             </a:pPr>
             <a:r>
               <a:t>Assume observed graphs as outcomes of a continuous-time Markov process </a:t>
             </a:r>
-            <a:endParaRPr sz="1092"/>
-          </a:p>
-          <a:p>
-            <a:pPr marL="404495" indent="-404495" defTabSz="531622">
+            <a:endParaRPr sz="996"/>
+          </a:p>
+          <a:p>
+            <a:pPr marL="368934" indent="-368934" defTabSz="484886">
               <a:spcBef>
-                <a:spcPts val="3800"/>
+                <a:spcPts val="3400"/>
               </a:spcBef>
-              <a:defRPr sz="3276"/>
+              <a:defRPr sz="2988"/>
             </a:pPr>
             <a:r>
               <a:t>Estimated</a:t>
@@ -4807,7 +4829,7 @@
       </p:sp>
       <p:sp>
         <p:nvSpPr>
-          <p:cNvPr id="214" name="Shape 214"/>
+          <p:cNvPr id="216" name="Shape 216"/>
           <p:cNvSpPr/>
           <p:nvPr>
             <p:ph type="sldNum" sz="quarter" idx="4294967295"/>
@@ -4860,7 +4882,7 @@
       </p:grpSpPr>
       <p:sp>
         <p:nvSpPr>
-          <p:cNvPr id="216" name="Shape 216"/>
+          <p:cNvPr id="218" name="Shape 218"/>
           <p:cNvSpPr/>
           <p:nvPr>
             <p:ph type="title"/>
@@ -4875,26 +4897,26 @@
           <a:bodyPr/>
           <a:lstStyle/>
           <a:p>
-            <a:pPr defTabSz="490727">
-              <a:defRPr sz="6719"/>
+            <a:pPr defTabSz="560831">
+              <a:defRPr sz="7679"/>
             </a:pPr>
             <a:r>
               <a:t>Statistical Model</a:t>
             </a:r>
           </a:p>
           <a:p>
-            <a:pPr defTabSz="490727">
-              <a:defRPr sz="6719"/>
+            <a:pPr defTabSz="560831">
+              <a:defRPr sz="5760"/>
             </a:pPr>
             <a:r>
-              <a:t>Observed Networks</a:t>
-            </a:r>
-          </a:p>
-        </p:txBody>
-      </p:sp>
-      <p:sp>
-        <p:nvSpPr>
-          <p:cNvPr id="217" name="Shape 217"/>
+              <a:t>Mathematical notation</a:t>
+            </a:r>
+          </a:p>
+        </p:txBody>
+      </p:sp>
+      <p:sp>
+        <p:nvSpPr>
+          <p:cNvPr id="219" name="Shape 219"/>
           <p:cNvSpPr/>
           <p:nvPr>
             <p:ph type="sldNum" sz="quarter" idx="4294967295"/>
@@ -4921,7 +4943,7 @@
       </p:sp>
       <p:sp>
         <p:nvSpPr>
-          <p:cNvPr id="218" name="Shape 218"/>
+          <p:cNvPr id="220" name="Shape 220"/>
           <p:cNvSpPr/>
           <p:nvPr/>
         </p:nvSpPr>
@@ -4993,7 +5015,7 @@
       </p:sp>
       <p:pic>
         <p:nvPicPr>
-          <p:cNvPr id="219" name="pasted-image.pdf"/>
+          <p:cNvPr id="221" name="pasted-image.pdf"/>
           <p:cNvPicPr>
             <a:picLocks noChangeAspect="1"/>
           </p:cNvPicPr>
@@ -5022,7 +5044,7 @@
       </p:pic>
       <p:pic>
         <p:nvPicPr>
-          <p:cNvPr id="220" name="pasted-image.pdf"/>
+          <p:cNvPr id="222" name="pasted-image.pdf"/>
           <p:cNvPicPr>
             <a:picLocks noChangeAspect="1"/>
           </p:cNvPicPr>
@@ -5051,7 +5073,7 @@
       </p:pic>
       <p:pic>
         <p:nvPicPr>
-          <p:cNvPr id="221" name="pasted-image.pdf"/>
+          <p:cNvPr id="223" name="pasted-image.pdf"/>
           <p:cNvPicPr>
             <a:picLocks noChangeAspect="1"/>
           </p:cNvPicPr>
@@ -5080,7 +5102,7 @@
       </p:pic>
       <p:pic>
         <p:nvPicPr>
-          <p:cNvPr id="222" name="pasted-image.pdf"/>
+          <p:cNvPr id="224" name="pasted-image.pdf"/>
           <p:cNvPicPr>
             <a:picLocks noChangeAspect="1"/>
           </p:cNvPicPr>
@@ -5109,7 +5131,7 @@
       </p:pic>
       <p:pic>
         <p:nvPicPr>
-          <p:cNvPr id="223" name="pasted-image.pdf"/>
+          <p:cNvPr id="225" name="pasted-image.pdf"/>
           <p:cNvPicPr>
             <a:picLocks noChangeAspect="1"/>
           </p:cNvPicPr>
@@ -5138,7 +5160,7 @@
       </p:pic>
       <p:pic>
         <p:nvPicPr>
-          <p:cNvPr id="224" name="pasted-image.pdf"/>
+          <p:cNvPr id="226" name="pasted-image.pdf"/>
           <p:cNvPicPr>
             <a:picLocks noChangeAspect="1"/>
           </p:cNvPicPr>
@@ -5167,7 +5189,7 @@
       </p:pic>
       <p:pic>
         <p:nvPicPr>
-          <p:cNvPr id="225" name="pasted-image.pdf"/>
+          <p:cNvPr id="227" name="pasted-image.pdf"/>
           <p:cNvPicPr>
             <a:picLocks noChangeAspect="1"/>
           </p:cNvPicPr>
@@ -5196,7 +5218,7 @@
       </p:pic>
       <p:pic>
         <p:nvPicPr>
-          <p:cNvPr id="226" name="pasted-image.pdf"/>
+          <p:cNvPr id="228" name="pasted-image.pdf"/>
           <p:cNvPicPr>
             <a:picLocks noChangeAspect="1"/>
           </p:cNvPicPr>
@@ -5251,7 +5273,7 @@
       </p:grpSpPr>
       <p:sp>
         <p:nvSpPr>
-          <p:cNvPr id="228" name="Shape 228"/>
+          <p:cNvPr id="230" name="Shape 230"/>
           <p:cNvSpPr/>
           <p:nvPr>
             <p:ph type="title"/>
@@ -5279,7 +5301,7 @@
       </p:sp>
       <p:sp>
         <p:nvSpPr>
-          <p:cNvPr id="229" name="Shape 229"/>
+          <p:cNvPr id="231" name="Shape 231"/>
           <p:cNvSpPr/>
           <p:nvPr>
             <p:ph type="sldNum" sz="quarter" idx="4294967295"/>
@@ -5306,7 +5328,7 @@
       </p:sp>
       <p:sp>
         <p:nvSpPr>
-          <p:cNvPr id="230" name="Shape 230"/>
+          <p:cNvPr id="232" name="Shape 232"/>
           <p:cNvSpPr/>
           <p:nvPr/>
         </p:nvSpPr>
@@ -5344,7 +5366,7 @@
       </p:sp>
       <p:pic>
         <p:nvPicPr>
-          <p:cNvPr id="231" name="pasted-image.pdf"/>
+          <p:cNvPr id="233" name="pasted-image.pdf"/>
           <p:cNvPicPr>
             <a:picLocks noChangeAspect="1"/>
           </p:cNvPicPr>
@@ -5373,7 +5395,7 @@
       </p:pic>
       <p:pic>
         <p:nvPicPr>
-          <p:cNvPr id="232" name="pasted-image.pdf"/>
+          <p:cNvPr id="234" name="pasted-image.pdf"/>
           <p:cNvPicPr>
             <a:picLocks noChangeAspect="1"/>
           </p:cNvPicPr>
@@ -5403,7 +5425,7 @@
       </p:pic>
       <p:sp>
         <p:nvSpPr>
-          <p:cNvPr id="233" name="Shape 233"/>
+          <p:cNvPr id="235" name="Shape 235"/>
           <p:cNvSpPr/>
           <p:nvPr/>
         </p:nvSpPr>
@@ -5434,14 +5456,14 @@
           <a:p>
             <a:pPr/>
             <a:r>
-              <a:t>and so on, we treat the dynamics as the results of a series of small atomic changes</a:t>
-            </a:r>
-          </a:p>
-        </p:txBody>
-      </p:sp>
-      <p:sp>
-        <p:nvSpPr>
-          <p:cNvPr id="234" name="Shape 234"/>
+              <a:t>and so on, we treat the dynamics as the results of a series of small atomic changes (mini-steps)</a:t>
+            </a:r>
+          </a:p>
+        </p:txBody>
+      </p:sp>
+      <p:sp>
+        <p:nvSpPr>
+          <p:cNvPr id="236" name="Shape 236"/>
           <p:cNvSpPr/>
           <p:nvPr/>
         </p:nvSpPr>
@@ -5515,7 +5537,7 @@
       </p:grpSpPr>
       <p:sp>
         <p:nvSpPr>
-          <p:cNvPr id="236" name="Shape 236"/>
+          <p:cNvPr id="238" name="Shape 238"/>
           <p:cNvSpPr/>
           <p:nvPr>
             <p:ph type="title"/>
@@ -5545,7 +5567,7 @@
       </p:sp>
       <p:sp>
         <p:nvSpPr>
-          <p:cNvPr id="237" name="Shape 237"/>
+          <p:cNvPr id="239" name="Shape 239"/>
           <p:cNvSpPr/>
           <p:nvPr>
             <p:ph type="body" idx="1"/>
@@ -5738,7 +5760,7 @@
         </p:nvSpPr>
         <p:spPr>
           <a:xfrm>
-            <a:off x="952500" y="2603500"/>
+            <a:off x="965200" y="2387600"/>
             <a:ext cx="10094417" cy="6286500"/>
           </a:xfrm>
           <a:prstGeom prst="rect">
@@ -5761,6 +5783,14 @@
             </a:r>
           </a:p>
           <a:p>
+            <a:pPr lvl="1">
+              <a:defRPr sz="2200"/>
+            </a:pPr>
+            <a:r>
+              <a:t>They can have same/different goals, communication styles, values</a:t>
+            </a:r>
+          </a:p>
+          <a:p>
             <a:pPr/>
             <a:r>
               <a:t>Interactions can be healthy or troubled</a:t>
@@ -5773,7 +5803,17 @@
             </a:r>
           </a:p>
           <a:p>
-            <a:pPr/>
+            <a:pPr lvl="1">
+              <a:defRPr sz="2200"/>
+            </a:pPr>
+            <a:r>
+              <a:t>Some of these failures manifest as forks</a:t>
+            </a:r>
+          </a:p>
+          <a:p>
+            <a:pPr lvl="1">
+              <a:defRPr sz="2200"/>
+            </a:pPr>
             <a:r>
               <a:t>Failure affects many people; developers and users</a:t>
             </a:r>
@@ -5855,7 +5895,7 @@
         </p:nvSpPr>
         <p:spPr>
           <a:xfrm>
-            <a:off x="3002632" y="7969250"/>
+            <a:off x="2837532" y="8375650"/>
             <a:ext cx="6999536" cy="647701"/>
           </a:xfrm>
           <a:prstGeom prst="rect">
@@ -5948,7 +5988,7 @@
       </p:grpSpPr>
       <p:sp>
         <p:nvSpPr>
-          <p:cNvPr id="239" name="Shape 239"/>
+          <p:cNvPr id="241" name="Shape 241"/>
           <p:cNvSpPr/>
           <p:nvPr>
             <p:ph type="title"/>
@@ -5978,7 +6018,7 @@
       </p:sp>
       <p:pic>
         <p:nvPicPr>
-          <p:cNvPr id="240" name="Screen Shot 2016-02-09 at 1.30.42 PM.png"/>
+          <p:cNvPr id="242" name="Screen Shot 2016-02-09 at 1.30.42 PM.png"/>
           <p:cNvPicPr>
             <a:picLocks noChangeAspect="1"/>
           </p:cNvPicPr>
@@ -6007,7 +6047,7 @@
       </p:pic>
       <p:sp>
         <p:nvSpPr>
-          <p:cNvPr id="241" name="Shape 241"/>
+          <p:cNvPr id="243" name="Shape 243"/>
           <p:cNvSpPr/>
           <p:nvPr/>
         </p:nvSpPr>
@@ -6074,14 +6114,14 @@
               <a:t>i</a:t>
             </a:r>
             <a:r>
-              <a:t>’s outgoing connections changes occur.</a:t>
-            </a:r>
-          </a:p>
-        </p:txBody>
-      </p:sp>
-      <p:sp>
-        <p:nvSpPr>
-          <p:cNvPr id="242" name="Shape 242"/>
+              <a:t>’s outgoing connection changes occur.</a:t>
+            </a:r>
+          </a:p>
+        </p:txBody>
+      </p:sp>
+      <p:sp>
+        <p:nvSpPr>
+          <p:cNvPr id="244" name="Shape 244"/>
           <p:cNvSpPr/>
           <p:nvPr/>
         </p:nvSpPr>
@@ -6106,25 +6146,30 @@
           <a:bodyPr wrap="none" lIns="50800" tIns="50800" rIns="50800" bIns="50800" anchor="ctr">
             <a:spAutoFit/>
           </a:bodyPr>
-          <a:lstStyle>
-            <a:lvl1pPr algn="l">
+          <a:lstStyle/>
+          <a:p>
+            <a:pPr algn="l">
               <a:spcBef>
                 <a:spcPts val="3200"/>
               </a:spcBef>
               <a:defRPr sz="2800"/>
-            </a:lvl1pPr>
-          </a:lstStyle>
-          <a:p>
-            <a:pPr/>
-            <a:r>
-              <a:t>It models how frequently the developers make mini-steps.</a:t>
-            </a:r>
-          </a:p>
-        </p:txBody>
-      </p:sp>
-      <p:sp>
-        <p:nvSpPr>
-          <p:cNvPr id="243" name="Shape 243"/>
+            </a:pPr>
+            <a:r>
+              <a:t>It models </a:t>
+            </a:r>
+            <a:r>
+              <a:rPr i="1" u="sng"/>
+              <a:t>how frequently</a:t>
+            </a:r>
+            <a:r>
+              <a:t> the developers make mini-steps.</a:t>
+            </a:r>
+          </a:p>
+        </p:txBody>
+      </p:sp>
+      <p:sp>
+        <p:nvSpPr>
+          <p:cNvPr id="245" name="Shape 245"/>
           <p:cNvSpPr/>
           <p:nvPr>
             <p:ph type="sldNum" sz="quarter" idx="4294967295"/>
@@ -6177,7 +6222,7 @@
       </p:grpSpPr>
       <p:sp>
         <p:nvSpPr>
-          <p:cNvPr id="245" name="Shape 245"/>
+          <p:cNvPr id="247" name="Shape 247"/>
           <p:cNvSpPr/>
           <p:nvPr>
             <p:ph type="title"/>
@@ -6207,7 +6252,7 @@
       </p:sp>
       <p:pic>
         <p:nvPicPr>
-          <p:cNvPr id="246" name="Screen Shot 2016-02-09 at 1.35.43 PM.png"/>
+          <p:cNvPr id="248" name="Screen Shot 2016-02-09 at 1.35.43 PM.png"/>
           <p:cNvPicPr>
             <a:picLocks noChangeAspect="1"/>
           </p:cNvPicPr>
@@ -6236,7 +6281,7 @@
       </p:pic>
       <p:sp>
         <p:nvSpPr>
-          <p:cNvPr id="247" name="Shape 247"/>
+          <p:cNvPr id="249" name="Shape 249"/>
           <p:cNvSpPr/>
           <p:nvPr/>
         </p:nvSpPr>
@@ -6297,7 +6342,7 @@
       </p:sp>
       <p:sp>
         <p:nvSpPr>
-          <p:cNvPr id="248" name="Shape 248"/>
+          <p:cNvPr id="250" name="Shape 250"/>
           <p:cNvSpPr/>
           <p:nvPr/>
         </p:nvSpPr>
@@ -6388,7 +6433,7 @@
       </p:sp>
       <p:sp>
         <p:nvSpPr>
-          <p:cNvPr id="249" name="Shape 249"/>
+          <p:cNvPr id="251" name="Shape 251"/>
           <p:cNvSpPr/>
           <p:nvPr>
             <p:ph type="sldNum" sz="quarter" idx="4294967295"/>
@@ -6441,7 +6486,7 @@
       </p:grpSpPr>
       <p:sp>
         <p:nvSpPr>
-          <p:cNvPr id="251" name="Shape 251"/>
+          <p:cNvPr id="253" name="Shape 253"/>
           <p:cNvSpPr/>
           <p:nvPr>
             <p:ph type="title"/>
@@ -6475,7 +6520,7 @@
       </p:sp>
       <p:sp>
         <p:nvSpPr>
-          <p:cNvPr id="252" name="Shape 252"/>
+          <p:cNvPr id="254" name="Shape 254"/>
           <p:cNvSpPr/>
           <p:nvPr>
             <p:ph type="body" idx="1"/>
@@ -6483,7 +6528,7 @@
         </p:nvSpPr>
         <p:spPr>
           <a:xfrm>
-            <a:off x="952500" y="2603500"/>
+            <a:off x="952500" y="2438400"/>
             <a:ext cx="10853292" cy="6299200"/>
           </a:xfrm>
           <a:prstGeom prst="rect">
@@ -6525,7 +6570,7 @@
       </p:sp>
       <p:sp>
         <p:nvSpPr>
-          <p:cNvPr id="253" name="Shape 253"/>
+          <p:cNvPr id="255" name="Shape 255"/>
           <p:cNvSpPr/>
           <p:nvPr>
             <p:ph type="sldNum" sz="quarter" idx="4294967295"/>
@@ -6547,6 +6592,51 @@
           <a:p>
             <a:pPr/>
             <a:fld id="{86CB4B4D-7CA3-9044-876B-883B54F8677D}" type="slidenum"/>
+          </a:p>
+        </p:txBody>
+      </p:sp>
+      <p:sp>
+        <p:nvSpPr>
+          <p:cNvPr id="256" name="Shape 256"/>
+          <p:cNvSpPr/>
+          <p:nvPr/>
+        </p:nvSpPr>
+        <p:spPr>
+          <a:xfrm>
+            <a:off x="3849030" y="8388350"/>
+            <a:ext cx="5060231" cy="647700"/>
+          </a:xfrm>
+          <a:prstGeom prst="rect">
+            <a:avLst/>
+          </a:prstGeom>
+          <a:ln w="12700">
+            <a:miter lim="400000"/>
+          </a:ln>
+          <a:extLst>
+            <a:ext uri="{C572A759-6A51-4108-AA02-DFA0A04FC94B}">
+              <ma14:wrappingTextBoxFlag xmlns:ma14="http://schemas.microsoft.com/office/mac/drawingml/2011/main" val="1"/>
+            </a:ext>
+          </a:extLst>
+        </p:spPr>
+        <p:txBody>
+          <a:bodyPr wrap="none" lIns="50800" tIns="50800" rIns="50800" bIns="50800" anchor="ctr">
+            <a:spAutoFit/>
+          </a:bodyPr>
+          <a:lstStyle>
+            <a:lvl1pPr>
+              <a:defRPr b="1">
+                <a:latin typeface="Helvetica"/>
+                <a:ea typeface="Helvetica"/>
+                <a:cs typeface="Helvetica"/>
+                <a:sym typeface="Helvetica"/>
+              </a:defRPr>
+            </a:lvl1pPr>
+          </a:lstStyle>
+          <a:p>
+            <a:pPr/>
+            <a:r>
+              <a:t>We fitted/have a model</a:t>
+            </a:r>
           </a:p>
         </p:txBody>
       </p:sp>
@@ -6578,7 +6668,7 @@
       </p:grpSpPr>
       <p:pic>
         <p:nvPicPr>
-          <p:cNvPr id="255" name="epc-flow-charts.pdf"/>
+          <p:cNvPr id="258" name="epc-flow-charts.pdf"/>
           <p:cNvPicPr>
             <a:picLocks noChangeAspect="1"/>
           </p:cNvPicPr>
@@ -6607,7 +6697,7 @@
       </p:pic>
       <p:sp>
         <p:nvSpPr>
-          <p:cNvPr id="256" name="Shape 256"/>
+          <p:cNvPr id="259" name="Shape 259"/>
           <p:cNvSpPr/>
           <p:nvPr>
             <p:ph type="title"/>
@@ -6639,7 +6729,7 @@
       </p:sp>
       <p:sp>
         <p:nvSpPr>
-          <p:cNvPr id="257" name="Shape 257"/>
+          <p:cNvPr id="260" name="Shape 260"/>
           <p:cNvSpPr/>
           <p:nvPr/>
         </p:nvSpPr>
@@ -6692,7 +6782,7 @@
       </p:sp>
       <p:sp>
         <p:nvSpPr>
-          <p:cNvPr id="258" name="Shape 258"/>
+          <p:cNvPr id="261" name="Shape 261"/>
           <p:cNvSpPr/>
           <p:nvPr/>
         </p:nvSpPr>
@@ -6724,7 +6814,7 @@
       </p:sp>
       <p:sp>
         <p:nvSpPr>
-          <p:cNvPr id="259" name="Shape 259"/>
+          <p:cNvPr id="262" name="Shape 262"/>
           <p:cNvSpPr/>
           <p:nvPr>
             <p:ph type="sldNum" sz="quarter" idx="4294967295"/>
@@ -6781,7 +6871,7 @@
       </p:grpSpPr>
       <p:sp>
         <p:nvSpPr>
-          <p:cNvPr id="261" name="Shape 261"/>
+          <p:cNvPr id="264" name="Shape 264"/>
           <p:cNvSpPr/>
           <p:nvPr>
             <p:ph type="title"/>
@@ -6805,7 +6895,7 @@
       </p:sp>
       <p:sp>
         <p:nvSpPr>
-          <p:cNvPr id="262" name="Shape 262"/>
+          <p:cNvPr id="265" name="Shape 265"/>
           <p:cNvSpPr/>
           <p:nvPr>
             <p:ph type="body" idx="1"/>
@@ -6820,42 +6910,66 @@
           <a:bodyPr/>
           <a:lstStyle/>
           <a:p>
-            <a:pPr/>
+            <a:pPr marL="413384" indent="-413384" defTabSz="543305">
+              <a:spcBef>
+                <a:spcPts val="3900"/>
+              </a:spcBef>
+              <a:defRPr sz="3348"/>
+            </a:pPr>
             <a:r>
               <a:t>Single parameter test</a:t>
             </a:r>
           </a:p>
           <a:p>
-            <a:pPr lvl="1">
-              <a:defRPr sz="3000"/>
+            <a:pPr lvl="1" marL="826769" indent="-413384" defTabSz="543305">
+              <a:spcBef>
+                <a:spcPts val="3900"/>
+              </a:spcBef>
+              <a:defRPr sz="2790"/>
             </a:pPr>
             <a:r>
-              <a:t>To determine the significance of covariates in the model</a:t>
-            </a:r>
-          </a:p>
-          <a:p>
-            <a:pPr/>
+              <a:t>To determine the significance of covariates in the model; longitudinal changes can be [partially] explained by that covariate</a:t>
+            </a:r>
+          </a:p>
+          <a:p>
+            <a:pPr marL="413384" indent="-413384" defTabSz="543305">
+              <a:spcBef>
+                <a:spcPts val="3900"/>
+              </a:spcBef>
+              <a:defRPr sz="3348"/>
+            </a:pPr>
             <a:r>
               <a:t>Multi-parameter differences between groups</a:t>
             </a:r>
           </a:p>
           <a:p>
-            <a:pPr lvl="1">
-              <a:defRPr sz="3000"/>
+            <a:pPr lvl="1" marL="826769" indent="-413384" defTabSz="543305">
+              <a:spcBef>
+                <a:spcPts val="3900"/>
+              </a:spcBef>
+              <a:defRPr sz="2790"/>
             </a:pPr>
             <a:r>
               <a:t>To compare two project models</a:t>
             </a:r>
           </a:p>
           <a:p>
-            <a:pPr/>
+            <a:pPr marL="413384" indent="-413384" defTabSz="543305">
+              <a:spcBef>
+                <a:spcPts val="3900"/>
+              </a:spcBef>
+              <a:defRPr sz="3348"/>
+            </a:pPr>
             <a:r>
               <a:t>Multivariate ANOVA</a:t>
             </a:r>
           </a:p>
           <a:p>
-            <a:pPr lvl="1">
-              <a:defRPr sz="3000"/>
+            <a:pPr lvl="1" marL="826769" indent="-413384" defTabSz="543305">
+              <a:spcBef>
+                <a:spcPts val="3900"/>
+              </a:spcBef>
+              <a:defRPr sz="2790"/>
             </a:pPr>
             <a:r>
               <a:t>To compare a group of projects and a project</a:t>
@@ -6865,7 +6979,7 @@
       </p:sp>
       <p:sp>
         <p:nvSpPr>
-          <p:cNvPr id="263" name="Shape 263"/>
+          <p:cNvPr id="266" name="Shape 266"/>
           <p:cNvSpPr/>
           <p:nvPr>
             <p:ph type="sldNum" sz="quarter" idx="4294967295"/>
@@ -6918,7 +7032,7 @@
       </p:grpSpPr>
       <p:pic>
         <p:nvPicPr>
-          <p:cNvPr id="265" name="epc-flow-charts.pdf"/>
+          <p:cNvPr id="268" name="epc-flow-charts.pdf"/>
           <p:cNvPicPr>
             <a:picLocks noChangeAspect="1"/>
           </p:cNvPicPr>
@@ -6947,7 +7061,7 @@
       </p:pic>
       <p:sp>
         <p:nvSpPr>
-          <p:cNvPr id="266" name="Shape 266"/>
+          <p:cNvPr id="269" name="Shape 269"/>
           <p:cNvSpPr/>
           <p:nvPr>
             <p:ph type="title"/>
@@ -6975,7 +7089,7 @@
       </p:sp>
       <p:sp>
         <p:nvSpPr>
-          <p:cNvPr id="267" name="Shape 267"/>
+          <p:cNvPr id="270" name="Shape 270"/>
           <p:cNvSpPr/>
           <p:nvPr/>
         </p:nvSpPr>
@@ -7028,7 +7142,7 @@
       </p:sp>
       <p:sp>
         <p:nvSpPr>
-          <p:cNvPr id="268" name="Shape 268"/>
+          <p:cNvPr id="271" name="Shape 271"/>
           <p:cNvSpPr/>
           <p:nvPr/>
         </p:nvSpPr>
@@ -7060,7 +7174,7 @@
       </p:sp>
       <p:sp>
         <p:nvSpPr>
-          <p:cNvPr id="269" name="Shape 269"/>
+          <p:cNvPr id="272" name="Shape 272"/>
           <p:cNvSpPr/>
           <p:nvPr>
             <p:ph type="sldNum" sz="quarter" idx="4294967295"/>
@@ -7117,7 +7231,7 @@
       </p:grpSpPr>
       <p:sp>
         <p:nvSpPr>
-          <p:cNvPr id="271" name="Shape 271"/>
+          <p:cNvPr id="274" name="Shape 274"/>
           <p:cNvSpPr/>
           <p:nvPr>
             <p:ph type="title"/>
@@ -7141,7 +7255,7 @@
       </p:sp>
       <p:sp>
         <p:nvSpPr>
-          <p:cNvPr id="272" name="Shape 272"/>
+          <p:cNvPr id="275" name="Shape 275"/>
           <p:cNvSpPr/>
           <p:nvPr>
             <p:ph type="body" idx="1"/>
@@ -7246,7 +7360,7 @@
       </p:sp>
       <p:sp>
         <p:nvSpPr>
-          <p:cNvPr id="273" name="Shape 273"/>
+          <p:cNvPr id="276" name="Shape 276"/>
           <p:cNvSpPr/>
           <p:nvPr>
             <p:ph type="sldNum" sz="quarter" idx="4294967295"/>
@@ -7299,7 +7413,7 @@
       </p:grpSpPr>
       <p:sp>
         <p:nvSpPr>
-          <p:cNvPr id="275" name="Shape 275"/>
+          <p:cNvPr id="278" name="Shape 278"/>
           <p:cNvSpPr/>
           <p:nvPr>
             <p:ph type="title"/>
@@ -7323,7 +7437,7 @@
       </p:sp>
       <p:sp>
         <p:nvSpPr>
-          <p:cNvPr id="276" name="Shape 276"/>
+          <p:cNvPr id="279" name="Shape 279"/>
           <p:cNvSpPr/>
           <p:nvPr>
             <p:ph type="body" idx="1"/>
@@ -7398,7 +7512,7 @@
       </p:sp>
       <p:sp>
         <p:nvSpPr>
-          <p:cNvPr id="277" name="Shape 277"/>
+          <p:cNvPr id="280" name="Shape 280"/>
           <p:cNvSpPr/>
           <p:nvPr>
             <p:ph type="sldNum" sz="quarter" idx="4294967295"/>
@@ -7451,7 +7565,7 @@
       </p:grpSpPr>
       <p:sp>
         <p:nvSpPr>
-          <p:cNvPr id="279" name="Shape 279"/>
+          <p:cNvPr id="282" name="Shape 282"/>
           <p:cNvSpPr/>
           <p:nvPr>
             <p:ph type="title"/>
@@ -7470,7 +7584,7 @@
               <a:defRPr sz="6719"/>
             </a:pPr>
             <a:r>
-              <a:t>What has been done</a:t>
+              <a:t>What has been done,</a:t>
             </a:r>
           </a:p>
           <a:p>
@@ -7485,7 +7599,7 @@
       </p:sp>
       <p:sp>
         <p:nvSpPr>
-          <p:cNvPr id="280" name="Shape 280"/>
+          <p:cNvPr id="283" name="Shape 283"/>
           <p:cNvSpPr/>
           <p:nvPr>
             <p:ph type="body" idx="1"/>
@@ -7553,7 +7667,7 @@
       </p:grpSpPr>
       <p:sp>
         <p:nvSpPr>
-          <p:cNvPr id="282" name="Shape 282"/>
+          <p:cNvPr id="285" name="Shape 285"/>
           <p:cNvSpPr/>
           <p:nvPr>
             <p:ph type="title"/>
@@ -7577,7 +7691,7 @@
       </p:sp>
       <p:pic>
         <p:nvPicPr>
-          <p:cNvPr id="283" name="Screen Shot 2016-02-09 at 4.18.30 PM.png"/>
+          <p:cNvPr id="286" name="Screen Shot 2016-02-09 at 4.18.30 PM.png"/>
           <p:cNvPicPr>
             <a:picLocks noChangeAspect="1"/>
           </p:cNvPicPr>
@@ -7677,12 +7791,6 @@
           <a:p>
             <a:pPr/>
             <a:r>
-              <a:t>Software Developers (SD) interact</a:t>
-            </a:r>
-          </a:p>
-          <a:p>
-            <a:pPr/>
-            <a:r>
               <a:t>Interactions can be modeled as graphs</a:t>
             </a:r>
           </a:p>
@@ -7695,7 +7803,7 @@
           <a:p>
             <a:pPr/>
             <a:r>
-              <a:t>Can these changes reflect the climate happening during run-up to fork</a:t>
+              <a:t>Can these changing graphs reflect the climate happening during the run-up to fork</a:t>
             </a:r>
           </a:p>
         </p:txBody>
@@ -7739,8 +7847,8 @@
         </p:nvSpPr>
         <p:spPr>
           <a:xfrm>
-            <a:off x="2574137" y="2127250"/>
-            <a:ext cx="7856526" cy="647701"/>
+            <a:off x="3387724" y="2127250"/>
+            <a:ext cx="6229351" cy="647701"/>
           </a:xfrm>
           <a:prstGeom prst="rect">
             <a:avLst/>
@@ -7762,7 +7870,7 @@
           <a:p>
             <a:pPr/>
             <a:r>
-              <a:t>First attempt: Let’s put it in the context</a:t>
+              <a:t>First attempt: problem context</a:t>
             </a:r>
           </a:p>
         </p:txBody>
@@ -7795,7 +7903,7 @@
       </p:grpSpPr>
       <p:sp>
         <p:nvSpPr>
-          <p:cNvPr id="285" name="Shape 285"/>
+          <p:cNvPr id="288" name="Shape 288"/>
           <p:cNvSpPr/>
           <p:nvPr>
             <p:ph type="ctrTitle"/>
@@ -7819,7 +7927,7 @@
       </p:sp>
       <p:sp>
         <p:nvSpPr>
-          <p:cNvPr id="286" name="Shape 286"/>
+          <p:cNvPr id="289" name="Shape 289"/>
           <p:cNvSpPr/>
           <p:nvPr>
             <p:ph type="subTitle" sz="quarter" idx="1"/>
@@ -7914,17 +8022,13 @@
           <a:p>
             <a:pPr lvl="1"/>
             <a:r>
-              <a:t>Forking: </a:t>
-            </a:r>
-            <a:br/>
-            <a:r>
               <a:t>“when a part of a development community (or a third party not related to the project) starts a completely independent line of development based on the source code basis of the project.”</a:t>
             </a:r>
           </a:p>
           <a:p>
             <a:pPr lvl="2"/>
             <a:r>
-              <a:t>Sometimes </a:t>
+              <a:t>It can be </a:t>
             </a:r>
             <a:r>
               <a:rPr>
@@ -7989,6 +8093,86 @@
           <a:p>
             <a:pPr/>
             <a:fld id="{86CB4B4D-7CA3-9044-876B-883B54F8677D}" type="slidenum"/>
+          </a:p>
+        </p:txBody>
+      </p:sp>
+      <p:sp>
+        <p:nvSpPr>
+          <p:cNvPr id="137" name="Shape 137"/>
+          <p:cNvSpPr/>
+          <p:nvPr/>
+        </p:nvSpPr>
+        <p:spPr>
+          <a:xfrm>
+            <a:off x="7466378" y="5242768"/>
+            <a:ext cx="937069" cy="3302001"/>
+          </a:xfrm>
+          <a:prstGeom prst="rect">
+            <a:avLst/>
+          </a:prstGeom>
+          <a:ln w="12700">
+            <a:miter lim="400000"/>
+          </a:ln>
+          <a:extLst>
+            <a:ext uri="{C572A759-6A51-4108-AA02-DFA0A04FC94B}">
+              <ma14:wrappingTextBoxFlag xmlns:ma14="http://schemas.microsoft.com/office/mac/drawingml/2011/main" val="1"/>
+            </a:ext>
+          </a:extLst>
+        </p:spPr>
+        <p:txBody>
+          <a:bodyPr lIns="50800" tIns="50800" rIns="50800" bIns="50800" anchor="ctr">
+            <a:spAutoFit/>
+          </a:bodyPr>
+          <a:lstStyle>
+            <a:lvl1pPr>
+              <a:defRPr sz="21000"/>
+            </a:lvl1pPr>
+          </a:lstStyle>
+          <a:p>
+            <a:pPr/>
+            <a:r>
+              <a:t>}</a:t>
+            </a:r>
+          </a:p>
+        </p:txBody>
+      </p:sp>
+      <p:sp>
+        <p:nvSpPr>
+          <p:cNvPr id="138" name="Shape 138"/>
+          <p:cNvSpPr/>
+          <p:nvPr/>
+        </p:nvSpPr>
+        <p:spPr>
+          <a:xfrm>
+            <a:off x="8331504" y="6851649"/>
+            <a:ext cx="1904392" cy="469901"/>
+          </a:xfrm>
+          <a:prstGeom prst="rect">
+            <a:avLst/>
+          </a:prstGeom>
+          <a:ln w="12700">
+            <a:miter lim="400000"/>
+          </a:ln>
+          <a:extLst>
+            <a:ext uri="{C572A759-6A51-4108-AA02-DFA0A04FC94B}">
+              <ma14:wrappingTextBoxFlag xmlns:ma14="http://schemas.microsoft.com/office/mac/drawingml/2011/main" val="1"/>
+            </a:ext>
+          </a:extLst>
+        </p:spPr>
+        <p:txBody>
+          <a:bodyPr wrap="none" lIns="50800" tIns="50800" rIns="50800" bIns="50800" anchor="ctr">
+            <a:spAutoFit/>
+          </a:bodyPr>
+          <a:lstStyle>
+            <a:lvl1pPr>
+              <a:defRPr sz="2400"/>
+            </a:lvl1pPr>
+          </a:lstStyle>
+          <a:p>
+            <a:pPr/>
+            <a:r>
+              <a:t>people suffer</a:t>
+            </a:r>
           </a:p>
         </p:txBody>
       </p:sp>
@@ -8020,7 +8204,7 @@
       </p:grpSpPr>
       <p:sp>
         <p:nvSpPr>
-          <p:cNvPr id="138" name="Shape 138"/>
+          <p:cNvPr id="140" name="Shape 140"/>
           <p:cNvSpPr/>
           <p:nvPr>
             <p:ph type="title"/>
@@ -8037,267 +8221,68 @@
           <a:p>
             <a:pPr/>
             <a:r>
-              <a:t>Why Projects Fork?</a:t>
-            </a:r>
-          </a:p>
-        </p:txBody>
-      </p:sp>
-      <p:pic>
-        <p:nvPicPr>
-          <p:cNvPr id="139" name="Screen Shot 2016-02-05 at 12.36.58 PM.png"/>
-          <p:cNvPicPr>
-            <a:picLocks noChangeAspect="1"/>
-          </p:cNvPicPr>
-          <p:nvPr/>
-        </p:nvPicPr>
-        <p:blipFill>
-          <a:blip r:embed="rId2">
-            <a:extLst/>
-          </a:blip>
-          <a:stretch>
-            <a:fillRect/>
-          </a:stretch>
-        </p:blipFill>
-        <p:spPr>
-          <a:xfrm>
-            <a:off x="3176619" y="3231951"/>
-            <a:ext cx="8831892" cy="3289513"/>
-          </a:xfrm>
-          <a:prstGeom prst="rect">
-            <a:avLst/>
-          </a:prstGeom>
-          <a:ln w="12700">
-            <a:miter lim="400000"/>
-          </a:ln>
-        </p:spPr>
-      </p:pic>
-      <p:sp>
-        <p:nvSpPr>
-          <p:cNvPr id="140" name="Shape 140"/>
+              <a:t>Undesirable forks = ?</a:t>
+            </a:r>
+          </a:p>
+        </p:txBody>
+      </p:sp>
+      <p:sp>
+        <p:nvSpPr>
+          <p:cNvPr id="141" name="Shape 141"/>
           <p:cNvSpPr/>
           <p:nvPr>
-            <p:ph type="sldNum" sz="quarter" idx="4294967295"/>
+            <p:ph type="body" idx="1"/>
           </p:nvPr>
         </p:nvSpPr>
         <p:spPr>
-          <a:xfrm>
-            <a:off x="6375349" y="9251950"/>
-            <a:ext cx="241402" cy="381000"/>
-          </a:xfrm>
-          <a:prstGeom prst="rect">
-            <a:avLst/>
-          </a:prstGeom>
-          <a:extLst>
-            <a:ext uri="{C572A759-6A51-4108-AA02-DFA0A04FC94B}">
-              <ma14:wrappingTextBoxFlag xmlns:ma14="http://schemas.microsoft.com/office/mac/drawingml/2011/main" val="1"/>
-            </a:ext>
-          </a:extLst>
+          <a:prstGeom prst="rect">
+            <a:avLst/>
+          </a:prstGeom>
         </p:spPr>
         <p:txBody>
           <a:bodyPr/>
           <a:lstStyle/>
           <a:p>
-            <a:pPr/>
-            <a:fld id="{86CB4B4D-7CA3-9044-876B-883B54F8677D}" type="slidenum"/>
-          </a:p>
-        </p:txBody>
-      </p:sp>
-      <p:sp>
-        <p:nvSpPr>
-          <p:cNvPr id="141" name="Shape 141"/>
-          <p:cNvSpPr/>
-          <p:nvPr/>
-        </p:nvSpPr>
-        <p:spPr>
-          <a:xfrm>
-            <a:off x="2119678" y="3536949"/>
-            <a:ext cx="634700" cy="1536701"/>
-          </a:xfrm>
-          <a:prstGeom prst="rect">
-            <a:avLst/>
-          </a:prstGeom>
-          <a:ln w="12700">
-            <a:miter lim="400000"/>
-          </a:ln>
-          <a:extLst>
-            <a:ext uri="{C572A759-6A51-4108-AA02-DFA0A04FC94B}">
-              <ma14:wrappingTextBoxFlag xmlns:ma14="http://schemas.microsoft.com/office/mac/drawingml/2011/main" val="1"/>
-            </a:ext>
-          </a:extLst>
-        </p:spPr>
-        <p:txBody>
-          <a:bodyPr lIns="50800" tIns="50800" rIns="50800" bIns="50800" anchor="ctr">
-            <a:spAutoFit/>
-          </a:bodyPr>
-          <a:lstStyle>
-            <a:lvl1pPr>
-              <a:defRPr sz="9400"/>
-            </a:lvl1pPr>
-          </a:lstStyle>
-          <a:p>
-            <a:pPr/>
-            <a:r>
-              <a:t>{</a:t>
-            </a:r>
-          </a:p>
-        </p:txBody>
-      </p:sp>
-      <p:sp>
-        <p:nvSpPr>
-          <p:cNvPr id="142" name="Shape 142"/>
-          <p:cNvSpPr/>
-          <p:nvPr/>
-        </p:nvSpPr>
-        <p:spPr>
-          <a:xfrm>
-            <a:off x="523443" y="4197349"/>
-            <a:ext cx="1772514" cy="393701"/>
-          </a:xfrm>
-          <a:prstGeom prst="rect">
-            <a:avLst/>
-          </a:prstGeom>
-          <a:ln w="12700">
-            <a:miter lim="400000"/>
-          </a:ln>
-          <a:extLst>
-            <a:ext uri="{C572A759-6A51-4108-AA02-DFA0A04FC94B}">
-              <ma14:wrappingTextBoxFlag xmlns:ma14="http://schemas.microsoft.com/office/mac/drawingml/2011/main" val="1"/>
-            </a:ext>
-          </a:extLst>
-        </p:spPr>
-        <p:txBody>
-          <a:bodyPr wrap="none" lIns="50800" tIns="50800" rIns="50800" bIns="50800" anchor="ctr">
-            <a:spAutoFit/>
-          </a:bodyPr>
-          <a:lstStyle>
-            <a:lvl1pPr>
-              <a:defRPr sz="1900"/>
-            </a:lvl1pPr>
-          </a:lstStyle>
-          <a:p>
-            <a:pPr/>
-            <a:r>
-              <a:t>Socially-related</a:t>
-            </a:r>
-          </a:p>
-        </p:txBody>
-      </p:sp>
-      <p:sp>
-        <p:nvSpPr>
-          <p:cNvPr id="143" name="Shape 143"/>
-          <p:cNvSpPr/>
-          <p:nvPr/>
-        </p:nvSpPr>
-        <p:spPr>
-          <a:xfrm>
-            <a:off x="2718198" y="3937000"/>
-            <a:ext cx="395797" cy="304801"/>
-          </a:xfrm>
-          <a:prstGeom prst="rect">
-            <a:avLst/>
-          </a:prstGeom>
-          <a:ln w="12700">
-            <a:miter lim="400000"/>
-          </a:ln>
-          <a:extLst>
-            <a:ext uri="{C572A759-6A51-4108-AA02-DFA0A04FC94B}">
-              <ma14:wrappingTextBoxFlag xmlns:ma14="http://schemas.microsoft.com/office/mac/drawingml/2011/main" val="1"/>
-            </a:ext>
-          </a:extLst>
-        </p:spPr>
-        <p:txBody>
-          <a:bodyPr wrap="none" lIns="50800" tIns="50800" rIns="50800" bIns="50800" anchor="ctr">
-            <a:spAutoFit/>
-          </a:bodyPr>
-          <a:lstStyle>
-            <a:lvl1pPr>
-              <a:defRPr sz="1300"/>
-            </a:lvl1pPr>
-          </a:lstStyle>
-          <a:p>
-            <a:pPr/>
-            <a:r>
-              <a:t>H.F.</a:t>
-            </a:r>
-          </a:p>
-        </p:txBody>
-      </p:sp>
-      <p:sp>
-        <p:nvSpPr>
-          <p:cNvPr id="144" name="Shape 144"/>
-          <p:cNvSpPr/>
-          <p:nvPr/>
-        </p:nvSpPr>
-        <p:spPr>
-          <a:xfrm>
-            <a:off x="2716801" y="4432300"/>
-            <a:ext cx="395796" cy="304801"/>
-          </a:xfrm>
-          <a:prstGeom prst="rect">
-            <a:avLst/>
-          </a:prstGeom>
-          <a:ln w="12700">
-            <a:miter lim="400000"/>
-          </a:ln>
-          <a:extLst>
-            <a:ext uri="{C572A759-6A51-4108-AA02-DFA0A04FC94B}">
-              <ma14:wrappingTextBoxFlag xmlns:ma14="http://schemas.microsoft.com/office/mac/drawingml/2011/main" val="1"/>
-            </a:ext>
-          </a:extLst>
-        </p:spPr>
-        <p:txBody>
-          <a:bodyPr wrap="none" lIns="50800" tIns="50800" rIns="50800" bIns="50800" anchor="ctr">
-            <a:spAutoFit/>
-          </a:bodyPr>
-          <a:lstStyle>
-            <a:lvl1pPr>
-              <a:defRPr sz="1300"/>
-            </a:lvl1pPr>
-          </a:lstStyle>
-          <a:p>
-            <a:pPr/>
-            <a:r>
-              <a:t>U.F.</a:t>
-            </a:r>
-          </a:p>
-        </p:txBody>
-      </p:sp>
-      <p:sp>
-        <p:nvSpPr>
-          <p:cNvPr id="145" name="Shape 145"/>
-          <p:cNvSpPr/>
-          <p:nvPr/>
-        </p:nvSpPr>
-        <p:spPr>
-          <a:xfrm>
-            <a:off x="2983278" y="4083049"/>
-            <a:ext cx="395797" cy="927101"/>
-          </a:xfrm>
-          <a:prstGeom prst="rect">
-            <a:avLst/>
-          </a:prstGeom>
-          <a:ln w="12700">
-            <a:miter lim="400000"/>
-          </a:ln>
-          <a:extLst>
-            <a:ext uri="{C572A759-6A51-4108-AA02-DFA0A04FC94B}">
-              <ma14:wrappingTextBoxFlag xmlns:ma14="http://schemas.microsoft.com/office/mac/drawingml/2011/main" val="1"/>
-            </a:ext>
-          </a:extLst>
-        </p:spPr>
-        <p:txBody>
-          <a:bodyPr lIns="50800" tIns="50800" rIns="50800" bIns="50800" anchor="ctr">
-            <a:spAutoFit/>
-          </a:bodyPr>
-          <a:lstStyle>
-            <a:lvl1pPr>
-              <a:defRPr sz="5400"/>
-            </a:lvl1pPr>
-          </a:lstStyle>
-          <a:p>
-            <a:pPr/>
-            <a:r>
-              <a:t>{</a:t>
+            <a:pPr>
+              <a:defRPr b="1">
+                <a:latin typeface="Helvetica"/>
+                <a:ea typeface="Helvetica"/>
+                <a:cs typeface="Helvetica"/>
+                <a:sym typeface="Helvetica"/>
+              </a:defRPr>
+            </a:pPr>
+            <a:r>
+              <a:t>Undesirable forks: </a:t>
+            </a:r>
+            <a:r>
+              <a:rPr b="0">
+                <a:latin typeface="+mn-lt"/>
+                <a:ea typeface="+mn-ea"/>
+                <a:cs typeface="+mn-cs"/>
+                <a:sym typeface="Helvetica Light"/>
+              </a:rPr>
+              <a:t>Perceived as bad forks, that affects the developer community and users negatively, and would’ve been avoided if possible.</a:t>
+            </a:r>
+            <a:endParaRPr b="0">
+              <a:latin typeface="+mn-lt"/>
+              <a:ea typeface="+mn-ea"/>
+              <a:cs typeface="+mn-cs"/>
+              <a:sym typeface="Helvetica Light"/>
+            </a:endParaRPr>
+          </a:p>
+          <a:p>
+            <a:pPr/>
+            <a:r>
+              <a:rPr b="1">
+                <a:latin typeface="Helvetica"/>
+                <a:ea typeface="Helvetica"/>
+                <a:cs typeface="Helvetica"/>
+                <a:sym typeface="Helvetica"/>
+              </a:rPr>
+              <a:t>Socially-related forks</a:t>
+            </a:r>
+            <a:r>
+              <a:t>: Could have left traces in the developers’ interactions data.</a:t>
             </a:r>
           </a:p>
         </p:txBody>
@@ -8330,7 +8315,7 @@
       </p:grpSpPr>
       <p:sp>
         <p:nvSpPr>
-          <p:cNvPr id="147" name="Shape 147"/>
+          <p:cNvPr id="143" name="Shape 143"/>
           <p:cNvSpPr/>
           <p:nvPr>
             <p:ph type="title"/>
@@ -8347,62 +8332,267 @@
           <a:p>
             <a:pPr/>
             <a:r>
-              <a:t>Undesirable forks = ?</a:t>
-            </a:r>
-          </a:p>
-        </p:txBody>
-      </p:sp>
-      <p:sp>
-        <p:nvSpPr>
-          <p:cNvPr id="148" name="Shape 148"/>
+              <a:t>Why Projects Fork?</a:t>
+            </a:r>
+          </a:p>
+        </p:txBody>
+      </p:sp>
+      <p:pic>
+        <p:nvPicPr>
+          <p:cNvPr id="144" name="Screen Shot 2016-02-05 at 12.36.58 PM.png"/>
+          <p:cNvPicPr>
+            <a:picLocks noChangeAspect="1"/>
+          </p:cNvPicPr>
+          <p:nvPr/>
+        </p:nvPicPr>
+        <p:blipFill>
+          <a:blip r:embed="rId2">
+            <a:extLst/>
+          </a:blip>
+          <a:stretch>
+            <a:fillRect/>
+          </a:stretch>
+        </p:blipFill>
+        <p:spPr>
+          <a:xfrm>
+            <a:off x="3176619" y="3231951"/>
+            <a:ext cx="8831892" cy="3289513"/>
+          </a:xfrm>
+          <a:prstGeom prst="rect">
+            <a:avLst/>
+          </a:prstGeom>
+          <a:ln w="12700">
+            <a:miter lim="400000"/>
+          </a:ln>
+        </p:spPr>
+      </p:pic>
+      <p:sp>
+        <p:nvSpPr>
+          <p:cNvPr id="145" name="Shape 145"/>
           <p:cNvSpPr/>
           <p:nvPr>
-            <p:ph type="body" idx="1"/>
+            <p:ph type="sldNum" sz="quarter" idx="4294967295"/>
           </p:nvPr>
         </p:nvSpPr>
         <p:spPr>
-          <a:prstGeom prst="rect">
-            <a:avLst/>
-          </a:prstGeom>
+          <a:xfrm>
+            <a:off x="6375349" y="9251950"/>
+            <a:ext cx="241402" cy="381000"/>
+          </a:xfrm>
+          <a:prstGeom prst="rect">
+            <a:avLst/>
+          </a:prstGeom>
+          <a:extLst>
+            <a:ext uri="{C572A759-6A51-4108-AA02-DFA0A04FC94B}">
+              <ma14:wrappingTextBoxFlag xmlns:ma14="http://schemas.microsoft.com/office/mac/drawingml/2011/main" val="1"/>
+            </a:ext>
+          </a:extLst>
         </p:spPr>
         <p:txBody>
           <a:bodyPr/>
           <a:lstStyle/>
           <a:p>
             <a:pPr/>
-            <a:r>
-              <a:rPr b="1">
-                <a:latin typeface="Helvetica"/>
-                <a:ea typeface="Helvetica"/>
-                <a:cs typeface="Helvetica"/>
-                <a:sym typeface="Helvetica"/>
-              </a:rPr>
-              <a:t>Socially-related forks</a:t>
-            </a:r>
-            <a:r>
-              <a:t>: Could have left traces in the developers’ interactions data. Such traces may be identified using longitudinal modeling of the interactions, without digging into the contents of the communications. </a:t>
-            </a:r>
-          </a:p>
-          <a:p>
-            <a:pPr>
-              <a:defRPr b="1">
-                <a:latin typeface="Helvetica"/>
-                <a:ea typeface="Helvetica"/>
-                <a:cs typeface="Helvetica"/>
-                <a:sym typeface="Helvetica"/>
-              </a:defRPr>
-            </a:pPr>
-            <a:r>
-              <a:t>Undesirable forks: </a:t>
-            </a:r>
-            <a:r>
-              <a:rPr b="0">
-                <a:latin typeface="+mn-lt"/>
-                <a:ea typeface="+mn-ea"/>
-                <a:cs typeface="+mn-cs"/>
-                <a:sym typeface="Helvetica Light"/>
-              </a:rPr>
-              <a:t>Perceived as bad forks, that affects the developer community and users negatively, and would’ve been avoided if possible.</a:t>
+            <a:fld id="{86CB4B4D-7CA3-9044-876B-883B54F8677D}" type="slidenum"/>
+          </a:p>
+        </p:txBody>
+      </p:sp>
+      <p:sp>
+        <p:nvSpPr>
+          <p:cNvPr id="146" name="Shape 146"/>
+          <p:cNvSpPr/>
+          <p:nvPr/>
+        </p:nvSpPr>
+        <p:spPr>
+          <a:xfrm>
+            <a:off x="2119678" y="3536949"/>
+            <a:ext cx="634700" cy="1536701"/>
+          </a:xfrm>
+          <a:prstGeom prst="rect">
+            <a:avLst/>
+          </a:prstGeom>
+          <a:ln w="12700">
+            <a:miter lim="400000"/>
+          </a:ln>
+          <a:extLst>
+            <a:ext uri="{C572A759-6A51-4108-AA02-DFA0A04FC94B}">
+              <ma14:wrappingTextBoxFlag xmlns:ma14="http://schemas.microsoft.com/office/mac/drawingml/2011/main" val="1"/>
+            </a:ext>
+          </a:extLst>
+        </p:spPr>
+        <p:txBody>
+          <a:bodyPr lIns="50800" tIns="50800" rIns="50800" bIns="50800" anchor="ctr">
+            <a:spAutoFit/>
+          </a:bodyPr>
+          <a:lstStyle>
+            <a:lvl1pPr>
+              <a:defRPr sz="9400"/>
+            </a:lvl1pPr>
+          </a:lstStyle>
+          <a:p>
+            <a:pPr/>
+            <a:r>
+              <a:t>{</a:t>
+            </a:r>
+          </a:p>
+        </p:txBody>
+      </p:sp>
+      <p:sp>
+        <p:nvSpPr>
+          <p:cNvPr id="147" name="Shape 147"/>
+          <p:cNvSpPr/>
+          <p:nvPr/>
+        </p:nvSpPr>
+        <p:spPr>
+          <a:xfrm>
+            <a:off x="523443" y="4197349"/>
+            <a:ext cx="1772514" cy="393701"/>
+          </a:xfrm>
+          <a:prstGeom prst="rect">
+            <a:avLst/>
+          </a:prstGeom>
+          <a:ln w="12700">
+            <a:miter lim="400000"/>
+          </a:ln>
+          <a:extLst>
+            <a:ext uri="{C572A759-6A51-4108-AA02-DFA0A04FC94B}">
+              <ma14:wrappingTextBoxFlag xmlns:ma14="http://schemas.microsoft.com/office/mac/drawingml/2011/main" val="1"/>
+            </a:ext>
+          </a:extLst>
+        </p:spPr>
+        <p:txBody>
+          <a:bodyPr wrap="none" lIns="50800" tIns="50800" rIns="50800" bIns="50800" anchor="ctr">
+            <a:spAutoFit/>
+          </a:bodyPr>
+          <a:lstStyle>
+            <a:lvl1pPr>
+              <a:defRPr sz="1900"/>
+            </a:lvl1pPr>
+          </a:lstStyle>
+          <a:p>
+            <a:pPr/>
+            <a:r>
+              <a:t>Socially-related</a:t>
+            </a:r>
+          </a:p>
+        </p:txBody>
+      </p:sp>
+      <p:sp>
+        <p:nvSpPr>
+          <p:cNvPr id="148" name="Shape 148"/>
+          <p:cNvSpPr/>
+          <p:nvPr/>
+        </p:nvSpPr>
+        <p:spPr>
+          <a:xfrm>
+            <a:off x="2718198" y="3937000"/>
+            <a:ext cx="395797" cy="304801"/>
+          </a:xfrm>
+          <a:prstGeom prst="rect">
+            <a:avLst/>
+          </a:prstGeom>
+          <a:ln w="12700">
+            <a:miter lim="400000"/>
+          </a:ln>
+          <a:extLst>
+            <a:ext uri="{C572A759-6A51-4108-AA02-DFA0A04FC94B}">
+              <ma14:wrappingTextBoxFlag xmlns:ma14="http://schemas.microsoft.com/office/mac/drawingml/2011/main" val="1"/>
+            </a:ext>
+          </a:extLst>
+        </p:spPr>
+        <p:txBody>
+          <a:bodyPr wrap="none" lIns="50800" tIns="50800" rIns="50800" bIns="50800" anchor="ctr">
+            <a:spAutoFit/>
+          </a:bodyPr>
+          <a:lstStyle>
+            <a:lvl1pPr>
+              <a:defRPr sz="1300"/>
+            </a:lvl1pPr>
+          </a:lstStyle>
+          <a:p>
+            <a:pPr/>
+            <a:r>
+              <a:t>H.F.</a:t>
+            </a:r>
+          </a:p>
+        </p:txBody>
+      </p:sp>
+      <p:sp>
+        <p:nvSpPr>
+          <p:cNvPr id="149" name="Shape 149"/>
+          <p:cNvSpPr/>
+          <p:nvPr/>
+        </p:nvSpPr>
+        <p:spPr>
+          <a:xfrm>
+            <a:off x="2716801" y="4432300"/>
+            <a:ext cx="395796" cy="304801"/>
+          </a:xfrm>
+          <a:prstGeom prst="rect">
+            <a:avLst/>
+          </a:prstGeom>
+          <a:ln w="12700">
+            <a:miter lim="400000"/>
+          </a:ln>
+          <a:extLst>
+            <a:ext uri="{C572A759-6A51-4108-AA02-DFA0A04FC94B}">
+              <ma14:wrappingTextBoxFlag xmlns:ma14="http://schemas.microsoft.com/office/mac/drawingml/2011/main" val="1"/>
+            </a:ext>
+          </a:extLst>
+        </p:spPr>
+        <p:txBody>
+          <a:bodyPr wrap="none" lIns="50800" tIns="50800" rIns="50800" bIns="50800" anchor="ctr">
+            <a:spAutoFit/>
+          </a:bodyPr>
+          <a:lstStyle>
+            <a:lvl1pPr>
+              <a:defRPr sz="1300"/>
+            </a:lvl1pPr>
+          </a:lstStyle>
+          <a:p>
+            <a:pPr/>
+            <a:r>
+              <a:t>U.F.</a:t>
+            </a:r>
+          </a:p>
+        </p:txBody>
+      </p:sp>
+      <p:sp>
+        <p:nvSpPr>
+          <p:cNvPr id="150" name="Shape 150"/>
+          <p:cNvSpPr/>
+          <p:nvPr/>
+        </p:nvSpPr>
+        <p:spPr>
+          <a:xfrm>
+            <a:off x="2983278" y="4083049"/>
+            <a:ext cx="395797" cy="927101"/>
+          </a:xfrm>
+          <a:prstGeom prst="rect">
+            <a:avLst/>
+          </a:prstGeom>
+          <a:ln w="12700">
+            <a:miter lim="400000"/>
+          </a:ln>
+          <a:extLst>
+            <a:ext uri="{C572A759-6A51-4108-AA02-DFA0A04FC94B}">
+              <ma14:wrappingTextBoxFlag xmlns:ma14="http://schemas.microsoft.com/office/mac/drawingml/2011/main" val="1"/>
+            </a:ext>
+          </a:extLst>
+        </p:spPr>
+        <p:txBody>
+          <a:bodyPr lIns="50800" tIns="50800" rIns="50800" bIns="50800" anchor="ctr">
+            <a:spAutoFit/>
+          </a:bodyPr>
+          <a:lstStyle>
+            <a:lvl1pPr>
+              <a:defRPr sz="5400"/>
+            </a:lvl1pPr>
+          </a:lstStyle>
+          <a:p>
+            <a:pPr/>
+            <a:r>
+              <a:t>{</a:t>
             </a:r>
           </a:p>
         </p:txBody>
@@ -8435,7 +8625,7 @@
       </p:grpSpPr>
       <p:sp>
         <p:nvSpPr>
-          <p:cNvPr id="150" name="Shape 150"/>
+          <p:cNvPr id="152" name="Shape 152"/>
           <p:cNvSpPr/>
           <p:nvPr>
             <p:ph type="title"/>
@@ -8459,7 +8649,7 @@
       </p:sp>
       <p:sp>
         <p:nvSpPr>
-          <p:cNvPr id="151" name="Shape 151"/>
+          <p:cNvPr id="153" name="Shape 153"/>
           <p:cNvSpPr/>
           <p:nvPr>
             <p:ph type="sldNum" sz="quarter" idx="4294967295"/>
@@ -8490,7 +8680,7 @@
       </p:sp>
       <p:sp>
         <p:nvSpPr>
-          <p:cNvPr id="152" name="Shape 152"/>
+          <p:cNvPr id="154" name="Shape 154"/>
           <p:cNvSpPr/>
           <p:nvPr/>
         </p:nvSpPr>
@@ -8542,7 +8732,7 @@
       </p:sp>
       <p:graphicFrame>
         <p:nvGraphicFramePr>
-          <p:cNvPr id="153" name="Table 153"/>
+          <p:cNvPr id="155" name="Table 155"/>
           <p:cNvGraphicFramePr/>
           <p:nvPr/>
         </p:nvGraphicFramePr>
@@ -8576,7 +8766,7 @@
                         <a:rPr b="1" sz="2800">
                           <a:sym typeface="Helvetica"/>
                         </a:rPr>
-                        <a:t>What we know</a:t>
+                        <a:t>What we can know about FOSS</a:t>
                       </a:r>
                     </a:p>
                   </a:txBody>
@@ -8649,8 +8839,8 @@
                         </a:spcBef>
                       </a:pPr>
                       <a:r>
-                        <a:rPr sz="1400"/>
-                        <a:t>Static point of view; People are important, but how do these roles change, how they move in and out</a:t>
+                        <a:rPr sz="1300"/>
+                        <a:t>Static point of view; People are important, but how do these roles change, how they move around around</a:t>
                       </a:r>
                     </a:p>
                   </a:txBody>
@@ -8910,7 +9100,7 @@
                       </a:pPr>
                       <a:r>
                         <a:rPr sz="2800"/>
-                        <a:t>Age of users and survival rate patterns</a:t>
+                        <a:t>Age of developers and survival rate patterns</a:t>
                       </a:r>
                     </a:p>
                   </a:txBody>
@@ -9074,7 +9264,7 @@
       </p:grpSpPr>
       <p:sp>
         <p:nvSpPr>
-          <p:cNvPr id="155" name="Shape 155"/>
+          <p:cNvPr id="157" name="Shape 157"/>
           <p:cNvSpPr/>
           <p:nvPr>
             <p:ph type="title"/>
@@ -9098,7 +9288,7 @@
       </p:sp>
       <p:sp>
         <p:nvSpPr>
-          <p:cNvPr id="156" name="Shape 156"/>
+          <p:cNvPr id="158" name="Shape 158"/>
           <p:cNvSpPr/>
           <p:nvPr>
             <p:ph type="body" idx="1"/>
@@ -9119,7 +9309,7 @@
           <a:p>
             <a:pPr/>
             <a:r>
-              <a:t>Do forks leave traces?</a:t>
+              <a:t>Any traces left?</a:t>
             </a:r>
           </a:p>
           <a:p>
@@ -9131,7 +9321,7 @@
           <a:p>
             <a:pPr/>
             <a:r>
-              <a:t>Key indicators?</a:t>
+              <a:t>Key indicators = ?</a:t>
             </a:r>
           </a:p>
           <a:p>
@@ -9145,7 +9335,7 @@
       </p:sp>
       <p:sp>
         <p:nvSpPr>
-          <p:cNvPr id="157" name="Shape 157"/>
+          <p:cNvPr id="159" name="Shape 159"/>
           <p:cNvSpPr/>
           <p:nvPr>
             <p:ph type="sldNum" sz="quarter" idx="4294967295"/>
@@ -9176,7 +9366,7 @@
       </p:sp>
       <p:sp>
         <p:nvSpPr>
-          <p:cNvPr id="158" name="Shape 158"/>
+          <p:cNvPr id="160" name="Shape 160"/>
           <p:cNvSpPr/>
           <p:nvPr/>
         </p:nvSpPr>
@@ -9212,7 +9402,7 @@
               <a:defRPr sz="2800"/>
             </a:pPr>
             <a:r>
-              <a:t>Why these are important? </a:t>
+              <a:t>Why these are important: </a:t>
             </a:r>
             <a:br/>
             <a:r>
@@ -9223,7 +9413,7 @@
       </p:sp>
       <p:sp>
         <p:nvSpPr>
-          <p:cNvPr id="159" name="Shape 159"/>
+          <p:cNvPr id="161" name="Shape 161"/>
           <p:cNvSpPr/>
           <p:nvPr/>
         </p:nvSpPr>
@@ -9263,7 +9453,7 @@
       </p:sp>
       <p:sp>
         <p:nvSpPr>
-          <p:cNvPr id="160" name="Shape 160"/>
+          <p:cNvPr id="162" name="Shape 162"/>
           <p:cNvSpPr/>
           <p:nvPr/>
         </p:nvSpPr>
@@ -9303,7 +9493,7 @@
       </p:sp>
       <p:sp>
         <p:nvSpPr>
-          <p:cNvPr id="161" name="Shape 161"/>
+          <p:cNvPr id="163" name="Shape 163"/>
           <p:cNvSpPr/>
           <p:nvPr/>
         </p:nvSpPr>
@@ -9343,7 +9533,7 @@
       </p:sp>
       <p:sp>
         <p:nvSpPr>
-          <p:cNvPr id="162" name="Shape 162"/>
+          <p:cNvPr id="164" name="Shape 164"/>
           <p:cNvSpPr/>
           <p:nvPr/>
         </p:nvSpPr>
@@ -9383,7 +9573,7 @@
       </p:sp>
       <p:sp>
         <p:nvSpPr>
-          <p:cNvPr id="163" name="Shape 163"/>
+          <p:cNvPr id="165" name="Shape 165"/>
           <p:cNvSpPr/>
           <p:nvPr/>
         </p:nvSpPr>
@@ -9459,7 +9649,7 @@
       </p:grpSpPr>
       <p:pic>
         <p:nvPicPr>
-          <p:cNvPr id="165" name="epc-flow-charts.pdf"/>
+          <p:cNvPr id="167" name="epc-flow-charts.pdf"/>
           <p:cNvPicPr>
             <a:picLocks noChangeAspect="1"/>
           </p:cNvPicPr>
@@ -9488,7 +9678,7 @@
       </p:pic>
       <p:sp>
         <p:nvSpPr>
-          <p:cNvPr id="166" name="Shape 166"/>
+          <p:cNvPr id="168" name="Shape 168"/>
           <p:cNvSpPr/>
           <p:nvPr>
             <p:ph type="title"/>
@@ -9516,7 +9706,7 @@
       </p:sp>
       <p:sp>
         <p:nvSpPr>
-          <p:cNvPr id="167" name="Shape 167"/>
+          <p:cNvPr id="169" name="Shape 169"/>
           <p:cNvSpPr/>
           <p:nvPr>
             <p:ph type="sldNum" sz="quarter" idx="4294967295"/>
@@ -9547,7 +9737,7 @@
       </p:sp>
       <p:sp>
         <p:nvSpPr>
-          <p:cNvPr id="168" name="Shape 168"/>
+          <p:cNvPr id="170" name="Shape 170"/>
           <p:cNvSpPr/>
           <p:nvPr/>
         </p:nvSpPr>
@@ -9587,7 +9777,7 @@
       </p:sp>
       <p:sp>
         <p:nvSpPr>
-          <p:cNvPr id="169" name="Shape 169"/>
+          <p:cNvPr id="171" name="Shape 171"/>
           <p:cNvSpPr/>
           <p:nvPr/>
         </p:nvSpPr>
@@ -9627,7 +9817,7 @@
       </p:sp>
       <p:sp>
         <p:nvSpPr>
-          <p:cNvPr id="170" name="Shape 170"/>
+          <p:cNvPr id="172" name="Shape 172"/>
           <p:cNvSpPr/>
           <p:nvPr/>
         </p:nvSpPr>
@@ -9667,7 +9857,7 @@
       </p:sp>
       <p:sp>
         <p:nvSpPr>
-          <p:cNvPr id="171" name="Shape 171"/>
+          <p:cNvPr id="173" name="Shape 173"/>
           <p:cNvSpPr/>
           <p:nvPr/>
         </p:nvSpPr>

--- a/slides/prelim_presentation.pptx
+++ b/slides/prelim_presentation.pptx
@@ -3123,7 +3123,7 @@
       </p:grpSpPr>
       <p:pic>
         <p:nvPicPr>
-          <p:cNvPr id="175" name="epc-flow-charts.pdf"/>
+          <p:cNvPr id="191" name="epc-flow-charts.pdf"/>
           <p:cNvPicPr>
             <a:picLocks noChangeAspect="1"/>
           </p:cNvPicPr>
@@ -3152,7 +3152,7 @@
       </p:pic>
       <p:sp>
         <p:nvSpPr>
-          <p:cNvPr id="176" name="Shape 176"/>
+          <p:cNvPr id="192" name="Shape 192"/>
           <p:cNvSpPr/>
           <p:nvPr>
             <p:ph type="title"/>
@@ -3184,7 +3184,7 @@
       </p:sp>
       <p:sp>
         <p:nvSpPr>
-          <p:cNvPr id="177" name="Shape 177"/>
+          <p:cNvPr id="193" name="Shape 193"/>
           <p:cNvSpPr/>
           <p:nvPr>
             <p:ph type="sldNum" sz="quarter" idx="4294967295"/>
@@ -3215,7 +3215,7 @@
       </p:sp>
       <p:sp>
         <p:nvSpPr>
-          <p:cNvPr id="178" name="Shape 178"/>
+          <p:cNvPr id="194" name="Shape 194"/>
           <p:cNvSpPr/>
           <p:nvPr/>
         </p:nvSpPr>
@@ -3268,7 +3268,7 @@
       </p:sp>
       <p:sp>
         <p:nvSpPr>
-          <p:cNvPr id="179" name="Shape 179"/>
+          <p:cNvPr id="195" name="Shape 195"/>
           <p:cNvSpPr/>
           <p:nvPr/>
         </p:nvSpPr>
@@ -3326,7 +3326,7 @@
       </p:grpSpPr>
       <p:sp>
         <p:nvSpPr>
-          <p:cNvPr id="181" name="Shape 181"/>
+          <p:cNvPr id="197" name="Shape 197"/>
           <p:cNvSpPr/>
           <p:nvPr>
             <p:ph type="title"/>
@@ -3360,7 +3360,7 @@
       </p:sp>
       <p:pic>
         <p:nvPicPr>
-          <p:cNvPr id="182" name="Screen Shot 2016-02-09 at 1.01.59 PM.png"/>
+          <p:cNvPr id="198" name="Screen Shot 2016-02-09 at 1.01.59 PM.png"/>
           <p:cNvPicPr>
             <a:picLocks noChangeAspect="1"/>
           </p:cNvPicPr>
@@ -3389,7 +3389,7 @@
       </p:pic>
       <p:sp>
         <p:nvSpPr>
-          <p:cNvPr id="183" name="Shape 183"/>
+          <p:cNvPr id="199" name="Shape 199"/>
           <p:cNvSpPr/>
           <p:nvPr>
             <p:ph type="sldNum" sz="quarter" idx="4294967295"/>
@@ -3442,7 +3442,7 @@
       </p:grpSpPr>
       <p:sp>
         <p:nvSpPr>
-          <p:cNvPr id="185" name="Shape 185"/>
+          <p:cNvPr id="201" name="Shape 201"/>
           <p:cNvSpPr/>
           <p:nvPr>
             <p:ph type="title"/>
@@ -3472,7 +3472,7 @@
       </p:sp>
       <p:pic>
         <p:nvPicPr>
-          <p:cNvPr id="186" name="Screen Shot 2016-02-09 at 1.03.19 PM.png"/>
+          <p:cNvPr id="202" name="Screen Shot 2016-02-09 at 1.03.19 PM.png"/>
           <p:cNvPicPr>
             <a:picLocks noChangeAspect="1"/>
           </p:cNvPicPr>
@@ -3501,7 +3501,7 @@
       </p:pic>
       <p:sp>
         <p:nvSpPr>
-          <p:cNvPr id="187" name="Shape 187"/>
+          <p:cNvPr id="203" name="Shape 203"/>
           <p:cNvSpPr/>
           <p:nvPr>
             <p:ph type="sldNum" sz="quarter" idx="4294967295"/>
@@ -3528,7 +3528,7 @@
       </p:sp>
       <p:sp>
         <p:nvSpPr>
-          <p:cNvPr id="188" name="Shape 188"/>
+          <p:cNvPr id="204" name="Shape 204"/>
           <p:cNvSpPr/>
           <p:nvPr/>
         </p:nvSpPr>
@@ -3573,7 +3573,7 @@
       </p:sp>
       <p:sp>
         <p:nvSpPr>
-          <p:cNvPr id="189" name="Shape 189"/>
+          <p:cNvPr id="205" name="Shape 205"/>
           <p:cNvSpPr/>
           <p:nvPr/>
         </p:nvSpPr>
@@ -3613,7 +3613,7 @@
       </p:sp>
       <p:sp>
         <p:nvSpPr>
-          <p:cNvPr id="190" name="Shape 190"/>
+          <p:cNvPr id="206" name="Shape 206"/>
           <p:cNvSpPr/>
           <p:nvPr/>
         </p:nvSpPr>
@@ -3653,7 +3653,7 @@
       </p:sp>
       <p:sp>
         <p:nvSpPr>
-          <p:cNvPr id="191" name="Shape 191"/>
+          <p:cNvPr id="207" name="Shape 207"/>
           <p:cNvSpPr/>
           <p:nvPr/>
         </p:nvSpPr>
@@ -3693,7 +3693,7 @@
       </p:sp>
       <p:sp>
         <p:nvSpPr>
-          <p:cNvPr id="192" name="Shape 192"/>
+          <p:cNvPr id="208" name="Shape 208"/>
           <p:cNvSpPr/>
           <p:nvPr/>
         </p:nvSpPr>
@@ -3733,7 +3733,7 @@
       </p:sp>
       <p:sp>
         <p:nvSpPr>
-          <p:cNvPr id="193" name="Shape 193"/>
+          <p:cNvPr id="209" name="Shape 209"/>
           <p:cNvSpPr/>
           <p:nvPr/>
         </p:nvSpPr>
@@ -3773,7 +3773,7 @@
       </p:sp>
       <p:sp>
         <p:nvSpPr>
-          <p:cNvPr id="194" name="Shape 194"/>
+          <p:cNvPr id="210" name="Shape 210"/>
           <p:cNvSpPr/>
           <p:nvPr/>
         </p:nvSpPr>
@@ -3819,7 +3819,7 @@
       </p:sp>
       <p:sp>
         <p:nvSpPr>
-          <p:cNvPr id="195" name="Shape 195"/>
+          <p:cNvPr id="211" name="Shape 211"/>
           <p:cNvSpPr/>
           <p:nvPr/>
         </p:nvSpPr>
@@ -3861,7 +3861,7 @@
       </p:sp>
       <p:sp>
         <p:nvSpPr>
-          <p:cNvPr id="196" name="Shape 196"/>
+          <p:cNvPr id="212" name="Shape 212"/>
           <p:cNvSpPr/>
           <p:nvPr/>
         </p:nvSpPr>
@@ -3901,7 +3901,7 @@
       </p:sp>
       <p:sp>
         <p:nvSpPr>
-          <p:cNvPr id="197" name="Shape 197"/>
+          <p:cNvPr id="213" name="Shape 213"/>
           <p:cNvSpPr/>
           <p:nvPr/>
         </p:nvSpPr>
@@ -3967,7 +3967,7 @@
       </p:grpSpPr>
       <p:pic>
         <p:nvPicPr>
-          <p:cNvPr id="199" name="epc-flow-charts.pdf"/>
+          <p:cNvPr id="215" name="epc-flow-charts.pdf"/>
           <p:cNvPicPr>
             <a:picLocks noChangeAspect="1"/>
           </p:cNvPicPr>
@@ -3996,7 +3996,7 @@
       </p:pic>
       <p:sp>
         <p:nvSpPr>
-          <p:cNvPr id="200" name="Shape 200"/>
+          <p:cNvPr id="216" name="Shape 216"/>
           <p:cNvSpPr/>
           <p:nvPr>
             <p:ph type="title"/>
@@ -4028,7 +4028,7 @@
       </p:sp>
       <p:sp>
         <p:nvSpPr>
-          <p:cNvPr id="201" name="Shape 201"/>
+          <p:cNvPr id="217" name="Shape 217"/>
           <p:cNvSpPr/>
           <p:nvPr>
             <p:ph type="sldNum" sz="quarter" idx="4294967295"/>
@@ -4059,7 +4059,7 @@
       </p:sp>
       <p:sp>
         <p:nvSpPr>
-          <p:cNvPr id="202" name="Shape 202"/>
+          <p:cNvPr id="218" name="Shape 218"/>
           <p:cNvSpPr/>
           <p:nvPr/>
         </p:nvSpPr>
@@ -4112,7 +4112,7 @@
       </p:sp>
       <p:sp>
         <p:nvSpPr>
-          <p:cNvPr id="203" name="Shape 203"/>
+          <p:cNvPr id="219" name="Shape 219"/>
           <p:cNvSpPr/>
           <p:nvPr/>
         </p:nvSpPr>
@@ -4170,7 +4170,7 @@
       </p:grpSpPr>
       <p:sp>
         <p:nvSpPr>
-          <p:cNvPr id="205" name="Shape 205"/>
+          <p:cNvPr id="221" name="Shape 221"/>
           <p:cNvSpPr/>
           <p:nvPr>
             <p:ph type="title"/>
@@ -4205,7 +4205,7 @@
       </p:sp>
       <p:sp>
         <p:nvSpPr>
-          <p:cNvPr id="206" name="Shape 206"/>
+          <p:cNvPr id="222" name="Shape 222"/>
           <p:cNvSpPr/>
           <p:nvPr>
             <p:ph type="body" idx="1"/>
@@ -4486,7 +4486,7 @@
       </p:sp>
       <p:sp>
         <p:nvSpPr>
-          <p:cNvPr id="207" name="Shape 207"/>
+          <p:cNvPr id="223" name="Shape 223"/>
           <p:cNvSpPr/>
           <p:nvPr>
             <p:ph type="sldNum" sz="quarter" idx="4294967295"/>
@@ -4513,7 +4513,7 @@
       </p:sp>
       <p:sp>
         <p:nvSpPr>
-          <p:cNvPr id="208" name="Shape 208"/>
+          <p:cNvPr id="224" name="Shape 224"/>
           <p:cNvSpPr/>
           <p:nvPr/>
         </p:nvSpPr>
@@ -4575,7 +4575,7 @@
       </p:grpSpPr>
       <p:pic>
         <p:nvPicPr>
-          <p:cNvPr id="210" name="Screen Shot 2016-02-09 at 1.52.56 PM.png"/>
+          <p:cNvPr id="226" name="Screen Shot 2016-02-09 at 1.52.56 PM.png"/>
           <p:cNvPicPr>
             <a:picLocks noChangeAspect="1"/>
           </p:cNvPicPr>
@@ -4605,7 +4605,7 @@
       </p:pic>
       <p:sp>
         <p:nvSpPr>
-          <p:cNvPr id="211" name="Shape 211"/>
+          <p:cNvPr id="227" name="Shape 227"/>
           <p:cNvSpPr/>
           <p:nvPr>
             <p:ph type="sldNum" sz="quarter" idx="4294967295"/>
@@ -4632,7 +4632,7 @@
       </p:sp>
       <p:sp>
         <p:nvSpPr>
-          <p:cNvPr id="212" name="Shape 212"/>
+          <p:cNvPr id="228" name="Shape 228"/>
           <p:cNvSpPr/>
           <p:nvPr/>
         </p:nvSpPr>
@@ -4698,7 +4698,7 @@
       </p:grpSpPr>
       <p:sp>
         <p:nvSpPr>
-          <p:cNvPr id="214" name="Shape 214"/>
+          <p:cNvPr id="230" name="Shape 230"/>
           <p:cNvSpPr/>
           <p:nvPr>
             <p:ph type="title"/>
@@ -4722,7 +4722,7 @@
       </p:sp>
       <p:sp>
         <p:nvSpPr>
-          <p:cNvPr id="215" name="Shape 215"/>
+          <p:cNvPr id="231" name="Shape 231"/>
           <p:cNvSpPr/>
           <p:nvPr>
             <p:ph type="body" idx="1"/>
@@ -4829,7 +4829,7 @@
       </p:sp>
       <p:sp>
         <p:nvSpPr>
-          <p:cNvPr id="216" name="Shape 216"/>
+          <p:cNvPr id="232" name="Shape 232"/>
           <p:cNvSpPr/>
           <p:nvPr>
             <p:ph type="sldNum" sz="quarter" idx="4294967295"/>
@@ -4882,7 +4882,7 @@
       </p:grpSpPr>
       <p:sp>
         <p:nvSpPr>
-          <p:cNvPr id="218" name="Shape 218"/>
+          <p:cNvPr id="234" name="Shape 234"/>
           <p:cNvSpPr/>
           <p:nvPr>
             <p:ph type="title"/>
@@ -4916,7 +4916,7 @@
       </p:sp>
       <p:sp>
         <p:nvSpPr>
-          <p:cNvPr id="219" name="Shape 219"/>
+          <p:cNvPr id="235" name="Shape 235"/>
           <p:cNvSpPr/>
           <p:nvPr>
             <p:ph type="sldNum" sz="quarter" idx="4294967295"/>
@@ -4943,7 +4943,7 @@
       </p:sp>
       <p:sp>
         <p:nvSpPr>
-          <p:cNvPr id="220" name="Shape 220"/>
+          <p:cNvPr id="236" name="Shape 236"/>
           <p:cNvSpPr/>
           <p:nvPr/>
         </p:nvSpPr>
@@ -5015,7 +5015,7 @@
       </p:sp>
       <p:pic>
         <p:nvPicPr>
-          <p:cNvPr id="221" name="pasted-image.pdf"/>
+          <p:cNvPr id="237" name="pasted-image.pdf"/>
           <p:cNvPicPr>
             <a:picLocks noChangeAspect="1"/>
           </p:cNvPicPr>
@@ -5044,7 +5044,7 @@
       </p:pic>
       <p:pic>
         <p:nvPicPr>
-          <p:cNvPr id="222" name="pasted-image.pdf"/>
+          <p:cNvPr id="238" name="pasted-image.pdf"/>
           <p:cNvPicPr>
             <a:picLocks noChangeAspect="1"/>
           </p:cNvPicPr>
@@ -5073,7 +5073,7 @@
       </p:pic>
       <p:pic>
         <p:nvPicPr>
-          <p:cNvPr id="223" name="pasted-image.pdf"/>
+          <p:cNvPr id="239" name="pasted-image.pdf"/>
           <p:cNvPicPr>
             <a:picLocks noChangeAspect="1"/>
           </p:cNvPicPr>
@@ -5102,7 +5102,7 @@
       </p:pic>
       <p:pic>
         <p:nvPicPr>
-          <p:cNvPr id="224" name="pasted-image.pdf"/>
+          <p:cNvPr id="240" name="pasted-image.pdf"/>
           <p:cNvPicPr>
             <a:picLocks noChangeAspect="1"/>
           </p:cNvPicPr>
@@ -5131,7 +5131,7 @@
       </p:pic>
       <p:pic>
         <p:nvPicPr>
-          <p:cNvPr id="225" name="pasted-image.pdf"/>
+          <p:cNvPr id="241" name="pasted-image.pdf"/>
           <p:cNvPicPr>
             <a:picLocks noChangeAspect="1"/>
           </p:cNvPicPr>
@@ -5160,7 +5160,7 @@
       </p:pic>
       <p:pic>
         <p:nvPicPr>
-          <p:cNvPr id="226" name="pasted-image.pdf"/>
+          <p:cNvPr id="242" name="pasted-image.pdf"/>
           <p:cNvPicPr>
             <a:picLocks noChangeAspect="1"/>
           </p:cNvPicPr>
@@ -5189,7 +5189,7 @@
       </p:pic>
       <p:pic>
         <p:nvPicPr>
-          <p:cNvPr id="227" name="pasted-image.pdf"/>
+          <p:cNvPr id="243" name="pasted-image.pdf"/>
           <p:cNvPicPr>
             <a:picLocks noChangeAspect="1"/>
           </p:cNvPicPr>
@@ -5218,7 +5218,7 @@
       </p:pic>
       <p:pic>
         <p:nvPicPr>
-          <p:cNvPr id="228" name="pasted-image.pdf"/>
+          <p:cNvPr id="244" name="pasted-image.pdf"/>
           <p:cNvPicPr>
             <a:picLocks noChangeAspect="1"/>
           </p:cNvPicPr>
@@ -5273,7 +5273,7 @@
       </p:grpSpPr>
       <p:sp>
         <p:nvSpPr>
-          <p:cNvPr id="230" name="Shape 230"/>
+          <p:cNvPr id="246" name="Shape 246"/>
           <p:cNvSpPr/>
           <p:nvPr>
             <p:ph type="title"/>
@@ -5301,7 +5301,7 @@
       </p:sp>
       <p:sp>
         <p:nvSpPr>
-          <p:cNvPr id="231" name="Shape 231"/>
+          <p:cNvPr id="247" name="Shape 247"/>
           <p:cNvSpPr/>
           <p:nvPr>
             <p:ph type="sldNum" sz="quarter" idx="4294967295"/>
@@ -5328,7 +5328,7 @@
       </p:sp>
       <p:sp>
         <p:nvSpPr>
-          <p:cNvPr id="232" name="Shape 232"/>
+          <p:cNvPr id="248" name="Shape 248"/>
           <p:cNvSpPr/>
           <p:nvPr/>
         </p:nvSpPr>
@@ -5366,7 +5366,7 @@
       </p:sp>
       <p:pic>
         <p:nvPicPr>
-          <p:cNvPr id="233" name="pasted-image.pdf"/>
+          <p:cNvPr id="249" name="pasted-image.pdf"/>
           <p:cNvPicPr>
             <a:picLocks noChangeAspect="1"/>
           </p:cNvPicPr>
@@ -5395,7 +5395,7 @@
       </p:pic>
       <p:pic>
         <p:nvPicPr>
-          <p:cNvPr id="234" name="pasted-image.pdf"/>
+          <p:cNvPr id="250" name="pasted-image.pdf"/>
           <p:cNvPicPr>
             <a:picLocks noChangeAspect="1"/>
           </p:cNvPicPr>
@@ -5425,7 +5425,7 @@
       </p:pic>
       <p:sp>
         <p:nvSpPr>
-          <p:cNvPr id="235" name="Shape 235"/>
+          <p:cNvPr id="251" name="Shape 251"/>
           <p:cNvSpPr/>
           <p:nvPr/>
         </p:nvSpPr>
@@ -5463,7 +5463,7 @@
       </p:sp>
       <p:sp>
         <p:nvSpPr>
-          <p:cNvPr id="236" name="Shape 236"/>
+          <p:cNvPr id="252" name="Shape 252"/>
           <p:cNvSpPr/>
           <p:nvPr/>
         </p:nvSpPr>
@@ -5537,7 +5537,7 @@
       </p:grpSpPr>
       <p:sp>
         <p:nvSpPr>
-          <p:cNvPr id="238" name="Shape 238"/>
+          <p:cNvPr id="254" name="Shape 254"/>
           <p:cNvSpPr/>
           <p:nvPr>
             <p:ph type="title"/>
@@ -5567,7 +5567,7 @@
       </p:sp>
       <p:sp>
         <p:nvSpPr>
-          <p:cNvPr id="239" name="Shape 239"/>
+          <p:cNvPr id="255" name="Shape 255"/>
           <p:cNvSpPr/>
           <p:nvPr>
             <p:ph type="body" idx="1"/>
@@ -5988,7 +5988,7 @@
       </p:grpSpPr>
       <p:sp>
         <p:nvSpPr>
-          <p:cNvPr id="241" name="Shape 241"/>
+          <p:cNvPr id="257" name="Shape 257"/>
           <p:cNvSpPr/>
           <p:nvPr>
             <p:ph type="title"/>
@@ -6007,6 +6007,7 @@
               <a:defRPr sz="6719"/>
             </a:pPr>
             <a:r>
+              <a:rPr sz="5040"/>
               <a:t>Statistical Model</a:t>
             </a:r>
             <a:br/>
@@ -6018,7 +6019,7 @@
       </p:sp>
       <p:pic>
         <p:nvPicPr>
-          <p:cNvPr id="242" name="Screen Shot 2016-02-09 at 1.30.42 PM.png"/>
+          <p:cNvPr id="258" name="Screen Shot 2016-02-09 at 1.30.42 PM.png"/>
           <p:cNvPicPr>
             <a:picLocks noChangeAspect="1"/>
           </p:cNvPicPr>
@@ -6047,7 +6048,7 @@
       </p:pic>
       <p:sp>
         <p:nvSpPr>
-          <p:cNvPr id="243" name="Shape 243"/>
+          <p:cNvPr id="259" name="Shape 259"/>
           <p:cNvSpPr/>
           <p:nvPr/>
         </p:nvSpPr>
@@ -6121,7 +6122,7 @@
       </p:sp>
       <p:sp>
         <p:nvSpPr>
-          <p:cNvPr id="244" name="Shape 244"/>
+          <p:cNvPr id="260" name="Shape 260"/>
           <p:cNvSpPr/>
           <p:nvPr/>
         </p:nvSpPr>
@@ -6169,7 +6170,7 @@
       </p:sp>
       <p:sp>
         <p:nvSpPr>
-          <p:cNvPr id="245" name="Shape 245"/>
+          <p:cNvPr id="261" name="Shape 261"/>
           <p:cNvSpPr/>
           <p:nvPr>
             <p:ph type="sldNum" sz="quarter" idx="4294967295"/>
@@ -6222,7 +6223,7 @@
       </p:grpSpPr>
       <p:sp>
         <p:nvSpPr>
-          <p:cNvPr id="247" name="Shape 247"/>
+          <p:cNvPr id="263" name="Shape 263"/>
           <p:cNvSpPr/>
           <p:nvPr>
             <p:ph type="title"/>
@@ -6241,6 +6242,7 @@
               <a:defRPr sz="6719"/>
             </a:pPr>
             <a:r>
+              <a:rPr sz="5040"/>
               <a:t>Statistical Model</a:t>
             </a:r>
             <a:br/>
@@ -6252,7 +6254,7 @@
       </p:sp>
       <p:pic>
         <p:nvPicPr>
-          <p:cNvPr id="248" name="Screen Shot 2016-02-09 at 1.35.43 PM.png"/>
+          <p:cNvPr id="264" name="Screen Shot 2016-02-09 at 1.35.43 PM.png"/>
           <p:cNvPicPr>
             <a:picLocks noChangeAspect="1"/>
           </p:cNvPicPr>
@@ -6281,7 +6283,7 @@
       </p:pic>
       <p:sp>
         <p:nvSpPr>
-          <p:cNvPr id="249" name="Shape 249"/>
+          <p:cNvPr id="265" name="Shape 265"/>
           <p:cNvSpPr/>
           <p:nvPr/>
         </p:nvSpPr>
@@ -6342,14 +6344,14 @@
       </p:sp>
       <p:sp>
         <p:nvSpPr>
-          <p:cNvPr id="250" name="Shape 250"/>
+          <p:cNvPr id="266" name="Shape 266"/>
           <p:cNvSpPr/>
           <p:nvPr/>
         </p:nvSpPr>
         <p:spPr>
           <a:xfrm>
-            <a:off x="370222" y="6400800"/>
-            <a:ext cx="12500174" cy="2667001"/>
+            <a:off x="370222" y="7264399"/>
+            <a:ext cx="12500174" cy="939801"/>
           </a:xfrm>
           <a:prstGeom prst="rect">
             <a:avLst/>
@@ -6375,27 +6377,27 @@
               </a:spcBef>
               <a:buSzPct val="75000"/>
               <a:buChar char="•"/>
-              <a:defRPr sz="2800"/>
+              <a:defRPr sz="1200"/>
             </a:pPr>
             <a:r>
               <a:t>Functions s</a:t>
             </a:r>
             <a:r>
-              <a:rPr baseline="-27272" sz="1100"/>
+              <a:rPr baseline="-25000"/>
               <a:t>ik</a:t>
             </a:r>
             <a:r>
               <a:t>(x) are the effects we define. Parameters β = (β</a:t>
             </a:r>
             <a:r>
-              <a:rPr baseline="-27272" sz="1100"/>
+              <a:rPr baseline="-25000"/>
               <a:t>1</a:t>
             </a:r>
             <a:r>
               <a:t>, ..., β</a:t>
             </a:r>
             <a:r>
-              <a:rPr baseline="-27272" sz="1100"/>
+              <a:rPr baseline="-25000"/>
               <a:t>L</a:t>
             </a:r>
             <a:r>
@@ -6409,20 +6411,20 @@
               </a:spcBef>
               <a:buSzPct val="75000"/>
               <a:buChar char="•"/>
-              <a:defRPr sz="2800"/>
+              <a:defRPr sz="1200"/>
             </a:pPr>
             <a:r>
               <a:t>Idea: Given the opportunity to make a change in his out-going tie variables (X</a:t>
             </a:r>
             <a:r>
-              <a:rPr baseline="-27272" sz="1100"/>
+              <a:rPr baseline="-25000"/>
               <a:t>i1</a:t>
             </a:r>
             <a:r>
               <a:t>,...,X</a:t>
             </a:r>
             <a:r>
-              <a:rPr baseline="-27272" sz="1100"/>
+              <a:rPr baseline="-25000"/>
               <a:t>ig</a:t>
             </a:r>
             <a:r>
@@ -6433,7 +6435,7 @@
       </p:sp>
       <p:sp>
         <p:nvSpPr>
-          <p:cNvPr id="251" name="Shape 251"/>
+          <p:cNvPr id="267" name="Shape 267"/>
           <p:cNvSpPr/>
           <p:nvPr>
             <p:ph type="sldNum" sz="quarter" idx="4294967295"/>
@@ -6486,7 +6488,7 @@
       </p:grpSpPr>
       <p:sp>
         <p:nvSpPr>
-          <p:cNvPr id="253" name="Shape 253"/>
+          <p:cNvPr id="269" name="Shape 269"/>
           <p:cNvSpPr/>
           <p:nvPr>
             <p:ph type="title"/>
@@ -6501,16 +6503,16 @@
           <a:bodyPr/>
           <a:lstStyle/>
           <a:p>
-            <a:pPr defTabSz="490727">
-              <a:defRPr sz="6719"/>
+            <a:pPr defTabSz="549148">
+              <a:defRPr sz="5640"/>
             </a:pPr>
             <a:r>
               <a:t>Statistical Model</a:t>
             </a:r>
           </a:p>
           <a:p>
-            <a:pPr defTabSz="490727">
-              <a:defRPr sz="6719"/>
+            <a:pPr defTabSz="549148">
+              <a:defRPr sz="7519"/>
             </a:pPr>
             <a:r>
               <a:t>Simulation and Estimation</a:t>
@@ -6520,7 +6522,7 @@
       </p:sp>
       <p:sp>
         <p:nvSpPr>
-          <p:cNvPr id="254" name="Shape 254"/>
+          <p:cNvPr id="270" name="Shape 270"/>
           <p:cNvSpPr/>
           <p:nvPr>
             <p:ph type="body" idx="1"/>
@@ -6570,7 +6572,7 @@
       </p:sp>
       <p:sp>
         <p:nvSpPr>
-          <p:cNvPr id="255" name="Shape 255"/>
+          <p:cNvPr id="271" name="Shape 271"/>
           <p:cNvSpPr/>
           <p:nvPr>
             <p:ph type="sldNum" sz="quarter" idx="4294967295"/>
@@ -6597,14 +6599,14 @@
       </p:sp>
       <p:sp>
         <p:nvSpPr>
-          <p:cNvPr id="256" name="Shape 256"/>
+          <p:cNvPr id="272" name="Shape 272"/>
           <p:cNvSpPr/>
           <p:nvPr/>
         </p:nvSpPr>
         <p:spPr>
           <a:xfrm>
             <a:off x="3849030" y="8388350"/>
-            <a:ext cx="5060231" cy="647700"/>
+            <a:ext cx="5060231" cy="647701"/>
           </a:xfrm>
           <a:prstGeom prst="rect">
             <a:avLst/>
@@ -6668,7 +6670,7 @@
       </p:grpSpPr>
       <p:pic>
         <p:nvPicPr>
-          <p:cNvPr id="258" name="epc-flow-charts.pdf"/>
+          <p:cNvPr id="274" name="epc-flow-charts.pdf"/>
           <p:cNvPicPr>
             <a:picLocks noChangeAspect="1"/>
           </p:cNvPicPr>
@@ -6697,7 +6699,7 @@
       </p:pic>
       <p:sp>
         <p:nvSpPr>
-          <p:cNvPr id="259" name="Shape 259"/>
+          <p:cNvPr id="275" name="Shape 275"/>
           <p:cNvSpPr/>
           <p:nvPr>
             <p:ph type="title"/>
@@ -6729,7 +6731,7 @@
       </p:sp>
       <p:sp>
         <p:nvSpPr>
-          <p:cNvPr id="260" name="Shape 260"/>
+          <p:cNvPr id="276" name="Shape 276"/>
           <p:cNvSpPr/>
           <p:nvPr/>
         </p:nvSpPr>
@@ -6782,7 +6784,7 @@
       </p:sp>
       <p:sp>
         <p:nvSpPr>
-          <p:cNvPr id="261" name="Shape 261"/>
+          <p:cNvPr id="277" name="Shape 277"/>
           <p:cNvSpPr/>
           <p:nvPr/>
         </p:nvSpPr>
@@ -6814,7 +6816,7 @@
       </p:sp>
       <p:sp>
         <p:nvSpPr>
-          <p:cNvPr id="262" name="Shape 262"/>
+          <p:cNvPr id="278" name="Shape 278"/>
           <p:cNvSpPr/>
           <p:nvPr>
             <p:ph type="sldNum" sz="quarter" idx="4294967295"/>
@@ -6871,7 +6873,7 @@
       </p:grpSpPr>
       <p:sp>
         <p:nvSpPr>
-          <p:cNvPr id="264" name="Shape 264"/>
+          <p:cNvPr id="280" name="Shape 280"/>
           <p:cNvSpPr/>
           <p:nvPr>
             <p:ph type="title"/>
@@ -6895,7 +6897,7 @@
       </p:sp>
       <p:sp>
         <p:nvSpPr>
-          <p:cNvPr id="265" name="Shape 265"/>
+          <p:cNvPr id="281" name="Shape 281"/>
           <p:cNvSpPr/>
           <p:nvPr>
             <p:ph type="body" idx="1"/>
@@ -6979,7 +6981,7 @@
       </p:sp>
       <p:sp>
         <p:nvSpPr>
-          <p:cNvPr id="266" name="Shape 266"/>
+          <p:cNvPr id="282" name="Shape 282"/>
           <p:cNvSpPr/>
           <p:nvPr>
             <p:ph type="sldNum" sz="quarter" idx="4294967295"/>
@@ -7032,7 +7034,7 @@
       </p:grpSpPr>
       <p:pic>
         <p:nvPicPr>
-          <p:cNvPr id="268" name="epc-flow-charts.pdf"/>
+          <p:cNvPr id="284" name="epc-flow-charts.pdf"/>
           <p:cNvPicPr>
             <a:picLocks noChangeAspect="1"/>
           </p:cNvPicPr>
@@ -7061,7 +7063,7 @@
       </p:pic>
       <p:sp>
         <p:nvSpPr>
-          <p:cNvPr id="269" name="Shape 269"/>
+          <p:cNvPr id="285" name="Shape 285"/>
           <p:cNvSpPr/>
           <p:nvPr>
             <p:ph type="title"/>
@@ -7089,7 +7091,7 @@
       </p:sp>
       <p:sp>
         <p:nvSpPr>
-          <p:cNvPr id="270" name="Shape 270"/>
+          <p:cNvPr id="286" name="Shape 286"/>
           <p:cNvSpPr/>
           <p:nvPr/>
         </p:nvSpPr>
@@ -7142,7 +7144,7 @@
       </p:sp>
       <p:sp>
         <p:nvSpPr>
-          <p:cNvPr id="271" name="Shape 271"/>
+          <p:cNvPr id="287" name="Shape 287"/>
           <p:cNvSpPr/>
           <p:nvPr/>
         </p:nvSpPr>
@@ -7174,7 +7176,7 @@
       </p:sp>
       <p:sp>
         <p:nvSpPr>
-          <p:cNvPr id="272" name="Shape 272"/>
+          <p:cNvPr id="288" name="Shape 288"/>
           <p:cNvSpPr/>
           <p:nvPr>
             <p:ph type="sldNum" sz="quarter" idx="4294967295"/>
@@ -7231,7 +7233,7 @@
       </p:grpSpPr>
       <p:sp>
         <p:nvSpPr>
-          <p:cNvPr id="274" name="Shape 274"/>
+          <p:cNvPr id="290" name="Shape 290"/>
           <p:cNvSpPr/>
           <p:nvPr>
             <p:ph type="title"/>
@@ -7255,7 +7257,7 @@
       </p:sp>
       <p:sp>
         <p:nvSpPr>
-          <p:cNvPr id="275" name="Shape 275"/>
+          <p:cNvPr id="291" name="Shape 291"/>
           <p:cNvSpPr/>
           <p:nvPr>
             <p:ph type="body" idx="1"/>
@@ -7360,7 +7362,7 @@
       </p:sp>
       <p:sp>
         <p:nvSpPr>
-          <p:cNvPr id="276" name="Shape 276"/>
+          <p:cNvPr id="292" name="Shape 292"/>
           <p:cNvSpPr/>
           <p:nvPr>
             <p:ph type="sldNum" sz="quarter" idx="4294967295"/>
@@ -7413,7 +7415,7 @@
       </p:grpSpPr>
       <p:sp>
         <p:nvSpPr>
-          <p:cNvPr id="278" name="Shape 278"/>
+          <p:cNvPr id="294" name="Shape 294"/>
           <p:cNvSpPr/>
           <p:nvPr>
             <p:ph type="title"/>
@@ -7430,14 +7432,14 @@
           <a:p>
             <a:pPr/>
             <a:r>
-              <a:t>Conclusions</a:t>
-            </a:r>
-          </a:p>
-        </p:txBody>
-      </p:sp>
-      <p:sp>
-        <p:nvSpPr>
-          <p:cNvPr id="279" name="Shape 279"/>
+              <a:t>Summary</a:t>
+            </a:r>
+          </a:p>
+        </p:txBody>
+      </p:sp>
+      <p:sp>
+        <p:nvSpPr>
+          <p:cNvPr id="295" name="Shape 295"/>
           <p:cNvSpPr/>
           <p:nvPr>
             <p:ph type="body" idx="1"/>
@@ -7504,7 +7506,15 @@
               <a:defRPr sz="2952"/>
             </a:pPr>
             <a:r>
-              <a:t>Good starting point for gaining an understanding of longitudinal change of underlying properties of an open source project community</a:t>
+              <a:t>Good starting point for gaining an understanding of longitudinal change of underlying properties of an open source project community. </a:t>
+            </a:r>
+            <a:r>
+              <a:rPr sz="1066">
+                <a:solidFill>
+                  <a:srgbClr val="A6AAA9"/>
+                </a:solidFill>
+              </a:rPr>
+              <a:t>(e.g. Github plug-in indicator)</a:t>
             </a:r>
             <a:endParaRPr sz="984"/>
           </a:p>
@@ -7512,7 +7522,7 @@
       </p:sp>
       <p:sp>
         <p:nvSpPr>
-          <p:cNvPr id="280" name="Shape 280"/>
+          <p:cNvPr id="296" name="Shape 296"/>
           <p:cNvSpPr/>
           <p:nvPr>
             <p:ph type="sldNum" sz="quarter" idx="4294967295"/>
@@ -7565,7 +7575,7 @@
       </p:grpSpPr>
       <p:sp>
         <p:nvSpPr>
-          <p:cNvPr id="282" name="Shape 282"/>
+          <p:cNvPr id="298" name="Shape 298"/>
           <p:cNvSpPr/>
           <p:nvPr>
             <p:ph type="title"/>
@@ -7599,7 +7609,7 @@
       </p:sp>
       <p:sp>
         <p:nvSpPr>
-          <p:cNvPr id="283" name="Shape 283"/>
+          <p:cNvPr id="299" name="Shape 299"/>
           <p:cNvSpPr/>
           <p:nvPr>
             <p:ph type="body" idx="1"/>
@@ -7667,7 +7677,7 @@
       </p:grpSpPr>
       <p:sp>
         <p:nvSpPr>
-          <p:cNvPr id="285" name="Shape 285"/>
+          <p:cNvPr id="301" name="Shape 301"/>
           <p:cNvSpPr/>
           <p:nvPr>
             <p:ph type="title"/>
@@ -7691,7 +7701,7 @@
       </p:sp>
       <p:pic>
         <p:nvPicPr>
-          <p:cNvPr id="286" name="Screen Shot 2016-02-09 at 4.18.30 PM.png"/>
+          <p:cNvPr id="302" name="Screen Shot 2016-02-09 at 4.18.30 PM.png"/>
           <p:cNvPicPr>
             <a:picLocks noChangeAspect="1"/>
           </p:cNvPicPr>
@@ -7773,13 +7783,13 @@
           <p:cNvPr id="130" name="Shape 130"/>
           <p:cNvSpPr/>
           <p:nvPr>
-            <p:ph type="body" idx="1"/>
+            <p:ph type="body" sz="half" idx="1"/>
           </p:nvPr>
         </p:nvSpPr>
         <p:spPr>
           <a:xfrm>
-            <a:off x="952500" y="2603500"/>
-            <a:ext cx="10094417" cy="6286500"/>
+            <a:off x="584621" y="2787898"/>
+            <a:ext cx="11378358" cy="3294758"/>
           </a:xfrm>
           <a:prstGeom prst="rect">
             <a:avLst/>
@@ -7872,6 +7882,328 @@
             <a:r>
               <a:t>First attempt: problem context</a:t>
             </a:r>
+          </a:p>
+        </p:txBody>
+      </p:sp>
+      <p:pic>
+        <p:nvPicPr>
+          <p:cNvPr id="133" name="Chordoma-Research-Network-Change-2012.jpg"/>
+          <p:cNvPicPr>
+            <a:picLocks noChangeAspect="1"/>
+          </p:cNvPicPr>
+          <p:nvPr/>
+        </p:nvPicPr>
+        <p:blipFill>
+          <a:blip r:embed="rId2">
+            <a:extLst/>
+          </a:blip>
+          <a:srcRect l="0" t="0" r="48674" b="0"/>
+          <a:stretch>
+            <a:fillRect/>
+          </a:stretch>
+        </p:blipFill>
+        <p:spPr>
+          <a:xfrm>
+            <a:off x="579832" y="5981700"/>
+            <a:ext cx="2791593" cy="2488380"/>
+          </a:xfrm>
+          <a:prstGeom prst="rect">
+            <a:avLst/>
+          </a:prstGeom>
+          <a:ln w="12700">
+            <a:miter lim="400000"/>
+          </a:ln>
+        </p:spPr>
+      </p:pic>
+      <p:pic>
+        <p:nvPicPr>
+          <p:cNvPr id="134" name="Chordoma-Research-Network-Change-2012.jpg"/>
+          <p:cNvPicPr>
+            <a:picLocks noChangeAspect="1"/>
+          </p:cNvPicPr>
+          <p:nvPr/>
+        </p:nvPicPr>
+        <p:blipFill>
+          <a:blip r:embed="rId2">
+            <a:extLst/>
+          </a:blip>
+          <a:srcRect l="52658" t="0" r="0" b="0"/>
+          <a:stretch>
+            <a:fillRect/>
+          </a:stretch>
+        </p:blipFill>
+        <p:spPr>
+          <a:xfrm>
+            <a:off x="9529900" y="5981700"/>
+            <a:ext cx="2574898" cy="2488380"/>
+          </a:xfrm>
+          <a:prstGeom prst="rect">
+            <a:avLst/>
+          </a:prstGeom>
+          <a:ln w="12700">
+            <a:miter lim="400000"/>
+          </a:ln>
+        </p:spPr>
+      </p:pic>
+      <p:pic>
+        <p:nvPicPr>
+          <p:cNvPr id="135" name="Chordoma-Research-Network-Change-2012.jpg"/>
+          <p:cNvPicPr>
+            <a:picLocks noChangeAspect="1"/>
+          </p:cNvPicPr>
+          <p:nvPr/>
+        </p:nvPicPr>
+        <p:blipFill>
+          <a:blip r:embed="rId2">
+            <a:extLst/>
+          </a:blip>
+          <a:srcRect l="0" t="0" r="58113" b="0"/>
+          <a:stretch>
+            <a:fillRect/>
+          </a:stretch>
+        </p:blipFill>
+        <p:spPr>
+          <a:xfrm>
+            <a:off x="3805632" y="5981700"/>
+            <a:ext cx="2278186" cy="2488380"/>
+          </a:xfrm>
+          <a:prstGeom prst="rect">
+            <a:avLst/>
+          </a:prstGeom>
+          <a:ln w="12700">
+            <a:miter lim="400000"/>
+          </a:ln>
+        </p:spPr>
+      </p:pic>
+      <p:sp>
+        <p:nvSpPr>
+          <p:cNvPr id="136" name="Shape 136"/>
+          <p:cNvSpPr/>
+          <p:nvPr/>
+        </p:nvSpPr>
+        <p:spPr>
+          <a:xfrm>
+            <a:off x="7740650" y="6749653"/>
+            <a:ext cx="825501" cy="952501"/>
+          </a:xfrm>
+          <a:prstGeom prst="rect">
+            <a:avLst/>
+          </a:prstGeom>
+          <a:ln w="12700">
+            <a:miter lim="400000"/>
+          </a:ln>
+          <a:extLst>
+            <a:ext uri="{C572A759-6A51-4108-AA02-DFA0A04FC94B}">
+              <ma14:wrappingTextBoxFlag xmlns:ma14="http://schemas.microsoft.com/office/mac/drawingml/2011/main" val="1"/>
+            </a:ext>
+          </a:extLst>
+        </p:spPr>
+        <p:txBody>
+          <a:bodyPr wrap="none" lIns="50800" tIns="50800" rIns="50800" bIns="50800" anchor="ctr">
+            <a:spAutoFit/>
+          </a:bodyPr>
+          <a:lstStyle>
+            <a:lvl1pPr>
+              <a:defRPr sz="5600"/>
+            </a:lvl1pPr>
+          </a:lstStyle>
+          <a:p>
+            <a:pPr/>
+            <a:r>
+              <a:t>…</a:t>
+            </a:r>
+          </a:p>
+        </p:txBody>
+      </p:sp>
+      <p:sp>
+        <p:nvSpPr>
+          <p:cNvPr id="137" name="Shape 137"/>
+          <p:cNvSpPr/>
+          <p:nvPr/>
+        </p:nvSpPr>
+        <p:spPr>
+          <a:xfrm>
+            <a:off x="1912142" y="8511827"/>
+            <a:ext cx="127001" cy="647701"/>
+          </a:xfrm>
+          <a:prstGeom prst="rect">
+            <a:avLst/>
+          </a:prstGeom>
+          <a:ln w="12700">
+            <a:miter lim="400000"/>
+          </a:ln>
+          <a:extLst>
+            <a:ext uri="{C572A759-6A51-4108-AA02-DFA0A04FC94B}">
+              <ma14:wrappingTextBoxFlag xmlns:ma14="http://schemas.microsoft.com/office/mac/drawingml/2011/main" val="1"/>
+            </a:ext>
+          </a:extLst>
+        </p:spPr>
+        <p:txBody>
+          <a:bodyPr wrap="none" lIns="50800" tIns="50800" rIns="50800" bIns="50800" anchor="ctr">
+            <a:spAutoFit/>
+          </a:bodyPr>
+          <a:lstStyle/>
+          <a:p>
+            <a:pPr/>
+            <a:r>
+              <a:t>﻿﻿</a:t>
+            </a:r>
+          </a:p>
+        </p:txBody>
+      </p:sp>
+      <p:pic>
+        <p:nvPicPr>
+          <p:cNvPr id="138" name="pasted-image.pdf"/>
+          <p:cNvPicPr>
+            <a:picLocks noChangeAspect="1"/>
+          </p:cNvPicPr>
+          <p:nvPr/>
+        </p:nvPicPr>
+        <p:blipFill>
+          <a:blip r:embed="rId3">
+            <a:extLst/>
+          </a:blip>
+          <a:stretch>
+            <a:fillRect/>
+          </a:stretch>
+        </p:blipFill>
+        <p:spPr>
+          <a:xfrm>
+            <a:off x="1891903" y="8698755"/>
+            <a:ext cx="317501" cy="368301"/>
+          </a:xfrm>
+          <a:prstGeom prst="rect">
+            <a:avLst/>
+          </a:prstGeom>
+          <a:ln w="12700">
+            <a:miter lim="400000"/>
+          </a:ln>
+        </p:spPr>
+      </p:pic>
+      <p:pic>
+        <p:nvPicPr>
+          <p:cNvPr id="139" name="pasted-image.pdf"/>
+          <p:cNvPicPr>
+            <a:picLocks noChangeAspect="1"/>
+          </p:cNvPicPr>
+          <p:nvPr/>
+        </p:nvPicPr>
+        <p:blipFill>
+          <a:blip r:embed="rId4">
+            <a:extLst/>
+          </a:blip>
+          <a:stretch>
+            <a:fillRect/>
+          </a:stretch>
+        </p:blipFill>
+        <p:spPr>
+          <a:xfrm>
+            <a:off x="4951412" y="8690917"/>
+            <a:ext cx="330201" cy="368301"/>
+          </a:xfrm>
+          <a:prstGeom prst="rect">
+            <a:avLst/>
+          </a:prstGeom>
+          <a:ln w="12700">
+            <a:miter lim="400000"/>
+          </a:ln>
+        </p:spPr>
+      </p:pic>
+      <p:pic>
+        <p:nvPicPr>
+          <p:cNvPr id="140" name="pasted-image.pdf"/>
+          <p:cNvPicPr>
+            <a:picLocks noChangeAspect="1"/>
+          </p:cNvPicPr>
+          <p:nvPr/>
+        </p:nvPicPr>
+        <p:blipFill>
+          <a:blip r:embed="rId5">
+            <a:extLst/>
+          </a:blip>
+          <a:stretch>
+            <a:fillRect/>
+          </a:stretch>
+        </p:blipFill>
+        <p:spPr>
+          <a:xfrm>
+            <a:off x="10760670" y="8707586"/>
+            <a:ext cx="368301" cy="368301"/>
+          </a:xfrm>
+          <a:prstGeom prst="rect">
+            <a:avLst/>
+          </a:prstGeom>
+          <a:ln w="12700">
+            <a:miter lim="400000"/>
+          </a:ln>
+        </p:spPr>
+      </p:pic>
+      <p:pic>
+        <p:nvPicPr>
+          <p:cNvPr id="141" name="pasted-image.pdf"/>
+          <p:cNvPicPr>
+            <a:picLocks noChangeAspect="1"/>
+          </p:cNvPicPr>
+          <p:nvPr/>
+        </p:nvPicPr>
+        <p:blipFill>
+          <a:blip r:embed="rId6">
+            <a:extLst/>
+          </a:blip>
+          <a:stretch>
+            <a:fillRect/>
+          </a:stretch>
+        </p:blipFill>
+        <p:spPr>
+          <a:xfrm>
+            <a:off x="7964338" y="8881516"/>
+            <a:ext cx="304801" cy="63501"/>
+          </a:xfrm>
+          <a:prstGeom prst="rect">
+            <a:avLst/>
+          </a:prstGeom>
+          <a:ln w="12700">
+            <a:miter lim="400000"/>
+          </a:ln>
+        </p:spPr>
+      </p:pic>
+      <p:sp>
+        <p:nvSpPr>
+          <p:cNvPr id="142" name="Shape 142"/>
+          <p:cNvSpPr/>
+          <p:nvPr/>
+        </p:nvSpPr>
+        <p:spPr>
+          <a:xfrm>
+            <a:off x="393700" y="5842000"/>
+            <a:ext cx="12053144" cy="3556546"/>
+          </a:xfrm>
+          <a:prstGeom prst="roundRect">
+            <a:avLst>
+              <a:gd name="adj" fmla="val 14259"/>
+            </a:avLst>
+          </a:prstGeom>
+          <a:ln w="25400">
+            <a:solidFill>
+              <a:srgbClr val="85888D"/>
+            </a:solidFill>
+            <a:miter lim="400000"/>
+          </a:ln>
+          <a:effectLst>
+            <a:outerShdw sx="100000" sy="100000" kx="0" ky="0" algn="b" rotWithShape="0" blurRad="38100" dist="25400" dir="5400000">
+              <a:srgbClr val="000000">
+                <a:alpha val="50000"/>
+              </a:srgbClr>
+            </a:outerShdw>
+          </a:effectLst>
+        </p:spPr>
+        <p:txBody>
+          <a:bodyPr lIns="50800" tIns="50800" rIns="50800" bIns="50800" anchor="ctr"/>
+          <a:lstStyle/>
+          <a:p>
+            <a:pPr>
+              <a:defRPr sz="2400"/>
+            </a:pPr>
           </a:p>
         </p:txBody>
       </p:sp>
@@ -7903,7 +8235,7 @@
       </p:grpSpPr>
       <p:sp>
         <p:nvSpPr>
-          <p:cNvPr id="288" name="Shape 288"/>
+          <p:cNvPr id="304" name="Shape 304"/>
           <p:cNvSpPr/>
           <p:nvPr>
             <p:ph type="ctrTitle"/>
@@ -7927,7 +8259,7 @@
       </p:sp>
       <p:sp>
         <p:nvSpPr>
-          <p:cNvPr id="289" name="Shape 289"/>
+          <p:cNvPr id="305" name="Shape 305"/>
           <p:cNvSpPr/>
           <p:nvPr>
             <p:ph type="subTitle" sz="quarter" idx="1"/>
@@ -7977,7 +8309,7 @@
       </p:grpSpPr>
       <p:sp>
         <p:nvSpPr>
-          <p:cNvPr id="134" name="Shape 134"/>
+          <p:cNvPr id="144" name="Shape 144"/>
           <p:cNvSpPr/>
           <p:nvPr>
             <p:ph type="title"/>
@@ -8001,7 +8333,7 @@
       </p:sp>
       <p:sp>
         <p:nvSpPr>
-          <p:cNvPr id="135" name="Shape 135"/>
+          <p:cNvPr id="145" name="Shape 145"/>
           <p:cNvSpPr/>
           <p:nvPr>
             <p:ph type="body" idx="1"/>
@@ -8067,7 +8399,7 @@
       </p:sp>
       <p:sp>
         <p:nvSpPr>
-          <p:cNvPr id="136" name="Shape 136"/>
+          <p:cNvPr id="146" name="Shape 146"/>
           <p:cNvSpPr/>
           <p:nvPr>
             <p:ph type="sldNum" sz="quarter" idx="4294967295"/>
@@ -8098,13 +8430,13 @@
       </p:sp>
       <p:sp>
         <p:nvSpPr>
-          <p:cNvPr id="137" name="Shape 137"/>
+          <p:cNvPr id="147" name="Shape 147"/>
           <p:cNvSpPr/>
           <p:nvPr/>
         </p:nvSpPr>
         <p:spPr>
           <a:xfrm>
-            <a:off x="7466378" y="5242768"/>
+            <a:off x="7466379" y="5242768"/>
             <a:ext cx="937069" cy="3302001"/>
           </a:xfrm>
           <a:prstGeom prst="rect">
@@ -8138,7 +8470,7 @@
       </p:sp>
       <p:sp>
         <p:nvSpPr>
-          <p:cNvPr id="138" name="Shape 138"/>
+          <p:cNvPr id="148" name="Shape 148"/>
           <p:cNvSpPr/>
           <p:nvPr/>
         </p:nvSpPr>
@@ -8204,7 +8536,38 @@
       </p:grpSpPr>
       <p:sp>
         <p:nvSpPr>
-          <p:cNvPr id="140" name="Shape 140"/>
+          <p:cNvPr id="150" name="Shape 150"/>
+          <p:cNvSpPr/>
+          <p:nvPr/>
+        </p:nvSpPr>
+        <p:spPr>
+          <a:xfrm>
+            <a:off x="7493000" y="2832100"/>
+            <a:ext cx="5229523" cy="5210324"/>
+          </a:xfrm>
+          <a:prstGeom prst="ellipse">
+            <a:avLst/>
+          </a:prstGeom>
+          <a:ln w="50800">
+            <a:solidFill>
+              <a:srgbClr val="000000"/>
+            </a:solidFill>
+            <a:miter lim="400000"/>
+          </a:ln>
+        </p:spPr>
+        <p:txBody>
+          <a:bodyPr lIns="50800" tIns="50800" rIns="50800" bIns="50800" anchor="ctr"/>
+          <a:lstStyle/>
+          <a:p>
+            <a:pPr>
+              <a:defRPr sz="2400"/>
+            </a:pPr>
+          </a:p>
+        </p:txBody>
+      </p:sp>
+      <p:sp>
+        <p:nvSpPr>
+          <p:cNvPr id="151" name="Shape 151"/>
           <p:cNvSpPr/>
           <p:nvPr>
             <p:ph type="title"/>
@@ -8228,13 +8591,17 @@
       </p:sp>
       <p:sp>
         <p:nvSpPr>
-          <p:cNvPr id="141" name="Shape 141"/>
+          <p:cNvPr id="152" name="Shape 152"/>
           <p:cNvSpPr/>
           <p:nvPr>
-            <p:ph type="body" idx="1"/>
+            <p:ph type="body" sz="half" idx="1"/>
           </p:nvPr>
         </p:nvSpPr>
         <p:spPr>
+          <a:xfrm>
+            <a:off x="952500" y="2603500"/>
+            <a:ext cx="6336705" cy="5261124"/>
+          </a:xfrm>
           <a:prstGeom prst="rect">
             <a:avLst/>
           </a:prstGeom>
@@ -8255,7 +8622,7 @@
               <a:t>Undesirable forks: </a:t>
             </a:r>
             <a:r>
-              <a:rPr b="0">
+              <a:rPr b="0" sz="2600">
                 <a:latin typeface="+mn-lt"/>
                 <a:ea typeface="+mn-ea"/>
                 <a:cs typeface="+mn-cs"/>
@@ -8282,7 +8649,223 @@
               <a:t>Socially-related forks</a:t>
             </a:r>
             <a:r>
-              <a:t>: Could have left traces in the developers’ interactions data.</a:t>
+              <a:t>: </a:t>
+            </a:r>
+            <a:r>
+              <a:rPr sz="2600"/>
+              <a:t>Could have left traces in the developers’ interactions data.</a:t>
+            </a:r>
+          </a:p>
+        </p:txBody>
+      </p:sp>
+      <p:sp>
+        <p:nvSpPr>
+          <p:cNvPr id="153" name="Shape 153"/>
+          <p:cNvSpPr/>
+          <p:nvPr/>
+        </p:nvSpPr>
+        <p:spPr>
+          <a:xfrm>
+            <a:off x="8352060" y="4005882"/>
+            <a:ext cx="3511402" cy="3481736"/>
+          </a:xfrm>
+          <a:prstGeom prst="ellipse">
+            <a:avLst/>
+          </a:prstGeom>
+          <a:ln w="38100">
+            <a:solidFill>
+              <a:srgbClr val="53585F"/>
+            </a:solidFill>
+            <a:miter lim="400000"/>
+          </a:ln>
+        </p:spPr>
+        <p:txBody>
+          <a:bodyPr lIns="50800" tIns="50800" rIns="50800" bIns="50800" anchor="ctr"/>
+          <a:lstStyle/>
+          <a:p>
+            <a:pPr>
+              <a:defRPr sz="2400"/>
+            </a:pPr>
+          </a:p>
+        </p:txBody>
+      </p:sp>
+      <p:sp>
+        <p:nvSpPr>
+          <p:cNvPr id="154" name="Shape 154"/>
+          <p:cNvSpPr/>
+          <p:nvPr/>
+        </p:nvSpPr>
+        <p:spPr>
+          <a:xfrm>
+            <a:off x="9067378" y="5178821"/>
+            <a:ext cx="2080767" cy="1978126"/>
+          </a:xfrm>
+          <a:prstGeom prst="ellipse">
+            <a:avLst/>
+          </a:prstGeom>
+          <a:gradFill>
+            <a:gsLst>
+              <a:gs pos="0">
+                <a:srgbClr val="FBFBFB"/>
+              </a:gs>
+              <a:gs pos="100000">
+                <a:srgbClr val="BEBEBE"/>
+              </a:gs>
+            </a:gsLst>
+            <a:lin ang="5400000"/>
+          </a:gradFill>
+          <a:ln w="12700">
+            <a:solidFill>
+              <a:srgbClr val="000000"/>
+            </a:solidFill>
+            <a:miter lim="400000"/>
+          </a:ln>
+          <a:effectLst>
+            <a:outerShdw sx="100000" sy="100000" kx="0" ky="0" algn="b" rotWithShape="0" blurRad="38100" dist="25400" dir="5400000">
+              <a:srgbClr val="000000">
+                <a:alpha val="50000"/>
+              </a:srgbClr>
+            </a:outerShdw>
+          </a:effectLst>
+        </p:spPr>
+        <p:txBody>
+          <a:bodyPr lIns="50800" tIns="50800" rIns="50800" bIns="50800" anchor="ctr"/>
+          <a:lstStyle/>
+          <a:p>
+            <a:pPr>
+              <a:defRPr sz="2400"/>
+            </a:pPr>
+          </a:p>
+        </p:txBody>
+      </p:sp>
+      <p:sp>
+        <p:nvSpPr>
+          <p:cNvPr id="155" name="Shape 155"/>
+          <p:cNvSpPr/>
+          <p:nvPr/>
+        </p:nvSpPr>
+        <p:spPr>
+          <a:xfrm>
+            <a:off x="9324520" y="5354711"/>
+            <a:ext cx="1566483" cy="419101"/>
+          </a:xfrm>
+          <a:prstGeom prst="rect">
+            <a:avLst/>
+          </a:prstGeom>
+          <a:ln w="12700">
+            <a:miter lim="400000"/>
+          </a:ln>
+          <a:extLst>
+            <a:ext uri="{C572A759-6A51-4108-AA02-DFA0A04FC94B}">
+              <ma14:wrappingTextBoxFlag xmlns:ma14="http://schemas.microsoft.com/office/mac/drawingml/2011/main" val="1"/>
+            </a:ext>
+          </a:extLst>
+        </p:spPr>
+        <p:txBody>
+          <a:bodyPr wrap="none" lIns="50800" tIns="50800" rIns="50800" bIns="50800" anchor="ctr">
+            <a:spAutoFit/>
+          </a:bodyPr>
+          <a:lstStyle>
+            <a:lvl1pPr>
+              <a:defRPr sz="2100">
+                <a:solidFill>
+                  <a:srgbClr val="53585F"/>
+                </a:solidFill>
+              </a:defRPr>
+            </a:lvl1pPr>
+          </a:lstStyle>
+          <a:p>
+            <a:pPr/>
+            <a:r>
+              <a:t>Undesirable</a:t>
+            </a:r>
+          </a:p>
+        </p:txBody>
+      </p:sp>
+      <p:sp>
+        <p:nvSpPr>
+          <p:cNvPr id="156" name="Shape 156"/>
+          <p:cNvSpPr/>
+          <p:nvPr/>
+        </p:nvSpPr>
+        <p:spPr>
+          <a:xfrm>
+            <a:off x="9090592" y="4217230"/>
+            <a:ext cx="2034338" cy="431801"/>
+          </a:xfrm>
+          <a:prstGeom prst="rect">
+            <a:avLst/>
+          </a:prstGeom>
+          <a:ln w="12700">
+            <a:miter lim="400000"/>
+          </a:ln>
+          <a:extLst>
+            <a:ext uri="{C572A759-6A51-4108-AA02-DFA0A04FC94B}">
+              <ma14:wrappingTextBoxFlag xmlns:ma14="http://schemas.microsoft.com/office/mac/drawingml/2011/main" val="1"/>
+            </a:ext>
+          </a:extLst>
+        </p:spPr>
+        <p:txBody>
+          <a:bodyPr wrap="none" lIns="50800" tIns="50800" rIns="50800" bIns="50800" anchor="ctr">
+            <a:spAutoFit/>
+          </a:bodyPr>
+          <a:lstStyle>
+            <a:lvl1pPr>
+              <a:defRPr sz="2200">
+                <a:solidFill>
+                  <a:srgbClr val="53585F"/>
+                </a:solidFill>
+              </a:defRPr>
+            </a:lvl1pPr>
+          </a:lstStyle>
+          <a:p>
+            <a:pPr/>
+            <a:r>
+              <a:t>Socially-related</a:t>
+            </a:r>
+          </a:p>
+        </p:txBody>
+      </p:sp>
+      <p:sp>
+        <p:nvSpPr>
+          <p:cNvPr id="157" name="Shape 157"/>
+          <p:cNvSpPr/>
+          <p:nvPr/>
+        </p:nvSpPr>
+        <p:spPr>
+          <a:xfrm>
+            <a:off x="9528730" y="2813049"/>
+            <a:ext cx="1158063" cy="546101"/>
+          </a:xfrm>
+          <a:prstGeom prst="rect">
+            <a:avLst/>
+          </a:prstGeom>
+          <a:ln w="12700">
+            <a:miter lim="400000"/>
+          </a:ln>
+          <a:extLst>
+            <a:ext uri="{C572A759-6A51-4108-AA02-DFA0A04FC94B}">
+              <ma14:wrappingTextBoxFlag xmlns:ma14="http://schemas.microsoft.com/office/mac/drawingml/2011/main" val="1"/>
+            </a:ext>
+          </a:extLst>
+        </p:spPr>
+        <p:txBody>
+          <a:bodyPr wrap="none" lIns="50800" tIns="50800" rIns="50800" bIns="50800" anchor="ctr">
+            <a:spAutoFit/>
+          </a:bodyPr>
+          <a:lstStyle>
+            <a:lvl1pPr>
+              <a:defRPr sz="2900">
+                <a:solidFill>
+                  <a:srgbClr val="53585F"/>
+                </a:solidFill>
+              </a:defRPr>
+            </a:lvl1pPr>
+          </a:lstStyle>
+          <a:p>
+            <a:pPr/>
+            <a:r>
+              <a:t>forked</a:t>
             </a:r>
           </a:p>
         </p:txBody>
@@ -8315,7 +8898,7 @@
       </p:grpSpPr>
       <p:sp>
         <p:nvSpPr>
-          <p:cNvPr id="143" name="Shape 143"/>
+          <p:cNvPr id="159" name="Shape 159"/>
           <p:cNvSpPr/>
           <p:nvPr>
             <p:ph type="title"/>
@@ -8339,7 +8922,7 @@
       </p:sp>
       <p:pic>
         <p:nvPicPr>
-          <p:cNvPr id="144" name="Screen Shot 2016-02-05 at 12.36.58 PM.png"/>
+          <p:cNvPr id="160" name="Screen Shot 2016-02-05 at 12.36.58 PM.png"/>
           <p:cNvPicPr>
             <a:picLocks noChangeAspect="1"/>
           </p:cNvPicPr>
@@ -8368,7 +8951,7 @@
       </p:pic>
       <p:sp>
         <p:nvSpPr>
-          <p:cNvPr id="145" name="Shape 145"/>
+          <p:cNvPr id="161" name="Shape 161"/>
           <p:cNvSpPr/>
           <p:nvPr>
             <p:ph type="sldNum" sz="quarter" idx="4294967295"/>
@@ -8399,7 +8982,7 @@
       </p:sp>
       <p:sp>
         <p:nvSpPr>
-          <p:cNvPr id="146" name="Shape 146"/>
+          <p:cNvPr id="162" name="Shape 162"/>
           <p:cNvSpPr/>
           <p:nvPr/>
         </p:nvSpPr>
@@ -8439,7 +9022,7 @@
       </p:sp>
       <p:sp>
         <p:nvSpPr>
-          <p:cNvPr id="147" name="Shape 147"/>
+          <p:cNvPr id="163" name="Shape 163"/>
           <p:cNvSpPr/>
           <p:nvPr/>
         </p:nvSpPr>
@@ -8479,7 +9062,7 @@
       </p:sp>
       <p:sp>
         <p:nvSpPr>
-          <p:cNvPr id="148" name="Shape 148"/>
+          <p:cNvPr id="164" name="Shape 164"/>
           <p:cNvSpPr/>
           <p:nvPr/>
         </p:nvSpPr>
@@ -8519,7 +9102,7 @@
       </p:sp>
       <p:sp>
         <p:nvSpPr>
-          <p:cNvPr id="149" name="Shape 149"/>
+          <p:cNvPr id="165" name="Shape 165"/>
           <p:cNvSpPr/>
           <p:nvPr/>
         </p:nvSpPr>
@@ -8559,7 +9142,7 @@
       </p:sp>
       <p:sp>
         <p:nvSpPr>
-          <p:cNvPr id="150" name="Shape 150"/>
+          <p:cNvPr id="166" name="Shape 166"/>
           <p:cNvSpPr/>
           <p:nvPr/>
         </p:nvSpPr>
@@ -8625,7 +9208,7 @@
       </p:grpSpPr>
       <p:sp>
         <p:nvSpPr>
-          <p:cNvPr id="152" name="Shape 152"/>
+          <p:cNvPr id="168" name="Shape 168"/>
           <p:cNvSpPr/>
           <p:nvPr>
             <p:ph type="title"/>
@@ -8649,7 +9232,7 @@
       </p:sp>
       <p:sp>
         <p:nvSpPr>
-          <p:cNvPr id="153" name="Shape 153"/>
+          <p:cNvPr id="169" name="Shape 169"/>
           <p:cNvSpPr/>
           <p:nvPr>
             <p:ph type="sldNum" sz="quarter" idx="4294967295"/>
@@ -8680,7 +9263,7 @@
       </p:sp>
       <p:sp>
         <p:nvSpPr>
-          <p:cNvPr id="154" name="Shape 154"/>
+          <p:cNvPr id="170" name="Shape 170"/>
           <p:cNvSpPr/>
           <p:nvPr/>
         </p:nvSpPr>
@@ -8732,7 +9315,7 @@
       </p:sp>
       <p:graphicFrame>
         <p:nvGraphicFramePr>
-          <p:cNvPr id="155" name="Table 155"/>
+          <p:cNvPr id="171" name="Table 171"/>
           <p:cNvGraphicFramePr/>
           <p:nvPr/>
         </p:nvGraphicFramePr>
@@ -8818,7 +9401,11 @@
                         <a:defRPr sz="2800"/>
                       </a:pPr>
                       <a:r>
-                        <a:t>Identifying knowledge brokers</a:t>
+                        <a:t>Identifying knowledge brokers </a:t>
+                      </a:r>
+                      <a:r>
+                        <a:rPr sz="1400"/>
+                        <a:t>[47]</a:t>
                       </a:r>
                     </a:p>
                   </a:txBody>
@@ -8861,12 +9448,16 @@
                         <a:spcBef>
                           <a:spcPts val="3200"/>
                         </a:spcBef>
+                        <a:defRPr sz="2800"/>
                       </a:pPr>
                       <a:r>
-                        <a:rPr sz="2800"/>
-                        <a:t>Visual exploration of collaboration networks
-</a:t>
+                        <a:t>Visual exploration of collaboration </a:t>
                       </a:r>
+                      <a:r>
+                        <a:rPr sz="1400"/>
+                        <a:t>[52]</a:t>
+                      </a:r>
+                      <a:endParaRPr sz="1400"/>
                     </a:p>
                   </a:txBody>
                   <a:tcPr marL="50800" marR="50800" marT="50800" marB="50800" anchor="ctr" anchorCtr="0" horzOverflow="overflow">
@@ -8908,11 +9499,17 @@
                         <a:spcBef>
                           <a:spcPts val="3200"/>
                         </a:spcBef>
+                        <a:defRPr sz="2800"/>
                       </a:pPr>
                       <a:r>
-                        <a:rPr sz="2800"/>
-                        <a:t>Post-forking porting of new features or bug fixes
-</a:t>
+                        <a:t>Post-forking porting of new features</a:t>
+                      </a:r>
+                      <a:r>
+                        <a:rPr sz="1400"/>
+                        <a:t> [7]</a:t>
+                      </a:r>
+                      <a:r>
+                        <a:t> or bug fixes</a:t>
                       </a:r>
                     </a:p>
                   </a:txBody>
@@ -8952,12 +9549,23 @@
                         <a:spcBef>
                           <a:spcPts val="3200"/>
                         </a:spcBef>
+                        <a:defRPr sz="2800"/>
                       </a:pPr>
                       <a:r>
-                        <a:rPr sz="2800"/>
-                        <a:t>Social structures and dynamics
-</a:t>
+                        <a:t>Social structures and dynamics </a:t>
                       </a:r>
+                      <a:r>
+                        <a:rPr sz="1400"/>
+                        <a:t>[10]</a:t>
+                      </a:r>
+                    </a:p>
+                    <a:p>
+                      <a:pPr algn="l">
+                        <a:spcBef>
+                          <a:spcPts val="3200"/>
+                        </a:spcBef>
+                        <a:defRPr sz="2800"/>
+                      </a:pPr>
                     </a:p>
                   </a:txBody>
                   <a:tcPr marL="50800" marR="50800" marT="50800" marB="50800" anchor="ctr" anchorCtr="0" horzOverflow="overflow">
@@ -8999,11 +9607,14 @@
                         <a:spcBef>
                           <a:spcPts val="3200"/>
                         </a:spcBef>
+                        <a:defRPr sz="2800"/>
                       </a:pPr>
                       <a:r>
-                        <a:rPr sz="2800"/>
-                        <a:t>Identifying “key” events
-</a:t>
+                        <a:t>Identifying “key” events</a:t>
+                      </a:r>
+                      <a:r>
+                        <a:rPr sz="1400"/>
+                        <a:t> [1]</a:t>
                       </a:r>
                     </a:p>
                   </a:txBody>
@@ -9049,7 +9660,12 @@
                         <a:defRPr sz="2500"/>
                       </a:pPr>
                       <a:r>
+                        <a:rPr sz="2400"/>
                         <a:t>Tension between diversity &amp; homogeneity</a:t>
+                      </a:r>
+                      <a:r>
+                        <a:rPr sz="1400"/>
+                        <a:t> [28]</a:t>
                       </a:r>
                     </a:p>
                     <a:p>
@@ -9097,10 +9713,14 @@
                         <a:spcBef>
                           <a:spcPts val="3200"/>
                         </a:spcBef>
+                        <a:defRPr sz="2600"/>
                       </a:pPr>
                       <a:r>
-                        <a:rPr sz="2800"/>
-                        <a:t>Age of developers and survival rate patterns</a:t>
+                        <a:t>Age of developers and survival rate </a:t>
+                      </a:r>
+                      <a:r>
+                        <a:rPr sz="1400"/>
+                        <a:t>[21]</a:t>
                       </a:r>
                     </a:p>
                   </a:txBody>
@@ -9143,10 +9763,14 @@
                         <a:spcBef>
                           <a:spcPts val="3200"/>
                         </a:spcBef>
+                        <a:defRPr sz="2800"/>
                       </a:pPr>
                       <a:r>
-                        <a:rPr sz="2800"/>
-                        <a:t>Communication patterns</a:t>
+                        <a:t>Communication patterns </a:t>
+                      </a:r>
+                      <a:r>
+                        <a:rPr sz="1400"/>
+                        <a:t>[24]</a:t>
                       </a:r>
                     </a:p>
                   </a:txBody>
@@ -9189,11 +9813,14 @@
                         <a:spcBef>
                           <a:spcPts val="3200"/>
                         </a:spcBef>
+                        <a:defRPr sz="2800"/>
                       </a:pPr>
                       <a:r>
-                        <a:rPr sz="2800"/>
-                        <a:t>Sustainability
-</a:t>
+                        <a:t>Sustainability </a:t>
+                      </a:r>
+                      <a:r>
+                        <a:rPr sz="1400"/>
+                        <a:t>[31]</a:t>
                       </a:r>
                     </a:p>
                   </a:txBody>
@@ -9264,7 +9891,7 @@
       </p:grpSpPr>
       <p:sp>
         <p:nvSpPr>
-          <p:cNvPr id="157" name="Shape 157"/>
+          <p:cNvPr id="173" name="Shape 173"/>
           <p:cNvSpPr/>
           <p:nvPr>
             <p:ph type="title"/>
@@ -9288,7 +9915,7 @@
       </p:sp>
       <p:sp>
         <p:nvSpPr>
-          <p:cNvPr id="158" name="Shape 158"/>
+          <p:cNvPr id="174" name="Shape 174"/>
           <p:cNvSpPr/>
           <p:nvPr>
             <p:ph type="body" idx="1"/>
@@ -9335,7 +9962,7 @@
       </p:sp>
       <p:sp>
         <p:nvSpPr>
-          <p:cNvPr id="159" name="Shape 159"/>
+          <p:cNvPr id="175" name="Shape 175"/>
           <p:cNvSpPr/>
           <p:nvPr>
             <p:ph type="sldNum" sz="quarter" idx="4294967295"/>
@@ -9366,7 +9993,7 @@
       </p:sp>
       <p:sp>
         <p:nvSpPr>
-          <p:cNvPr id="160" name="Shape 160"/>
+          <p:cNvPr id="176" name="Shape 176"/>
           <p:cNvSpPr/>
           <p:nvPr/>
         </p:nvSpPr>
@@ -9413,7 +10040,7 @@
       </p:sp>
       <p:sp>
         <p:nvSpPr>
-          <p:cNvPr id="161" name="Shape 161"/>
+          <p:cNvPr id="177" name="Shape 177"/>
           <p:cNvSpPr/>
           <p:nvPr/>
         </p:nvSpPr>
@@ -9453,7 +10080,7 @@
       </p:sp>
       <p:sp>
         <p:nvSpPr>
-          <p:cNvPr id="162" name="Shape 162"/>
+          <p:cNvPr id="178" name="Shape 178"/>
           <p:cNvSpPr/>
           <p:nvPr/>
         </p:nvSpPr>
@@ -9493,7 +10120,7 @@
       </p:sp>
       <p:sp>
         <p:nvSpPr>
-          <p:cNvPr id="163" name="Shape 163"/>
+          <p:cNvPr id="179" name="Shape 179"/>
           <p:cNvSpPr/>
           <p:nvPr/>
         </p:nvSpPr>
@@ -9533,7 +10160,7 @@
       </p:sp>
       <p:sp>
         <p:nvSpPr>
-          <p:cNvPr id="164" name="Shape 164"/>
+          <p:cNvPr id="180" name="Shape 180"/>
           <p:cNvSpPr/>
           <p:nvPr/>
         </p:nvSpPr>
@@ -9573,7 +10200,7 @@
       </p:sp>
       <p:sp>
         <p:nvSpPr>
-          <p:cNvPr id="165" name="Shape 165"/>
+          <p:cNvPr id="181" name="Shape 181"/>
           <p:cNvSpPr/>
           <p:nvPr/>
         </p:nvSpPr>
@@ -9649,7 +10276,7 @@
       </p:grpSpPr>
       <p:pic>
         <p:nvPicPr>
-          <p:cNvPr id="167" name="epc-flow-charts.pdf"/>
+          <p:cNvPr id="183" name="epc-flow-charts.pdf"/>
           <p:cNvPicPr>
             <a:picLocks noChangeAspect="1"/>
           </p:cNvPicPr>
@@ -9678,7 +10305,7 @@
       </p:pic>
       <p:sp>
         <p:nvSpPr>
-          <p:cNvPr id="168" name="Shape 168"/>
+          <p:cNvPr id="184" name="Shape 184"/>
           <p:cNvSpPr/>
           <p:nvPr>
             <p:ph type="title"/>
@@ -9706,7 +10333,7 @@
       </p:sp>
       <p:sp>
         <p:nvSpPr>
-          <p:cNvPr id="169" name="Shape 169"/>
+          <p:cNvPr id="185" name="Shape 185"/>
           <p:cNvSpPr/>
           <p:nvPr>
             <p:ph type="sldNum" sz="quarter" idx="4294967295"/>
@@ -9737,7 +10364,7 @@
       </p:sp>
       <p:sp>
         <p:nvSpPr>
-          <p:cNvPr id="170" name="Shape 170"/>
+          <p:cNvPr id="186" name="Shape 186"/>
           <p:cNvSpPr/>
           <p:nvPr/>
         </p:nvSpPr>
@@ -9777,7 +10404,7 @@
       </p:sp>
       <p:sp>
         <p:nvSpPr>
-          <p:cNvPr id="171" name="Shape 171"/>
+          <p:cNvPr id="187" name="Shape 187"/>
           <p:cNvSpPr/>
           <p:nvPr/>
         </p:nvSpPr>
@@ -9817,7 +10444,7 @@
       </p:sp>
       <p:sp>
         <p:nvSpPr>
-          <p:cNvPr id="172" name="Shape 172"/>
+          <p:cNvPr id="188" name="Shape 188"/>
           <p:cNvSpPr/>
           <p:nvPr/>
         </p:nvSpPr>
@@ -9857,7 +10484,7 @@
       </p:sp>
       <p:sp>
         <p:nvSpPr>
-          <p:cNvPr id="173" name="Shape 173"/>
+          <p:cNvPr id="189" name="Shape 189"/>
           <p:cNvSpPr/>
           <p:nvPr/>
         </p:nvSpPr>
